--- a/projet2/projet2.pptx
+++ b/projet2/projet2.pptx
@@ -10,11 +10,15 @@
     <p:sldId id="257" r:id="rId4"/>
     <p:sldId id="258" r:id="rId5"/>
     <p:sldId id="263" r:id="rId6"/>
-    <p:sldId id="265" r:id="rId7"/>
-    <p:sldId id="264" r:id="rId8"/>
-    <p:sldId id="260" r:id="rId9"/>
-    <p:sldId id="261" r:id="rId10"/>
-    <p:sldId id="262" r:id="rId11"/>
+    <p:sldId id="270" r:id="rId7"/>
+    <p:sldId id="271" r:id="rId8"/>
+    <p:sldId id="265" r:id="rId9"/>
+    <p:sldId id="264" r:id="rId10"/>
+    <p:sldId id="260" r:id="rId11"/>
+    <p:sldId id="261" r:id="rId12"/>
+    <p:sldId id="267" r:id="rId13"/>
+    <p:sldId id="269" r:id="rId14"/>
+    <p:sldId id="262" r:id="rId15"/>
   </p:sldIdLst>
   <p:sldSz cx="12192000" cy="6858000"/>
   <p:notesSz cx="6858000" cy="9144000"/>
@@ -113,6 +117,11 @@
       </a:defRPr>
     </a:lvl9pPr>
   </p:defaultTextStyle>
+  <p:extLst>
+    <p:ext uri="{EFAFB233-063F-42B5-8137-9DF3F51BA10A}">
+      <p15:sldGuideLst xmlns:p15="http://schemas.microsoft.com/office/powerpoint/2012/main"/>
+    </p:ext>
+  </p:extLst>
 </p:presentation>
 </file>
 
@@ -120,19 +129,19 @@
 <pc:chgInfo xmlns:a="http://schemas.openxmlformats.org/drawingml/2006/main" xmlns:r="http://schemas.openxmlformats.org/officeDocument/2006/relationships" xmlns:ac="http://schemas.microsoft.com/office/drawing/2013/main/command" xmlns:pc="http://schemas.microsoft.com/office/powerpoint/2013/main/command">
   <pc:docChgLst>
     <pc:chgData name="Christophe Lebrun" userId="303fc86cbab77272" providerId="LiveId" clId="{D1325364-67D4-4734-844B-AF2494D30FFC}"/>
-    <pc:docChg chg="undo custSel addSld modSld sldOrd">
-      <pc:chgData name="Christophe Lebrun" userId="303fc86cbab77272" providerId="LiveId" clId="{D1325364-67D4-4734-844B-AF2494D30FFC}" dt="2019-06-10T17:10:46.240" v="760" actId="113"/>
+    <pc:docChg chg="undo custSel addSld delSld modSld sldOrd">
+      <pc:chgData name="Christophe Lebrun" userId="303fc86cbab77272" providerId="LiveId" clId="{D1325364-67D4-4734-844B-AF2494D30FFC}" dt="2019-06-26T12:52:00.403" v="4325" actId="20577"/>
       <pc:docMkLst>
         <pc:docMk/>
       </pc:docMkLst>
       <pc:sldChg chg="addSp modSp add">
-        <pc:chgData name="Christophe Lebrun" userId="303fc86cbab77272" providerId="LiveId" clId="{D1325364-67D4-4734-844B-AF2494D30FFC}" dt="2019-06-10T16:46:34.503" v="362" actId="14100"/>
+        <pc:chgData name="Christophe Lebrun" userId="303fc86cbab77272" providerId="LiveId" clId="{D1325364-67D4-4734-844B-AF2494D30FFC}" dt="2019-06-26T07:45:19.817" v="1625" actId="1076"/>
         <pc:sldMkLst>
           <pc:docMk/>
           <pc:sldMk cId="1531447886" sldId="256"/>
         </pc:sldMkLst>
         <pc:spChg chg="mod">
-          <ac:chgData name="Christophe Lebrun" userId="303fc86cbab77272" providerId="LiveId" clId="{D1325364-67D4-4734-844B-AF2494D30FFC}" dt="2019-06-10T16:26:44.809" v="172" actId="1076"/>
+          <ac:chgData name="Christophe Lebrun" userId="303fc86cbab77272" providerId="LiveId" clId="{D1325364-67D4-4734-844B-AF2494D30FFC}" dt="2019-06-26T07:44:32.275" v="1611" actId="1076"/>
           <ac:spMkLst>
             <pc:docMk/>
             <pc:sldMk cId="1531447886" sldId="256"/>
@@ -140,11 +149,19 @@
           </ac:spMkLst>
         </pc:spChg>
         <pc:spChg chg="mod">
-          <ac:chgData name="Christophe Lebrun" userId="303fc86cbab77272" providerId="LiveId" clId="{D1325364-67D4-4734-844B-AF2494D30FFC}" dt="2019-06-10T16:46:34.503" v="362" actId="14100"/>
+          <ac:chgData name="Christophe Lebrun" userId="303fc86cbab77272" providerId="LiveId" clId="{D1325364-67D4-4734-844B-AF2494D30FFC}" dt="2019-06-26T07:45:19.817" v="1625" actId="1076"/>
           <ac:spMkLst>
             <pc:docMk/>
             <pc:sldMk cId="1531447886" sldId="256"/>
             <ac:spMk id="3" creationId="{34D75187-D88F-4F53-B18A-EE11258D12A0}"/>
+          </ac:spMkLst>
+        </pc:spChg>
+        <pc:spChg chg="add mod">
+          <ac:chgData name="Christophe Lebrun" userId="303fc86cbab77272" providerId="LiveId" clId="{D1325364-67D4-4734-844B-AF2494D30FFC}" dt="2019-06-26T07:44:57.187" v="1622" actId="1076"/>
+          <ac:spMkLst>
+            <pc:docMk/>
+            <pc:sldMk cId="1531447886" sldId="256"/>
+            <ac:spMk id="4" creationId="{9C646D9E-13BE-45F2-B603-936E1E00092D}"/>
           </ac:spMkLst>
         </pc:spChg>
         <pc:picChg chg="add mod">
@@ -180,7 +197,7 @@
         </pc:spChg>
       </pc:sldChg>
       <pc:sldChg chg="addSp delSp modSp add">
-        <pc:chgData name="Christophe Lebrun" userId="303fc86cbab77272" providerId="LiveId" clId="{D1325364-67D4-4734-844B-AF2494D30FFC}" dt="2019-06-10T17:10:46.240" v="760" actId="113"/>
+        <pc:chgData name="Christophe Lebrun" userId="303fc86cbab77272" providerId="LiveId" clId="{D1325364-67D4-4734-844B-AF2494D30FFC}" dt="2019-06-25T13:02:05.843" v="1522" actId="6549"/>
         <pc:sldMkLst>
           <pc:docMk/>
           <pc:sldMk cId="621091621" sldId="258"/>
@@ -194,7 +211,7 @@
           </ac:spMkLst>
         </pc:spChg>
         <pc:spChg chg="mod">
-          <ac:chgData name="Christophe Lebrun" userId="303fc86cbab77272" providerId="LiveId" clId="{D1325364-67D4-4734-844B-AF2494D30FFC}" dt="2019-06-10T17:10:46.240" v="760" actId="113"/>
+          <ac:chgData name="Christophe Lebrun" userId="303fc86cbab77272" providerId="LiveId" clId="{D1325364-67D4-4734-844B-AF2494D30FFC}" dt="2019-06-25T13:02:05.843" v="1522" actId="6549"/>
           <ac:spMkLst>
             <pc:docMk/>
             <pc:sldMk cId="621091621" sldId="258"/>
@@ -241,8 +258,8 @@
           </ac:spMkLst>
         </pc:spChg>
       </pc:sldChg>
-      <pc:sldChg chg="modSp add ord">
-        <pc:chgData name="Christophe Lebrun" userId="303fc86cbab77272" providerId="LiveId" clId="{D1325364-67D4-4734-844B-AF2494D30FFC}" dt="2019-06-10T17:01:32.534" v="640" actId="113"/>
+      <pc:sldChg chg="addSp modSp add ord">
+        <pc:chgData name="Christophe Lebrun" userId="303fc86cbab77272" providerId="LiveId" clId="{D1325364-67D4-4734-844B-AF2494D30FFC}" dt="2019-06-26T11:59:06.597" v="2836" actId="1076"/>
         <pc:sldMkLst>
           <pc:docMk/>
           <pc:sldMk cId="3303506237" sldId="260"/>
@@ -261,6 +278,14 @@
             <pc:docMk/>
             <pc:sldMk cId="3303506237" sldId="260"/>
             <ac:spMk id="3" creationId="{C1CD7A5C-6044-4F77-841E-E28AF461363D}"/>
+          </ac:spMkLst>
+        </pc:spChg>
+        <pc:spChg chg="add mod">
+          <ac:chgData name="Christophe Lebrun" userId="303fc86cbab77272" providerId="LiveId" clId="{D1325364-67D4-4734-844B-AF2494D30FFC}" dt="2019-06-26T11:59:06.597" v="2836" actId="1076"/>
+          <ac:spMkLst>
+            <pc:docMk/>
+            <pc:sldMk cId="3303506237" sldId="260"/>
+            <ac:spMk id="4" creationId="{DCE2B66C-CBE3-4153-A49D-FBE1F5B91DAA}"/>
           </ac:spMkLst>
         </pc:spChg>
       </pc:sldChg>
@@ -349,7 +374,7 @@
         </pc:spChg>
       </pc:sldChg>
       <pc:sldChg chg="addSp modSp add">
-        <pc:chgData name="Christophe Lebrun" userId="303fc86cbab77272" providerId="LiveId" clId="{D1325364-67D4-4734-844B-AF2494D30FFC}" dt="2019-06-10T17:08:03.548" v="754" actId="20577"/>
+        <pc:chgData name="Christophe Lebrun" userId="303fc86cbab77272" providerId="LiveId" clId="{D1325364-67D4-4734-844B-AF2494D30FFC}" dt="2019-06-26T11:50:23.298" v="2248" actId="113"/>
         <pc:sldMkLst>
           <pc:docMk/>
           <pc:sldMk cId="2545069334" sldId="265"/>
@@ -363,7 +388,7 @@
           </ac:spMkLst>
         </pc:spChg>
         <pc:spChg chg="mod">
-          <ac:chgData name="Christophe Lebrun" userId="303fc86cbab77272" providerId="LiveId" clId="{D1325364-67D4-4734-844B-AF2494D30FFC}" dt="2019-06-10T17:07:40.835" v="741" actId="1076"/>
+          <ac:chgData name="Christophe Lebrun" userId="303fc86cbab77272" providerId="LiveId" clId="{D1325364-67D4-4734-844B-AF2494D30FFC}" dt="2019-06-26T11:50:08.079" v="2246" actId="20577"/>
           <ac:spMkLst>
             <pc:docMk/>
             <pc:sldMk cId="2545069334" sldId="265"/>
@@ -371,11 +396,189 @@
           </ac:spMkLst>
         </pc:spChg>
         <pc:spChg chg="add mod">
-          <ac:chgData name="Christophe Lebrun" userId="303fc86cbab77272" providerId="LiveId" clId="{D1325364-67D4-4734-844B-AF2494D30FFC}" dt="2019-06-10T17:08:03.548" v="754" actId="20577"/>
+          <ac:chgData name="Christophe Lebrun" userId="303fc86cbab77272" providerId="LiveId" clId="{D1325364-67D4-4734-844B-AF2494D30FFC}" dt="2019-06-26T11:50:23.298" v="2248" actId="113"/>
           <ac:spMkLst>
             <pc:docMk/>
             <pc:sldMk cId="2545069334" sldId="265"/>
             <ac:spMk id="4" creationId="{A703721A-3000-423A-A0D3-E5571F9A6E20}"/>
+          </ac:spMkLst>
+        </pc:spChg>
+      </pc:sldChg>
+      <pc:sldChg chg="add del">
+        <pc:chgData name="Christophe Lebrun" userId="303fc86cbab77272" providerId="LiveId" clId="{D1325364-67D4-4734-844B-AF2494D30FFC}" dt="2019-06-25T09:20:53.645" v="773" actId="2696"/>
+        <pc:sldMkLst>
+          <pc:docMk/>
+          <pc:sldMk cId="1431827167" sldId="266"/>
+        </pc:sldMkLst>
+      </pc:sldChg>
+      <pc:sldChg chg="addSp delSp modSp add ord">
+        <pc:chgData name="Christophe Lebrun" userId="303fc86cbab77272" providerId="LiveId" clId="{D1325364-67D4-4734-844B-AF2494D30FFC}" dt="2019-06-26T11:51:20.649" v="2293" actId="1076"/>
+        <pc:sldMkLst>
+          <pc:docMk/>
+          <pc:sldMk cId="2428231970" sldId="267"/>
+        </pc:sldMkLst>
+        <pc:spChg chg="mod">
+          <ac:chgData name="Christophe Lebrun" userId="303fc86cbab77272" providerId="LiveId" clId="{D1325364-67D4-4734-844B-AF2494D30FFC}" dt="2019-06-26T07:45:36.750" v="1626" actId="1076"/>
+          <ac:spMkLst>
+            <pc:docMk/>
+            <pc:sldMk cId="2428231970" sldId="267"/>
+            <ac:spMk id="2" creationId="{5C719FEB-2FB5-4D1E-BE30-35054F234634}"/>
+          </ac:spMkLst>
+        </pc:spChg>
+        <pc:spChg chg="mod">
+          <ac:chgData name="Christophe Lebrun" userId="303fc86cbab77272" providerId="LiveId" clId="{D1325364-67D4-4734-844B-AF2494D30FFC}" dt="2019-06-26T11:51:20.649" v="2293" actId="1076"/>
+          <ac:spMkLst>
+            <pc:docMk/>
+            <pc:sldMk cId="2428231970" sldId="267"/>
+            <ac:spMk id="3" creationId="{D2C3FDCF-D817-48FF-B885-6596EABAB927}"/>
+          </ac:spMkLst>
+        </pc:spChg>
+        <pc:spChg chg="add del">
+          <ac:chgData name="Christophe Lebrun" userId="303fc86cbab77272" providerId="LiveId" clId="{D1325364-67D4-4734-844B-AF2494D30FFC}" dt="2019-06-25T09:22:49.064" v="856"/>
+          <ac:spMkLst>
+            <pc:docMk/>
+            <pc:sldMk cId="2428231970" sldId="267"/>
+            <ac:spMk id="4" creationId="{199C2F41-0C2F-4929-8300-42617A9DC339}"/>
+          </ac:spMkLst>
+        </pc:spChg>
+        <pc:spChg chg="add del">
+          <ac:chgData name="Christophe Lebrun" userId="303fc86cbab77272" providerId="LiveId" clId="{D1325364-67D4-4734-844B-AF2494D30FFC}" dt="2019-06-25T09:22:48.579" v="855"/>
+          <ac:spMkLst>
+            <pc:docMk/>
+            <pc:sldMk cId="2428231970" sldId="267"/>
+            <ac:spMk id="5" creationId="{B357DFD6-DF15-445F-885E-95A78FEDE1F7}"/>
+          </ac:spMkLst>
+        </pc:spChg>
+        <pc:spChg chg="add del">
+          <ac:chgData name="Christophe Lebrun" userId="303fc86cbab77272" providerId="LiveId" clId="{D1325364-67D4-4734-844B-AF2494D30FFC}" dt="2019-06-25T09:22:58.316" v="859"/>
+          <ac:spMkLst>
+            <pc:docMk/>
+            <pc:sldMk cId="2428231970" sldId="267"/>
+            <ac:spMk id="6" creationId="{CC83155F-0770-4607-8930-C5BCECA5F040}"/>
+          </ac:spMkLst>
+        </pc:spChg>
+        <pc:spChg chg="add del">
+          <ac:chgData name="Christophe Lebrun" userId="303fc86cbab77272" providerId="LiveId" clId="{D1325364-67D4-4734-844B-AF2494D30FFC}" dt="2019-06-25T09:28:28.870" v="1266"/>
+          <ac:spMkLst>
+            <pc:docMk/>
+            <pc:sldMk cId="2428231970" sldId="267"/>
+            <ac:spMk id="7" creationId="{FB8A2A98-EDCF-4D08-8C0A-CCB03CFAB612}"/>
+          </ac:spMkLst>
+        </pc:spChg>
+      </pc:sldChg>
+      <pc:sldChg chg="addSp delSp modSp add del">
+        <pc:chgData name="Christophe Lebrun" userId="303fc86cbab77272" providerId="LiveId" clId="{D1325364-67D4-4734-844B-AF2494D30FFC}" dt="2019-06-26T11:59:19.287" v="2837" actId="2696"/>
+        <pc:sldMkLst>
+          <pc:docMk/>
+          <pc:sldMk cId="2362016884" sldId="268"/>
+        </pc:sldMkLst>
+        <pc:spChg chg="del mod">
+          <ac:chgData name="Christophe Lebrun" userId="303fc86cbab77272" providerId="LiveId" clId="{D1325364-67D4-4734-844B-AF2494D30FFC}" dt="2019-06-26T11:58:55.664" v="2834"/>
+          <ac:spMkLst>
+            <pc:docMk/>
+            <pc:sldMk cId="2362016884" sldId="268"/>
+            <ac:spMk id="3" creationId="{D913AAA6-DD68-432A-A023-0C4220DC6261}"/>
+          </ac:spMkLst>
+        </pc:spChg>
+        <pc:spChg chg="add mod">
+          <ac:chgData name="Christophe Lebrun" userId="303fc86cbab77272" providerId="LiveId" clId="{D1325364-67D4-4734-844B-AF2494D30FFC}" dt="2019-06-26T11:58:55.664" v="2834"/>
+          <ac:spMkLst>
+            <pc:docMk/>
+            <pc:sldMk cId="2362016884" sldId="268"/>
+            <ac:spMk id="4" creationId="{BCE922C8-72A1-46AF-9D73-33920E68EDA9}"/>
+          </ac:spMkLst>
+        </pc:spChg>
+      </pc:sldChg>
+      <pc:sldChg chg="modSp add">
+        <pc:chgData name="Christophe Lebrun" userId="303fc86cbab77272" providerId="LiveId" clId="{D1325364-67D4-4734-844B-AF2494D30FFC}" dt="2019-06-26T12:51:32.743" v="4237" actId="20577"/>
+        <pc:sldMkLst>
+          <pc:docMk/>
+          <pc:sldMk cId="3315547483" sldId="269"/>
+        </pc:sldMkLst>
+        <pc:spChg chg="mod">
+          <ac:chgData name="Christophe Lebrun" userId="303fc86cbab77272" providerId="LiveId" clId="{D1325364-67D4-4734-844B-AF2494D30FFC}" dt="2019-06-26T11:55:53.583" v="2499" actId="1076"/>
+          <ac:spMkLst>
+            <pc:docMk/>
+            <pc:sldMk cId="3315547483" sldId="269"/>
+            <ac:spMk id="2" creationId="{86EA0680-0155-4547-B930-7EB1D5711B4E}"/>
+          </ac:spMkLst>
+        </pc:spChg>
+        <pc:spChg chg="mod">
+          <ac:chgData name="Christophe Lebrun" userId="303fc86cbab77272" providerId="LiveId" clId="{D1325364-67D4-4734-844B-AF2494D30FFC}" dt="2019-06-26T12:51:32.743" v="4237" actId="20577"/>
+          <ac:spMkLst>
+            <pc:docMk/>
+            <pc:sldMk cId="3315547483" sldId="269"/>
+            <ac:spMk id="3" creationId="{844B7975-7EF1-4C09-854E-EAD633CFAA50}"/>
+          </ac:spMkLst>
+        </pc:spChg>
+      </pc:sldChg>
+      <pc:sldChg chg="modSp add">
+        <pc:chgData name="Christophe Lebrun" userId="303fc86cbab77272" providerId="LiveId" clId="{D1325364-67D4-4734-844B-AF2494D30FFC}" dt="2019-06-26T12:16:22.173" v="3746" actId="20577"/>
+        <pc:sldMkLst>
+          <pc:docMk/>
+          <pc:sldMk cId="2768625094" sldId="270"/>
+        </pc:sldMkLst>
+        <pc:spChg chg="mod">
+          <ac:chgData name="Christophe Lebrun" userId="303fc86cbab77272" providerId="LiveId" clId="{D1325364-67D4-4734-844B-AF2494D30FFC}" dt="2019-06-26T12:16:04.226" v="3743" actId="1076"/>
+          <ac:spMkLst>
+            <pc:docMk/>
+            <pc:sldMk cId="2768625094" sldId="270"/>
+            <ac:spMk id="2" creationId="{6BE7C0E1-B149-456E-906F-735B9A14F40C}"/>
+          </ac:spMkLst>
+        </pc:spChg>
+        <pc:spChg chg="mod">
+          <ac:chgData name="Christophe Lebrun" userId="303fc86cbab77272" providerId="LiveId" clId="{D1325364-67D4-4734-844B-AF2494D30FFC}" dt="2019-06-26T12:16:22.173" v="3746" actId="20577"/>
+          <ac:spMkLst>
+            <pc:docMk/>
+            <pc:sldMk cId="2768625094" sldId="270"/>
+            <ac:spMk id="3" creationId="{F308DC2A-B557-4810-A542-B0FB1FAE56B2}"/>
+          </ac:spMkLst>
+        </pc:spChg>
+      </pc:sldChg>
+      <pc:sldChg chg="modSp add">
+        <pc:chgData name="Christophe Lebrun" userId="303fc86cbab77272" providerId="LiveId" clId="{D1325364-67D4-4734-844B-AF2494D30FFC}" dt="2019-06-26T12:52:00.403" v="4325" actId="20577"/>
+        <pc:sldMkLst>
+          <pc:docMk/>
+          <pc:sldMk cId="568591842" sldId="271"/>
+        </pc:sldMkLst>
+        <pc:spChg chg="mod">
+          <ac:chgData name="Christophe Lebrun" userId="303fc86cbab77272" providerId="LiveId" clId="{D1325364-67D4-4734-844B-AF2494D30FFC}" dt="2019-06-26T12:17:05.165" v="3784" actId="20577"/>
+          <ac:spMkLst>
+            <pc:docMk/>
+            <pc:sldMk cId="568591842" sldId="271"/>
+            <ac:spMk id="2" creationId="{D0082922-1F0C-4E00-AECE-AB5985B27F96}"/>
+          </ac:spMkLst>
+        </pc:spChg>
+        <pc:spChg chg="mod">
+          <ac:chgData name="Christophe Lebrun" userId="303fc86cbab77272" providerId="LiveId" clId="{D1325364-67D4-4734-844B-AF2494D30FFC}" dt="2019-06-26T12:52:00.403" v="4325" actId="20577"/>
+          <ac:spMkLst>
+            <pc:docMk/>
+            <pc:sldMk cId="568591842" sldId="271"/>
+            <ac:spMk id="3" creationId="{DEF746C3-1EC2-49F3-91E7-B616CB6E6E73}"/>
+          </ac:spMkLst>
+        </pc:spChg>
+      </pc:sldChg>
+    </pc:docChg>
+  </pc:docChgLst>
+  <pc:docChgLst>
+    <pc:chgData name="Christophe Lebrun" userId="303fc86cbab77272" providerId="LiveId" clId="{C1140C95-80F2-4D95-94FD-7AADB9B45297}"/>
+    <pc:docChg chg="modSld">
+      <pc:chgData name="Christophe Lebrun" userId="303fc86cbab77272" providerId="LiveId" clId="{C1140C95-80F2-4D95-94FD-7AADB9B45297}" dt="2019-06-20T21:56:10.991" v="8" actId="20577"/>
+      <pc:docMkLst>
+        <pc:docMk/>
+      </pc:docMkLst>
+      <pc:sldChg chg="modSp">
+        <pc:chgData name="Christophe Lebrun" userId="303fc86cbab77272" providerId="LiveId" clId="{C1140C95-80F2-4D95-94FD-7AADB9B45297}" dt="2019-06-20T21:56:10.991" v="8" actId="20577"/>
+        <pc:sldMkLst>
+          <pc:docMk/>
+          <pc:sldMk cId="2545069334" sldId="265"/>
+        </pc:sldMkLst>
+        <pc:spChg chg="mod">
+          <ac:chgData name="Christophe Lebrun" userId="303fc86cbab77272" providerId="LiveId" clId="{C1140C95-80F2-4D95-94FD-7AADB9B45297}" dt="2019-06-20T21:56:10.991" v="8" actId="20577"/>
+          <ac:spMkLst>
+            <pc:docMk/>
+            <pc:sldMk cId="2545069334" sldId="265"/>
+            <ac:spMk id="3" creationId="{971D3412-8CC1-4F55-A18D-EE0940EC5A9D}"/>
           </ac:spMkLst>
         </pc:spChg>
       </pc:sldChg>
@@ -554,7 +757,7 @@
           <a:p>
             <a:fld id="{84B9F630-F5BB-4C68-A90B-7601F27B3C8E}" type="datetimeFigureOut">
               <a:rPr lang="fr-FR" smtClean="0"/>
-              <a:t>10/06/2019</a:t>
+              <a:t>26/06/2019</a:t>
             </a:fld>
             <a:endParaRPr lang="fr-FR"/>
           </a:p>
@@ -821,7 +1024,7 @@
           <a:p>
             <a:fld id="{84B9F630-F5BB-4C68-A90B-7601F27B3C8E}" type="datetimeFigureOut">
               <a:rPr lang="fr-FR" smtClean="0"/>
-              <a:t>10/06/2019</a:t>
+              <a:t>26/06/2019</a:t>
             </a:fld>
             <a:endParaRPr lang="fr-FR"/>
           </a:p>
@@ -1052,7 +1255,7 @@
           <a:p>
             <a:fld id="{84B9F630-F5BB-4C68-A90B-7601F27B3C8E}" type="datetimeFigureOut">
               <a:rPr lang="fr-FR" smtClean="0"/>
-              <a:t>10/06/2019</a:t>
+              <a:t>26/06/2019</a:t>
             </a:fld>
             <a:endParaRPr lang="fr-FR"/>
           </a:p>
@@ -1362,7 +1565,7 @@
           <a:p>
             <a:fld id="{84B9F630-F5BB-4C68-A90B-7601F27B3C8E}" type="datetimeFigureOut">
               <a:rPr lang="fr-FR" smtClean="0"/>
-              <a:t>10/06/2019</a:t>
+              <a:t>26/06/2019</a:t>
             </a:fld>
             <a:endParaRPr lang="fr-FR"/>
           </a:p>
@@ -1835,7 +2038,7 @@
           <a:p>
             <a:fld id="{84B9F630-F5BB-4C68-A90B-7601F27B3C8E}" type="datetimeFigureOut">
               <a:rPr lang="fr-FR" smtClean="0"/>
-              <a:t>10/06/2019</a:t>
+              <a:t>26/06/2019</a:t>
             </a:fld>
             <a:endParaRPr lang="fr-FR"/>
           </a:p>
@@ -2382,7 +2585,7 @@
           <a:p>
             <a:fld id="{84B9F630-F5BB-4C68-A90B-7601F27B3C8E}" type="datetimeFigureOut">
               <a:rPr lang="fr-FR" smtClean="0"/>
-              <a:t>10/06/2019</a:t>
+              <a:t>26/06/2019</a:t>
             </a:fld>
             <a:endParaRPr lang="fr-FR"/>
           </a:p>
@@ -3156,7 +3359,7 @@
           <a:p>
             <a:fld id="{84B9F630-F5BB-4C68-A90B-7601F27B3C8E}" type="datetimeFigureOut">
               <a:rPr lang="fr-FR" smtClean="0"/>
-              <a:t>10/06/2019</a:t>
+              <a:t>26/06/2019</a:t>
             </a:fld>
             <a:endParaRPr lang="fr-FR"/>
           </a:p>
@@ -3331,7 +3534,7 @@
           <a:p>
             <a:fld id="{84B9F630-F5BB-4C68-A90B-7601F27B3C8E}" type="datetimeFigureOut">
               <a:rPr lang="fr-FR" smtClean="0"/>
-              <a:t>10/06/2019</a:t>
+              <a:t>26/06/2019</a:t>
             </a:fld>
             <a:endParaRPr lang="fr-FR"/>
           </a:p>
@@ -3554,7 +3757,7 @@
           <a:p>
             <a:fld id="{84B9F630-F5BB-4C68-A90B-7601F27B3C8E}" type="datetimeFigureOut">
               <a:rPr lang="fr-FR" smtClean="0"/>
-              <a:t>10/06/2019</a:t>
+              <a:t>26/06/2019</a:t>
             </a:fld>
             <a:endParaRPr lang="fr-FR"/>
           </a:p>
@@ -3734,7 +3937,7 @@
           <a:p>
             <a:fld id="{84B9F630-F5BB-4C68-A90B-7601F27B3C8E}" type="datetimeFigureOut">
               <a:rPr lang="fr-FR" smtClean="0"/>
-              <a:t>10/06/2019</a:t>
+              <a:t>26/06/2019</a:t>
             </a:fld>
             <a:endParaRPr lang="fr-FR"/>
           </a:p>
@@ -4023,7 +4226,7 @@
           <a:p>
             <a:fld id="{84B9F630-F5BB-4C68-A90B-7601F27B3C8E}" type="datetimeFigureOut">
               <a:rPr lang="fr-FR" smtClean="0"/>
-              <a:t>10/06/2019</a:t>
+              <a:t>26/06/2019</a:t>
             </a:fld>
             <a:endParaRPr lang="fr-FR"/>
           </a:p>
@@ -4265,7 +4468,7 @@
           <a:p>
             <a:fld id="{84B9F630-F5BB-4C68-A90B-7601F27B3C8E}" type="datetimeFigureOut">
               <a:rPr lang="fr-FR" smtClean="0"/>
-              <a:t>10/06/2019</a:t>
+              <a:t>26/06/2019</a:t>
             </a:fld>
             <a:endParaRPr lang="fr-FR"/>
           </a:p>
@@ -4644,7 +4847,7 @@
           <a:p>
             <a:fld id="{84B9F630-F5BB-4C68-A90B-7601F27B3C8E}" type="datetimeFigureOut">
               <a:rPr lang="fr-FR" smtClean="0"/>
-              <a:t>10/06/2019</a:t>
+              <a:t>26/06/2019</a:t>
             </a:fld>
             <a:endParaRPr lang="fr-FR"/>
           </a:p>
@@ -4762,7 +4965,7 @@
           <a:p>
             <a:fld id="{84B9F630-F5BB-4C68-A90B-7601F27B3C8E}" type="datetimeFigureOut">
               <a:rPr lang="fr-FR" smtClean="0"/>
-              <a:t>10/06/2019</a:t>
+              <a:t>26/06/2019</a:t>
             </a:fld>
             <a:endParaRPr lang="fr-FR"/>
           </a:p>
@@ -4857,7 +5060,7 @@
           <a:p>
             <a:fld id="{84B9F630-F5BB-4C68-A90B-7601F27B3C8E}" type="datetimeFigureOut">
               <a:rPr lang="fr-FR" smtClean="0"/>
-              <a:t>10/06/2019</a:t>
+              <a:t>26/06/2019</a:t>
             </a:fld>
             <a:endParaRPr lang="fr-FR"/>
           </a:p>
@@ -5106,7 +5309,7 @@
           <a:p>
             <a:fld id="{84B9F630-F5BB-4C68-A90B-7601F27B3C8E}" type="datetimeFigureOut">
               <a:rPr lang="fr-FR" smtClean="0"/>
-              <a:t>10/06/2019</a:t>
+              <a:t>26/06/2019</a:t>
             </a:fld>
             <a:endParaRPr lang="fr-FR"/>
           </a:p>
@@ -5363,7 +5566,7 @@
           <a:p>
             <a:fld id="{84B9F630-F5BB-4C68-A90B-7601F27B3C8E}" type="datetimeFigureOut">
               <a:rPr lang="fr-FR" smtClean="0"/>
-              <a:t>10/06/2019</a:t>
+              <a:t>26/06/2019</a:t>
             </a:fld>
             <a:endParaRPr lang="fr-FR"/>
           </a:p>
@@ -5606,7 +5809,7 @@
           <a:p>
             <a:fld id="{84B9F630-F5BB-4C68-A90B-7601F27B3C8E}" type="datetimeFigureOut">
               <a:rPr lang="fr-FR" smtClean="0"/>
-              <a:t>10/06/2019</a:t>
+              <a:t>26/06/2019</a:t>
             </a:fld>
             <a:endParaRPr lang="fr-FR"/>
           </a:p>
@@ -6035,7 +6238,7 @@
         </p:nvSpPr>
         <p:spPr>
           <a:xfrm>
-            <a:off x="877956" y="1778476"/>
+            <a:off x="745434" y="1754656"/>
             <a:ext cx="10436087" cy="1311818"/>
           </a:xfrm>
         </p:spPr>
@@ -6045,6 +6248,9 @@
           </a:bodyPr>
           <a:lstStyle/>
           <a:p>
+            <a:br>
+              <a:rPr lang="fr-FR" sz="4000" dirty="0"/>
+            </a:br>
             <a:r>
               <a:rPr lang="fr-FR" sz="4000" b="1" cap="small" dirty="0"/>
               <a:t>Projet 2 :</a:t>
@@ -6077,8 +6283,8 @@
         </p:nvSpPr>
         <p:spPr>
           <a:xfrm>
-            <a:off x="8587406" y="6056243"/>
-            <a:ext cx="3604594" cy="801757"/>
+            <a:off x="6851374" y="3433472"/>
+            <a:ext cx="5340626" cy="1590262"/>
           </a:xfrm>
         </p:spPr>
         <p:txBody>
@@ -6087,32 +6293,34 @@
           </a:bodyPr>
           <a:lstStyle/>
           <a:p>
+            <a:pPr algn="r"/>
             <a:r>
               <a:rPr lang="fr-FR" b="1" dirty="0"/>
-              <a:t>Christophe LEBRUN </a:t>
-            </a:r>
-          </a:p>
-          <a:p>
+              <a:t>Christophe LEBRUN</a:t>
+            </a:r>
+          </a:p>
+          <a:p>
+            <a:pPr algn="r"/>
+            <a:r>
+              <a:rPr lang="fr-FR" b="1" dirty="0"/>
+              <a:t>Mentor accompagnateur : </a:t>
+            </a:r>
             <a:r>
               <a:rPr lang="fr-FR" dirty="0"/>
-              <a:t>Parcours « </a:t>
-            </a:r>
-            <a:r>
-              <a:rPr lang="fr-FR" i="1" dirty="0"/>
-              <a:t>Data </a:t>
-            </a:r>
-            <a:r>
-              <a:rPr lang="fr-FR" i="1" dirty="0" err="1"/>
-              <a:t>Scientist</a:t>
-            </a:r>
-            <a:r>
-              <a:rPr lang="fr-FR" i="1" dirty="0"/>
-              <a:t> </a:t>
+              <a:t>Thierno Diop</a:t>
+            </a:r>
+          </a:p>
+          <a:p>
+            <a:pPr algn="r"/>
+            <a:r>
+              <a:rPr lang="fr-FR" b="1" dirty="0"/>
+              <a:t>Mentor examinateur : </a:t>
             </a:r>
             <a:r>
               <a:rPr lang="fr-FR" dirty="0"/>
-              <a:t>»</a:t>
-            </a:r>
+              <a:t>Corentin Martel</a:t>
+            </a:r>
+            <a:endParaRPr lang="fr-FR" b="1" dirty="0"/>
           </a:p>
         </p:txBody>
       </p:sp>
@@ -6152,6 +6360,61 @@
           </a:prstGeom>
         </p:spPr>
       </p:pic>
+      <p:sp>
+        <p:nvSpPr>
+          <p:cNvPr id="4" name="ZoneTexte 3">
+            <a:extLst>
+              <a:ext uri="{FF2B5EF4-FFF2-40B4-BE49-F238E27FC236}">
+                <a16:creationId xmlns:a16="http://schemas.microsoft.com/office/drawing/2014/main" id="{9C646D9E-13BE-45F2-B603-936E1E00092D}"/>
+              </a:ext>
+            </a:extLst>
+          </p:cNvPr>
+          <p:cNvSpPr txBox="1"/>
+          <p:nvPr/>
+        </p:nvSpPr>
+        <p:spPr>
+          <a:xfrm>
+            <a:off x="745434" y="1410849"/>
+            <a:ext cx="6662530" cy="523220"/>
+          </a:xfrm>
+          <a:prstGeom prst="rect">
+            <a:avLst/>
+          </a:prstGeom>
+          <a:noFill/>
+        </p:spPr>
+        <p:txBody>
+          <a:bodyPr wrap="square" rtlCol="0">
+            <a:spAutoFit/>
+          </a:bodyPr>
+          <a:lstStyle/>
+          <a:p>
+            <a:r>
+              <a:rPr lang="fr-FR" sz="2800" cap="small" dirty="0">
+                <a:latin typeface="+mj-lt"/>
+                <a:ea typeface="+mj-ea"/>
+                <a:cs typeface="+mj-cs"/>
+              </a:rPr>
+              <a:t>Parcours « Data </a:t>
+            </a:r>
+            <a:r>
+              <a:rPr lang="fr-FR" sz="2800" cap="small" dirty="0" err="1">
+                <a:latin typeface="+mj-lt"/>
+                <a:ea typeface="+mj-ea"/>
+                <a:cs typeface="+mj-cs"/>
+              </a:rPr>
+              <a:t>Scientist</a:t>
+            </a:r>
+            <a:r>
+              <a:rPr lang="fr-FR" sz="2800" cap="small" dirty="0">
+                <a:latin typeface="+mj-lt"/>
+                <a:ea typeface="+mj-ea"/>
+                <a:cs typeface="+mj-cs"/>
+              </a:rPr>
+              <a:t> »</a:t>
+            </a:r>
+          </a:p>
+        </p:txBody>
+      </p:sp>
     </p:spTree>
     <p:extLst>
       <p:ext uri="{BB962C8B-B14F-4D97-AF65-F5344CB8AC3E}">
@@ -6187,6 +6450,809 @@
           <p:cNvPr id="2" name="Titre 1">
             <a:extLst>
               <a:ext uri="{FF2B5EF4-FFF2-40B4-BE49-F238E27FC236}">
+                <a16:creationId xmlns:a16="http://schemas.microsoft.com/office/drawing/2014/main" id="{96885828-B058-4F14-80D3-515FB1B2EA26}"/>
+              </a:ext>
+            </a:extLst>
+          </p:cNvPr>
+          <p:cNvSpPr>
+            <a:spLocks noGrp="1"/>
+          </p:cNvSpPr>
+          <p:nvPr>
+            <p:ph type="title"/>
+          </p:nvPr>
+        </p:nvSpPr>
+        <p:spPr/>
+        <p:txBody>
+          <a:bodyPr/>
+          <a:lstStyle/>
+          <a:p>
+            <a:r>
+              <a:rPr lang="fr-FR" b="1" dirty="0"/>
+              <a:t>Partie 2 :</a:t>
+            </a:r>
+            <a:br>
+              <a:rPr lang="fr-FR" b="1" dirty="0"/>
+            </a:br>
+            <a:r>
+              <a:rPr lang="fr-FR" dirty="0"/>
+              <a:t>Présentation de l’analyse </a:t>
+            </a:r>
+            <a:br>
+              <a:rPr lang="fr-FR" dirty="0"/>
+            </a:br>
+            <a:r>
+              <a:rPr lang="fr-FR" dirty="0"/>
+              <a:t>pré-exploratoire </a:t>
+            </a:r>
+          </a:p>
+        </p:txBody>
+      </p:sp>
+      <p:sp>
+        <p:nvSpPr>
+          <p:cNvPr id="3" name="Espace réservé du texte 2">
+            <a:extLst>
+              <a:ext uri="{FF2B5EF4-FFF2-40B4-BE49-F238E27FC236}">
+                <a16:creationId xmlns:a16="http://schemas.microsoft.com/office/drawing/2014/main" id="{C1CD7A5C-6044-4F77-841E-E28AF461363D}"/>
+              </a:ext>
+            </a:extLst>
+          </p:cNvPr>
+          <p:cNvSpPr>
+            <a:spLocks noGrp="1"/>
+          </p:cNvSpPr>
+          <p:nvPr>
+            <p:ph type="body" idx="1"/>
+          </p:nvPr>
+        </p:nvSpPr>
+        <p:spPr/>
+        <p:txBody>
+          <a:bodyPr/>
+          <a:lstStyle/>
+          <a:p>
+            <a:br>
+              <a:rPr lang="fr-FR" dirty="0"/>
+            </a:br>
+            <a:endParaRPr lang="fr-FR" dirty="0"/>
+          </a:p>
+        </p:txBody>
+      </p:sp>
+      <p:sp>
+        <p:nvSpPr>
+          <p:cNvPr id="4" name="Sous-titre 2">
+            <a:extLst>
+              <a:ext uri="{FF2B5EF4-FFF2-40B4-BE49-F238E27FC236}">
+                <a16:creationId xmlns:a16="http://schemas.microsoft.com/office/drawing/2014/main" id="{DCE2B66C-CBE3-4153-A49D-FBE1F5B91DAA}"/>
+              </a:ext>
+            </a:extLst>
+          </p:cNvPr>
+          <p:cNvSpPr txBox="1">
+            <a:spLocks/>
+          </p:cNvSpPr>
+          <p:nvPr/>
+        </p:nvSpPr>
+        <p:spPr>
+          <a:xfrm>
+            <a:off x="2057399" y="3776662"/>
+            <a:ext cx="9448800" cy="685800"/>
+          </a:xfrm>
+          <a:prstGeom prst="rect">
+            <a:avLst/>
+          </a:prstGeom>
+        </p:spPr>
+        <p:txBody>
+          <a:bodyPr vert="horz" lIns="91440" tIns="45720" rIns="91440" bIns="45720" rtlCol="0">
+            <a:normAutofit/>
+          </a:bodyPr>
+          <a:lstStyle>
+            <a:lvl1pPr marL="0" indent="0" algn="r" defTabSz="914400" rtl="0" eaLnBrk="1" latinLnBrk="0" hangingPunct="1">
+              <a:lnSpc>
+                <a:spcPct val="90000"/>
+              </a:lnSpc>
+              <a:spcBef>
+                <a:spcPts val="1000"/>
+              </a:spcBef>
+              <a:buFont typeface="Arial" panose="020B0604020202020204" pitchFamily="34" charset="0"/>
+              <a:buNone/>
+              <a:defRPr sz="2200" kern="1200">
+                <a:solidFill>
+                  <a:schemeClr val="tx1">
+                    <a:tint val="75000"/>
+                  </a:schemeClr>
+                </a:solidFill>
+                <a:latin typeface="+mn-lt"/>
+                <a:ea typeface="+mn-ea"/>
+                <a:cs typeface="+mn-cs"/>
+              </a:defRPr>
+            </a:lvl1pPr>
+            <a:lvl2pPr marL="457200" indent="0" algn="l" defTabSz="914400" rtl="0" eaLnBrk="1" latinLnBrk="0" hangingPunct="1">
+              <a:lnSpc>
+                <a:spcPct val="90000"/>
+              </a:lnSpc>
+              <a:spcBef>
+                <a:spcPts val="500"/>
+              </a:spcBef>
+              <a:buFont typeface="Arial" panose="020B0604020202020204" pitchFamily="34" charset="0"/>
+              <a:buNone/>
+              <a:defRPr sz="2000" kern="1200">
+                <a:solidFill>
+                  <a:schemeClr val="tx1">
+                    <a:tint val="75000"/>
+                  </a:schemeClr>
+                </a:solidFill>
+                <a:latin typeface="+mn-lt"/>
+                <a:ea typeface="+mn-ea"/>
+                <a:cs typeface="+mn-cs"/>
+              </a:defRPr>
+            </a:lvl2pPr>
+            <a:lvl3pPr marL="914400" indent="0" algn="l" defTabSz="914400" rtl="0" eaLnBrk="1" latinLnBrk="0" hangingPunct="1">
+              <a:lnSpc>
+                <a:spcPct val="90000"/>
+              </a:lnSpc>
+              <a:spcBef>
+                <a:spcPts val="500"/>
+              </a:spcBef>
+              <a:buFont typeface="Arial" panose="020B0604020202020204" pitchFamily="34" charset="0"/>
+              <a:buNone/>
+              <a:defRPr sz="1800" kern="1200">
+                <a:solidFill>
+                  <a:schemeClr val="tx1">
+                    <a:tint val="75000"/>
+                  </a:schemeClr>
+                </a:solidFill>
+                <a:latin typeface="+mn-lt"/>
+                <a:ea typeface="+mn-ea"/>
+                <a:cs typeface="+mn-cs"/>
+              </a:defRPr>
+            </a:lvl3pPr>
+            <a:lvl4pPr marL="1371600" indent="0" algn="l" defTabSz="914400" rtl="0" eaLnBrk="1" latinLnBrk="0" hangingPunct="1">
+              <a:lnSpc>
+                <a:spcPct val="90000"/>
+              </a:lnSpc>
+              <a:spcBef>
+                <a:spcPts val="500"/>
+              </a:spcBef>
+              <a:buFont typeface="Arial" panose="020B0604020202020204" pitchFamily="34" charset="0"/>
+              <a:buNone/>
+              <a:defRPr sz="1600" kern="1200">
+                <a:solidFill>
+                  <a:schemeClr val="tx1">
+                    <a:tint val="75000"/>
+                  </a:schemeClr>
+                </a:solidFill>
+                <a:latin typeface="+mn-lt"/>
+                <a:ea typeface="+mn-ea"/>
+                <a:cs typeface="+mn-cs"/>
+              </a:defRPr>
+            </a:lvl4pPr>
+            <a:lvl5pPr marL="1828800" indent="0" algn="l" defTabSz="914400" rtl="0" eaLnBrk="1" latinLnBrk="0" hangingPunct="1">
+              <a:lnSpc>
+                <a:spcPct val="90000"/>
+              </a:lnSpc>
+              <a:spcBef>
+                <a:spcPts val="500"/>
+              </a:spcBef>
+              <a:buFont typeface="Arial" panose="020B0604020202020204" pitchFamily="34" charset="0"/>
+              <a:buNone/>
+              <a:defRPr sz="1600" kern="1200">
+                <a:solidFill>
+                  <a:schemeClr val="tx1">
+                    <a:tint val="75000"/>
+                  </a:schemeClr>
+                </a:solidFill>
+                <a:latin typeface="+mn-lt"/>
+                <a:ea typeface="+mn-ea"/>
+                <a:cs typeface="+mn-cs"/>
+              </a:defRPr>
+            </a:lvl5pPr>
+            <a:lvl6pPr marL="2286000" indent="0" algn="l" defTabSz="914400" rtl="0" eaLnBrk="1" latinLnBrk="0" hangingPunct="1">
+              <a:lnSpc>
+                <a:spcPct val="90000"/>
+              </a:lnSpc>
+              <a:spcBef>
+                <a:spcPts val="500"/>
+              </a:spcBef>
+              <a:buFont typeface="Arial" panose="020B0604020202020204" pitchFamily="34" charset="0"/>
+              <a:buNone/>
+              <a:defRPr sz="1600" kern="1200">
+                <a:solidFill>
+                  <a:schemeClr val="tx1">
+                    <a:tint val="75000"/>
+                  </a:schemeClr>
+                </a:solidFill>
+                <a:latin typeface="+mn-lt"/>
+                <a:ea typeface="+mn-ea"/>
+                <a:cs typeface="+mn-cs"/>
+              </a:defRPr>
+            </a:lvl6pPr>
+            <a:lvl7pPr marL="2743200" indent="0" algn="l" defTabSz="914400" rtl="0" eaLnBrk="1" latinLnBrk="0" hangingPunct="1">
+              <a:lnSpc>
+                <a:spcPct val="90000"/>
+              </a:lnSpc>
+              <a:spcBef>
+                <a:spcPts val="500"/>
+              </a:spcBef>
+              <a:buFont typeface="Arial" panose="020B0604020202020204" pitchFamily="34" charset="0"/>
+              <a:buNone/>
+              <a:defRPr sz="1600" kern="1200">
+                <a:solidFill>
+                  <a:schemeClr val="tx1">
+                    <a:tint val="75000"/>
+                  </a:schemeClr>
+                </a:solidFill>
+                <a:latin typeface="+mn-lt"/>
+                <a:ea typeface="+mn-ea"/>
+                <a:cs typeface="+mn-cs"/>
+              </a:defRPr>
+            </a:lvl7pPr>
+            <a:lvl8pPr marL="3200400" indent="0" algn="l" defTabSz="914400" rtl="0" eaLnBrk="1" latinLnBrk="0" hangingPunct="1">
+              <a:lnSpc>
+                <a:spcPct val="90000"/>
+              </a:lnSpc>
+              <a:spcBef>
+                <a:spcPts val="500"/>
+              </a:spcBef>
+              <a:buFont typeface="Arial" panose="020B0604020202020204" pitchFamily="34" charset="0"/>
+              <a:buNone/>
+              <a:defRPr sz="1600" kern="1200">
+                <a:solidFill>
+                  <a:schemeClr val="tx1">
+                    <a:tint val="75000"/>
+                  </a:schemeClr>
+                </a:solidFill>
+                <a:latin typeface="+mn-lt"/>
+                <a:ea typeface="+mn-ea"/>
+                <a:cs typeface="+mn-cs"/>
+              </a:defRPr>
+            </a:lvl8pPr>
+            <a:lvl9pPr marL="3657600" indent="0" algn="l" defTabSz="914400" rtl="0" eaLnBrk="1" latinLnBrk="0" hangingPunct="1">
+              <a:lnSpc>
+                <a:spcPct val="90000"/>
+              </a:lnSpc>
+              <a:spcBef>
+                <a:spcPts val="500"/>
+              </a:spcBef>
+              <a:buFont typeface="Arial" panose="020B0604020202020204" pitchFamily="34" charset="0"/>
+              <a:buNone/>
+              <a:defRPr sz="1600" kern="1200">
+                <a:solidFill>
+                  <a:schemeClr val="tx1">
+                    <a:tint val="75000"/>
+                  </a:schemeClr>
+                </a:solidFill>
+                <a:latin typeface="+mn-lt"/>
+                <a:ea typeface="+mn-ea"/>
+                <a:cs typeface="+mn-cs"/>
+              </a:defRPr>
+            </a:lvl9pPr>
+          </a:lstStyle>
+          <a:p>
+            <a:r>
+              <a:rPr lang="fr-FR">
+                <a:hlinkClick r:id="rId2"/>
+              </a:rPr>
+              <a:t>http://localhost:8888/lab</a:t>
+            </a:r>
+            <a:endParaRPr lang="fr-FR" dirty="0"/>
+          </a:p>
+        </p:txBody>
+      </p:sp>
+    </p:spTree>
+    <p:extLst>
+      <p:ext uri="{BB962C8B-B14F-4D97-AF65-F5344CB8AC3E}">
+        <p14:creationId xmlns:p14="http://schemas.microsoft.com/office/powerpoint/2010/main" val="3303506237"/>
+      </p:ext>
+    </p:extLst>
+  </p:cSld>
+  <p:clrMapOvr>
+    <a:masterClrMapping/>
+  </p:clrMapOvr>
+</p:sld>
+</file>
+
+<file path=ppt/slides/slide11.xml><?xml version="1.0" encoding="utf-8"?>
+<p:sld xmlns:a="http://schemas.openxmlformats.org/drawingml/2006/main" xmlns:r="http://schemas.openxmlformats.org/officeDocument/2006/relationships" xmlns:p="http://schemas.openxmlformats.org/presentationml/2006/main">
+  <p:cSld>
+    <p:spTree>
+      <p:nvGrpSpPr>
+        <p:cNvPr id="1" name=""/>
+        <p:cNvGrpSpPr/>
+        <p:nvPr/>
+      </p:nvGrpSpPr>
+      <p:grpSpPr>
+        <a:xfrm>
+          <a:off x="0" y="0"/>
+          <a:ext cx="0" cy="0"/>
+          <a:chOff x="0" y="0"/>
+          <a:chExt cx="0" cy="0"/>
+        </a:xfrm>
+      </p:grpSpPr>
+      <p:sp>
+        <p:nvSpPr>
+          <p:cNvPr id="2" name="Titre 1">
+            <a:extLst>
+              <a:ext uri="{FF2B5EF4-FFF2-40B4-BE49-F238E27FC236}">
+                <a16:creationId xmlns:a16="http://schemas.microsoft.com/office/drawing/2014/main" id="{96885828-B058-4F14-80D3-515FB1B2EA26}"/>
+              </a:ext>
+            </a:extLst>
+          </p:cNvPr>
+          <p:cNvSpPr>
+            <a:spLocks noGrp="1"/>
+          </p:cNvSpPr>
+          <p:nvPr>
+            <p:ph type="title"/>
+          </p:nvPr>
+        </p:nvSpPr>
+        <p:spPr/>
+        <p:txBody>
+          <a:bodyPr/>
+          <a:lstStyle/>
+          <a:p>
+            <a:r>
+              <a:rPr lang="fr-FR" b="1" dirty="0"/>
+              <a:t>conclusions sur la pertinence de l’usage du jeu de données</a:t>
+            </a:r>
+          </a:p>
+        </p:txBody>
+      </p:sp>
+      <p:sp>
+        <p:nvSpPr>
+          <p:cNvPr id="3" name="Espace réservé du texte 2">
+            <a:extLst>
+              <a:ext uri="{FF2B5EF4-FFF2-40B4-BE49-F238E27FC236}">
+                <a16:creationId xmlns:a16="http://schemas.microsoft.com/office/drawing/2014/main" id="{C1CD7A5C-6044-4F77-841E-E28AF461363D}"/>
+              </a:ext>
+            </a:extLst>
+          </p:cNvPr>
+          <p:cNvSpPr>
+            <a:spLocks noGrp="1"/>
+          </p:cNvSpPr>
+          <p:nvPr>
+            <p:ph type="body" idx="1"/>
+          </p:nvPr>
+        </p:nvSpPr>
+        <p:spPr/>
+        <p:txBody>
+          <a:bodyPr/>
+          <a:lstStyle/>
+          <a:p>
+            <a:br>
+              <a:rPr lang="fr-FR" dirty="0"/>
+            </a:br>
+            <a:endParaRPr lang="fr-FR" dirty="0"/>
+          </a:p>
+        </p:txBody>
+      </p:sp>
+    </p:spTree>
+    <p:extLst>
+      <p:ext uri="{BB962C8B-B14F-4D97-AF65-F5344CB8AC3E}">
+        <p14:creationId xmlns:p14="http://schemas.microsoft.com/office/powerpoint/2010/main" val="578457273"/>
+      </p:ext>
+    </p:extLst>
+  </p:cSld>
+  <p:clrMapOvr>
+    <a:masterClrMapping/>
+  </p:clrMapOvr>
+</p:sld>
+</file>
+
+<file path=ppt/slides/slide12.xml><?xml version="1.0" encoding="utf-8"?>
+<p:sld xmlns:a="http://schemas.openxmlformats.org/drawingml/2006/main" xmlns:r="http://schemas.openxmlformats.org/officeDocument/2006/relationships" xmlns:p="http://schemas.openxmlformats.org/presentationml/2006/main">
+  <p:cSld>
+    <p:spTree>
+      <p:nvGrpSpPr>
+        <p:cNvPr id="1" name=""/>
+        <p:cNvGrpSpPr/>
+        <p:nvPr/>
+      </p:nvGrpSpPr>
+      <p:grpSpPr>
+        <a:xfrm>
+          <a:off x="0" y="0"/>
+          <a:ext cx="0" cy="0"/>
+          <a:chOff x="0" y="0"/>
+          <a:chExt cx="0" cy="0"/>
+        </a:xfrm>
+      </p:grpSpPr>
+      <p:sp>
+        <p:nvSpPr>
+          <p:cNvPr id="2" name="Titre 1">
+            <a:extLst>
+              <a:ext uri="{FF2B5EF4-FFF2-40B4-BE49-F238E27FC236}">
+                <a16:creationId xmlns:a16="http://schemas.microsoft.com/office/drawing/2014/main" id="{5C719FEB-2FB5-4D1E-BE30-35054F234634}"/>
+              </a:ext>
+            </a:extLst>
+          </p:cNvPr>
+          <p:cNvSpPr>
+            <a:spLocks noGrp="1"/>
+          </p:cNvSpPr>
+          <p:nvPr>
+            <p:ph type="title"/>
+          </p:nvPr>
+        </p:nvSpPr>
+        <p:spPr>
+          <a:xfrm>
+            <a:off x="2908853" y="428186"/>
+            <a:ext cx="8610600" cy="1293028"/>
+          </a:xfrm>
+        </p:spPr>
+        <p:txBody>
+          <a:bodyPr/>
+          <a:lstStyle/>
+          <a:p>
+            <a:r>
+              <a:rPr lang="fr-FR" dirty="0"/>
+              <a:t>Des indicateurs pertinents</a:t>
+            </a:r>
+          </a:p>
+        </p:txBody>
+      </p:sp>
+      <p:sp>
+        <p:nvSpPr>
+          <p:cNvPr id="3" name="Espace réservé du contenu 2">
+            <a:extLst>
+              <a:ext uri="{FF2B5EF4-FFF2-40B4-BE49-F238E27FC236}">
+                <a16:creationId xmlns:a16="http://schemas.microsoft.com/office/drawing/2014/main" id="{D2C3FDCF-D817-48FF-B885-6596EABAB927}"/>
+              </a:ext>
+            </a:extLst>
+          </p:cNvPr>
+          <p:cNvSpPr>
+            <a:spLocks noGrp="1"/>
+          </p:cNvSpPr>
+          <p:nvPr>
+            <p:ph idx="1"/>
+          </p:nvPr>
+        </p:nvSpPr>
+        <p:spPr>
+          <a:xfrm>
+            <a:off x="176463" y="1813980"/>
+            <a:ext cx="12015537" cy="5419859"/>
+          </a:xfrm>
+        </p:spPr>
+        <p:txBody>
+          <a:bodyPr>
+            <a:normAutofit fontScale="92500" lnSpcReduction="20000"/>
+          </a:bodyPr>
+          <a:lstStyle/>
+          <a:p>
+            <a:r>
+              <a:rPr lang="fr-FR" sz="2800" b="1" dirty="0"/>
+              <a:t>La population et son évolution</a:t>
+            </a:r>
+          </a:p>
+          <a:p>
+            <a:pPr lvl="1"/>
+            <a:r>
+              <a:rPr lang="fr-FR" sz="2800" dirty="0"/>
+              <a:t>SP.POP.TOTL : population totale</a:t>
+            </a:r>
+          </a:p>
+          <a:p>
+            <a:pPr lvl="2"/>
+            <a:r>
+              <a:rPr lang="fr-FR" sz="2600" dirty="0"/>
+              <a:t>SP.SEC.TOTL.IN : population dans le secondaire</a:t>
+            </a:r>
+          </a:p>
+          <a:p>
+            <a:pPr lvl="2"/>
+            <a:r>
+              <a:rPr lang="fr-FR" sz="2600" dirty="0"/>
+              <a:t>SP.POP.0014.TO : population de moins de 15 ans</a:t>
+            </a:r>
+          </a:p>
+          <a:p>
+            <a:pPr lvl="2"/>
+            <a:endParaRPr lang="fr-FR" sz="2600" dirty="0"/>
+          </a:p>
+          <a:p>
+            <a:pPr lvl="1"/>
+            <a:r>
+              <a:rPr lang="fr-FR" sz="2800" dirty="0"/>
+              <a:t>SP.POP.GROW : taux de croissance démographique</a:t>
+            </a:r>
+          </a:p>
+          <a:p>
+            <a:pPr lvl="1"/>
+            <a:endParaRPr lang="fr-FR" sz="2800" dirty="0"/>
+          </a:p>
+          <a:p>
+            <a:r>
+              <a:rPr lang="fr-FR" sz="2800" b="1" dirty="0"/>
+              <a:t>La situation économique</a:t>
+            </a:r>
+          </a:p>
+          <a:p>
+            <a:pPr lvl="1"/>
+            <a:r>
+              <a:rPr lang="fr-FR" sz="2600" dirty="0"/>
+              <a:t>NY.GDP.PCAP.KD : PNB par habitant</a:t>
+            </a:r>
+          </a:p>
+          <a:p>
+            <a:pPr lvl="1"/>
+            <a:r>
+              <a:rPr lang="fr-FR" sz="2800" dirty="0"/>
+              <a:t>SL.UEM.TOTL.ZS : taux de chômage</a:t>
+            </a:r>
+          </a:p>
+          <a:p>
+            <a:pPr marL="0" indent="0">
+              <a:buNone/>
+            </a:pPr>
+            <a:endParaRPr lang="fr-FR" sz="2800" dirty="0"/>
+          </a:p>
+          <a:p>
+            <a:r>
+              <a:rPr lang="fr-FR" sz="2800" b="1" dirty="0"/>
+              <a:t>Les infrastructures technologiques</a:t>
+            </a:r>
+          </a:p>
+          <a:p>
+            <a:pPr lvl="1"/>
+            <a:r>
+              <a:rPr lang="fr-FR" sz="2800" dirty="0"/>
+              <a:t>IT.NET.USER.P2 : taux d’utilisateurs d’internet</a:t>
+            </a:r>
+          </a:p>
+          <a:p>
+            <a:pPr lvl="1"/>
+            <a:r>
+              <a:rPr lang="fr-FR" sz="2800" dirty="0"/>
+              <a:t>IT.CMP.PCMP.P2 : taux d’équipement en ordinateurs personnels</a:t>
+            </a:r>
+          </a:p>
+          <a:p>
+            <a:endParaRPr lang="fr-FR" dirty="0"/>
+          </a:p>
+          <a:p>
+            <a:pPr lvl="1"/>
+            <a:endParaRPr lang="fr-FR" dirty="0"/>
+          </a:p>
+        </p:txBody>
+      </p:sp>
+    </p:spTree>
+    <p:extLst>
+      <p:ext uri="{BB962C8B-B14F-4D97-AF65-F5344CB8AC3E}">
+        <p14:creationId xmlns:p14="http://schemas.microsoft.com/office/powerpoint/2010/main" val="2428231970"/>
+      </p:ext>
+    </p:extLst>
+  </p:cSld>
+  <p:clrMapOvr>
+    <a:masterClrMapping/>
+  </p:clrMapOvr>
+</p:sld>
+</file>
+
+<file path=ppt/slides/slide13.xml><?xml version="1.0" encoding="utf-8"?>
+<p:sld xmlns:a="http://schemas.openxmlformats.org/drawingml/2006/main" xmlns:r="http://schemas.openxmlformats.org/officeDocument/2006/relationships" xmlns:p="http://schemas.openxmlformats.org/presentationml/2006/main">
+  <p:cSld>
+    <p:spTree>
+      <p:nvGrpSpPr>
+        <p:cNvPr id="1" name=""/>
+        <p:cNvGrpSpPr/>
+        <p:nvPr/>
+      </p:nvGrpSpPr>
+      <p:grpSpPr>
+        <a:xfrm>
+          <a:off x="0" y="0"/>
+          <a:ext cx="0" cy="0"/>
+          <a:chOff x="0" y="0"/>
+          <a:chExt cx="0" cy="0"/>
+        </a:xfrm>
+      </p:grpSpPr>
+      <p:sp>
+        <p:nvSpPr>
+          <p:cNvPr id="2" name="Titre 1">
+            <a:extLst>
+              <a:ext uri="{FF2B5EF4-FFF2-40B4-BE49-F238E27FC236}">
+                <a16:creationId xmlns:a16="http://schemas.microsoft.com/office/drawing/2014/main" id="{86EA0680-0155-4547-B930-7EB1D5711B4E}"/>
+              </a:ext>
+            </a:extLst>
+          </p:cNvPr>
+          <p:cNvSpPr>
+            <a:spLocks noGrp="1"/>
+          </p:cNvSpPr>
+          <p:nvPr>
+            <p:ph type="title"/>
+          </p:nvPr>
+        </p:nvSpPr>
+        <p:spPr>
+          <a:xfrm>
+            <a:off x="2895600" y="207781"/>
+            <a:ext cx="8610600" cy="1293028"/>
+          </a:xfrm>
+        </p:spPr>
+        <p:txBody>
+          <a:bodyPr/>
+          <a:lstStyle/>
+          <a:p>
+            <a:r>
+              <a:rPr lang="fr-FR" dirty="0"/>
+              <a:t>Limites du jeu de données</a:t>
+            </a:r>
+          </a:p>
+        </p:txBody>
+      </p:sp>
+      <p:sp>
+        <p:nvSpPr>
+          <p:cNvPr id="3" name="Espace réservé du contenu 2">
+            <a:extLst>
+              <a:ext uri="{FF2B5EF4-FFF2-40B4-BE49-F238E27FC236}">
+                <a16:creationId xmlns:a16="http://schemas.microsoft.com/office/drawing/2014/main" id="{844B7975-7EF1-4C09-854E-EAD633CFAA50}"/>
+              </a:ext>
+            </a:extLst>
+          </p:cNvPr>
+          <p:cNvSpPr>
+            <a:spLocks noGrp="1"/>
+          </p:cNvSpPr>
+          <p:nvPr>
+            <p:ph idx="1"/>
+          </p:nvPr>
+        </p:nvSpPr>
+        <p:spPr>
+          <a:xfrm>
+            <a:off x="685800" y="1500809"/>
+            <a:ext cx="10820400" cy="5357191"/>
+          </a:xfrm>
+        </p:spPr>
+        <p:txBody>
+          <a:bodyPr>
+            <a:normAutofit lnSpcReduction="10000"/>
+          </a:bodyPr>
+          <a:lstStyle/>
+          <a:p>
+            <a:pPr algn="just"/>
+            <a:r>
+              <a:rPr lang="fr-FR" b="1" dirty="0"/>
+              <a:t>Des données parfois datées </a:t>
+            </a:r>
+            <a:r>
+              <a:rPr lang="fr-FR" dirty="0"/>
+              <a:t>: 2016 en général, mais parfois plus anciennes. </a:t>
+            </a:r>
+          </a:p>
+          <a:p>
+            <a:pPr lvl="1" algn="just"/>
+            <a:r>
+              <a:rPr lang="fr-FR" dirty="0"/>
+              <a:t>Ex. : 2008 pour l’équipement en ordinateur.</a:t>
+            </a:r>
+          </a:p>
+          <a:p>
+            <a:pPr marL="0" indent="0" algn="just">
+              <a:buNone/>
+            </a:pPr>
+            <a:endParaRPr lang="fr-FR" dirty="0"/>
+          </a:p>
+          <a:p>
+            <a:pPr algn="just"/>
+            <a:r>
+              <a:rPr lang="fr-FR" dirty="0"/>
+              <a:t>Manque de données sur:</a:t>
+            </a:r>
+          </a:p>
+          <a:p>
+            <a:pPr lvl="1" algn="just"/>
+            <a:r>
+              <a:rPr lang="fr-FR" b="1" dirty="0"/>
+              <a:t>la situation économique : </a:t>
+            </a:r>
+            <a:r>
+              <a:rPr lang="fr-FR" dirty="0"/>
+              <a:t>croissance du PIB</a:t>
+            </a:r>
+          </a:p>
+          <a:p>
+            <a:pPr lvl="1" algn="just"/>
+            <a:r>
+              <a:rPr lang="fr-FR" b="1" dirty="0"/>
+              <a:t>l’infrastructure technologique. </a:t>
+            </a:r>
+            <a:r>
+              <a:rPr lang="fr-FR" dirty="0"/>
+              <a:t>Ex : débit, équipement tablettes, accès à Internet…</a:t>
+            </a:r>
+          </a:p>
+          <a:p>
+            <a:pPr lvl="1" algn="just"/>
+            <a:r>
+              <a:rPr lang="fr-FR" b="1" dirty="0"/>
+              <a:t>la concurrence locale </a:t>
+            </a:r>
+            <a:r>
+              <a:rPr lang="fr-FR" dirty="0"/>
+              <a:t>éventuelle. Ex : étude du marché</a:t>
+            </a:r>
+          </a:p>
+          <a:p>
+            <a:pPr lvl="1" algn="just"/>
+            <a:r>
+              <a:rPr lang="fr-FR" b="1" dirty="0"/>
+              <a:t>les langues parlées </a:t>
+            </a:r>
+            <a:r>
+              <a:rPr lang="fr-FR" dirty="0"/>
+              <a:t>dans le pays. Ex : pays francophones ou anglophones.</a:t>
+            </a:r>
+          </a:p>
+          <a:p>
+            <a:pPr marL="457200" lvl="1" indent="0" algn="just">
+              <a:buNone/>
+            </a:pPr>
+            <a:endParaRPr lang="fr-FR" dirty="0"/>
+          </a:p>
+          <a:p>
+            <a:pPr marL="0" indent="0" algn="just">
+              <a:buNone/>
+            </a:pPr>
+            <a:r>
+              <a:rPr lang="fr-FR" b="1" dirty="0"/>
+              <a:t>Conclusion : </a:t>
+            </a:r>
+          </a:p>
+          <a:p>
+            <a:pPr algn="just"/>
+            <a:r>
+              <a:rPr lang="fr-FR" dirty="0"/>
+              <a:t>Beaucoup de données</a:t>
+            </a:r>
+          </a:p>
+          <a:p>
+            <a:pPr algn="just"/>
+            <a:r>
+              <a:rPr lang="fr-FR" dirty="0"/>
+              <a:t>Une minorité pertinente</a:t>
+            </a:r>
+          </a:p>
+          <a:p>
+            <a:pPr algn="just"/>
+            <a:r>
+              <a:rPr lang="fr-FR" dirty="0"/>
+              <a:t>Indicateurs pertinents très classiques</a:t>
+            </a:r>
+          </a:p>
+          <a:p>
+            <a:pPr algn="just"/>
+            <a:r>
+              <a:rPr lang="fr-FR" dirty="0"/>
+              <a:t>Nécessité de compléter les données disponibles</a:t>
+            </a:r>
+          </a:p>
+        </p:txBody>
+      </p:sp>
+    </p:spTree>
+    <p:extLst>
+      <p:ext uri="{BB962C8B-B14F-4D97-AF65-F5344CB8AC3E}">
+        <p14:creationId xmlns:p14="http://schemas.microsoft.com/office/powerpoint/2010/main" val="3315547483"/>
+      </p:ext>
+    </p:extLst>
+  </p:cSld>
+  <p:clrMapOvr>
+    <a:masterClrMapping/>
+  </p:clrMapOvr>
+</p:sld>
+</file>
+
+<file path=ppt/slides/slide14.xml><?xml version="1.0" encoding="utf-8"?>
+<p:sld xmlns:a="http://schemas.openxmlformats.org/drawingml/2006/main" xmlns:r="http://schemas.openxmlformats.org/officeDocument/2006/relationships" xmlns:p="http://schemas.openxmlformats.org/presentationml/2006/main">
+  <p:cSld>
+    <p:spTree>
+      <p:nvGrpSpPr>
+        <p:cNvPr id="1" name=""/>
+        <p:cNvGrpSpPr/>
+        <p:nvPr/>
+      </p:nvGrpSpPr>
+      <p:grpSpPr>
+        <a:xfrm>
+          <a:off x="0" y="0"/>
+          <a:ext cx="0" cy="0"/>
+          <a:chOff x="0" y="0"/>
+          <a:chExt cx="0" cy="0"/>
+        </a:xfrm>
+      </p:grpSpPr>
+      <p:sp>
+        <p:nvSpPr>
+          <p:cNvPr id="2" name="Titre 1">
+            <a:extLst>
+              <a:ext uri="{FF2B5EF4-FFF2-40B4-BE49-F238E27FC236}">
                 <a16:creationId xmlns:a16="http://schemas.microsoft.com/office/drawing/2014/main" id="{964011A4-8F80-4EB8-891E-8BB51852960E}"/>
               </a:ext>
             </a:extLst>
@@ -6568,24 +7634,12 @@
               <a:buNone/>
             </a:pPr>
             <a:r>
+              <a:rPr lang="fr-FR" i="1" dirty="0" err="1"/>
+              <a:t>academy</a:t>
+            </a:r>
+            <a:r>
               <a:rPr lang="fr-FR" dirty="0"/>
-              <a:t>Je suis </a:t>
-            </a:r>
-            <a:r>
-              <a:rPr lang="fr-FR" i="1" dirty="0"/>
-              <a:t>Data </a:t>
-            </a:r>
-            <a:r>
-              <a:rPr lang="fr-FR" i="1" dirty="0" err="1"/>
-              <a:t>Scientist</a:t>
-            </a:r>
-            <a:r>
-              <a:rPr lang="fr-FR" i="1" dirty="0"/>
-              <a:t> </a:t>
-            </a:r>
-            <a:r>
-              <a:rPr lang="fr-FR" dirty="0"/>
-              <a:t>dans une </a:t>
+              <a:t> est une </a:t>
             </a:r>
             <a:r>
               <a:rPr lang="fr-FR" b="1" dirty="0"/>
@@ -6597,19 +7651,7 @@
             </a:r>
             <a:r>
               <a:rPr lang="fr-FR" dirty="0"/>
-              <a:t>, nommée </a:t>
-            </a:r>
-            <a:r>
-              <a:rPr lang="fr-FR" i="1" dirty="0" err="1"/>
-              <a:t>Academy</a:t>
-            </a:r>
-            <a:r>
-              <a:rPr lang="fr-FR" i="1" dirty="0"/>
-              <a:t> </a:t>
-            </a:r>
-            <a:r>
-              <a:rPr lang="fr-FR" dirty="0"/>
-              <a:t>qui propose :</a:t>
+              <a:t> qui propose :</a:t>
             </a:r>
           </a:p>
           <a:p>
@@ -6656,7 +7698,7 @@
             </a:pPr>
             <a:r>
               <a:rPr lang="fr-FR" dirty="0"/>
-              <a:t>Mark, mon manager, m’a convié à une réunion pour me présenter le projet d’</a:t>
+              <a:t>Mark, mon manager, m’a présenté le projet d’</a:t>
             </a:r>
             <a:r>
               <a:rPr lang="fr-FR" b="1" dirty="0"/>
@@ -6664,7 +7706,16 @@
             </a:r>
             <a:r>
               <a:rPr lang="fr-FR" dirty="0"/>
-              <a:t> de l’entreprise. Il me confie </a:t>
+              <a:t> de l’entreprise.</a:t>
+            </a:r>
+          </a:p>
+          <a:p>
+            <a:pPr marL="0" indent="0" algn="just">
+              <a:buNone/>
+            </a:pPr>
+            <a:r>
+              <a:rPr lang="fr-FR" dirty="0"/>
+              <a:t>Il me confie </a:t>
             </a:r>
             <a:r>
               <a:rPr lang="fr-FR" b="1" dirty="0"/>
@@ -6687,7 +7738,7 @@
             </a:pPr>
             <a:r>
               <a:rPr lang="fr-FR" dirty="0"/>
-              <a:t>Voici les différentes questions que Mark aimerait explorer, que j’ai notées durant la réunion :</a:t>
+              <a:t>Voici les différentes questions que Mark aimerait explorer :</a:t>
             </a:r>
           </a:p>
           <a:p>
@@ -7031,7 +8082,7 @@
           <p:cNvPr id="2" name="Titre 1">
             <a:extLst>
               <a:ext uri="{FF2B5EF4-FFF2-40B4-BE49-F238E27FC236}">
-                <a16:creationId xmlns:a16="http://schemas.microsoft.com/office/drawing/2014/main" id="{6705E105-9DB5-4433-AC63-434E304D551D}"/>
+                <a16:creationId xmlns:a16="http://schemas.microsoft.com/office/drawing/2014/main" id="{6BE7C0E1-B149-456E-906F-735B9A14F40C}"/>
               </a:ext>
             </a:extLst>
           </p:cNvPr>
@@ -7044,7 +8095,7 @@
         </p:nvSpPr>
         <p:spPr>
           <a:xfrm>
-            <a:off x="2895600" y="0"/>
+            <a:off x="2895600" y="80793"/>
             <a:ext cx="8610600" cy="1293028"/>
           </a:xfrm>
         </p:spPr>
@@ -7053,8 +8104,8 @@
           <a:lstStyle/>
           <a:p>
             <a:r>
-              <a:rPr lang="fr-FR" b="1" dirty="0"/>
-              <a:t>LA MISSION</a:t>
+              <a:rPr lang="fr-FR" dirty="0"/>
+              <a:t>La BDD</a:t>
             </a:r>
           </a:p>
         </p:txBody>
@@ -7064,7 +8115,7 @@
           <p:cNvPr id="3" name="Espace réservé du contenu 2">
             <a:extLst>
               <a:ext uri="{FF2B5EF4-FFF2-40B4-BE49-F238E27FC236}">
-                <a16:creationId xmlns:a16="http://schemas.microsoft.com/office/drawing/2014/main" id="{971D3412-8CC1-4F55-A18D-EE0940EC5A9D}"/>
+                <a16:creationId xmlns:a16="http://schemas.microsoft.com/office/drawing/2014/main" id="{F308DC2A-B557-4810-A542-B0FB1FAE56B2}"/>
               </a:ext>
             </a:extLst>
           </p:cNvPr>
@@ -7077,146 +8128,176 @@
         </p:nvSpPr>
         <p:spPr>
           <a:xfrm>
-            <a:off x="685800" y="1701964"/>
-            <a:ext cx="10820400" cy="3485321"/>
+            <a:off x="685800" y="1464816"/>
+            <a:ext cx="10820400" cy="4753869"/>
           </a:xfrm>
         </p:spPr>
         <p:txBody>
           <a:bodyPr>
-            <a:normAutofit/>
+            <a:normAutofit fontScale="92500" lnSpcReduction="20000"/>
           </a:bodyPr>
           <a:lstStyle/>
           <a:p>
-            <a:pPr marL="342900" indent="-342900" algn="just">
-              <a:buFont typeface="+mj-lt"/>
-              <a:buAutoNum type="arabicPeriod"/>
+            <a:pPr marL="0" indent="0">
+              <a:buNone/>
             </a:pPr>
             <a:r>
-              <a:rPr lang="fr-FR" sz="2000" b="1" dirty="0"/>
-              <a:t>Valider la qualité de ce jeu de données</a:t>
-            </a:r>
-            <a:r>
-              <a:rPr lang="fr-FR" sz="2000" dirty="0"/>
-              <a:t> (comporte-t-il beaucoup de données manquantes, dupliquées ?)</a:t>
-            </a:r>
-          </a:p>
-          <a:p>
-            <a:pPr marL="342900" indent="-342900" algn="just">
-              <a:buFont typeface="+mj-lt"/>
-              <a:buAutoNum type="arabicPeriod"/>
+              <a:rPr lang="fr-FR" b="1" dirty="0"/>
+              <a:t>Différentes tables :</a:t>
+            </a:r>
+          </a:p>
+          <a:p>
+            <a:pPr marL="0" indent="0">
+              <a:buNone/>
             </a:pPr>
-            <a:r>
-              <a:rPr lang="fr-FR" sz="2000" b="1" dirty="0"/>
-              <a:t>Décrire les informations contenues dans le jeu de données</a:t>
-            </a:r>
-            <a:r>
-              <a:rPr lang="fr-FR" sz="2000" dirty="0"/>
-              <a:t> (nombre de colonnes ? nombre de lignes ?)</a:t>
-            </a:r>
-          </a:p>
-          <a:p>
-            <a:pPr marL="342900" indent="-342900" algn="just">
-              <a:buFont typeface="+mj-lt"/>
-              <a:buAutoNum type="arabicPeriod"/>
+            <a:endParaRPr lang="fr-FR" b="1" dirty="0"/>
+          </a:p>
+          <a:p>
+            <a:pPr lvl="1" algn="just"/>
+            <a:r>
+              <a:rPr lang="fr-FR" b="1" dirty="0" err="1"/>
+              <a:t>EdStatsData</a:t>
+            </a:r>
+            <a:endParaRPr lang="fr-FR" b="1" dirty="0"/>
+          </a:p>
+          <a:p>
+            <a:pPr marL="457200" lvl="1" indent="0" algn="just">
+              <a:buNone/>
             </a:pPr>
             <a:r>
-              <a:rPr lang="fr-FR" sz="2000" b="1" dirty="0"/>
-              <a:t>Sélectionner les informations qui semblent pertinentes pour répondre à la problématique</a:t>
-            </a:r>
-            <a:r>
-              <a:rPr lang="fr-FR" sz="2000" dirty="0"/>
-              <a:t> (quelles sont les colonnes contenant des informations qui peuvent être utiles pour répondre à la problématique de l’entreprise ?)</a:t>
-            </a:r>
-          </a:p>
-          <a:p>
-            <a:pPr marL="342900" indent="-342900" algn="just">
-              <a:buFont typeface="+mj-lt"/>
-              <a:buAutoNum type="arabicPeriod"/>
+              <a:rPr lang="fr-FR" b="1" dirty="0"/>
+              <a:t>	</a:t>
+            </a:r>
+            <a:r>
+              <a:rPr lang="fr-FR" dirty="0"/>
+              <a:t>table principale contenant les données</a:t>
+            </a:r>
+          </a:p>
+          <a:p>
+            <a:pPr marL="457200" lvl="1" indent="0" algn="just">
+              <a:buNone/>
             </a:pPr>
-            <a:r>
-              <a:rPr lang="fr-FR" sz="2000" b="1" dirty="0"/>
-              <a:t>Déterminer des ordres de grandeurs des indicateurs statistiques classiques</a:t>
-            </a:r>
-            <a:r>
-              <a:rPr lang="fr-FR" sz="2000" dirty="0"/>
-              <a:t> pour les différentes zones géographiques et pays du monde (moyenne/médiane/écart-type par pays et par continent ou bloc géographique)</a:t>
-            </a:r>
-          </a:p>
-        </p:txBody>
-      </p:sp>
-      <p:sp>
-        <p:nvSpPr>
-          <p:cNvPr id="4" name="ZoneTexte 3">
-            <a:extLst>
-              <a:ext uri="{FF2B5EF4-FFF2-40B4-BE49-F238E27FC236}">
-                <a16:creationId xmlns:a16="http://schemas.microsoft.com/office/drawing/2014/main" id="{A703721A-3000-423A-A0D3-E5571F9A6E20}"/>
-              </a:ext>
-            </a:extLst>
-          </p:cNvPr>
-          <p:cNvSpPr txBox="1"/>
-          <p:nvPr/>
-        </p:nvSpPr>
-        <p:spPr>
-          <a:xfrm>
-            <a:off x="685800" y="5187285"/>
-            <a:ext cx="10820400" cy="1323439"/>
-          </a:xfrm>
-          <a:prstGeom prst="rect">
-            <a:avLst/>
-          </a:prstGeom>
-          <a:solidFill>
-            <a:schemeClr val="accent1">
-              <a:alpha val="32000"/>
-            </a:schemeClr>
-          </a:solidFill>
-          <a:ln>
-            <a:solidFill>
-              <a:schemeClr val="accent1"/>
-            </a:solidFill>
-          </a:ln>
-        </p:spPr>
-        <p:txBody>
-          <a:bodyPr wrap="square" rtlCol="0">
-            <a:spAutoFit/>
-          </a:bodyPr>
-          <a:lstStyle/>
-          <a:p>
-            <a:pPr algn="just"/>
-            <a:r>
-              <a:rPr lang="fr-FR" sz="2000" dirty="0"/>
-              <a:t>Mark : « Ton travail va nous permettre de déterminer si ce jeu de données peut informer les décisions d'ouverture vers de nouveaux pays. On va partager ton analyse avec le </a:t>
-            </a:r>
-            <a:r>
-              <a:rPr lang="fr-FR" sz="2000" i="1" dirty="0" err="1"/>
-              <a:t>board</a:t>
-            </a:r>
-            <a:r>
-              <a:rPr lang="fr-FR" sz="2000" dirty="0"/>
-              <a:t>, alors merci de </a:t>
-            </a:r>
-            <a:r>
-              <a:rPr lang="fr-FR" sz="2000" b="1" dirty="0"/>
-              <a:t>soigner la présentation </a:t>
-            </a:r>
-            <a:r>
-              <a:rPr lang="fr-FR" sz="2000" dirty="0"/>
-              <a:t>et de l'illustrer avec des </a:t>
-            </a:r>
-            <a:r>
-              <a:rPr lang="fr-FR" sz="2000" b="1" dirty="0"/>
-              <a:t>graphiques pertinents et lisibles</a:t>
-            </a:r>
-            <a:r>
-              <a:rPr lang="fr-FR" sz="2000" dirty="0"/>
-              <a:t> ! »</a:t>
-            </a:r>
+            <a:endParaRPr lang="fr-FR" dirty="0"/>
+          </a:p>
+          <a:p>
+            <a:pPr lvl="1" algn="just"/>
+            <a:r>
+              <a:rPr lang="fr-FR" b="1" dirty="0" err="1"/>
+              <a:t>EdStatsCountry</a:t>
+            </a:r>
+            <a:endParaRPr lang="fr-FR" b="1" dirty="0"/>
+          </a:p>
+          <a:p>
+            <a:pPr marL="457200" lvl="1" indent="0" algn="just">
+              <a:buNone/>
+            </a:pPr>
+            <a:r>
+              <a:rPr lang="fr-FR" b="1" dirty="0"/>
+              <a:t>	</a:t>
+            </a:r>
+            <a:r>
+              <a:rPr lang="fr-FR" dirty="0"/>
+              <a:t>informations générales sur les pays</a:t>
+            </a:r>
+          </a:p>
+          <a:p>
+            <a:pPr marL="457200" lvl="1" indent="0" algn="just">
+              <a:buNone/>
+            </a:pPr>
+            <a:endParaRPr lang="fr-FR" b="1" dirty="0"/>
+          </a:p>
+          <a:p>
+            <a:pPr lvl="1" algn="just"/>
+            <a:r>
+              <a:rPr lang="fr-FR" b="1" dirty="0" err="1"/>
+              <a:t>EdStatsCountry-Series</a:t>
+            </a:r>
+            <a:endParaRPr lang="fr-FR" b="1" dirty="0"/>
+          </a:p>
+          <a:p>
+            <a:pPr marL="457200" lvl="1" indent="0" algn="just">
+              <a:buNone/>
+            </a:pPr>
+            <a:r>
+              <a:rPr lang="fr-FR" dirty="0"/>
+              <a:t>	source ou mode de calcul des valeurs de quelques séries (pays/indicateur)</a:t>
+            </a:r>
+          </a:p>
+          <a:p>
+            <a:pPr marL="457200" lvl="1" indent="0" algn="just">
+              <a:buNone/>
+            </a:pPr>
+            <a:endParaRPr lang="fr-FR" dirty="0"/>
+          </a:p>
+          <a:p>
+            <a:pPr lvl="1" algn="just"/>
+            <a:r>
+              <a:rPr lang="fr-FR" b="1" dirty="0" err="1"/>
+              <a:t>EdStatsFootNote</a:t>
+            </a:r>
+            <a:endParaRPr lang="fr-FR" b="1" dirty="0"/>
+          </a:p>
+          <a:p>
+            <a:pPr marL="457200" lvl="1" indent="0" algn="just">
+              <a:buNone/>
+            </a:pPr>
+            <a:r>
+              <a:rPr lang="fr-FR" b="1" dirty="0"/>
+              <a:t>	</a:t>
+            </a:r>
+            <a:r>
+              <a:rPr lang="fr-FR" dirty="0"/>
+              <a:t>informations complémentaires concernant une donnée particulière 	(pays/indicateur/année)</a:t>
+            </a:r>
+          </a:p>
+          <a:p>
+            <a:pPr marL="457200" lvl="1" indent="0" algn="just">
+              <a:buNone/>
+            </a:pPr>
+            <a:endParaRPr lang="fr-FR" dirty="0"/>
+          </a:p>
+          <a:p>
+            <a:pPr lvl="1" algn="just"/>
+            <a:r>
+              <a:rPr lang="fr-FR" b="1" dirty="0" err="1"/>
+              <a:t>EdStatsSeries</a:t>
+            </a:r>
+            <a:endParaRPr lang="fr-FR" dirty="0"/>
+          </a:p>
+          <a:p>
+            <a:pPr marL="457200" lvl="1" indent="0" algn="just">
+              <a:buNone/>
+            </a:pPr>
+            <a:r>
+              <a:rPr lang="fr-FR" dirty="0"/>
+              <a:t>	</a:t>
+            </a:r>
+            <a:r>
+              <a:rPr lang="fr-FR" dirty="0" err="1"/>
+              <a:t>details</a:t>
+            </a:r>
+            <a:r>
+              <a:rPr lang="fr-FR" dirty="0"/>
+              <a:t> concernant les indicateurs : description, source, méthode…</a:t>
+            </a:r>
+          </a:p>
+          <a:p>
+            <a:pPr lvl="1"/>
+            <a:endParaRPr lang="fr-FR" dirty="0"/>
+          </a:p>
+          <a:p>
+            <a:pPr lvl="1"/>
+            <a:endParaRPr lang="fr-FR" dirty="0"/>
+          </a:p>
+          <a:p>
+            <a:endParaRPr lang="fr-FR" dirty="0"/>
           </a:p>
         </p:txBody>
       </p:sp>
     </p:spTree>
     <p:extLst>
       <p:ext uri="{BB962C8B-B14F-4D97-AF65-F5344CB8AC3E}">
-        <p14:creationId xmlns:p14="http://schemas.microsoft.com/office/powerpoint/2010/main" val="2545069334"/>
+        <p14:creationId xmlns:p14="http://schemas.microsoft.com/office/powerpoint/2010/main" val="2768625094"/>
       </p:ext>
     </p:extLst>
   </p:cSld>
@@ -7248,7 +8329,7 @@
           <p:cNvPr id="2" name="Titre 1">
             <a:extLst>
               <a:ext uri="{FF2B5EF4-FFF2-40B4-BE49-F238E27FC236}">
-                <a16:creationId xmlns:a16="http://schemas.microsoft.com/office/drawing/2014/main" id="{1AAB0BFB-BAEB-41CC-AB6A-9726BD9C9C87}"/>
+                <a16:creationId xmlns:a16="http://schemas.microsoft.com/office/drawing/2014/main" id="{D0082922-1F0C-4E00-AECE-AB5985B27F96}"/>
               </a:ext>
             </a:extLst>
           </p:cNvPr>
@@ -7265,13 +8346,9 @@
           <a:lstStyle/>
           <a:p>
             <a:r>
-              <a:rPr lang="fr-FR" b="1" dirty="0"/>
-              <a:t>Livrables attendus</a:t>
-            </a:r>
-            <a:br>
-              <a:rPr lang="fr-FR" b="1" dirty="0"/>
-            </a:br>
-            <a:endParaRPr lang="fr-FR" dirty="0"/>
+              <a:rPr lang="fr-FR" dirty="0"/>
+              <a:t>Les données, en bref</a:t>
+            </a:r>
           </a:p>
         </p:txBody>
       </p:sp>
@@ -7280,7 +8357,7 @@
           <p:cNvPr id="3" name="Espace réservé du contenu 2">
             <a:extLst>
               <a:ext uri="{FF2B5EF4-FFF2-40B4-BE49-F238E27FC236}">
-                <a16:creationId xmlns:a16="http://schemas.microsoft.com/office/drawing/2014/main" id="{A4C1F6B0-61F8-4DD2-8434-A490F051FA4A}"/>
+                <a16:creationId xmlns:a16="http://schemas.microsoft.com/office/drawing/2014/main" id="{DEF746C3-1EC2-49F3-91E7-B616CB6E6E73}"/>
               </a:ext>
             </a:extLst>
           </p:cNvPr>
@@ -7298,27 +8375,60 @@
           <a:p>
             <a:r>
               <a:rPr lang="fr-FR" dirty="0"/>
-              <a:t>Un notebook comportant les analyses pré-exploratoires réalisées (non </a:t>
-            </a:r>
-            <a:r>
-              <a:rPr lang="fr-FR" dirty="0" err="1"/>
-              <a:t>cleané</a:t>
-            </a:r>
+              <a:t>217 pays</a:t>
+            </a:r>
+          </a:p>
+          <a:p>
             <a:r>
               <a:rPr lang="fr-FR" dirty="0"/>
-              <a:t>, pour comprendre votre démarche).</a:t>
-            </a:r>
+              <a:t>3665 indicateurs </a:t>
+            </a:r>
+            <a:r>
+              <a:rPr lang="fr-FR"/>
+              <a:t>et sous-indicateurs</a:t>
+            </a:r>
+            <a:endParaRPr lang="fr-FR" dirty="0"/>
           </a:p>
           <a:p>
             <a:r>
               <a:rPr lang="fr-FR" dirty="0"/>
-              <a:t>Un support de présentation pour la soutenance.</a:t>
+              <a:t>Des sources de données différentes</a:t>
+            </a:r>
+          </a:p>
+          <a:p>
+            <a:r>
+              <a:rPr lang="fr-FR" dirty="0"/>
+              <a:t>Des séries temporelles passées depuis 1970 et jusqu’en 2017…</a:t>
+            </a:r>
+          </a:p>
+          <a:p>
+            <a:r>
+              <a:rPr lang="fr-FR" dirty="0"/>
+              <a:t>… et des projections pour 2020 et jusqu’en 2100</a:t>
             </a:r>
           </a:p>
           <a:p>
             <a:pPr marL="0" indent="0">
               <a:buNone/>
             </a:pPr>
+            <a:endParaRPr lang="fr-FR" dirty="0"/>
+          </a:p>
+          <a:p>
+            <a:pPr marL="0" indent="0">
+              <a:buNone/>
+            </a:pPr>
+            <a:r>
+              <a:rPr lang="fr-FR" b="1" dirty="0"/>
+              <a:t>Mais…</a:t>
+            </a:r>
+          </a:p>
+          <a:p>
+            <a:r>
+              <a:rPr lang="fr-FR" dirty="0"/>
+              <a:t>Taux de remplissage global : 0.8 %</a:t>
+            </a:r>
+          </a:p>
+          <a:p>
             <a:endParaRPr lang="fr-FR" dirty="0"/>
           </a:p>
         </p:txBody>
@@ -7326,7 +8436,7 @@
     </p:spTree>
     <p:extLst>
       <p:ext uri="{BB962C8B-B14F-4D97-AF65-F5344CB8AC3E}">
-        <p14:creationId xmlns:p14="http://schemas.microsoft.com/office/powerpoint/2010/main" val="1324194616"/>
+        <p14:creationId xmlns:p14="http://schemas.microsoft.com/office/powerpoint/2010/main" val="568591842"/>
       </p:ext>
     </p:extLst>
   </p:cSld>
@@ -7358,7 +8468,7 @@
           <p:cNvPr id="2" name="Titre 1">
             <a:extLst>
               <a:ext uri="{FF2B5EF4-FFF2-40B4-BE49-F238E27FC236}">
-                <a16:creationId xmlns:a16="http://schemas.microsoft.com/office/drawing/2014/main" id="{96885828-B058-4F14-80D3-515FB1B2EA26}"/>
+                <a16:creationId xmlns:a16="http://schemas.microsoft.com/office/drawing/2014/main" id="{6705E105-9DB5-4433-AC63-434E304D551D}"/>
               </a:ext>
             </a:extLst>
           </p:cNvPr>
@@ -7369,38 +8479,29 @@
             <p:ph type="title"/>
           </p:nvPr>
         </p:nvSpPr>
-        <p:spPr/>
+        <p:spPr>
+          <a:xfrm>
+            <a:off x="2895600" y="0"/>
+            <a:ext cx="8610600" cy="1293028"/>
+          </a:xfrm>
+        </p:spPr>
         <p:txBody>
           <a:bodyPr/>
           <a:lstStyle/>
           <a:p>
             <a:r>
               <a:rPr lang="fr-FR" b="1" dirty="0"/>
-              <a:t>Partie 2 :</a:t>
-            </a:r>
-            <a:br>
-              <a:rPr lang="fr-FR" b="1" dirty="0"/>
-            </a:br>
-            <a:r>
-              <a:rPr lang="fr-FR" dirty="0"/>
-              <a:t>Présentation de l’analyse </a:t>
-            </a:r>
-            <a:br>
-              <a:rPr lang="fr-FR" dirty="0"/>
-            </a:br>
-            <a:r>
-              <a:rPr lang="fr-FR" dirty="0"/>
-              <a:t>pré-exploratoire </a:t>
-            </a:r>
-          </a:p>
-        </p:txBody>
-      </p:sp>
-      <p:sp>
-        <p:nvSpPr>
-          <p:cNvPr id="3" name="Espace réservé du texte 2">
+              <a:t>LA MISSION</a:t>
+            </a:r>
+          </a:p>
+        </p:txBody>
+      </p:sp>
+      <p:sp>
+        <p:nvSpPr>
+          <p:cNvPr id="3" name="Espace réservé du contenu 2">
             <a:extLst>
               <a:ext uri="{FF2B5EF4-FFF2-40B4-BE49-F238E27FC236}">
-                <a16:creationId xmlns:a16="http://schemas.microsoft.com/office/drawing/2014/main" id="{C1CD7A5C-6044-4F77-841E-E28AF461363D}"/>
+                <a16:creationId xmlns:a16="http://schemas.microsoft.com/office/drawing/2014/main" id="{971D3412-8CC1-4F55-A18D-EE0940EC5A9D}"/>
               </a:ext>
             </a:extLst>
           </p:cNvPr>
@@ -7408,25 +8509,173 @@
             <a:spLocks noGrp="1"/>
           </p:cNvSpPr>
           <p:nvPr>
-            <p:ph type="body" idx="1"/>
-          </p:nvPr>
-        </p:nvSpPr>
-        <p:spPr/>
-        <p:txBody>
-          <a:bodyPr/>
-          <a:lstStyle/>
-          <a:p>
-            <a:br>
-              <a:rPr lang="fr-FR" dirty="0"/>
-            </a:br>
-            <a:endParaRPr lang="fr-FR" dirty="0"/>
+            <p:ph idx="1"/>
+          </p:nvPr>
+        </p:nvSpPr>
+        <p:spPr>
+          <a:xfrm>
+            <a:off x="685800" y="1701964"/>
+            <a:ext cx="10820400" cy="3485321"/>
+          </a:xfrm>
+        </p:spPr>
+        <p:txBody>
+          <a:bodyPr>
+            <a:normAutofit/>
+          </a:bodyPr>
+          <a:lstStyle/>
+          <a:p>
+            <a:pPr marL="342900" indent="-342900" algn="just">
+              <a:buFont typeface="+mj-lt"/>
+              <a:buAutoNum type="arabicPeriod"/>
+            </a:pPr>
+            <a:endParaRPr lang="fr-FR" sz="2000" b="1" dirty="0"/>
+          </a:p>
+          <a:p>
+            <a:pPr marL="342900" indent="-342900" algn="just">
+              <a:buFont typeface="+mj-lt"/>
+              <a:buAutoNum type="arabicPeriod"/>
+            </a:pPr>
+            <a:endParaRPr lang="fr-FR" sz="2000" b="1" dirty="0"/>
+          </a:p>
+          <a:p>
+            <a:pPr marL="342900" indent="-342900" algn="just">
+              <a:buFont typeface="+mj-lt"/>
+              <a:buAutoNum type="arabicPeriod"/>
+            </a:pPr>
+            <a:r>
+              <a:rPr lang="fr-FR" sz="2000" b="1" dirty="0"/>
+              <a:t>Valider la qualité </a:t>
+            </a:r>
+            <a:r>
+              <a:rPr lang="fr-FR" sz="2000" dirty="0"/>
+              <a:t>de ce jeu de données</a:t>
+            </a:r>
+          </a:p>
+          <a:p>
+            <a:pPr marL="342900" indent="-342900" algn="just">
+              <a:buFont typeface="+mj-lt"/>
+              <a:buAutoNum type="arabicPeriod"/>
+            </a:pPr>
+            <a:r>
+              <a:rPr lang="fr-FR" sz="2000" b="1" dirty="0"/>
+              <a:t>Décrire les informations </a:t>
+            </a:r>
+            <a:r>
+              <a:rPr lang="fr-FR" sz="2000" dirty="0"/>
+              <a:t>contenues dans le jeu de données</a:t>
+            </a:r>
+          </a:p>
+          <a:p>
+            <a:pPr marL="342900" indent="-342900" algn="just">
+              <a:buFont typeface="+mj-lt"/>
+              <a:buAutoNum type="arabicPeriod"/>
+            </a:pPr>
+            <a:r>
+              <a:rPr lang="fr-FR" sz="2000" b="1" dirty="0"/>
+              <a:t>Sélectionner les informations </a:t>
+            </a:r>
+            <a:r>
+              <a:rPr lang="fr-FR" sz="2000" dirty="0"/>
+              <a:t>qui semblent pertinentes</a:t>
+            </a:r>
+          </a:p>
+          <a:p>
+            <a:pPr marL="342900" indent="-342900" algn="just">
+              <a:buFont typeface="+mj-lt"/>
+              <a:buAutoNum type="arabicPeriod"/>
+            </a:pPr>
+            <a:r>
+              <a:rPr lang="fr-FR" sz="2000" b="1" dirty="0"/>
+              <a:t>Déterminer des ordres de grandeurs </a:t>
+            </a:r>
+            <a:r>
+              <a:rPr lang="fr-FR" sz="2000" dirty="0"/>
+              <a:t>des indicateurs statistiques classiques</a:t>
+            </a:r>
+          </a:p>
+        </p:txBody>
+      </p:sp>
+      <p:sp>
+        <p:nvSpPr>
+          <p:cNvPr id="4" name="ZoneTexte 3">
+            <a:extLst>
+              <a:ext uri="{FF2B5EF4-FFF2-40B4-BE49-F238E27FC236}">
+                <a16:creationId xmlns:a16="http://schemas.microsoft.com/office/drawing/2014/main" id="{A703721A-3000-423A-A0D3-E5571F9A6E20}"/>
+              </a:ext>
+            </a:extLst>
+          </p:cNvPr>
+          <p:cNvSpPr txBox="1"/>
+          <p:nvPr/>
+        </p:nvSpPr>
+        <p:spPr>
+          <a:xfrm>
+            <a:off x="685800" y="4494316"/>
+            <a:ext cx="10820400" cy="1323439"/>
+          </a:xfrm>
+          <a:prstGeom prst="rect">
+            <a:avLst/>
+          </a:prstGeom>
+          <a:solidFill>
+            <a:schemeClr val="accent1">
+              <a:alpha val="32000"/>
+            </a:schemeClr>
+          </a:solidFill>
+          <a:ln>
+            <a:solidFill>
+              <a:schemeClr val="accent1"/>
+            </a:solidFill>
+          </a:ln>
+        </p:spPr>
+        <p:txBody>
+          <a:bodyPr wrap="square" rtlCol="0">
+            <a:spAutoFit/>
+          </a:bodyPr>
+          <a:lstStyle/>
+          <a:p>
+            <a:pPr algn="just"/>
+            <a:r>
+              <a:rPr lang="fr-FR" sz="2000" dirty="0"/>
+              <a:t>Mark : « Ton travail va nous permettre de déterminer si ce jeu de données peut </a:t>
+            </a:r>
+            <a:r>
+              <a:rPr lang="fr-FR" sz="2000" b="1" dirty="0"/>
+              <a:t>informer les décisions </a:t>
+            </a:r>
+            <a:r>
+              <a:rPr lang="fr-FR" sz="2000" dirty="0"/>
+              <a:t>d'ouverture vers de nouveaux pays. On va partager ton analyse avec le </a:t>
+            </a:r>
+            <a:r>
+              <a:rPr lang="fr-FR" sz="2000" i="1" dirty="0" err="1"/>
+              <a:t>board</a:t>
+            </a:r>
+            <a:r>
+              <a:rPr lang="fr-FR" sz="2000" dirty="0"/>
+              <a:t>, alors merci de </a:t>
+            </a:r>
+            <a:r>
+              <a:rPr lang="fr-FR" sz="2000" b="1" dirty="0"/>
+              <a:t>soigner la présentation </a:t>
+            </a:r>
+            <a:r>
+              <a:rPr lang="fr-FR" sz="2000" dirty="0"/>
+              <a:t>et de l'illustrer avec des </a:t>
+            </a:r>
+            <a:r>
+              <a:rPr lang="fr-FR" sz="2000" b="1" dirty="0"/>
+              <a:t>graphiques pertinents et lisibles</a:t>
+            </a:r>
+            <a:r>
+              <a:rPr lang="fr-FR" sz="2000" dirty="0"/>
+              <a:t> ! »</a:t>
+            </a:r>
           </a:p>
         </p:txBody>
       </p:sp>
     </p:spTree>
     <p:extLst>
       <p:ext uri="{BB962C8B-B14F-4D97-AF65-F5344CB8AC3E}">
-        <p14:creationId xmlns:p14="http://schemas.microsoft.com/office/powerpoint/2010/main" val="3303506237"/>
+        <p14:creationId xmlns:p14="http://schemas.microsoft.com/office/powerpoint/2010/main" val="2545069334"/>
       </p:ext>
     </p:extLst>
   </p:cSld>
@@ -7458,7 +8707,7 @@
           <p:cNvPr id="2" name="Titre 1">
             <a:extLst>
               <a:ext uri="{FF2B5EF4-FFF2-40B4-BE49-F238E27FC236}">
-                <a16:creationId xmlns:a16="http://schemas.microsoft.com/office/drawing/2014/main" id="{96885828-B058-4F14-80D3-515FB1B2EA26}"/>
+                <a16:creationId xmlns:a16="http://schemas.microsoft.com/office/drawing/2014/main" id="{1AAB0BFB-BAEB-41CC-AB6A-9726BD9C9C87}"/>
               </a:ext>
             </a:extLst>
           </p:cNvPr>
@@ -7476,17 +8725,21 @@
           <a:p>
             <a:r>
               <a:rPr lang="fr-FR" b="1" dirty="0"/>
-              <a:t>conclusions sur la pertinence de l’usage du jeu de données</a:t>
-            </a:r>
-          </a:p>
-        </p:txBody>
-      </p:sp>
-      <p:sp>
-        <p:nvSpPr>
-          <p:cNvPr id="3" name="Espace réservé du texte 2">
+              <a:t>Livrables attendus</a:t>
+            </a:r>
+            <a:br>
+              <a:rPr lang="fr-FR" b="1" dirty="0"/>
+            </a:br>
+            <a:endParaRPr lang="fr-FR" dirty="0"/>
+          </a:p>
+        </p:txBody>
+      </p:sp>
+      <p:sp>
+        <p:nvSpPr>
+          <p:cNvPr id="3" name="Espace réservé du contenu 2">
             <a:extLst>
               <a:ext uri="{FF2B5EF4-FFF2-40B4-BE49-F238E27FC236}">
-                <a16:creationId xmlns:a16="http://schemas.microsoft.com/office/drawing/2014/main" id="{C1CD7A5C-6044-4F77-841E-E28AF461363D}"/>
+                <a16:creationId xmlns:a16="http://schemas.microsoft.com/office/drawing/2014/main" id="{A4C1F6B0-61F8-4DD2-8434-A490F051FA4A}"/>
               </a:ext>
             </a:extLst>
           </p:cNvPr>
@@ -7494,7 +8747,7 @@
             <a:spLocks noGrp="1"/>
           </p:cNvSpPr>
           <p:nvPr>
-            <p:ph type="body" idx="1"/>
+            <p:ph idx="1"/>
           </p:nvPr>
         </p:nvSpPr>
         <p:spPr/>
@@ -7502,9 +8755,29 @@
           <a:bodyPr/>
           <a:lstStyle/>
           <a:p>
-            <a:br>
+            <a:r>
               <a:rPr lang="fr-FR" dirty="0"/>
-            </a:br>
+              <a:t>Un notebook comportant les analyses pré-exploratoires réalisées (non </a:t>
+            </a:r>
+            <a:r>
+              <a:rPr lang="fr-FR" dirty="0" err="1"/>
+              <a:t>cleané</a:t>
+            </a:r>
+            <a:r>
+              <a:rPr lang="fr-FR" dirty="0"/>
+              <a:t>, pour comprendre votre démarche).</a:t>
+            </a:r>
+          </a:p>
+          <a:p>
+            <a:r>
+              <a:rPr lang="fr-FR" dirty="0"/>
+              <a:t>Un support de présentation pour la soutenance.</a:t>
+            </a:r>
+          </a:p>
+          <a:p>
+            <a:pPr marL="0" indent="0">
+              <a:buNone/>
+            </a:pPr>
             <a:endParaRPr lang="fr-FR" dirty="0"/>
           </a:p>
         </p:txBody>
@@ -7512,7 +8785,7 @@
     </p:spTree>
     <p:extLst>
       <p:ext uri="{BB962C8B-B14F-4D97-AF65-F5344CB8AC3E}">
-        <p14:creationId xmlns:p14="http://schemas.microsoft.com/office/powerpoint/2010/main" val="578457273"/>
+        <p14:creationId xmlns:p14="http://schemas.microsoft.com/office/powerpoint/2010/main" val="1324194616"/>
       </p:ext>
     </p:extLst>
   </p:cSld>

--- a/projet2/projet2.pptx
+++ b/projet2/projet2.pptx
@@ -1,24 +1,32 @@
 
 <file path=ppt/presentation.xml><?xml version="1.0" encoding="utf-8"?>
-<p:presentation xmlns:a="http://schemas.openxmlformats.org/drawingml/2006/main" xmlns:r="http://schemas.openxmlformats.org/officeDocument/2006/relationships" xmlns:p="http://schemas.openxmlformats.org/presentationml/2006/main" saveSubsetFonts="1">
+<p:presentation xmlns:a="http://schemas.openxmlformats.org/drawingml/2006/main" xmlns:r="http://schemas.openxmlformats.org/officeDocument/2006/relationships" xmlns:p="http://schemas.openxmlformats.org/presentationml/2006/main" showSpecialPlsOnTitleSld="0" saveSubsetFonts="1">
   <p:sldMasterIdLst>
     <p:sldMasterId id="2147483678" r:id="rId1"/>
   </p:sldMasterIdLst>
+  <p:notesMasterIdLst>
+    <p:notesMasterId r:id="rId21"/>
+  </p:notesMasterIdLst>
   <p:sldIdLst>
     <p:sldId id="256" r:id="rId2"/>
-    <p:sldId id="259" r:id="rId3"/>
-    <p:sldId id="257" r:id="rId4"/>
-    <p:sldId id="258" r:id="rId5"/>
-    <p:sldId id="263" r:id="rId6"/>
-    <p:sldId id="270" r:id="rId7"/>
-    <p:sldId id="271" r:id="rId8"/>
-    <p:sldId id="265" r:id="rId9"/>
-    <p:sldId id="264" r:id="rId10"/>
-    <p:sldId id="260" r:id="rId11"/>
+    <p:sldId id="275" r:id="rId3"/>
+    <p:sldId id="259" r:id="rId4"/>
+    <p:sldId id="265" r:id="rId5"/>
+    <p:sldId id="276" r:id="rId6"/>
+    <p:sldId id="258" r:id="rId7"/>
+    <p:sldId id="277" r:id="rId8"/>
+    <p:sldId id="270" r:id="rId9"/>
+    <p:sldId id="271" r:id="rId10"/>
+    <p:sldId id="278" r:id="rId11"/>
     <p:sldId id="261" r:id="rId12"/>
     <p:sldId id="267" r:id="rId13"/>
-    <p:sldId id="269" r:id="rId14"/>
-    <p:sldId id="262" r:id="rId15"/>
+    <p:sldId id="279" r:id="rId14"/>
+    <p:sldId id="282" r:id="rId15"/>
+    <p:sldId id="281" r:id="rId16"/>
+    <p:sldId id="269" r:id="rId17"/>
+    <p:sldId id="273" r:id="rId18"/>
+    <p:sldId id="280" r:id="rId19"/>
+    <p:sldId id="272" r:id="rId20"/>
   </p:sldIdLst>
   <p:sldSz cx="12192000" cy="6858000"/>
   <p:notesSz cx="6858000" cy="9144000"/>
@@ -173,29 +181,6 @@
           </ac:picMkLst>
         </pc:picChg>
       </pc:sldChg>
-      <pc:sldChg chg="modSp add">
-        <pc:chgData name="Christophe Lebrun" userId="303fc86cbab77272" providerId="LiveId" clId="{D1325364-67D4-4734-844B-AF2494D30FFC}" dt="2019-06-10T17:01:03.996" v="628" actId="113"/>
-        <pc:sldMkLst>
-          <pc:docMk/>
-          <pc:sldMk cId="1510174254" sldId="257"/>
-        </pc:sldMkLst>
-        <pc:spChg chg="mod">
-          <ac:chgData name="Christophe Lebrun" userId="303fc86cbab77272" providerId="LiveId" clId="{D1325364-67D4-4734-844B-AF2494D30FFC}" dt="2019-06-10T17:01:03.996" v="628" actId="113"/>
-          <ac:spMkLst>
-            <pc:docMk/>
-            <pc:sldMk cId="1510174254" sldId="257"/>
-            <ac:spMk id="2" creationId="{96885828-B058-4F14-80D3-515FB1B2EA26}"/>
-          </ac:spMkLst>
-        </pc:spChg>
-        <pc:spChg chg="mod">
-          <ac:chgData name="Christophe Lebrun" userId="303fc86cbab77272" providerId="LiveId" clId="{D1325364-67D4-4734-844B-AF2494D30FFC}" dt="2019-06-10T16:23:18.097" v="132" actId="20577"/>
-          <ac:spMkLst>
-            <pc:docMk/>
-            <pc:sldMk cId="1510174254" sldId="257"/>
-            <ac:spMk id="3" creationId="{C1CD7A5C-6044-4F77-841E-E28AF461363D}"/>
-          </ac:spMkLst>
-        </pc:spChg>
-      </pc:sldChg>
       <pc:sldChg chg="addSp delSp modSp add">
         <pc:chgData name="Christophe Lebrun" userId="303fc86cbab77272" providerId="LiveId" clId="{D1325364-67D4-4734-844B-AF2494D30FFC}" dt="2019-06-25T13:02:05.843" v="1522" actId="6549"/>
         <pc:sldMkLst>
@@ -258,37 +243,6 @@
           </ac:spMkLst>
         </pc:spChg>
       </pc:sldChg>
-      <pc:sldChg chg="addSp modSp add ord">
-        <pc:chgData name="Christophe Lebrun" userId="303fc86cbab77272" providerId="LiveId" clId="{D1325364-67D4-4734-844B-AF2494D30FFC}" dt="2019-06-26T11:59:06.597" v="2836" actId="1076"/>
-        <pc:sldMkLst>
-          <pc:docMk/>
-          <pc:sldMk cId="3303506237" sldId="260"/>
-        </pc:sldMkLst>
-        <pc:spChg chg="mod">
-          <ac:chgData name="Christophe Lebrun" userId="303fc86cbab77272" providerId="LiveId" clId="{D1325364-67D4-4734-844B-AF2494D30FFC}" dt="2019-06-10T17:01:32.534" v="640" actId="113"/>
-          <ac:spMkLst>
-            <pc:docMk/>
-            <pc:sldMk cId="3303506237" sldId="260"/>
-            <ac:spMk id="2" creationId="{96885828-B058-4F14-80D3-515FB1B2EA26}"/>
-          </ac:spMkLst>
-        </pc:spChg>
-        <pc:spChg chg="mod">
-          <ac:chgData name="Christophe Lebrun" userId="303fc86cbab77272" providerId="LiveId" clId="{D1325364-67D4-4734-844B-AF2494D30FFC}" dt="2019-06-10T16:24:04.771" v="137" actId="20577"/>
-          <ac:spMkLst>
-            <pc:docMk/>
-            <pc:sldMk cId="3303506237" sldId="260"/>
-            <ac:spMk id="3" creationId="{C1CD7A5C-6044-4F77-841E-E28AF461363D}"/>
-          </ac:spMkLst>
-        </pc:spChg>
-        <pc:spChg chg="add mod">
-          <ac:chgData name="Christophe Lebrun" userId="303fc86cbab77272" providerId="LiveId" clId="{D1325364-67D4-4734-844B-AF2494D30FFC}" dt="2019-06-26T11:59:06.597" v="2836" actId="1076"/>
-          <ac:spMkLst>
-            <pc:docMk/>
-            <pc:sldMk cId="3303506237" sldId="260"/>
-            <ac:spMk id="4" creationId="{DCE2B66C-CBE3-4153-A49D-FBE1F5B91DAA}"/>
-          </ac:spMkLst>
-        </pc:spChg>
-      </pc:sldChg>
       <pc:sldChg chg="modSp add">
         <pc:chgData name="Christophe Lebrun" userId="303fc86cbab77272" providerId="LiveId" clId="{D1325364-67D4-4734-844B-AF2494D30FFC}" dt="2019-06-10T16:25:30.467" v="142"/>
         <pc:sldMkLst>
@@ -301,75 +255,6 @@
             <pc:docMk/>
             <pc:sldMk cId="578457273" sldId="261"/>
             <ac:spMk id="2" creationId="{96885828-B058-4F14-80D3-515FB1B2EA26}"/>
-          </ac:spMkLst>
-        </pc:spChg>
-      </pc:sldChg>
-      <pc:sldChg chg="modSp add">
-        <pc:chgData name="Christophe Lebrun" userId="303fc86cbab77272" providerId="LiveId" clId="{D1325364-67D4-4734-844B-AF2494D30FFC}" dt="2019-06-10T17:02:00.526" v="652" actId="113"/>
-        <pc:sldMkLst>
-          <pc:docMk/>
-          <pc:sldMk cId="3375476623" sldId="262"/>
-        </pc:sldMkLst>
-        <pc:spChg chg="mod">
-          <ac:chgData name="Christophe Lebrun" userId="303fc86cbab77272" providerId="LiveId" clId="{D1325364-67D4-4734-844B-AF2494D30FFC}" dt="2019-06-10T17:02:00.526" v="652" actId="113"/>
-          <ac:spMkLst>
-            <pc:docMk/>
-            <pc:sldMk cId="3375476623" sldId="262"/>
-            <ac:spMk id="2" creationId="{964011A4-8F80-4EB8-891E-8BB51852960E}"/>
-          </ac:spMkLst>
-        </pc:spChg>
-      </pc:sldChg>
-      <pc:sldChg chg="addSp modSp add">
-        <pc:chgData name="Christophe Lebrun" userId="303fc86cbab77272" providerId="LiveId" clId="{D1325364-67D4-4734-844B-AF2494D30FFC}" dt="2019-06-10T17:05:30.399" v="733" actId="20577"/>
-        <pc:sldMkLst>
-          <pc:docMk/>
-          <pc:sldMk cId="2071482301" sldId="263"/>
-        </pc:sldMkLst>
-        <pc:spChg chg="mod">
-          <ac:chgData name="Christophe Lebrun" userId="303fc86cbab77272" providerId="LiveId" clId="{D1325364-67D4-4734-844B-AF2494D30FFC}" dt="2019-06-10T16:48:41.405" v="387" actId="1076"/>
-          <ac:spMkLst>
-            <pc:docMk/>
-            <pc:sldMk cId="2071482301" sldId="263"/>
-            <ac:spMk id="2" creationId="{45959E70-6BC1-4F14-B387-07540666456B}"/>
-          </ac:spMkLst>
-        </pc:spChg>
-        <pc:spChg chg="mod">
-          <ac:chgData name="Christophe Lebrun" userId="303fc86cbab77272" providerId="LiveId" clId="{D1325364-67D4-4734-844B-AF2494D30FFC}" dt="2019-06-10T17:05:30.399" v="733" actId="20577"/>
-          <ac:spMkLst>
-            <pc:docMk/>
-            <pc:sldMk cId="2071482301" sldId="263"/>
-            <ac:spMk id="3" creationId="{AE9472D0-1D4C-4D52-8569-0C291B897F05}"/>
-          </ac:spMkLst>
-        </pc:spChg>
-        <pc:picChg chg="add mod">
-          <ac:chgData name="Christophe Lebrun" userId="303fc86cbab77272" providerId="LiveId" clId="{D1325364-67D4-4734-844B-AF2494D30FFC}" dt="2019-06-10T16:50:34.951" v="415" actId="1076"/>
-          <ac:picMkLst>
-            <pc:docMk/>
-            <pc:sldMk cId="2071482301" sldId="263"/>
-            <ac:picMk id="5" creationId="{F9C7DD83-C758-4A4F-830B-48E9A71EC921}"/>
-          </ac:picMkLst>
-        </pc:picChg>
-      </pc:sldChg>
-      <pc:sldChg chg="modSp add">
-        <pc:chgData name="Christophe Lebrun" userId="303fc86cbab77272" providerId="LiveId" clId="{D1325364-67D4-4734-844B-AF2494D30FFC}" dt="2019-06-10T16:34:49.395" v="241" actId="20578"/>
-        <pc:sldMkLst>
-          <pc:docMk/>
-          <pc:sldMk cId="1324194616" sldId="264"/>
-        </pc:sldMkLst>
-        <pc:spChg chg="mod">
-          <ac:chgData name="Christophe Lebrun" userId="303fc86cbab77272" providerId="LiveId" clId="{D1325364-67D4-4734-844B-AF2494D30FFC}" dt="2019-06-10T16:34:49.395" v="241" actId="20578"/>
-          <ac:spMkLst>
-            <pc:docMk/>
-            <pc:sldMk cId="1324194616" sldId="264"/>
-            <ac:spMk id="2" creationId="{1AAB0BFB-BAEB-41CC-AB6A-9726BD9C9C87}"/>
-          </ac:spMkLst>
-        </pc:spChg>
-        <pc:spChg chg="mod">
-          <ac:chgData name="Christophe Lebrun" userId="303fc86cbab77272" providerId="LiveId" clId="{D1325364-67D4-4734-844B-AF2494D30FFC}" dt="2019-06-10T16:34:46.911" v="240" actId="5793"/>
-          <ac:spMkLst>
-            <pc:docMk/>
-            <pc:sldMk cId="1324194616" sldId="264"/>
-            <ac:spMk id="3" creationId="{A4C1F6B0-61F8-4DD2-8434-A490F051FA4A}"/>
           </ac:spMkLst>
         </pc:spChg>
       </pc:sldChg>
@@ -403,13 +288,6 @@
             <ac:spMk id="4" creationId="{A703721A-3000-423A-A0D3-E5571F9A6E20}"/>
           </ac:spMkLst>
         </pc:spChg>
-      </pc:sldChg>
-      <pc:sldChg chg="add del">
-        <pc:chgData name="Christophe Lebrun" userId="303fc86cbab77272" providerId="LiveId" clId="{D1325364-67D4-4734-844B-AF2494D30FFC}" dt="2019-06-25T09:20:53.645" v="773" actId="2696"/>
-        <pc:sldMkLst>
-          <pc:docMk/>
-          <pc:sldMk cId="1431827167" sldId="266"/>
-        </pc:sldMkLst>
       </pc:sldChg>
       <pc:sldChg chg="addSp delSp modSp add ord">
         <pc:chgData name="Christophe Lebrun" userId="303fc86cbab77272" providerId="LiveId" clId="{D1325364-67D4-4734-844B-AF2494D30FFC}" dt="2019-06-26T11:51:20.649" v="2293" actId="1076"/>
@@ -463,29 +341,6 @@
             <pc:docMk/>
             <pc:sldMk cId="2428231970" sldId="267"/>
             <ac:spMk id="7" creationId="{FB8A2A98-EDCF-4D08-8C0A-CCB03CFAB612}"/>
-          </ac:spMkLst>
-        </pc:spChg>
-      </pc:sldChg>
-      <pc:sldChg chg="addSp delSp modSp add del">
-        <pc:chgData name="Christophe Lebrun" userId="303fc86cbab77272" providerId="LiveId" clId="{D1325364-67D4-4734-844B-AF2494D30FFC}" dt="2019-06-26T11:59:19.287" v="2837" actId="2696"/>
-        <pc:sldMkLst>
-          <pc:docMk/>
-          <pc:sldMk cId="2362016884" sldId="268"/>
-        </pc:sldMkLst>
-        <pc:spChg chg="del mod">
-          <ac:chgData name="Christophe Lebrun" userId="303fc86cbab77272" providerId="LiveId" clId="{D1325364-67D4-4734-844B-AF2494D30FFC}" dt="2019-06-26T11:58:55.664" v="2834"/>
-          <ac:spMkLst>
-            <pc:docMk/>
-            <pc:sldMk cId="2362016884" sldId="268"/>
-            <ac:spMk id="3" creationId="{D913AAA6-DD68-432A-A023-0C4220DC6261}"/>
-          </ac:spMkLst>
-        </pc:spChg>
-        <pc:spChg chg="add mod">
-          <ac:chgData name="Christophe Lebrun" userId="303fc86cbab77272" providerId="LiveId" clId="{D1325364-67D4-4734-844B-AF2494D30FFC}" dt="2019-06-26T11:58:55.664" v="2834"/>
-          <ac:spMkLst>
-            <pc:docMk/>
-            <pc:sldMk cId="2362016884" sldId="268"/>
-            <ac:spMk id="4" creationId="{BCE922C8-72A1-46AF-9D73-33920E68EDA9}"/>
           </ac:spMkLst>
         </pc:spChg>
       </pc:sldChg>
@@ -561,30 +416,1189 @@
     </pc:docChg>
   </pc:docChgLst>
   <pc:docChgLst>
-    <pc:chgData name="Christophe Lebrun" userId="303fc86cbab77272" providerId="LiveId" clId="{C1140C95-80F2-4D95-94FD-7AADB9B45297}"/>
-    <pc:docChg chg="modSld">
-      <pc:chgData name="Christophe Lebrun" userId="303fc86cbab77272" providerId="LiveId" clId="{C1140C95-80F2-4D95-94FD-7AADB9B45297}" dt="2019-06-20T21:56:10.991" v="8" actId="20577"/>
+    <pc:chgData name="Christophe Lebrun" userId="303fc86cbab77272" providerId="LiveId" clId="{29BB87E9-A3F7-4AC3-B8AB-92AB47F786AA}"/>
+    <pc:docChg chg="custSel addSld modSld">
+      <pc:chgData name="Christophe Lebrun" userId="303fc86cbab77272" providerId="LiveId" clId="{29BB87E9-A3F7-4AC3-B8AB-92AB47F786AA}" dt="2019-06-28T21:30:44.776" v="554" actId="14100"/>
       <pc:docMkLst>
         <pc:docMk/>
       </pc:docMkLst>
       <pc:sldChg chg="modSp">
-        <pc:chgData name="Christophe Lebrun" userId="303fc86cbab77272" providerId="LiveId" clId="{C1140C95-80F2-4D95-94FD-7AADB9B45297}" dt="2019-06-20T21:56:10.991" v="8" actId="20577"/>
+        <pc:chgData name="Christophe Lebrun" userId="303fc86cbab77272" providerId="LiveId" clId="{29BB87E9-A3F7-4AC3-B8AB-92AB47F786AA}" dt="2019-06-28T16:05:24.494" v="230" actId="20577"/>
+        <pc:sldMkLst>
+          <pc:docMk/>
+          <pc:sldMk cId="621091621" sldId="258"/>
+        </pc:sldMkLst>
+        <pc:spChg chg="mod">
+          <ac:chgData name="Christophe Lebrun" userId="303fc86cbab77272" providerId="LiveId" clId="{29BB87E9-A3F7-4AC3-B8AB-92AB47F786AA}" dt="2019-06-28T16:05:24.494" v="230" actId="20577"/>
+          <ac:spMkLst>
+            <pc:docMk/>
+            <pc:sldMk cId="621091621" sldId="258"/>
+            <ac:spMk id="3" creationId="{889B0FE6-3DC3-469A-9DBF-FDFF0D56FCBE}"/>
+          </ac:spMkLst>
+        </pc:spChg>
+      </pc:sldChg>
+      <pc:sldChg chg="addSp">
+        <pc:chgData name="Christophe Lebrun" userId="303fc86cbab77272" providerId="LiveId" clId="{29BB87E9-A3F7-4AC3-B8AB-92AB47F786AA}" dt="2019-06-28T15:57:25.701" v="191"/>
+        <pc:sldMkLst>
+          <pc:docMk/>
+          <pc:sldMk cId="578457273" sldId="261"/>
+        </pc:sldMkLst>
+        <pc:picChg chg="add">
+          <ac:chgData name="Christophe Lebrun" userId="303fc86cbab77272" providerId="LiveId" clId="{29BB87E9-A3F7-4AC3-B8AB-92AB47F786AA}" dt="2019-06-28T15:57:25.701" v="191"/>
+          <ac:picMkLst>
+            <pc:docMk/>
+            <pc:sldMk cId="578457273" sldId="261"/>
+            <ac:picMk id="5" creationId="{A479ADF1-1B60-474B-B063-F8F23193E2D5}"/>
+          </ac:picMkLst>
+        </pc:picChg>
+      </pc:sldChg>
+      <pc:sldChg chg="modSp">
+        <pc:chgData name="Christophe Lebrun" userId="303fc86cbab77272" providerId="LiveId" clId="{29BB87E9-A3F7-4AC3-B8AB-92AB47F786AA}" dt="2019-06-28T16:11:19.802" v="304" actId="6549"/>
+        <pc:sldMkLst>
+          <pc:docMk/>
+          <pc:sldMk cId="2428231970" sldId="267"/>
+        </pc:sldMkLst>
+        <pc:spChg chg="mod">
+          <ac:chgData name="Christophe Lebrun" userId="303fc86cbab77272" providerId="LiveId" clId="{29BB87E9-A3F7-4AC3-B8AB-92AB47F786AA}" dt="2019-06-28T16:11:19.802" v="304" actId="6549"/>
+          <ac:spMkLst>
+            <pc:docMk/>
+            <pc:sldMk cId="2428231970" sldId="267"/>
+            <ac:spMk id="3" creationId="{D2C3FDCF-D817-48FF-B885-6596EABAB927}"/>
+          </ac:spMkLst>
+        </pc:spChg>
+      </pc:sldChg>
+      <pc:sldChg chg="modSp">
+        <pc:chgData name="Christophe Lebrun" userId="303fc86cbab77272" providerId="LiveId" clId="{29BB87E9-A3F7-4AC3-B8AB-92AB47F786AA}" dt="2019-06-28T16:17:49.938" v="495" actId="20577"/>
+        <pc:sldMkLst>
+          <pc:docMk/>
+          <pc:sldMk cId="3315547483" sldId="269"/>
+        </pc:sldMkLst>
+        <pc:spChg chg="mod">
+          <ac:chgData name="Christophe Lebrun" userId="303fc86cbab77272" providerId="LiveId" clId="{29BB87E9-A3F7-4AC3-B8AB-92AB47F786AA}" dt="2019-06-28T15:50:44.957" v="91" actId="113"/>
+          <ac:spMkLst>
+            <pc:docMk/>
+            <pc:sldMk cId="3315547483" sldId="269"/>
+            <ac:spMk id="2" creationId="{86EA0680-0155-4547-B930-7EB1D5711B4E}"/>
+          </ac:spMkLst>
+        </pc:spChg>
+        <pc:spChg chg="mod">
+          <ac:chgData name="Christophe Lebrun" userId="303fc86cbab77272" providerId="LiveId" clId="{29BB87E9-A3F7-4AC3-B8AB-92AB47F786AA}" dt="2019-06-28T16:17:49.938" v="495" actId="20577"/>
+          <ac:spMkLst>
+            <pc:docMk/>
+            <pc:sldMk cId="3315547483" sldId="269"/>
+            <ac:spMk id="3" creationId="{844B7975-7EF1-4C09-854E-EAD633CFAA50}"/>
+          </ac:spMkLst>
+        </pc:spChg>
+      </pc:sldChg>
+      <pc:sldChg chg="modSp">
+        <pc:chgData name="Christophe Lebrun" userId="303fc86cbab77272" providerId="LiveId" clId="{29BB87E9-A3F7-4AC3-B8AB-92AB47F786AA}" dt="2019-06-28T16:10:04.519" v="297" actId="113"/>
+        <pc:sldMkLst>
+          <pc:docMk/>
+          <pc:sldMk cId="568591842" sldId="271"/>
+        </pc:sldMkLst>
+        <pc:spChg chg="mod">
+          <ac:chgData name="Christophe Lebrun" userId="303fc86cbab77272" providerId="LiveId" clId="{29BB87E9-A3F7-4AC3-B8AB-92AB47F786AA}" dt="2019-06-28T16:10:04.519" v="297" actId="113"/>
+          <ac:spMkLst>
+            <pc:docMk/>
+            <pc:sldMk cId="568591842" sldId="271"/>
+            <ac:spMk id="2" creationId="{D0082922-1F0C-4E00-AECE-AB5985B27F96}"/>
+          </ac:spMkLst>
+        </pc:spChg>
+        <pc:spChg chg="mod">
+          <ac:chgData name="Christophe Lebrun" userId="303fc86cbab77272" providerId="LiveId" clId="{29BB87E9-A3F7-4AC3-B8AB-92AB47F786AA}" dt="2019-06-28T16:07:43.309" v="236" actId="1076"/>
+          <ac:spMkLst>
+            <pc:docMk/>
+            <pc:sldMk cId="568591842" sldId="271"/>
+            <ac:spMk id="6" creationId="{C808FD2A-C693-43FD-9A04-0DAFAA8600D0}"/>
+          </ac:spMkLst>
+        </pc:spChg>
+        <pc:graphicFrameChg chg="modGraphic">
+          <ac:chgData name="Christophe Lebrun" userId="303fc86cbab77272" providerId="LiveId" clId="{29BB87E9-A3F7-4AC3-B8AB-92AB47F786AA}" dt="2019-06-28T16:08:58.923" v="295" actId="20577"/>
+          <ac:graphicFrameMkLst>
+            <pc:docMk/>
+            <pc:sldMk cId="568591842" sldId="271"/>
+            <ac:graphicFrameMk id="8" creationId="{81EA7E6B-F161-45E5-B980-A8975E455F53}"/>
+          </ac:graphicFrameMkLst>
+        </pc:graphicFrameChg>
+        <pc:graphicFrameChg chg="mod modGraphic">
+          <ac:chgData name="Christophe Lebrun" userId="303fc86cbab77272" providerId="LiveId" clId="{29BB87E9-A3F7-4AC3-B8AB-92AB47F786AA}" dt="2019-06-28T16:07:34.639" v="235" actId="14100"/>
+          <ac:graphicFrameMkLst>
+            <pc:docMk/>
+            <pc:sldMk cId="568591842" sldId="271"/>
+            <ac:graphicFrameMk id="11" creationId="{13CDBDF6-776D-437E-A845-2379E54E2D70}"/>
+          </ac:graphicFrameMkLst>
+        </pc:graphicFrameChg>
+      </pc:sldChg>
+      <pc:sldChg chg="addSp">
+        <pc:chgData name="Christophe Lebrun" userId="303fc86cbab77272" providerId="LiveId" clId="{29BB87E9-A3F7-4AC3-B8AB-92AB47F786AA}" dt="2019-06-28T21:20:54.379" v="540"/>
+        <pc:sldMkLst>
+          <pc:docMk/>
+          <pc:sldMk cId="3559895393" sldId="272"/>
+        </pc:sldMkLst>
+        <pc:picChg chg="add">
+          <ac:chgData name="Christophe Lebrun" userId="303fc86cbab77272" providerId="LiveId" clId="{29BB87E9-A3F7-4AC3-B8AB-92AB47F786AA}" dt="2019-06-28T21:20:54.379" v="540"/>
+          <ac:picMkLst>
+            <pc:docMk/>
+            <pc:sldMk cId="3559895393" sldId="272"/>
+            <ac:picMk id="5" creationId="{BA427ED7-A51F-40B1-B139-17063858B41A}"/>
+          </ac:picMkLst>
+        </pc:picChg>
+      </pc:sldChg>
+      <pc:sldChg chg="modSp">
+        <pc:chgData name="Christophe Lebrun" userId="303fc86cbab77272" providerId="LiveId" clId="{29BB87E9-A3F7-4AC3-B8AB-92AB47F786AA}" dt="2019-06-28T21:25:45.691" v="547" actId="1076"/>
+        <pc:sldMkLst>
+          <pc:docMk/>
+          <pc:sldMk cId="4089539970" sldId="273"/>
+        </pc:sldMkLst>
+        <pc:spChg chg="mod">
+          <ac:chgData name="Christophe Lebrun" userId="303fc86cbab77272" providerId="LiveId" clId="{29BB87E9-A3F7-4AC3-B8AB-92AB47F786AA}" dt="2019-06-28T21:25:45.691" v="547" actId="1076"/>
+          <ac:spMkLst>
+            <pc:docMk/>
+            <pc:sldMk cId="4089539970" sldId="273"/>
+            <ac:spMk id="3" creationId="{F0D9E0D4-5008-48AA-882B-41F7EC2F4AAB}"/>
+          </ac:spMkLst>
+        </pc:spChg>
+      </pc:sldChg>
+      <pc:sldChg chg="modSp">
+        <pc:chgData name="Christophe Lebrun" userId="303fc86cbab77272" providerId="LiveId" clId="{29BB87E9-A3F7-4AC3-B8AB-92AB47F786AA}" dt="2019-06-28T16:04:39.783" v="210" actId="20577"/>
+        <pc:sldMkLst>
+          <pc:docMk/>
+          <pc:sldMk cId="1202338430" sldId="277"/>
+        </pc:sldMkLst>
+        <pc:spChg chg="mod">
+          <ac:chgData name="Christophe Lebrun" userId="303fc86cbab77272" providerId="LiveId" clId="{29BB87E9-A3F7-4AC3-B8AB-92AB47F786AA}" dt="2019-06-28T16:04:39.783" v="210" actId="20577"/>
+          <ac:spMkLst>
+            <pc:docMk/>
+            <pc:sldMk cId="1202338430" sldId="277"/>
+            <ac:spMk id="5" creationId="{2B0219A4-26ED-40DC-9C58-4D9B9030D899}"/>
+          </ac:spMkLst>
+        </pc:spChg>
+      </pc:sldChg>
+      <pc:sldChg chg="modSp">
+        <pc:chgData name="Christophe Lebrun" userId="303fc86cbab77272" providerId="LiveId" clId="{29BB87E9-A3F7-4AC3-B8AB-92AB47F786AA}" dt="2019-06-28T21:24:00.392" v="544" actId="1076"/>
+        <pc:sldMkLst>
+          <pc:docMk/>
+          <pc:sldMk cId="2956667182" sldId="278"/>
+        </pc:sldMkLst>
+        <pc:picChg chg="mod">
+          <ac:chgData name="Christophe Lebrun" userId="303fc86cbab77272" providerId="LiveId" clId="{29BB87E9-A3F7-4AC3-B8AB-92AB47F786AA}" dt="2019-06-28T21:24:00.392" v="544" actId="1076"/>
+          <ac:picMkLst>
+            <pc:docMk/>
+            <pc:sldMk cId="2956667182" sldId="278"/>
+            <ac:picMk id="6" creationId="{167625F1-437C-445A-A0F1-2B70A8D6605E}"/>
+          </ac:picMkLst>
+        </pc:picChg>
+      </pc:sldChg>
+      <pc:sldChg chg="addSp delSp modSp">
+        <pc:chgData name="Christophe Lebrun" userId="303fc86cbab77272" providerId="LiveId" clId="{29BB87E9-A3F7-4AC3-B8AB-92AB47F786AA}" dt="2019-06-28T21:30:44.776" v="554" actId="14100"/>
+        <pc:sldMkLst>
+          <pc:docMk/>
+          <pc:sldMk cId="504980493" sldId="279"/>
+        </pc:sldMkLst>
+        <pc:spChg chg="mod">
+          <ac:chgData name="Christophe Lebrun" userId="303fc86cbab77272" providerId="LiveId" clId="{29BB87E9-A3F7-4AC3-B8AB-92AB47F786AA}" dt="2019-06-28T21:20:16.852" v="539" actId="1076"/>
+          <ac:spMkLst>
+            <pc:docMk/>
+            <pc:sldMk cId="504980493" sldId="279"/>
+            <ac:spMk id="2" creationId="{C893100B-CBF9-46CC-B8A0-341FD67F61A0}"/>
+          </ac:spMkLst>
+        </pc:spChg>
+        <pc:spChg chg="del">
+          <ac:chgData name="Christophe Lebrun" userId="303fc86cbab77272" providerId="LiveId" clId="{29BB87E9-A3F7-4AC3-B8AB-92AB47F786AA}" dt="2019-06-28T18:22:13.472" v="509" actId="478"/>
+          <ac:spMkLst>
+            <pc:docMk/>
+            <pc:sldMk cId="504980493" sldId="279"/>
+            <ac:spMk id="3" creationId="{5E58CED7-549D-4473-BC41-6FC6B634C773}"/>
+          </ac:spMkLst>
+        </pc:spChg>
+        <pc:picChg chg="del">
+          <ac:chgData name="Christophe Lebrun" userId="303fc86cbab77272" providerId="LiveId" clId="{29BB87E9-A3F7-4AC3-B8AB-92AB47F786AA}" dt="2019-06-28T18:24:04.807" v="515" actId="478"/>
+          <ac:picMkLst>
+            <pc:docMk/>
+            <pc:sldMk cId="504980493" sldId="279"/>
+            <ac:picMk id="5" creationId="{F5E0101D-722D-401A-820C-CD3BCF92EE1B}"/>
+          </ac:picMkLst>
+        </pc:picChg>
+        <pc:picChg chg="add del mod ord">
+          <ac:chgData name="Christophe Lebrun" userId="303fc86cbab77272" providerId="LiveId" clId="{29BB87E9-A3F7-4AC3-B8AB-92AB47F786AA}" dt="2019-06-28T21:19:46.850" v="532" actId="478"/>
+          <ac:picMkLst>
+            <pc:docMk/>
+            <pc:sldMk cId="504980493" sldId="279"/>
+            <ac:picMk id="7" creationId="{1DF67FAB-92EB-4BAC-B303-CD9965B2A728}"/>
+          </ac:picMkLst>
+        </pc:picChg>
+        <pc:picChg chg="add del mod">
+          <ac:chgData name="Christophe Lebrun" userId="303fc86cbab77272" providerId="LiveId" clId="{29BB87E9-A3F7-4AC3-B8AB-92AB47F786AA}" dt="2019-06-28T21:30:06.276" v="548" actId="478"/>
+          <ac:picMkLst>
+            <pc:docMk/>
+            <pc:sldMk cId="504980493" sldId="279"/>
+            <ac:picMk id="9" creationId="{30F24937-5AF8-40AC-9C7C-3402F9C896E0}"/>
+          </ac:picMkLst>
+        </pc:picChg>
+        <pc:picChg chg="add mod">
+          <ac:chgData name="Christophe Lebrun" userId="303fc86cbab77272" providerId="LiveId" clId="{29BB87E9-A3F7-4AC3-B8AB-92AB47F786AA}" dt="2019-06-28T21:21:18.722" v="543" actId="14100"/>
+          <ac:picMkLst>
+            <pc:docMk/>
+            <pc:sldMk cId="504980493" sldId="279"/>
+            <ac:picMk id="10" creationId="{B3326BE9-0BDB-4E5A-861D-4F5D0B0578EA}"/>
+          </ac:picMkLst>
+        </pc:picChg>
+        <pc:picChg chg="add mod ord">
+          <ac:chgData name="Christophe Lebrun" userId="303fc86cbab77272" providerId="LiveId" clId="{29BB87E9-A3F7-4AC3-B8AB-92AB47F786AA}" dt="2019-06-28T21:30:44.776" v="554" actId="14100"/>
+          <ac:picMkLst>
+            <pc:docMk/>
+            <pc:sldMk cId="504980493" sldId="279"/>
+            <ac:picMk id="12" creationId="{18229628-206A-41B3-A720-DE998409D237}"/>
+          </ac:picMkLst>
+        </pc:picChg>
+      </pc:sldChg>
+      <pc:sldChg chg="modSp">
+        <pc:chgData name="Christophe Lebrun" userId="303fc86cbab77272" providerId="LiveId" clId="{29BB87E9-A3F7-4AC3-B8AB-92AB47F786AA}" dt="2019-06-28T16:19:35" v="508" actId="1076"/>
+        <pc:sldMkLst>
+          <pc:docMk/>
+          <pc:sldMk cId="3371075802" sldId="281"/>
+        </pc:sldMkLst>
+        <pc:spChg chg="mod">
+          <ac:chgData name="Christophe Lebrun" userId="303fc86cbab77272" providerId="LiveId" clId="{29BB87E9-A3F7-4AC3-B8AB-92AB47F786AA}" dt="2019-06-28T16:18:44.905" v="506" actId="20577"/>
+          <ac:spMkLst>
+            <pc:docMk/>
+            <pc:sldMk cId="3371075802" sldId="281"/>
+            <ac:spMk id="7" creationId="{54A5DF90-BA9A-41DC-86CE-93D9E8402224}"/>
+          </ac:spMkLst>
+        </pc:spChg>
+        <pc:spChg chg="mod">
+          <ac:chgData name="Christophe Lebrun" userId="303fc86cbab77272" providerId="LiveId" clId="{29BB87E9-A3F7-4AC3-B8AB-92AB47F786AA}" dt="2019-06-28T16:19:35" v="508" actId="1076"/>
+          <ac:spMkLst>
+            <pc:docMk/>
+            <pc:sldMk cId="3371075802" sldId="281"/>
+            <ac:spMk id="9" creationId="{2940F13F-509A-4C7A-90F6-4CD40AB733AC}"/>
+          </ac:spMkLst>
+        </pc:spChg>
+      </pc:sldChg>
+      <pc:sldChg chg="addSp delSp modSp add">
+        <pc:chgData name="Christophe Lebrun" userId="303fc86cbab77272" providerId="LiveId" clId="{29BB87E9-A3F7-4AC3-B8AB-92AB47F786AA}" dt="2019-06-28T15:53:03.072" v="114" actId="14100"/>
+        <pc:sldMkLst>
+          <pc:docMk/>
+          <pc:sldMk cId="2283641099" sldId="282"/>
+        </pc:sldMkLst>
+        <pc:spChg chg="del">
+          <ac:chgData name="Christophe Lebrun" userId="303fc86cbab77272" providerId="LiveId" clId="{29BB87E9-A3F7-4AC3-B8AB-92AB47F786AA}" dt="2019-06-28T15:51:28.276" v="95" actId="478"/>
+          <ac:spMkLst>
+            <pc:docMk/>
+            <pc:sldMk cId="2283641099" sldId="282"/>
+            <ac:spMk id="2" creationId="{ED26A7A7-901B-4C94-9598-CA196D0CFD6B}"/>
+          </ac:spMkLst>
+        </pc:spChg>
+        <pc:spChg chg="del">
+          <ac:chgData name="Christophe Lebrun" userId="303fc86cbab77272" providerId="LiveId" clId="{29BB87E9-A3F7-4AC3-B8AB-92AB47F786AA}" dt="2019-06-28T15:51:21.367" v="93" actId="931"/>
+          <ac:spMkLst>
+            <pc:docMk/>
+            <pc:sldMk cId="2283641099" sldId="282"/>
+            <ac:spMk id="3" creationId="{D60FBB0B-38F0-4269-9824-00BC9C4F5B02}"/>
+          </ac:spMkLst>
+        </pc:spChg>
+        <pc:picChg chg="add mod">
+          <ac:chgData name="Christophe Lebrun" userId="303fc86cbab77272" providerId="LiveId" clId="{29BB87E9-A3F7-4AC3-B8AB-92AB47F786AA}" dt="2019-06-28T15:52:41.948" v="110" actId="14100"/>
+          <ac:picMkLst>
+            <pc:docMk/>
+            <pc:sldMk cId="2283641099" sldId="282"/>
+            <ac:picMk id="6" creationId="{0F001EC5-C1E6-4566-984B-C6BE7E0B93BF}"/>
+          </ac:picMkLst>
+        </pc:picChg>
+        <pc:picChg chg="add mod">
+          <ac:chgData name="Christophe Lebrun" userId="303fc86cbab77272" providerId="LiveId" clId="{29BB87E9-A3F7-4AC3-B8AB-92AB47F786AA}" dt="2019-06-28T15:51:51.466" v="101" actId="14100"/>
+          <ac:picMkLst>
+            <pc:docMk/>
+            <pc:sldMk cId="2283641099" sldId="282"/>
+            <ac:picMk id="8" creationId="{AAD5F960-5909-4DD0-9F3D-B509DA91C3EF}"/>
+          </ac:picMkLst>
+        </pc:picChg>
+        <pc:picChg chg="add mod">
+          <ac:chgData name="Christophe Lebrun" userId="303fc86cbab77272" providerId="LiveId" clId="{29BB87E9-A3F7-4AC3-B8AB-92AB47F786AA}" dt="2019-06-28T15:52:52.883" v="111" actId="14100"/>
+          <ac:picMkLst>
+            <pc:docMk/>
+            <pc:sldMk cId="2283641099" sldId="282"/>
+            <ac:picMk id="10" creationId="{04A107ED-0A1F-4368-83D7-92DE359D75B9}"/>
+          </ac:picMkLst>
+        </pc:picChg>
+        <pc:picChg chg="add mod">
+          <ac:chgData name="Christophe Lebrun" userId="303fc86cbab77272" providerId="LiveId" clId="{29BB87E9-A3F7-4AC3-B8AB-92AB47F786AA}" dt="2019-06-28T15:53:03.072" v="114" actId="14100"/>
+          <ac:picMkLst>
+            <pc:docMk/>
+            <pc:sldMk cId="2283641099" sldId="282"/>
+            <ac:picMk id="12" creationId="{FB74E49D-048A-466C-BA58-F08D7585C700}"/>
+          </ac:picMkLst>
+        </pc:picChg>
+      </pc:sldChg>
+    </pc:docChg>
+  </pc:docChgLst>
+  <pc:docChgLst>
+    <pc:chgData name="Christophe Lebrun" userId="303fc86cbab77272" providerId="LiveId" clId="{C1140C95-80F2-4D95-94FD-7AADB9B45297}"/>
+    <pc:docChg chg="undo custSel addSld delSld modSld sldOrd modMainMaster">
+      <pc:chgData name="Christophe Lebrun" userId="303fc86cbab77272" providerId="LiveId" clId="{C1140C95-80F2-4D95-94FD-7AADB9B45297}" dt="2019-06-28T10:37:52.258" v="3480" actId="5793"/>
+      <pc:docMkLst>
+        <pc:docMk/>
+      </pc:docMkLst>
+      <pc:sldChg chg="addSp modSp ord">
+        <pc:chgData name="Christophe Lebrun" userId="303fc86cbab77272" providerId="LiveId" clId="{C1140C95-80F2-4D95-94FD-7AADB9B45297}" dt="2019-06-28T08:57:46.997" v="927" actId="1076"/>
+        <pc:sldMkLst>
+          <pc:docMk/>
+          <pc:sldMk cId="1531447886" sldId="256"/>
+        </pc:sldMkLst>
+        <pc:spChg chg="mod">
+          <ac:chgData name="Christophe Lebrun" userId="303fc86cbab77272" providerId="LiveId" clId="{C1140C95-80F2-4D95-94FD-7AADB9B45297}" dt="2019-06-28T08:57:46.997" v="927" actId="1076"/>
+          <ac:spMkLst>
+            <pc:docMk/>
+            <pc:sldMk cId="1531447886" sldId="256"/>
+            <ac:spMk id="2" creationId="{6E84EF98-294B-45BE-A755-5FE2EA5C9B5F}"/>
+          </ac:spMkLst>
+        </pc:spChg>
+        <pc:spChg chg="mod">
+          <ac:chgData name="Christophe Lebrun" userId="303fc86cbab77272" providerId="LiveId" clId="{C1140C95-80F2-4D95-94FD-7AADB9B45297}" dt="2019-06-28T08:57:14.901" v="923" actId="1076"/>
+          <ac:spMkLst>
+            <pc:docMk/>
+            <pc:sldMk cId="1531447886" sldId="256"/>
+            <ac:spMk id="3" creationId="{34D75187-D88F-4F53-B18A-EE11258D12A0}"/>
+          </ac:spMkLst>
+        </pc:spChg>
+        <pc:spChg chg="mod">
+          <ac:chgData name="Christophe Lebrun" userId="303fc86cbab77272" providerId="LiveId" clId="{C1140C95-80F2-4D95-94FD-7AADB9B45297}" dt="2019-06-28T08:57:46.997" v="927" actId="1076"/>
+          <ac:spMkLst>
+            <pc:docMk/>
+            <pc:sldMk cId="1531447886" sldId="256"/>
+            <ac:spMk id="4" creationId="{9C646D9E-13BE-45F2-B603-936E1E00092D}"/>
+          </ac:spMkLst>
+        </pc:spChg>
+        <pc:spChg chg="add mod">
+          <ac:chgData name="Christophe Lebrun" userId="303fc86cbab77272" providerId="LiveId" clId="{C1140C95-80F2-4D95-94FD-7AADB9B45297}" dt="2019-06-28T08:57:01.464" v="922" actId="1076"/>
+          <ac:spMkLst>
+            <pc:docMk/>
+            <pc:sldMk cId="1531447886" sldId="256"/>
+            <ac:spMk id="6" creationId="{968DD6B4-A058-473F-99B6-FECCF66B654A}"/>
+          </ac:spMkLst>
+        </pc:spChg>
+        <pc:picChg chg="mod">
+          <ac:chgData name="Christophe Lebrun" userId="303fc86cbab77272" providerId="LiveId" clId="{C1140C95-80F2-4D95-94FD-7AADB9B45297}" dt="2019-06-28T08:56:39.499" v="919" actId="1076"/>
+          <ac:picMkLst>
+            <pc:docMk/>
+            <pc:sldMk cId="1531447886" sldId="256"/>
+            <ac:picMk id="5" creationId="{E7E74EFB-C190-4272-8462-7AB01B85FD65}"/>
+          </ac:picMkLst>
+        </pc:picChg>
+      </pc:sldChg>
+      <pc:sldChg chg="addSp delSp modSp">
+        <pc:chgData name="Christophe Lebrun" userId="303fc86cbab77272" providerId="LiveId" clId="{C1140C95-80F2-4D95-94FD-7AADB9B45297}" dt="2019-06-28T10:11:47.151" v="2675" actId="255"/>
+        <pc:sldMkLst>
+          <pc:docMk/>
+          <pc:sldMk cId="621091621" sldId="258"/>
+        </pc:sldMkLst>
+        <pc:spChg chg="mod">
+          <ac:chgData name="Christophe Lebrun" userId="303fc86cbab77272" providerId="LiveId" clId="{C1140C95-80F2-4D95-94FD-7AADB9B45297}" dt="2019-06-28T10:00:28.847" v="2422" actId="1076"/>
+          <ac:spMkLst>
+            <pc:docMk/>
+            <pc:sldMk cId="621091621" sldId="258"/>
+            <ac:spMk id="2" creationId="{0CBBF3DE-9994-4DFB-AFEC-786035BC9231}"/>
+          </ac:spMkLst>
+        </pc:spChg>
+        <pc:spChg chg="mod">
+          <ac:chgData name="Christophe Lebrun" userId="303fc86cbab77272" providerId="LiveId" clId="{C1140C95-80F2-4D95-94FD-7AADB9B45297}" dt="2019-06-28T10:11:47.151" v="2675" actId="255"/>
+          <ac:spMkLst>
+            <pc:docMk/>
+            <pc:sldMk cId="621091621" sldId="258"/>
+            <ac:spMk id="3" creationId="{889B0FE6-3DC3-469A-9DBF-FDFF0D56FCBE}"/>
+          </ac:spMkLst>
+        </pc:spChg>
+        <pc:spChg chg="add del mod">
+          <ac:chgData name="Christophe Lebrun" userId="303fc86cbab77272" providerId="LiveId" clId="{C1140C95-80F2-4D95-94FD-7AADB9B45297}" dt="2019-06-28T09:46:36.745" v="2131" actId="478"/>
+          <ac:spMkLst>
+            <pc:docMk/>
+            <pc:sldMk cId="621091621" sldId="258"/>
+            <ac:spMk id="6" creationId="{30E0F337-F609-4380-8D09-4757D3973D98}"/>
+          </ac:spMkLst>
+        </pc:spChg>
+        <pc:spChg chg="add mod">
+          <ac:chgData name="Christophe Lebrun" userId="303fc86cbab77272" providerId="LiveId" clId="{C1140C95-80F2-4D95-94FD-7AADB9B45297}" dt="2019-06-28T09:49:07.681" v="2168" actId="1076"/>
+          <ac:spMkLst>
+            <pc:docMk/>
+            <pc:sldMk cId="621091621" sldId="258"/>
+            <ac:spMk id="7" creationId="{936636F1-05FC-4026-A3AF-09C5141B2605}"/>
+          </ac:spMkLst>
+        </pc:spChg>
+        <pc:spChg chg="add mod">
+          <ac:chgData name="Christophe Lebrun" userId="303fc86cbab77272" providerId="LiveId" clId="{C1140C95-80F2-4D95-94FD-7AADB9B45297}" dt="2019-06-28T09:49:35.731" v="2170" actId="1076"/>
+          <ac:spMkLst>
+            <pc:docMk/>
+            <pc:sldMk cId="621091621" sldId="258"/>
+            <ac:spMk id="8" creationId="{F63B80E1-1A61-4A20-9CB4-045B7C529154}"/>
+          </ac:spMkLst>
+        </pc:spChg>
+        <pc:picChg chg="add mod">
+          <ac:chgData name="Christophe Lebrun" userId="303fc86cbab77272" providerId="LiveId" clId="{C1140C95-80F2-4D95-94FD-7AADB9B45297}" dt="2019-06-28T09:41:42.557" v="1957" actId="1076"/>
+          <ac:picMkLst>
+            <pc:docMk/>
+            <pc:sldMk cId="621091621" sldId="258"/>
+            <ac:picMk id="5" creationId="{C1518D0C-05FB-4439-A966-780F759734F5}"/>
+          </ac:picMkLst>
+        </pc:picChg>
+        <pc:picChg chg="del">
+          <ac:chgData name="Christophe Lebrun" userId="303fc86cbab77272" providerId="LiveId" clId="{C1140C95-80F2-4D95-94FD-7AADB9B45297}" dt="2019-06-28T08:59:32.592" v="934"/>
+          <ac:picMkLst>
+            <pc:docMk/>
+            <pc:sldMk cId="621091621" sldId="258"/>
+            <ac:picMk id="1026" creationId="{B7239B2D-CA44-44E9-9CD5-AE7C768EA8BA}"/>
+          </ac:picMkLst>
+        </pc:picChg>
+      </pc:sldChg>
+      <pc:sldChg chg="addSp modSp ord modTransition">
+        <pc:chgData name="Christophe Lebrun" userId="303fc86cbab77272" providerId="LiveId" clId="{C1140C95-80F2-4D95-94FD-7AADB9B45297}" dt="2019-06-28T09:55:57.111" v="2332"/>
+        <pc:sldMkLst>
+          <pc:docMk/>
+          <pc:sldMk cId="3717453423" sldId="259"/>
+        </pc:sldMkLst>
+        <pc:spChg chg="mod">
+          <ac:chgData name="Christophe Lebrun" userId="303fc86cbab77272" providerId="LiveId" clId="{C1140C95-80F2-4D95-94FD-7AADB9B45297}" dt="2019-06-28T09:15:09.416" v="1303" actId="20577"/>
+          <ac:spMkLst>
+            <pc:docMk/>
+            <pc:sldMk cId="3717453423" sldId="259"/>
+            <ac:spMk id="2" creationId="{5C9D7F57-BB6B-47B6-9F61-CC67E6CC5B5B}"/>
+          </ac:spMkLst>
+        </pc:spChg>
+        <pc:spChg chg="mod">
+          <ac:chgData name="Christophe Lebrun" userId="303fc86cbab77272" providerId="LiveId" clId="{C1140C95-80F2-4D95-94FD-7AADB9B45297}" dt="2019-06-28T09:25:36.403" v="1464" actId="108"/>
+          <ac:spMkLst>
+            <pc:docMk/>
+            <pc:sldMk cId="3717453423" sldId="259"/>
+            <ac:spMk id="3" creationId="{65C25AD1-BD09-42CD-AAA1-A13586FB9A0B}"/>
+          </ac:spMkLst>
+        </pc:spChg>
+        <pc:picChg chg="add mod">
+          <ac:chgData name="Christophe Lebrun" userId="303fc86cbab77272" providerId="LiveId" clId="{C1140C95-80F2-4D95-94FD-7AADB9B45297}" dt="2019-06-28T09:22:26.217" v="1432" actId="1076"/>
+          <ac:picMkLst>
+            <pc:docMk/>
+            <pc:sldMk cId="3717453423" sldId="259"/>
+            <ac:picMk id="5" creationId="{94F339C9-55DC-4F99-AF52-DA0956C35164}"/>
+          </ac:picMkLst>
+        </pc:picChg>
+      </pc:sldChg>
+      <pc:sldChg chg="modSp ord modTransition">
+        <pc:chgData name="Christophe Lebrun" userId="303fc86cbab77272" providerId="LiveId" clId="{C1140C95-80F2-4D95-94FD-7AADB9B45297}" dt="2019-06-28T10:00:40.189" v="2423" actId="113"/>
         <pc:sldMkLst>
           <pc:docMk/>
           <pc:sldMk cId="2545069334" sldId="265"/>
         </pc:sldMkLst>
         <pc:spChg chg="mod">
-          <ac:chgData name="Christophe Lebrun" userId="303fc86cbab77272" providerId="LiveId" clId="{C1140C95-80F2-4D95-94FD-7AADB9B45297}" dt="2019-06-20T21:56:10.991" v="8" actId="20577"/>
+          <ac:chgData name="Christophe Lebrun" userId="303fc86cbab77272" providerId="LiveId" clId="{C1140C95-80F2-4D95-94FD-7AADB9B45297}" dt="2019-06-28T10:00:40.189" v="2423" actId="113"/>
+          <ac:spMkLst>
+            <pc:docMk/>
+            <pc:sldMk cId="2545069334" sldId="265"/>
+            <ac:spMk id="2" creationId="{6705E105-9DB5-4433-AC63-434E304D551D}"/>
+          </ac:spMkLst>
+        </pc:spChg>
+        <pc:spChg chg="mod">
+          <ac:chgData name="Christophe Lebrun" userId="303fc86cbab77272" providerId="LiveId" clId="{C1140C95-80F2-4D95-94FD-7AADB9B45297}" dt="2019-06-27T17:54:48.191" v="698" actId="404"/>
           <ac:spMkLst>
             <pc:docMk/>
             <pc:sldMk cId="2545069334" sldId="265"/>
             <ac:spMk id="3" creationId="{971D3412-8CC1-4F55-A18D-EE0940EC5A9D}"/>
           </ac:spMkLst>
         </pc:spChg>
+        <pc:spChg chg="mod">
+          <ac:chgData name="Christophe Lebrun" userId="303fc86cbab77272" providerId="LiveId" clId="{C1140C95-80F2-4D95-94FD-7AADB9B45297}" dt="2019-06-28T09:46:42.510" v="2133"/>
+          <ac:spMkLst>
+            <pc:docMk/>
+            <pc:sldMk cId="2545069334" sldId="265"/>
+            <ac:spMk id="4" creationId="{A703721A-3000-423A-A0D3-E5571F9A6E20}"/>
+          </ac:spMkLst>
+        </pc:spChg>
+        <pc:spChg chg="mod">
+          <ac:chgData name="Christophe Lebrun" userId="303fc86cbab77272" providerId="LiveId" clId="{C1140C95-80F2-4D95-94FD-7AADB9B45297}" dt="2019-06-28T08:58:42.602" v="930" actId="1076"/>
+          <ac:spMkLst>
+            <pc:docMk/>
+            <pc:sldMk cId="2545069334" sldId="265"/>
+            <ac:spMk id="5" creationId="{F7C47FB9-791E-4E1A-83B6-071058F10F76}"/>
+          </ac:spMkLst>
+        </pc:spChg>
+      </pc:sldChg>
+      <pc:sldChg chg="modSp">
+        <pc:chgData name="Christophe Lebrun" userId="303fc86cbab77272" providerId="LiveId" clId="{C1140C95-80F2-4D95-94FD-7AADB9B45297}" dt="2019-06-27T18:44:19.501" v="912" actId="20577"/>
+        <pc:sldMkLst>
+          <pc:docMk/>
+          <pc:sldMk cId="2428231970" sldId="267"/>
+        </pc:sldMkLst>
+        <pc:spChg chg="mod">
+          <ac:chgData name="Christophe Lebrun" userId="303fc86cbab77272" providerId="LiveId" clId="{C1140C95-80F2-4D95-94FD-7AADB9B45297}" dt="2019-06-27T18:44:19.501" v="912" actId="20577"/>
+          <ac:spMkLst>
+            <pc:docMk/>
+            <pc:sldMk cId="2428231970" sldId="267"/>
+            <ac:spMk id="2" creationId="{5C719FEB-2FB5-4D1E-BE30-35054F234634}"/>
+          </ac:spMkLst>
+        </pc:spChg>
+        <pc:spChg chg="mod">
+          <ac:chgData name="Christophe Lebrun" userId="303fc86cbab77272" providerId="LiveId" clId="{C1140C95-80F2-4D95-94FD-7AADB9B45297}" dt="2019-06-27T18:43:51.405" v="895" actId="27636"/>
+          <ac:spMkLst>
+            <pc:docMk/>
+            <pc:sldMk cId="2428231970" sldId="267"/>
+            <ac:spMk id="3" creationId="{D2C3FDCF-D817-48FF-B885-6596EABAB927}"/>
+          </ac:spMkLst>
+        </pc:spChg>
+      </pc:sldChg>
+      <pc:sldChg chg="modSp">
+        <pc:chgData name="Christophe Lebrun" userId="303fc86cbab77272" providerId="LiveId" clId="{C1140C95-80F2-4D95-94FD-7AADB9B45297}" dt="2019-06-28T08:59:14.991" v="933" actId="1076"/>
+        <pc:sldMkLst>
+          <pc:docMk/>
+          <pc:sldMk cId="3315547483" sldId="269"/>
+        </pc:sldMkLst>
+        <pc:spChg chg="mod">
+          <ac:chgData name="Christophe Lebrun" userId="303fc86cbab77272" providerId="LiveId" clId="{C1140C95-80F2-4D95-94FD-7AADB9B45297}" dt="2019-06-28T08:59:14.991" v="933" actId="1076"/>
+          <ac:spMkLst>
+            <pc:docMk/>
+            <pc:sldMk cId="3315547483" sldId="269"/>
+            <ac:spMk id="2" creationId="{86EA0680-0155-4547-B930-7EB1D5711B4E}"/>
+          </ac:spMkLst>
+        </pc:spChg>
+        <pc:spChg chg="mod">
+          <ac:chgData name="Christophe Lebrun" userId="303fc86cbab77272" providerId="LiveId" clId="{C1140C95-80F2-4D95-94FD-7AADB9B45297}" dt="2019-06-27T18:01:05.401" v="879" actId="5793"/>
+          <ac:spMkLst>
+            <pc:docMk/>
+            <pc:sldMk cId="3315547483" sldId="269"/>
+            <ac:spMk id="3" creationId="{844B7975-7EF1-4C09-854E-EAD633CFAA50}"/>
+          </ac:spMkLst>
+        </pc:spChg>
+      </pc:sldChg>
+      <pc:sldChg chg="addSp modSp">
+        <pc:chgData name="Christophe Lebrun" userId="303fc86cbab77272" providerId="LiveId" clId="{C1140C95-80F2-4D95-94FD-7AADB9B45297}" dt="2019-06-28T10:32:25.710" v="3380" actId="1076"/>
+        <pc:sldMkLst>
+          <pc:docMk/>
+          <pc:sldMk cId="2768625094" sldId="270"/>
+        </pc:sldMkLst>
+        <pc:spChg chg="mod">
+          <ac:chgData name="Christophe Lebrun" userId="303fc86cbab77272" providerId="LiveId" clId="{C1140C95-80F2-4D95-94FD-7AADB9B45297}" dt="2019-06-28T10:12:33.984" v="2693" actId="20577"/>
+          <ac:spMkLst>
+            <pc:docMk/>
+            <pc:sldMk cId="2768625094" sldId="270"/>
+            <ac:spMk id="2" creationId="{6BE7C0E1-B149-456E-906F-735B9A14F40C}"/>
+          </ac:spMkLst>
+        </pc:spChg>
+        <pc:spChg chg="mod">
+          <ac:chgData name="Christophe Lebrun" userId="303fc86cbab77272" providerId="LiveId" clId="{C1140C95-80F2-4D95-94FD-7AADB9B45297}" dt="2019-06-28T10:19:43.903" v="2872" actId="20577"/>
+          <ac:spMkLst>
+            <pc:docMk/>
+            <pc:sldMk cId="2768625094" sldId="270"/>
+            <ac:spMk id="3" creationId="{F308DC2A-B557-4810-A542-B0FB1FAE56B2}"/>
+          </ac:spMkLst>
+        </pc:spChg>
+        <pc:picChg chg="add mod">
+          <ac:chgData name="Christophe Lebrun" userId="303fc86cbab77272" providerId="LiveId" clId="{C1140C95-80F2-4D95-94FD-7AADB9B45297}" dt="2019-06-28T10:32:25.710" v="3380" actId="1076"/>
+          <ac:picMkLst>
+            <pc:docMk/>
+            <pc:sldMk cId="2768625094" sldId="270"/>
+            <ac:picMk id="5" creationId="{6C82D119-AE12-4ABF-8475-0A36B8E4B28F}"/>
+          </ac:picMkLst>
+        </pc:picChg>
+      </pc:sldChg>
+      <pc:sldChg chg="addSp delSp modSp modAnim">
+        <pc:chgData name="Christophe Lebrun" userId="303fc86cbab77272" providerId="LiveId" clId="{C1140C95-80F2-4D95-94FD-7AADB9B45297}" dt="2019-06-28T10:37:52.258" v="3480" actId="5793"/>
+        <pc:sldMkLst>
+          <pc:docMk/>
+          <pc:sldMk cId="568591842" sldId="271"/>
+        </pc:sldMkLst>
+        <pc:spChg chg="mod">
+          <ac:chgData name="Christophe Lebrun" userId="303fc86cbab77272" providerId="LiveId" clId="{C1140C95-80F2-4D95-94FD-7AADB9B45297}" dt="2019-06-28T10:35:13.864" v="3391" actId="14100"/>
+          <ac:spMkLst>
+            <pc:docMk/>
+            <pc:sldMk cId="568591842" sldId="271"/>
+            <ac:spMk id="2" creationId="{D0082922-1F0C-4E00-AECE-AB5985B27F96}"/>
+          </ac:spMkLst>
+        </pc:spChg>
+        <pc:spChg chg="mod">
+          <ac:chgData name="Christophe Lebrun" userId="303fc86cbab77272" providerId="LiveId" clId="{C1140C95-80F2-4D95-94FD-7AADB9B45297}" dt="2019-06-28T10:37:01.848" v="3456" actId="14100"/>
+          <ac:spMkLst>
+            <pc:docMk/>
+            <pc:sldMk cId="568591842" sldId="271"/>
+            <ac:spMk id="3" creationId="{DEF746C3-1EC2-49F3-91E7-B616CB6E6E73}"/>
+          </ac:spMkLst>
+        </pc:spChg>
+        <pc:spChg chg="add del mod">
+          <ac:chgData name="Christophe Lebrun" userId="303fc86cbab77272" providerId="LiveId" clId="{C1140C95-80F2-4D95-94FD-7AADB9B45297}" dt="2019-06-27T17:30:16.936" v="373" actId="478"/>
+          <ac:spMkLst>
+            <pc:docMk/>
+            <pc:sldMk cId="568591842" sldId="271"/>
+            <ac:spMk id="4" creationId="{C0A0C944-7A9D-473A-9915-29992C9073C4}"/>
+          </ac:spMkLst>
+        </pc:spChg>
+        <pc:spChg chg="add mod">
+          <ac:chgData name="Christophe Lebrun" userId="303fc86cbab77272" providerId="LiveId" clId="{C1140C95-80F2-4D95-94FD-7AADB9B45297}" dt="2019-06-28T10:37:52.258" v="3480" actId="5793"/>
+          <ac:spMkLst>
+            <pc:docMk/>
+            <pc:sldMk cId="568591842" sldId="271"/>
+            <ac:spMk id="5" creationId="{C05BC9A3-6295-4EF7-A84C-7F54EC8EDF32}"/>
+          </ac:spMkLst>
+        </pc:spChg>
+        <pc:spChg chg="add mod">
+          <ac:chgData name="Christophe Lebrun" userId="303fc86cbab77272" providerId="LiveId" clId="{C1140C95-80F2-4D95-94FD-7AADB9B45297}" dt="2019-06-28T10:33:25.920" v="3389"/>
+          <ac:spMkLst>
+            <pc:docMk/>
+            <pc:sldMk cId="568591842" sldId="271"/>
+            <ac:spMk id="6" creationId="{C808FD2A-C693-43FD-9A04-0DAFAA8600D0}"/>
+          </ac:spMkLst>
+        </pc:spChg>
+      </pc:sldChg>
+      <pc:sldChg chg="modSp add">
+        <pc:chgData name="Christophe Lebrun" userId="303fc86cbab77272" providerId="LiveId" clId="{C1140C95-80F2-4D95-94FD-7AADB9B45297}" dt="2019-06-27T17:39:09.573" v="599" actId="20577"/>
+        <pc:sldMkLst>
+          <pc:docMk/>
+          <pc:sldMk cId="3559895393" sldId="272"/>
+        </pc:sldMkLst>
+        <pc:spChg chg="mod">
+          <ac:chgData name="Christophe Lebrun" userId="303fc86cbab77272" providerId="LiveId" clId="{C1140C95-80F2-4D95-94FD-7AADB9B45297}" dt="2019-06-27T17:39:09.573" v="599" actId="20577"/>
+          <ac:spMkLst>
+            <pc:docMk/>
+            <pc:sldMk cId="3559895393" sldId="272"/>
+            <ac:spMk id="2" creationId="{FA44BE58-2168-473C-B291-2AD6719F7F65}"/>
+          </ac:spMkLst>
+        </pc:spChg>
+      </pc:sldChg>
+      <pc:sldChg chg="modSp add">
+        <pc:chgData name="Christophe Lebrun" userId="303fc86cbab77272" providerId="LiveId" clId="{C1140C95-80F2-4D95-94FD-7AADB9B45297}" dt="2019-06-27T17:43:01.953" v="666" actId="20577"/>
+        <pc:sldMkLst>
+          <pc:docMk/>
+          <pc:sldMk cId="4089539970" sldId="273"/>
+        </pc:sldMkLst>
+        <pc:spChg chg="mod">
+          <ac:chgData name="Christophe Lebrun" userId="303fc86cbab77272" providerId="LiveId" clId="{C1140C95-80F2-4D95-94FD-7AADB9B45297}" dt="2019-06-27T17:40:01.117" v="615" actId="113"/>
+          <ac:spMkLst>
+            <pc:docMk/>
+            <pc:sldMk cId="4089539970" sldId="273"/>
+            <ac:spMk id="2" creationId="{DDDCC25E-C993-44DD-B3E9-6C0FB6947567}"/>
+          </ac:spMkLst>
+        </pc:spChg>
+        <pc:spChg chg="mod">
+          <ac:chgData name="Christophe Lebrun" userId="303fc86cbab77272" providerId="LiveId" clId="{C1140C95-80F2-4D95-94FD-7AADB9B45297}" dt="2019-06-27T17:43:01.953" v="666" actId="20577"/>
+          <ac:spMkLst>
+            <pc:docMk/>
+            <pc:sldMk cId="4089539970" sldId="273"/>
+            <ac:spMk id="3" creationId="{F0D9E0D4-5008-48AA-882B-41F7EC2F4AAB}"/>
+          </ac:spMkLst>
+        </pc:spChg>
+      </pc:sldChg>
+      <pc:sldChg chg="addSp delSp modSp add">
+        <pc:chgData name="Christophe Lebrun" userId="303fc86cbab77272" providerId="LiveId" clId="{C1140C95-80F2-4D95-94FD-7AADB9B45297}" dt="2019-06-28T09:22:02.940" v="1430" actId="1076"/>
+        <pc:sldMkLst>
+          <pc:docMk/>
+          <pc:sldMk cId="2923404891" sldId="275"/>
+        </pc:sldMkLst>
+        <pc:spChg chg="mod">
+          <ac:chgData name="Christophe Lebrun" userId="303fc86cbab77272" providerId="LiveId" clId="{C1140C95-80F2-4D95-94FD-7AADB9B45297}" dt="2019-06-28T09:22:02.940" v="1430" actId="1076"/>
+          <ac:spMkLst>
+            <pc:docMk/>
+            <pc:sldMk cId="2923404891" sldId="275"/>
+            <ac:spMk id="2" creationId="{7B7EA9C7-DDEC-4D72-B686-5493C6ED0B8F}"/>
+          </ac:spMkLst>
+        </pc:spChg>
+        <pc:spChg chg="del mod">
+          <ac:chgData name="Christophe Lebrun" userId="303fc86cbab77272" providerId="LiveId" clId="{C1140C95-80F2-4D95-94FD-7AADB9B45297}" dt="2019-06-28T09:20:44.168" v="1422" actId="478"/>
+          <ac:spMkLst>
+            <pc:docMk/>
+            <pc:sldMk cId="2923404891" sldId="275"/>
+            <ac:spMk id="3" creationId="{A2229EAA-8B30-4C05-B551-6BA18E63B7B1}"/>
+          </ac:spMkLst>
+        </pc:spChg>
+        <pc:spChg chg="add del">
+          <ac:chgData name="Christophe Lebrun" userId="303fc86cbab77272" providerId="LiveId" clId="{C1140C95-80F2-4D95-94FD-7AADB9B45297}" dt="2019-06-28T09:18:30.946" v="1370" actId="478"/>
+          <ac:spMkLst>
+            <pc:docMk/>
+            <pc:sldMk cId="2923404891" sldId="275"/>
+            <ac:spMk id="5" creationId="{F1733899-4317-4F95-9772-16D126560CBE}"/>
+          </ac:spMkLst>
+        </pc:spChg>
+        <pc:spChg chg="add mod">
+          <ac:chgData name="Christophe Lebrun" userId="303fc86cbab77272" providerId="LiveId" clId="{C1140C95-80F2-4D95-94FD-7AADB9B45297}" dt="2019-06-28T09:18:56.846" v="1372" actId="1076"/>
+          <ac:spMkLst>
+            <pc:docMk/>
+            <pc:sldMk cId="2923404891" sldId="275"/>
+            <ac:spMk id="6" creationId="{618FBD8B-90F8-4CDF-93E1-CF543D0FBCA7}"/>
+          </ac:spMkLst>
+        </pc:spChg>
+        <pc:spChg chg="add del mod">
+          <ac:chgData name="Christophe Lebrun" userId="303fc86cbab77272" providerId="LiveId" clId="{C1140C95-80F2-4D95-94FD-7AADB9B45297}" dt="2019-06-28T09:20:47.578" v="1423" actId="478"/>
+          <ac:spMkLst>
+            <pc:docMk/>
+            <pc:sldMk cId="2923404891" sldId="275"/>
+            <ac:spMk id="8" creationId="{D178E8F7-AD7C-450C-B00F-C841AB966B3C}"/>
+          </ac:spMkLst>
+        </pc:spChg>
+        <pc:picChg chg="add mod">
+          <ac:chgData name="Christophe Lebrun" userId="303fc86cbab77272" providerId="LiveId" clId="{C1140C95-80F2-4D95-94FD-7AADB9B45297}" dt="2019-06-28T09:22:02.940" v="1430" actId="1076"/>
+          <ac:picMkLst>
+            <pc:docMk/>
+            <pc:sldMk cId="2923404891" sldId="275"/>
+            <ac:picMk id="4" creationId="{00FB3D81-A833-41D4-94E8-10FE0C570067}"/>
+          </ac:picMkLst>
+        </pc:picChg>
+      </pc:sldChg>
+      <pc:sldChg chg="addSp modSp add">
+        <pc:chgData name="Christophe Lebrun" userId="303fc86cbab77272" providerId="LiveId" clId="{C1140C95-80F2-4D95-94FD-7AADB9B45297}" dt="2019-06-28T09:27:40.691" v="1504" actId="1076"/>
+        <pc:sldMkLst>
+          <pc:docMk/>
+          <pc:sldMk cId="448286010" sldId="276"/>
+        </pc:sldMkLst>
+        <pc:spChg chg="mod">
+          <ac:chgData name="Christophe Lebrun" userId="303fc86cbab77272" providerId="LiveId" clId="{C1140C95-80F2-4D95-94FD-7AADB9B45297}" dt="2019-06-28T09:25:58.675" v="1468" actId="14100"/>
+          <ac:spMkLst>
+            <pc:docMk/>
+            <pc:sldMk cId="448286010" sldId="276"/>
+            <ac:spMk id="2" creationId="{FC780402-C2D7-4C61-8CC1-089D3FA72D7B}"/>
+          </ac:spMkLst>
+        </pc:spChg>
+        <pc:spChg chg="mod">
+          <ac:chgData name="Christophe Lebrun" userId="303fc86cbab77272" providerId="LiveId" clId="{C1140C95-80F2-4D95-94FD-7AADB9B45297}" dt="2019-06-28T09:27:40.691" v="1504" actId="1076"/>
+          <ac:spMkLst>
+            <pc:docMk/>
+            <pc:sldMk cId="448286010" sldId="276"/>
+            <ac:spMk id="3" creationId="{A4042BCA-15C5-4E3E-B85C-92B63F6CDDAC}"/>
+          </ac:spMkLst>
+        </pc:spChg>
+        <pc:picChg chg="add mod">
+          <ac:chgData name="Christophe Lebrun" userId="303fc86cbab77272" providerId="LiveId" clId="{C1140C95-80F2-4D95-94FD-7AADB9B45297}" dt="2019-06-28T09:27:39.660" v="1503" actId="1076"/>
+          <ac:picMkLst>
+            <pc:docMk/>
+            <pc:sldMk cId="448286010" sldId="276"/>
+            <ac:picMk id="5" creationId="{E04F61D8-9E1D-4198-8DC1-EE8CCC6D4159}"/>
+          </ac:picMkLst>
+        </pc:picChg>
+      </pc:sldChg>
+      <pc:sldChg chg="addSp modSp add">
+        <pc:chgData name="Christophe Lebrun" userId="303fc86cbab77272" providerId="LiveId" clId="{C1140C95-80F2-4D95-94FD-7AADB9B45297}" dt="2019-06-28T10:18:46.530" v="2838" actId="14100"/>
+        <pc:sldMkLst>
+          <pc:docMk/>
+          <pc:sldMk cId="1202338430" sldId="277"/>
+        </pc:sldMkLst>
+        <pc:spChg chg="mod">
+          <ac:chgData name="Christophe Lebrun" userId="303fc86cbab77272" providerId="LiveId" clId="{C1140C95-80F2-4D95-94FD-7AADB9B45297}" dt="2019-06-28T09:50:40.477" v="2235" actId="20577"/>
+          <ac:spMkLst>
+            <pc:docMk/>
+            <pc:sldMk cId="1202338430" sldId="277"/>
+            <ac:spMk id="2" creationId="{EAB54D01-DBE9-4AAF-A02D-90057A8E6D82}"/>
+          </ac:spMkLst>
+        </pc:spChg>
+        <pc:spChg chg="mod">
+          <ac:chgData name="Christophe Lebrun" userId="303fc86cbab77272" providerId="LiveId" clId="{C1140C95-80F2-4D95-94FD-7AADB9B45297}" dt="2019-06-28T10:18:13.241" v="2807" actId="1076"/>
+          <ac:spMkLst>
+            <pc:docMk/>
+            <pc:sldMk cId="1202338430" sldId="277"/>
+            <ac:spMk id="3" creationId="{DFBF4579-B5FE-4CD5-8F00-05FB30D0B0A4}"/>
+          </ac:spMkLst>
+        </pc:spChg>
+        <pc:spChg chg="add mod">
+          <ac:chgData name="Christophe Lebrun" userId="303fc86cbab77272" providerId="LiveId" clId="{C1140C95-80F2-4D95-94FD-7AADB9B45297}" dt="2019-06-28T10:18:46.530" v="2838" actId="14100"/>
+          <ac:spMkLst>
+            <pc:docMk/>
+            <pc:sldMk cId="1202338430" sldId="277"/>
+            <ac:spMk id="5" creationId="{2B0219A4-26ED-40DC-9C58-4D9B9030D899}"/>
+          </ac:spMkLst>
+        </pc:spChg>
+      </pc:sldChg>
+      <pc:sldMasterChg chg="modSldLayout">
+        <pc:chgData name="Christophe Lebrun" userId="303fc86cbab77272" providerId="LiveId" clId="{C1140C95-80F2-4D95-94FD-7AADB9B45297}" dt="2019-06-28T08:54:15.338" v="917" actId="14100"/>
+        <pc:sldMasterMkLst>
+          <pc:docMk/>
+          <pc:sldMasterMk cId="1496159315" sldId="2147483678"/>
+        </pc:sldMasterMkLst>
+        <pc:sldLayoutChg chg="modSp">
+          <pc:chgData name="Christophe Lebrun" userId="303fc86cbab77272" providerId="LiveId" clId="{C1140C95-80F2-4D95-94FD-7AADB9B45297}" dt="2019-06-28T08:54:15.338" v="917" actId="14100"/>
+          <pc:sldLayoutMkLst>
+            <pc:docMk/>
+            <pc:sldMasterMk cId="1496159315" sldId="2147483678"/>
+            <pc:sldLayoutMk cId="672465511" sldId="2147483680"/>
+          </pc:sldLayoutMkLst>
+          <pc:spChg chg="mod">
+            <ac:chgData name="Christophe Lebrun" userId="303fc86cbab77272" providerId="LiveId" clId="{C1140C95-80F2-4D95-94FD-7AADB9B45297}" dt="2019-06-28T08:54:15.338" v="917" actId="14100"/>
+            <ac:spMkLst>
+              <pc:docMk/>
+              <pc:sldMasterMk cId="1496159315" sldId="2147483678"/>
+              <pc:sldLayoutMk cId="672465511" sldId="2147483680"/>
+              <ac:spMk id="6" creationId="{00000000-0000-0000-0000-000000000000}"/>
+            </ac:spMkLst>
+          </pc:spChg>
+        </pc:sldLayoutChg>
+      </pc:sldMasterChg>
+    </pc:docChg>
+  </pc:docChgLst>
+  <pc:docChgLst>
+    <pc:chgData name="Christophe Lebrun" userId="303fc86cbab77272" providerId="LiveId" clId="{9E6FF6CD-365F-4EC1-9014-123AB8727D82}"/>
+    <pc:docChg chg="modSld">
+      <pc:chgData name="Christophe Lebrun" userId="303fc86cbab77272" providerId="LiveId" clId="{9E6FF6CD-365F-4EC1-9014-123AB8727D82}" dt="2019-07-01T14:23:07.843" v="5" actId="20577"/>
+      <pc:docMkLst>
+        <pc:docMk/>
+      </pc:docMkLst>
+      <pc:sldChg chg="modSp">
+        <pc:chgData name="Christophe Lebrun" userId="303fc86cbab77272" providerId="LiveId" clId="{9E6FF6CD-365F-4EC1-9014-123AB8727D82}" dt="2019-07-01T14:23:07.843" v="5" actId="20577"/>
+        <pc:sldMkLst>
+          <pc:docMk/>
+          <pc:sldMk cId="2923404891" sldId="275"/>
+        </pc:sldMkLst>
+        <pc:spChg chg="mod">
+          <ac:chgData name="Christophe Lebrun" userId="303fc86cbab77272" providerId="LiveId" clId="{9E6FF6CD-365F-4EC1-9014-123AB8727D82}" dt="2019-07-01T14:23:07.843" v="5" actId="20577"/>
+          <ac:spMkLst>
+            <pc:docMk/>
+            <pc:sldMk cId="2923404891" sldId="275"/>
+            <ac:spMk id="2" creationId="{7B7EA9C7-DDEC-4D72-B686-5493C6ED0B8F}"/>
+          </ac:spMkLst>
+        </pc:spChg>
       </pc:sldChg>
     </pc:docChg>
   </pc:docChgLst>
 </pc:chgInfo>
+</file>
+
+<file path=ppt/notesMasters/notesMaster1.xml><?xml version="1.0" encoding="utf-8"?>
+<p:notesMaster xmlns:a="http://schemas.openxmlformats.org/drawingml/2006/main" xmlns:r="http://schemas.openxmlformats.org/officeDocument/2006/relationships" xmlns:p="http://schemas.openxmlformats.org/presentationml/2006/main">
+  <p:cSld>
+    <p:bg>
+      <p:bgRef idx="1001">
+        <a:schemeClr val="bg1"/>
+      </p:bgRef>
+    </p:bg>
+    <p:spTree>
+      <p:nvGrpSpPr>
+        <p:cNvPr id="1" name=""/>
+        <p:cNvGrpSpPr/>
+        <p:nvPr/>
+      </p:nvGrpSpPr>
+      <p:grpSpPr>
+        <a:xfrm>
+          <a:off x="0" y="0"/>
+          <a:ext cx="0" cy="0"/>
+          <a:chOff x="0" y="0"/>
+          <a:chExt cx="0" cy="0"/>
+        </a:xfrm>
+      </p:grpSpPr>
+      <p:sp>
+        <p:nvSpPr>
+          <p:cNvPr id="2" name="Header Placeholder 1"/>
+          <p:cNvSpPr>
+            <a:spLocks noGrp="1"/>
+          </p:cNvSpPr>
+          <p:nvPr>
+            <p:ph type="hdr" sz="quarter"/>
+          </p:nvPr>
+        </p:nvSpPr>
+        <p:spPr>
+          <a:xfrm>
+            <a:off x="0" y="0"/>
+            <a:ext cx="2971800" cy="458788"/>
+          </a:xfrm>
+          <a:prstGeom prst="rect">
+            <a:avLst/>
+          </a:prstGeom>
+        </p:spPr>
+        <p:txBody>
+          <a:bodyPr vert="horz" lIns="91440" tIns="45720" rIns="91440" bIns="45720" rtlCol="0"/>
+          <a:lstStyle>
+            <a:lvl1pPr algn="l">
+              <a:defRPr sz="1200"/>
+            </a:lvl1pPr>
+          </a:lstStyle>
+          <a:p>
+            <a:endParaRPr lang="en-GB"/>
+          </a:p>
+        </p:txBody>
+      </p:sp>
+      <p:sp>
+        <p:nvSpPr>
+          <p:cNvPr id="3" name="Date Placeholder 2"/>
+          <p:cNvSpPr>
+            <a:spLocks noGrp="1"/>
+          </p:cNvSpPr>
+          <p:nvPr>
+            <p:ph type="dt" idx="1"/>
+          </p:nvPr>
+        </p:nvSpPr>
+        <p:spPr>
+          <a:xfrm>
+            <a:off x="3884613" y="0"/>
+            <a:ext cx="2971800" cy="458788"/>
+          </a:xfrm>
+          <a:prstGeom prst="rect">
+            <a:avLst/>
+          </a:prstGeom>
+        </p:spPr>
+        <p:txBody>
+          <a:bodyPr vert="horz" lIns="91440" tIns="45720" rIns="91440" bIns="45720" rtlCol="0"/>
+          <a:lstStyle>
+            <a:lvl1pPr algn="r">
+              <a:defRPr sz="1200"/>
+            </a:lvl1pPr>
+          </a:lstStyle>
+          <a:p>
+            <a:fld id="{55B5ECBE-07A0-4D77-AE1E-042D7AED8CCF}" type="datetimeFigureOut">
+              <a:rPr lang="en-GB" smtClean="0"/>
+              <a:t>01/07/2019</a:t>
+            </a:fld>
+            <a:endParaRPr lang="en-GB"/>
+          </a:p>
+        </p:txBody>
+      </p:sp>
+      <p:sp>
+        <p:nvSpPr>
+          <p:cNvPr id="4" name="Slide Image Placeholder 3"/>
+          <p:cNvSpPr>
+            <a:spLocks noGrp="1" noRot="1" noChangeAspect="1"/>
+          </p:cNvSpPr>
+          <p:nvPr>
+            <p:ph type="sldImg" idx="2"/>
+          </p:nvPr>
+        </p:nvSpPr>
+        <p:spPr>
+          <a:xfrm>
+            <a:off x="685800" y="1143000"/>
+            <a:ext cx="5486400" cy="3086100"/>
+          </a:xfrm>
+          <a:prstGeom prst="rect">
+            <a:avLst/>
+          </a:prstGeom>
+          <a:noFill/>
+          <a:ln w="12700">
+            <a:solidFill>
+              <a:prstClr val="black"/>
+            </a:solidFill>
+          </a:ln>
+        </p:spPr>
+        <p:txBody>
+          <a:bodyPr vert="horz" lIns="91440" tIns="45720" rIns="91440" bIns="45720" rtlCol="0" anchor="ctr"/>
+          <a:lstStyle/>
+          <a:p>
+            <a:endParaRPr lang="en-GB"/>
+          </a:p>
+        </p:txBody>
+      </p:sp>
+      <p:sp>
+        <p:nvSpPr>
+          <p:cNvPr id="5" name="Notes Placeholder 4"/>
+          <p:cNvSpPr>
+            <a:spLocks noGrp="1"/>
+          </p:cNvSpPr>
+          <p:nvPr>
+            <p:ph type="body" sz="quarter" idx="3"/>
+          </p:nvPr>
+        </p:nvSpPr>
+        <p:spPr>
+          <a:xfrm>
+            <a:off x="685800" y="4400550"/>
+            <a:ext cx="5486400" cy="3600450"/>
+          </a:xfrm>
+          <a:prstGeom prst="rect">
+            <a:avLst/>
+          </a:prstGeom>
+        </p:spPr>
+        <p:txBody>
+          <a:bodyPr vert="horz" lIns="91440" tIns="45720" rIns="91440" bIns="45720" rtlCol="0"/>
+          <a:lstStyle/>
+          <a:p>
+            <a:pPr lvl="0"/>
+            <a:r>
+              <a:rPr lang="en-US"/>
+              <a:t>Click to edit Master text styles</a:t>
+            </a:r>
+          </a:p>
+          <a:p>
+            <a:pPr lvl="1"/>
+            <a:r>
+              <a:rPr lang="en-US"/>
+              <a:t>Second level</a:t>
+            </a:r>
+          </a:p>
+          <a:p>
+            <a:pPr lvl="2"/>
+            <a:r>
+              <a:rPr lang="en-US"/>
+              <a:t>Third level</a:t>
+            </a:r>
+          </a:p>
+          <a:p>
+            <a:pPr lvl="3"/>
+            <a:r>
+              <a:rPr lang="en-US"/>
+              <a:t>Fourth level</a:t>
+            </a:r>
+          </a:p>
+          <a:p>
+            <a:pPr lvl="4"/>
+            <a:r>
+              <a:rPr lang="en-US"/>
+              <a:t>Fifth level</a:t>
+            </a:r>
+            <a:endParaRPr lang="en-GB"/>
+          </a:p>
+        </p:txBody>
+      </p:sp>
+      <p:sp>
+        <p:nvSpPr>
+          <p:cNvPr id="6" name="Footer Placeholder 5"/>
+          <p:cNvSpPr>
+            <a:spLocks noGrp="1"/>
+          </p:cNvSpPr>
+          <p:nvPr>
+            <p:ph type="ftr" sz="quarter" idx="4"/>
+          </p:nvPr>
+        </p:nvSpPr>
+        <p:spPr>
+          <a:xfrm>
+            <a:off x="0" y="8685213"/>
+            <a:ext cx="2971800" cy="458787"/>
+          </a:xfrm>
+          <a:prstGeom prst="rect">
+            <a:avLst/>
+          </a:prstGeom>
+        </p:spPr>
+        <p:txBody>
+          <a:bodyPr vert="horz" lIns="91440" tIns="45720" rIns="91440" bIns="45720" rtlCol="0" anchor="b"/>
+          <a:lstStyle>
+            <a:lvl1pPr algn="l">
+              <a:defRPr sz="1200"/>
+            </a:lvl1pPr>
+          </a:lstStyle>
+          <a:p>
+            <a:endParaRPr lang="en-GB"/>
+          </a:p>
+        </p:txBody>
+      </p:sp>
+      <p:sp>
+        <p:nvSpPr>
+          <p:cNvPr id="7" name="Slide Number Placeholder 6"/>
+          <p:cNvSpPr>
+            <a:spLocks noGrp="1"/>
+          </p:cNvSpPr>
+          <p:nvPr>
+            <p:ph type="sldNum" sz="quarter" idx="5"/>
+          </p:nvPr>
+        </p:nvSpPr>
+        <p:spPr>
+          <a:xfrm>
+            <a:off x="3884613" y="8685213"/>
+            <a:ext cx="2971800" cy="458787"/>
+          </a:xfrm>
+          <a:prstGeom prst="rect">
+            <a:avLst/>
+          </a:prstGeom>
+        </p:spPr>
+        <p:txBody>
+          <a:bodyPr vert="horz" lIns="91440" tIns="45720" rIns="91440" bIns="45720" rtlCol="0" anchor="b"/>
+          <a:lstStyle>
+            <a:lvl1pPr algn="r">
+              <a:defRPr sz="1200"/>
+            </a:lvl1pPr>
+          </a:lstStyle>
+          <a:p>
+            <a:fld id="{68C7C8A9-C628-4C42-BF65-17014FD0514F}" type="slidenum">
+              <a:rPr lang="en-GB" smtClean="0"/>
+              <a:t>‹#›</a:t>
+            </a:fld>
+            <a:endParaRPr lang="en-GB"/>
+          </a:p>
+        </p:txBody>
+      </p:sp>
+    </p:spTree>
+    <p:extLst>
+      <p:ext uri="{BB962C8B-B14F-4D97-AF65-F5344CB8AC3E}">
+        <p14:creationId xmlns:p14="http://schemas.microsoft.com/office/powerpoint/2010/main" val="3067430817"/>
+      </p:ext>
+    </p:extLst>
+  </p:cSld>
+  <p:clrMap bg1="lt1" tx1="dk1" bg2="lt2" tx2="dk2" accent1="accent1" accent2="accent2" accent3="accent3" accent4="accent4" accent5="accent5" accent6="accent6" hlink="hlink" folHlink="folHlink"/>
+  <p:notesStyle>
+    <a:lvl1pPr marL="0" algn="l" defTabSz="914400" rtl="0" eaLnBrk="1" latinLnBrk="0" hangingPunct="1">
+      <a:defRPr sz="1200" kern="1200">
+        <a:solidFill>
+          <a:schemeClr val="tx1"/>
+        </a:solidFill>
+        <a:latin typeface="+mn-lt"/>
+        <a:ea typeface="+mn-ea"/>
+        <a:cs typeface="+mn-cs"/>
+      </a:defRPr>
+    </a:lvl1pPr>
+    <a:lvl2pPr marL="457200" algn="l" defTabSz="914400" rtl="0" eaLnBrk="1" latinLnBrk="0" hangingPunct="1">
+      <a:defRPr sz="1200" kern="1200">
+        <a:solidFill>
+          <a:schemeClr val="tx1"/>
+        </a:solidFill>
+        <a:latin typeface="+mn-lt"/>
+        <a:ea typeface="+mn-ea"/>
+        <a:cs typeface="+mn-cs"/>
+      </a:defRPr>
+    </a:lvl2pPr>
+    <a:lvl3pPr marL="914400" algn="l" defTabSz="914400" rtl="0" eaLnBrk="1" latinLnBrk="0" hangingPunct="1">
+      <a:defRPr sz="1200" kern="1200">
+        <a:solidFill>
+          <a:schemeClr val="tx1"/>
+        </a:solidFill>
+        <a:latin typeface="+mn-lt"/>
+        <a:ea typeface="+mn-ea"/>
+        <a:cs typeface="+mn-cs"/>
+      </a:defRPr>
+    </a:lvl3pPr>
+    <a:lvl4pPr marL="1371600" algn="l" defTabSz="914400" rtl="0" eaLnBrk="1" latinLnBrk="0" hangingPunct="1">
+      <a:defRPr sz="1200" kern="1200">
+        <a:solidFill>
+          <a:schemeClr val="tx1"/>
+        </a:solidFill>
+        <a:latin typeface="+mn-lt"/>
+        <a:ea typeface="+mn-ea"/>
+        <a:cs typeface="+mn-cs"/>
+      </a:defRPr>
+    </a:lvl4pPr>
+    <a:lvl5pPr marL="1828800" algn="l" defTabSz="914400" rtl="0" eaLnBrk="1" latinLnBrk="0" hangingPunct="1">
+      <a:defRPr sz="1200" kern="1200">
+        <a:solidFill>
+          <a:schemeClr val="tx1"/>
+        </a:solidFill>
+        <a:latin typeface="+mn-lt"/>
+        <a:ea typeface="+mn-ea"/>
+        <a:cs typeface="+mn-cs"/>
+      </a:defRPr>
+    </a:lvl5pPr>
+    <a:lvl6pPr marL="2286000" algn="l" defTabSz="914400" rtl="0" eaLnBrk="1" latinLnBrk="0" hangingPunct="1">
+      <a:defRPr sz="1200" kern="1200">
+        <a:solidFill>
+          <a:schemeClr val="tx1"/>
+        </a:solidFill>
+        <a:latin typeface="+mn-lt"/>
+        <a:ea typeface="+mn-ea"/>
+        <a:cs typeface="+mn-cs"/>
+      </a:defRPr>
+    </a:lvl6pPr>
+    <a:lvl7pPr marL="2743200" algn="l" defTabSz="914400" rtl="0" eaLnBrk="1" latinLnBrk="0" hangingPunct="1">
+      <a:defRPr sz="1200" kern="1200">
+        <a:solidFill>
+          <a:schemeClr val="tx1"/>
+        </a:solidFill>
+        <a:latin typeface="+mn-lt"/>
+        <a:ea typeface="+mn-ea"/>
+        <a:cs typeface="+mn-cs"/>
+      </a:defRPr>
+    </a:lvl7pPr>
+    <a:lvl8pPr marL="3200400" algn="l" defTabSz="914400" rtl="0" eaLnBrk="1" latinLnBrk="0" hangingPunct="1">
+      <a:defRPr sz="1200" kern="1200">
+        <a:solidFill>
+          <a:schemeClr val="tx1"/>
+        </a:solidFill>
+        <a:latin typeface="+mn-lt"/>
+        <a:ea typeface="+mn-ea"/>
+        <a:cs typeface="+mn-cs"/>
+      </a:defRPr>
+    </a:lvl8pPr>
+    <a:lvl9pPr marL="3657600" algn="l" defTabSz="914400" rtl="0" eaLnBrk="1" latinLnBrk="0" hangingPunct="1">
+      <a:defRPr sz="1200" kern="1200">
+        <a:solidFill>
+          <a:schemeClr val="tx1"/>
+        </a:solidFill>
+        <a:latin typeface="+mn-lt"/>
+        <a:ea typeface="+mn-ea"/>
+        <a:cs typeface="+mn-cs"/>
+      </a:defRPr>
+    </a:lvl9pPr>
+  </p:notesStyle>
+</p:notesMaster>
 </file>
 
 <file path=ppt/slideLayouts/slideLayout1.xml><?xml version="1.0" encoding="utf-8"?>
@@ -755,9 +1769,9 @@
           <a:bodyPr/>
           <a:lstStyle/>
           <a:p>
-            <a:fld id="{84B9F630-F5BB-4C68-A90B-7601F27B3C8E}" type="datetimeFigureOut">
+            <a:fld id="{54B6F6AC-B635-49E8-AD39-25D6B80DE0E6}" type="datetime1">
               <a:rPr lang="fr-FR" smtClean="0"/>
-              <a:t>26/06/2019</a:t>
+              <a:t>01/07/2019</a:t>
             </a:fld>
             <a:endParaRPr lang="fr-FR"/>
           </a:p>
@@ -809,7 +1823,7 @@
           <a:p>
             <a:fld id="{22EBEF4F-4056-4A7E-9612-F3E8B502E28B}" type="slidenum">
               <a:rPr lang="fr-FR" smtClean="0"/>
-              <a:t>‹N°›</a:t>
+              <a:t>‹#›</a:t>
             </a:fld>
             <a:endParaRPr lang="fr-FR"/>
           </a:p>
@@ -1022,9 +2036,9 @@
           <a:bodyPr/>
           <a:lstStyle/>
           <a:p>
-            <a:fld id="{84B9F630-F5BB-4C68-A90B-7601F27B3C8E}" type="datetimeFigureOut">
+            <a:fld id="{80C9FF0B-9CBD-4F04-BC8E-850219E405E8}" type="datetime1">
               <a:rPr lang="fr-FR" smtClean="0"/>
-              <a:t>26/06/2019</a:t>
+              <a:t>01/07/2019</a:t>
             </a:fld>
             <a:endParaRPr lang="fr-FR"/>
           </a:p>
@@ -1066,7 +2080,7 @@
           <a:p>
             <a:fld id="{22EBEF4F-4056-4A7E-9612-F3E8B502E28B}" type="slidenum">
               <a:rPr lang="fr-FR" smtClean="0"/>
-              <a:t>‹N°›</a:t>
+              <a:t>‹#›</a:t>
             </a:fld>
             <a:endParaRPr lang="fr-FR"/>
           </a:p>
@@ -1253,9 +2267,9 @@
             </a:lvl1pPr>
           </a:lstStyle>
           <a:p>
-            <a:fld id="{84B9F630-F5BB-4C68-A90B-7601F27B3C8E}" type="datetimeFigureOut">
+            <a:fld id="{26C86C24-B959-4CE5-8A34-CB5B8A829C67}" type="datetime1">
               <a:rPr lang="fr-FR" smtClean="0"/>
-              <a:t>26/06/2019</a:t>
+              <a:t>01/07/2019</a:t>
             </a:fld>
             <a:endParaRPr lang="fr-FR"/>
           </a:p>
@@ -1307,7 +2321,7 @@
           <a:p>
             <a:fld id="{22EBEF4F-4056-4A7E-9612-F3E8B502E28B}" type="slidenum">
               <a:rPr lang="fr-FR" smtClean="0"/>
-              <a:t>‹N°›</a:t>
+              <a:t>‹#›</a:t>
             </a:fld>
             <a:endParaRPr lang="fr-FR"/>
           </a:p>
@@ -1563,9 +2577,9 @@
             </a:lvl1pPr>
           </a:lstStyle>
           <a:p>
-            <a:fld id="{84B9F630-F5BB-4C68-A90B-7601F27B3C8E}" type="datetimeFigureOut">
+            <a:fld id="{4FB2240D-0D7E-4CC8-ABBB-AF968FD1A806}" type="datetime1">
               <a:rPr lang="fr-FR" smtClean="0"/>
-              <a:t>26/06/2019</a:t>
+              <a:t>01/07/2019</a:t>
             </a:fld>
             <a:endParaRPr lang="fr-FR"/>
           </a:p>
@@ -1617,7 +2631,7 @@
           <a:p>
             <a:fld id="{22EBEF4F-4056-4A7E-9612-F3E8B502E28B}" type="slidenum">
               <a:rPr lang="fr-FR" smtClean="0"/>
-              <a:t>‹N°›</a:t>
+              <a:t>‹#›</a:t>
             </a:fld>
             <a:endParaRPr lang="fr-FR"/>
           </a:p>
@@ -2036,9 +3050,9 @@
             </a:lvl1pPr>
           </a:lstStyle>
           <a:p>
-            <a:fld id="{84B9F630-F5BB-4C68-A90B-7601F27B3C8E}" type="datetimeFigureOut">
+            <a:fld id="{67BEAE87-86E4-4F5F-AE38-73D4AEFFF604}" type="datetime1">
               <a:rPr lang="fr-FR" smtClean="0"/>
-              <a:t>26/06/2019</a:t>
+              <a:t>01/07/2019</a:t>
             </a:fld>
             <a:endParaRPr lang="fr-FR"/>
           </a:p>
@@ -2090,7 +3104,7 @@
           <a:p>
             <a:fld id="{22EBEF4F-4056-4A7E-9612-F3E8B502E28B}" type="slidenum">
               <a:rPr lang="fr-FR" smtClean="0"/>
-              <a:t>‹N°›</a:t>
+              <a:t>‹#›</a:t>
             </a:fld>
             <a:endParaRPr lang="fr-FR"/>
           </a:p>
@@ -2583,9 +3597,9 @@
           <a:bodyPr/>
           <a:lstStyle/>
           <a:p>
-            <a:fld id="{84B9F630-F5BB-4C68-A90B-7601F27B3C8E}" type="datetimeFigureOut">
+            <a:fld id="{6D3F5489-5049-4C66-B19B-6591BA1F8BF4}" type="datetime1">
               <a:rPr lang="fr-FR" smtClean="0"/>
-              <a:t>26/06/2019</a:t>
+              <a:t>01/07/2019</a:t>
             </a:fld>
             <a:endParaRPr lang="fr-FR"/>
           </a:p>
@@ -2627,7 +3641,7 @@
           <a:p>
             <a:fld id="{22EBEF4F-4056-4A7E-9612-F3E8B502E28B}" type="slidenum">
               <a:rPr lang="fr-FR" smtClean="0"/>
-              <a:t>‹N°›</a:t>
+              <a:t>‹#›</a:t>
             </a:fld>
             <a:endParaRPr lang="fr-FR"/>
           </a:p>
@@ -3357,9 +4371,9 @@
           <a:bodyPr/>
           <a:lstStyle/>
           <a:p>
-            <a:fld id="{84B9F630-F5BB-4C68-A90B-7601F27B3C8E}" type="datetimeFigureOut">
+            <a:fld id="{2389485D-47E1-49DC-BE41-530856315040}" type="datetime1">
               <a:rPr lang="fr-FR" smtClean="0"/>
-              <a:t>26/06/2019</a:t>
+              <a:t>01/07/2019</a:t>
             </a:fld>
             <a:endParaRPr lang="fr-FR"/>
           </a:p>
@@ -3401,7 +4415,7 @@
           <a:p>
             <a:fld id="{22EBEF4F-4056-4A7E-9612-F3E8B502E28B}" type="slidenum">
               <a:rPr lang="fr-FR" smtClean="0"/>
-              <a:t>‹N°›</a:t>
+              <a:t>‹#›</a:t>
             </a:fld>
             <a:endParaRPr lang="fr-FR"/>
           </a:p>
@@ -3532,9 +4546,9 @@
           <a:bodyPr/>
           <a:lstStyle/>
           <a:p>
-            <a:fld id="{84B9F630-F5BB-4C68-A90B-7601F27B3C8E}" type="datetimeFigureOut">
+            <a:fld id="{0E721E11-F50D-42AE-9AB8-1A6105A269A6}" type="datetime1">
               <a:rPr lang="fr-FR" smtClean="0"/>
-              <a:t>26/06/2019</a:t>
+              <a:t>01/07/2019</a:t>
             </a:fld>
             <a:endParaRPr lang="fr-FR"/>
           </a:p>
@@ -3576,7 +4590,7 @@
           <a:p>
             <a:fld id="{22EBEF4F-4056-4A7E-9612-F3E8B502E28B}" type="slidenum">
               <a:rPr lang="fr-FR" smtClean="0"/>
-              <a:t>‹N°›</a:t>
+              <a:t>‹#›</a:t>
             </a:fld>
             <a:endParaRPr lang="fr-FR"/>
           </a:p>
@@ -3755,9 +4769,9 @@
             </a:lvl1pPr>
           </a:lstStyle>
           <a:p>
-            <a:fld id="{84B9F630-F5BB-4C68-A90B-7601F27B3C8E}" type="datetimeFigureOut">
+            <a:fld id="{1CE6973C-B64A-4F7A-8C93-0FC4E9D2712E}" type="datetime1">
               <a:rPr lang="fr-FR" smtClean="0"/>
-              <a:t>26/06/2019</a:t>
+              <a:t>01/07/2019</a:t>
             </a:fld>
             <a:endParaRPr lang="fr-FR"/>
           </a:p>
@@ -3809,7 +4823,7 @@
           <a:p>
             <a:fld id="{22EBEF4F-4056-4A7E-9612-F3E8B502E28B}" type="slidenum">
               <a:rPr lang="fr-FR" smtClean="0"/>
-              <a:t>‹N°›</a:t>
+              <a:t>‹#›</a:t>
             </a:fld>
             <a:endParaRPr lang="fr-FR"/>
           </a:p>
@@ -3935,9 +4949,9 @@
           <a:bodyPr/>
           <a:lstStyle/>
           <a:p>
-            <a:fld id="{84B9F630-F5BB-4C68-A90B-7601F27B3C8E}" type="datetimeFigureOut">
+            <a:fld id="{AA0C9F5C-BC05-4EF4-8BD6-33359458BD21}" type="datetime1">
               <a:rPr lang="fr-FR" smtClean="0"/>
-              <a:t>26/06/2019</a:t>
+              <a:t>01/07/2019</a:t>
             </a:fld>
             <a:endParaRPr lang="fr-FR"/>
           </a:p>
@@ -3972,14 +4986,19 @@
             <p:ph type="sldNum" sz="quarter" idx="12"/>
           </p:nvPr>
         </p:nvSpPr>
-        <p:spPr/>
+        <p:spPr>
+          <a:xfrm>
+            <a:off x="8763000" y="518160"/>
+            <a:ext cx="2743200" cy="227965"/>
+          </a:xfrm>
+        </p:spPr>
         <p:txBody>
           <a:bodyPr/>
           <a:lstStyle/>
           <a:p>
             <a:fld id="{22EBEF4F-4056-4A7E-9612-F3E8B502E28B}" type="slidenum">
               <a:rPr lang="fr-FR" smtClean="0"/>
-              <a:t>‹N°›</a:t>
+              <a:t>‹#›</a:t>
             </a:fld>
             <a:endParaRPr lang="fr-FR"/>
           </a:p>
@@ -4224,9 +5243,9 @@
             </a:lvl1pPr>
           </a:lstStyle>
           <a:p>
-            <a:fld id="{84B9F630-F5BB-4C68-A90B-7601F27B3C8E}" type="datetimeFigureOut">
+            <a:fld id="{DA0E5D4C-5B16-450A-9F53-23742EA3455D}" type="datetime1">
               <a:rPr lang="fr-FR" smtClean="0"/>
-              <a:t>26/06/2019</a:t>
+              <a:t>01/07/2019</a:t>
             </a:fld>
             <a:endParaRPr lang="fr-FR"/>
           </a:p>
@@ -4278,7 +5297,7 @@
           <a:p>
             <a:fld id="{22EBEF4F-4056-4A7E-9612-F3E8B502E28B}" type="slidenum">
               <a:rPr lang="fr-FR" smtClean="0"/>
-              <a:t>‹N°›</a:t>
+              <a:t>‹#›</a:t>
             </a:fld>
             <a:endParaRPr lang="fr-FR"/>
           </a:p>
@@ -4466,9 +5485,9 @@
           <a:bodyPr/>
           <a:lstStyle/>
           <a:p>
-            <a:fld id="{84B9F630-F5BB-4C68-A90B-7601F27B3C8E}" type="datetimeFigureOut">
+            <a:fld id="{5CA58B6B-D91F-4B7B-A85A-33ADBBB521D8}" type="datetime1">
               <a:rPr lang="fr-FR" smtClean="0"/>
-              <a:t>26/06/2019</a:t>
+              <a:t>01/07/2019</a:t>
             </a:fld>
             <a:endParaRPr lang="fr-FR"/>
           </a:p>
@@ -4510,7 +5529,7 @@
           <a:p>
             <a:fld id="{22EBEF4F-4056-4A7E-9612-F3E8B502E28B}" type="slidenum">
               <a:rPr lang="fr-FR" smtClean="0"/>
-              <a:t>‹N°›</a:t>
+              <a:t>‹#›</a:t>
             </a:fld>
             <a:endParaRPr lang="fr-FR"/>
           </a:p>
@@ -4845,9 +5864,9 @@
           <a:bodyPr/>
           <a:lstStyle/>
           <a:p>
-            <a:fld id="{84B9F630-F5BB-4C68-A90B-7601F27B3C8E}" type="datetimeFigureOut">
+            <a:fld id="{D7885429-2710-4D09-8E61-49C2A3793391}" type="datetime1">
               <a:rPr lang="fr-FR" smtClean="0"/>
-              <a:t>26/06/2019</a:t>
+              <a:t>01/07/2019</a:t>
             </a:fld>
             <a:endParaRPr lang="fr-FR"/>
           </a:p>
@@ -4889,7 +5908,7 @@
           <a:p>
             <a:fld id="{22EBEF4F-4056-4A7E-9612-F3E8B502E28B}" type="slidenum">
               <a:rPr lang="fr-FR" smtClean="0"/>
-              <a:t>‹N°›</a:t>
+              <a:t>‹#›</a:t>
             </a:fld>
             <a:endParaRPr lang="fr-FR"/>
           </a:p>
@@ -4963,9 +5982,9 @@
           <a:bodyPr/>
           <a:lstStyle/>
           <a:p>
-            <a:fld id="{84B9F630-F5BB-4C68-A90B-7601F27B3C8E}" type="datetimeFigureOut">
+            <a:fld id="{8D0B89BF-E170-4140-AA34-96D58AFCDD5F}" type="datetime1">
               <a:rPr lang="fr-FR" smtClean="0"/>
-              <a:t>26/06/2019</a:t>
+              <a:t>01/07/2019</a:t>
             </a:fld>
             <a:endParaRPr lang="fr-FR"/>
           </a:p>
@@ -5007,7 +6026,7 @@
           <a:p>
             <a:fld id="{22EBEF4F-4056-4A7E-9612-F3E8B502E28B}" type="slidenum">
               <a:rPr lang="fr-FR" smtClean="0"/>
-              <a:t>‹N°›</a:t>
+              <a:t>‹#›</a:t>
             </a:fld>
             <a:endParaRPr lang="fr-FR"/>
           </a:p>
@@ -5058,9 +6077,9 @@
           <a:bodyPr/>
           <a:lstStyle/>
           <a:p>
-            <a:fld id="{84B9F630-F5BB-4C68-A90B-7601F27B3C8E}" type="datetimeFigureOut">
+            <a:fld id="{B6C60C2F-A1A5-45E1-96C3-1CA37BE21112}" type="datetime1">
               <a:rPr lang="fr-FR" smtClean="0"/>
-              <a:t>26/06/2019</a:t>
+              <a:t>01/07/2019</a:t>
             </a:fld>
             <a:endParaRPr lang="fr-FR"/>
           </a:p>
@@ -5102,7 +6121,7 @@
           <a:p>
             <a:fld id="{22EBEF4F-4056-4A7E-9612-F3E8B502E28B}" type="slidenum">
               <a:rPr lang="fr-FR" smtClean="0"/>
-              <a:t>‹N°›</a:t>
+              <a:t>‹#›</a:t>
             </a:fld>
             <a:endParaRPr lang="fr-FR"/>
           </a:p>
@@ -5307,9 +6326,9 @@
           <a:bodyPr/>
           <a:lstStyle/>
           <a:p>
-            <a:fld id="{84B9F630-F5BB-4C68-A90B-7601F27B3C8E}" type="datetimeFigureOut">
+            <a:fld id="{370CF9CE-3B6E-4BA0-B508-EE7AC7B2C66D}" type="datetime1">
               <a:rPr lang="fr-FR" smtClean="0"/>
-              <a:t>26/06/2019</a:t>
+              <a:t>01/07/2019</a:t>
             </a:fld>
             <a:endParaRPr lang="fr-FR"/>
           </a:p>
@@ -5351,7 +6370,7 @@
           <a:p>
             <a:fld id="{22EBEF4F-4056-4A7E-9612-F3E8B502E28B}" type="slidenum">
               <a:rPr lang="fr-FR" smtClean="0"/>
-              <a:t>‹N°›</a:t>
+              <a:t>‹#›</a:t>
             </a:fld>
             <a:endParaRPr lang="fr-FR"/>
           </a:p>
@@ -5564,9 +6583,9 @@
           <a:bodyPr/>
           <a:lstStyle/>
           <a:p>
-            <a:fld id="{84B9F630-F5BB-4C68-A90B-7601F27B3C8E}" type="datetimeFigureOut">
+            <a:fld id="{317A97A1-CDF0-4B32-AA22-69C244146889}" type="datetime1">
               <a:rPr lang="fr-FR" smtClean="0"/>
-              <a:t>26/06/2019</a:t>
+              <a:t>01/07/2019</a:t>
             </a:fld>
             <a:endParaRPr lang="fr-FR"/>
           </a:p>
@@ -5608,7 +6627,7 @@
           <a:p>
             <a:fld id="{22EBEF4F-4056-4A7E-9612-F3E8B502E28B}" type="slidenum">
               <a:rPr lang="fr-FR" smtClean="0"/>
-              <a:t>‹N°›</a:t>
+              <a:t>‹#›</a:t>
             </a:fld>
             <a:endParaRPr lang="fr-FR"/>
           </a:p>
@@ -5807,9 +6826,9 @@
             </a:lvl1pPr>
           </a:lstStyle>
           <a:p>
-            <a:fld id="{84B9F630-F5BB-4C68-A90B-7601F27B3C8E}" type="datetimeFigureOut">
+            <a:fld id="{60472F8C-DED8-4355-B6B4-3C9DFAD24F86}" type="datetime1">
               <a:rPr lang="fr-FR" smtClean="0"/>
-              <a:t>26/06/2019</a:t>
+              <a:t>01/07/2019</a:t>
             </a:fld>
             <a:endParaRPr lang="fr-FR"/>
           </a:p>
@@ -5887,7 +6906,7 @@
           <a:p>
             <a:fld id="{22EBEF4F-4056-4A7E-9612-F3E8B502E28B}" type="slidenum">
               <a:rPr lang="fr-FR" smtClean="0"/>
-              <a:t>‹N°›</a:t>
+              <a:t>‹#›</a:t>
             </a:fld>
             <a:endParaRPr lang="fr-FR"/>
           </a:p>
@@ -5920,6 +6939,7 @@
     <p:sldLayoutId id="2147483694" r:id="rId16"/>
     <p:sldLayoutId id="2147483695" r:id="rId17"/>
   </p:sldLayoutIdLst>
+  <p:hf hdr="0" ftr="0" dt="0"/>
   <p:txStyles>
     <p:titleStyle>
       <a:lvl1pPr algn="r" defTabSz="914400" rtl="0" eaLnBrk="1" latinLnBrk="0" hangingPunct="1">
@@ -6233,13 +7253,13 @@
             <a:spLocks noGrp="1"/>
           </p:cNvSpPr>
           <p:nvPr>
-            <p:ph type="ctrTitle"/>
-          </p:nvPr>
-        </p:nvSpPr>
-        <p:spPr>
-          <a:xfrm>
-            <a:off x="745434" y="1754656"/>
-            <a:ext cx="10436087" cy="1311818"/>
+            <p:ph type="ctrTitle" idx="4294967295"/>
+          </p:nvPr>
+        </p:nvSpPr>
+        <p:spPr>
+          <a:xfrm>
+            <a:off x="1698266" y="3121038"/>
+            <a:ext cx="10436225" cy="1311275"/>
           </a:xfrm>
         </p:spPr>
         <p:txBody>
@@ -6248,12 +7268,13 @@
           </a:bodyPr>
           <a:lstStyle/>
           <a:p>
+            <a:pPr algn="l"/>
             <a:br>
               <a:rPr lang="fr-FR" sz="4000" dirty="0"/>
             </a:br>
             <a:r>
               <a:rPr lang="fr-FR" sz="4000" b="1" cap="small" dirty="0"/>
-              <a:t>Projet 2 :</a:t>
+              <a:t>Projet 2</a:t>
             </a:r>
             <a:br>
               <a:rPr lang="fr-FR" sz="4000" cap="small" dirty="0"/>
@@ -6278,13 +7299,13 @@
             <a:spLocks noGrp="1"/>
           </p:cNvSpPr>
           <p:nvPr>
-            <p:ph type="subTitle" idx="1"/>
-          </p:nvPr>
-        </p:nvSpPr>
-        <p:spPr>
-          <a:xfrm>
-            <a:off x="6851374" y="3433472"/>
-            <a:ext cx="5340626" cy="1590262"/>
+            <p:ph type="subTitle" idx="4294967295"/>
+          </p:nvPr>
+        </p:nvSpPr>
+        <p:spPr>
+          <a:xfrm>
+            <a:off x="7938729" y="888705"/>
+            <a:ext cx="4195762" cy="1311275"/>
           </a:xfrm>
         </p:spPr>
         <p:txBody>
@@ -6293,34 +7314,46 @@
           </a:bodyPr>
           <a:lstStyle/>
           <a:p>
-            <a:pPr algn="r"/>
             <a:r>
               <a:rPr lang="fr-FR" b="1" dirty="0"/>
-              <a:t>Christophe LEBRUN</a:t>
-            </a:r>
-          </a:p>
-          <a:p>
-            <a:pPr algn="r"/>
+              <a:t>Etudiant : </a:t>
+            </a:r>
+            <a:r>
+              <a:rPr lang="fr-FR" dirty="0"/>
+              <a:t>Christophe </a:t>
+            </a:r>
+            <a:r>
+              <a:rPr lang="fr-FR" cap="small" dirty="0"/>
+              <a:t>Lebrun</a:t>
+            </a:r>
+          </a:p>
+          <a:p>
             <a:r>
               <a:rPr lang="fr-FR" b="1" dirty="0"/>
-              <a:t>Mentor accompagnateur : </a:t>
+              <a:t>Mentor : </a:t>
             </a:r>
             <a:r>
               <a:rPr lang="fr-FR" dirty="0"/>
-              <a:t>Thierno Diop</a:t>
-            </a:r>
-          </a:p>
-          <a:p>
-            <a:pPr algn="r"/>
+              <a:t>Thierno </a:t>
+            </a:r>
+            <a:r>
+              <a:rPr lang="fr-FR" cap="small" dirty="0"/>
+              <a:t>Diop</a:t>
+            </a:r>
+          </a:p>
+          <a:p>
             <a:r>
               <a:rPr lang="fr-FR" b="1" dirty="0"/>
-              <a:t>Mentor examinateur : </a:t>
+              <a:t>Evaluateur : </a:t>
             </a:r>
             <a:r>
               <a:rPr lang="fr-FR" dirty="0"/>
-              <a:t>Corentin Martel</a:t>
-            </a:r>
-            <a:endParaRPr lang="fr-FR" b="1" dirty="0"/>
+              <a:t>Corentin </a:t>
+            </a:r>
+            <a:r>
+              <a:rPr lang="fr-FR" cap="small" dirty="0"/>
+              <a:t>Martel</a:t>
+            </a:r>
           </a:p>
         </p:txBody>
       </p:sp>
@@ -6352,7 +7385,7 @@
         </p:blipFill>
         <p:spPr>
           <a:xfrm>
-            <a:off x="8587406" y="0"/>
+            <a:off x="0" y="5267739"/>
             <a:ext cx="3604594" cy="1590261"/>
           </a:xfrm>
           <a:prstGeom prst="rect">
@@ -6374,7 +7407,7 @@
         </p:nvSpPr>
         <p:spPr>
           <a:xfrm>
-            <a:off x="745434" y="1410849"/>
+            <a:off x="1802297" y="2715999"/>
             <a:ext cx="6662530" cy="523220"/>
           </a:xfrm>
           <a:prstGeom prst="rect">
@@ -6412,6 +7445,51 @@
               </a:rPr>
               <a:t> »</a:t>
             </a:r>
+          </a:p>
+        </p:txBody>
+      </p:sp>
+      <p:sp>
+        <p:nvSpPr>
+          <p:cNvPr id="6" name="TextBox 5">
+            <a:extLst>
+              <a:ext uri="{FF2B5EF4-FFF2-40B4-BE49-F238E27FC236}">
+                <a16:creationId xmlns:a16="http://schemas.microsoft.com/office/drawing/2014/main" id="{968DD6B4-A058-473F-99B6-FECCF66B654A}"/>
+              </a:ext>
+            </a:extLst>
+          </p:cNvPr>
+          <p:cNvSpPr txBox="1"/>
+          <p:nvPr/>
+        </p:nvSpPr>
+        <p:spPr>
+          <a:xfrm>
+            <a:off x="9574171" y="6396335"/>
+            <a:ext cx="2560320" cy="461665"/>
+          </a:xfrm>
+          <a:prstGeom prst="rect">
+            <a:avLst/>
+          </a:prstGeom>
+          <a:noFill/>
+        </p:spPr>
+        <p:txBody>
+          <a:bodyPr wrap="square" rtlCol="0">
+            <a:spAutoFit/>
+          </a:bodyPr>
+          <a:lstStyle/>
+          <a:p>
+            <a:pPr algn="r"/>
+            <a:r>
+              <a:rPr lang="en-GB" sz="2400" b="1" dirty="0"/>
+              <a:t>01 </a:t>
+            </a:r>
+            <a:r>
+              <a:rPr lang="en-GB" sz="2400" b="1" dirty="0" err="1"/>
+              <a:t>juillet</a:t>
+            </a:r>
+            <a:r>
+              <a:rPr lang="en-GB" sz="2400" b="1" dirty="0"/>
+              <a:t> 2019</a:t>
+            </a:r>
+            <a:endParaRPr lang="en-GB" b="1" dirty="0"/>
           </a:p>
         </p:txBody>
       </p:sp>
@@ -6445,54 +7523,42 @@
           <a:chExt cx="0" cy="0"/>
         </a:xfrm>
       </p:grpSpPr>
-      <p:sp>
-        <p:nvSpPr>
-          <p:cNvPr id="2" name="Titre 1">
+      <p:pic>
+        <p:nvPicPr>
+          <p:cNvPr id="6" name="Picture 5">
             <a:extLst>
               <a:ext uri="{FF2B5EF4-FFF2-40B4-BE49-F238E27FC236}">
-                <a16:creationId xmlns:a16="http://schemas.microsoft.com/office/drawing/2014/main" id="{96885828-B058-4F14-80D3-515FB1B2EA26}"/>
+                <a16:creationId xmlns:a16="http://schemas.microsoft.com/office/drawing/2014/main" id="{167625F1-437C-445A-A0F1-2B70A8D6605E}"/>
               </a:ext>
             </a:extLst>
           </p:cNvPr>
-          <p:cNvSpPr>
-            <a:spLocks noGrp="1"/>
-          </p:cNvSpPr>
-          <p:nvPr>
-            <p:ph type="title"/>
-          </p:nvPr>
-        </p:nvSpPr>
-        <p:spPr/>
-        <p:txBody>
-          <a:bodyPr/>
-          <a:lstStyle/>
-          <a:p>
-            <a:r>
-              <a:rPr lang="fr-FR" b="1" dirty="0"/>
-              <a:t>Partie 2 :</a:t>
-            </a:r>
-            <a:br>
-              <a:rPr lang="fr-FR" b="1" dirty="0"/>
-            </a:br>
-            <a:r>
-              <a:rPr lang="fr-FR" dirty="0"/>
-              <a:t>Présentation de l’analyse </a:t>
-            </a:r>
-            <a:br>
-              <a:rPr lang="fr-FR" dirty="0"/>
-            </a:br>
-            <a:r>
-              <a:rPr lang="fr-FR" dirty="0"/>
-              <a:t>pré-exploratoire </a:t>
-            </a:r>
-          </a:p>
-        </p:txBody>
-      </p:sp>
-      <p:sp>
-        <p:nvSpPr>
-          <p:cNvPr id="3" name="Espace réservé du texte 2">
+          <p:cNvPicPr>
+            <a:picLocks noChangeAspect="1"/>
+          </p:cNvPicPr>
+          <p:nvPr/>
+        </p:nvPicPr>
+        <p:blipFill>
+          <a:blip r:embed="rId2"/>
+          <a:stretch>
+            <a:fillRect/>
+          </a:stretch>
+        </p:blipFill>
+        <p:spPr>
+          <a:xfrm>
+            <a:off x="0" y="481779"/>
+            <a:ext cx="4362968" cy="1639229"/>
+          </a:xfrm>
+          <a:prstGeom prst="rect">
+            <a:avLst/>
+          </a:prstGeom>
+        </p:spPr>
+      </p:pic>
+      <p:sp>
+        <p:nvSpPr>
+          <p:cNvPr id="2" name="Title 1">
             <a:extLst>
               <a:ext uri="{FF2B5EF4-FFF2-40B4-BE49-F238E27FC236}">
-                <a16:creationId xmlns:a16="http://schemas.microsoft.com/office/drawing/2014/main" id="{C1CD7A5C-6044-4F77-841E-E28AF461363D}"/>
+                <a16:creationId xmlns:a16="http://schemas.microsoft.com/office/drawing/2014/main" id="{FC780402-C2D7-4C61-8CC1-089D3FA72D7B}"/>
               </a:ext>
             </a:extLst>
           </p:cNvPr>
@@ -6500,245 +7566,149 @@
             <a:spLocks noGrp="1"/>
           </p:cNvSpPr>
           <p:nvPr>
-            <p:ph type="body" idx="1"/>
-          </p:nvPr>
-        </p:nvSpPr>
-        <p:spPr/>
+            <p:ph type="title"/>
+          </p:nvPr>
+        </p:nvSpPr>
+        <p:spPr>
+          <a:xfrm>
+            <a:off x="685799" y="2035304"/>
+            <a:ext cx="10820400" cy="999067"/>
+          </a:xfrm>
+        </p:spPr>
         <p:txBody>
           <a:bodyPr/>
           <a:lstStyle/>
           <a:p>
-            <a:br>
-              <a:rPr lang="fr-FR" dirty="0"/>
-            </a:br>
+            <a:r>
+              <a:rPr lang="fr-FR" b="1" dirty="0"/>
+              <a:t>Partie 2</a:t>
+            </a:r>
             <a:endParaRPr lang="fr-FR" dirty="0"/>
           </a:p>
         </p:txBody>
       </p:sp>
       <p:sp>
         <p:nvSpPr>
-          <p:cNvPr id="4" name="Sous-titre 2">
+          <p:cNvPr id="3" name="Text Placeholder 2">
             <a:extLst>
               <a:ext uri="{FF2B5EF4-FFF2-40B4-BE49-F238E27FC236}">
-                <a16:creationId xmlns:a16="http://schemas.microsoft.com/office/drawing/2014/main" id="{DCE2B66C-CBE3-4153-A49D-FBE1F5B91DAA}"/>
+                <a16:creationId xmlns:a16="http://schemas.microsoft.com/office/drawing/2014/main" id="{A4042BCA-15C5-4E3E-B85C-92B63F6CDDAC}"/>
               </a:ext>
             </a:extLst>
           </p:cNvPr>
-          <p:cNvSpPr txBox="1">
-            <a:spLocks/>
-          </p:cNvSpPr>
+          <p:cNvSpPr>
+            <a:spLocks noGrp="1"/>
+          </p:cNvSpPr>
+          <p:nvPr>
+            <p:ph type="body" sz="half" idx="2"/>
+          </p:nvPr>
+        </p:nvSpPr>
+        <p:spPr>
+          <a:xfrm>
+            <a:off x="685799" y="2866813"/>
+            <a:ext cx="11156795" cy="1185335"/>
+          </a:xfrm>
+        </p:spPr>
+        <p:txBody>
+          <a:bodyPr>
+            <a:normAutofit/>
+          </a:bodyPr>
+          <a:lstStyle/>
+          <a:p>
+            <a:r>
+              <a:rPr lang="fr-FR" sz="2800" cap="small" dirty="0"/>
+              <a:t>Présentation de l’analyse pré-exploratoire</a:t>
+            </a:r>
+          </a:p>
+          <a:p>
+            <a:r>
+              <a:rPr lang="fr-FR" sz="2800" cap="small" dirty="0"/>
+              <a:t>Conclusions sur la pertinence de l’utilisation du jeu de données</a:t>
+            </a:r>
+          </a:p>
+        </p:txBody>
+      </p:sp>
+      <p:sp>
+        <p:nvSpPr>
+          <p:cNvPr id="4" name="Slide Number Placeholder 3">
+            <a:extLst>
+              <a:ext uri="{FF2B5EF4-FFF2-40B4-BE49-F238E27FC236}">
+                <a16:creationId xmlns:a16="http://schemas.microsoft.com/office/drawing/2014/main" id="{E9627830-8A66-4CDE-8564-AB58AC5A13FB}"/>
+              </a:ext>
+            </a:extLst>
+          </p:cNvPr>
+          <p:cNvSpPr>
+            <a:spLocks noGrp="1"/>
+          </p:cNvSpPr>
+          <p:nvPr>
+            <p:ph type="sldNum" sz="quarter" idx="12"/>
+          </p:nvPr>
+        </p:nvSpPr>
+        <p:spPr/>
+        <p:txBody>
+          <a:bodyPr/>
+          <a:lstStyle/>
+          <a:p>
+            <a:fld id="{22EBEF4F-4056-4A7E-9612-F3E8B502E28B}" type="slidenum">
+              <a:rPr lang="fr-FR" smtClean="0"/>
+              <a:t>10</a:t>
+            </a:fld>
+            <a:endParaRPr lang="fr-FR"/>
+          </a:p>
+        </p:txBody>
+      </p:sp>
+      <p:pic>
+        <p:nvPicPr>
+          <p:cNvPr id="5" name="Picture 2" descr="Votre entreprise EdTech">
+            <a:hlinkClick r:id="rId3"/>
+            <a:extLst>
+              <a:ext uri="{FF2B5EF4-FFF2-40B4-BE49-F238E27FC236}">
+                <a16:creationId xmlns:a16="http://schemas.microsoft.com/office/drawing/2014/main" id="{E04F61D8-9E1D-4198-8DC1-EE8CCC6D4159}"/>
+              </a:ext>
+            </a:extLst>
+          </p:cNvPr>
+          <p:cNvPicPr>
+            <a:picLocks noChangeAspect="1" noChangeArrowheads="1"/>
+          </p:cNvPicPr>
           <p:nvPr/>
-        </p:nvSpPr>
-        <p:spPr>
-          <a:xfrm>
-            <a:off x="2057399" y="3776662"/>
-            <a:ext cx="9448800" cy="685800"/>
+        </p:nvPicPr>
+        <p:blipFill>
+          <a:blip r:embed="rId4">
+            <a:extLst>
+              <a:ext uri="{28A0092B-C50C-407E-A947-70E740481C1C}">
+                <a14:useLocalDpi xmlns:a14="http://schemas.microsoft.com/office/drawing/2010/main" val="0"/>
+              </a:ext>
+            </a:extLst>
+          </a:blip>
+          <a:srcRect/>
+          <a:stretch>
+            <a:fillRect/>
+          </a:stretch>
+        </p:blipFill>
+        <p:spPr bwMode="auto">
+          <a:xfrm>
+            <a:off x="9243906" y="7146"/>
+            <a:ext cx="2948094" cy="1799640"/>
           </a:xfrm>
           <a:prstGeom prst="rect">
             <a:avLst/>
           </a:prstGeom>
-        </p:spPr>
-        <p:txBody>
-          <a:bodyPr vert="horz" lIns="91440" tIns="45720" rIns="91440" bIns="45720" rtlCol="0">
-            <a:normAutofit/>
-          </a:bodyPr>
-          <a:lstStyle>
-            <a:lvl1pPr marL="0" indent="0" algn="r" defTabSz="914400" rtl="0" eaLnBrk="1" latinLnBrk="0" hangingPunct="1">
-              <a:lnSpc>
-                <a:spcPct val="90000"/>
-              </a:lnSpc>
-              <a:spcBef>
-                <a:spcPts val="1000"/>
-              </a:spcBef>
-              <a:buFont typeface="Arial" panose="020B0604020202020204" pitchFamily="34" charset="0"/>
-              <a:buNone/>
-              <a:defRPr sz="2200" kern="1200">
+          <a:noFill/>
+          <a:extLst>
+            <a:ext uri="{909E8E84-426E-40DD-AFC4-6F175D3DCCD1}">
+              <a14:hiddenFill xmlns:a14="http://schemas.microsoft.com/office/drawing/2010/main">
                 <a:solidFill>
-                  <a:schemeClr val="tx1">
-                    <a:tint val="75000"/>
-                  </a:schemeClr>
+                  <a:srgbClr val="FFFFFF"/>
                 </a:solidFill>
-                <a:latin typeface="+mn-lt"/>
-                <a:ea typeface="+mn-ea"/>
-                <a:cs typeface="+mn-cs"/>
-              </a:defRPr>
-            </a:lvl1pPr>
-            <a:lvl2pPr marL="457200" indent="0" algn="l" defTabSz="914400" rtl="0" eaLnBrk="1" latinLnBrk="0" hangingPunct="1">
-              <a:lnSpc>
-                <a:spcPct val="90000"/>
-              </a:lnSpc>
-              <a:spcBef>
-                <a:spcPts val="500"/>
-              </a:spcBef>
-              <a:buFont typeface="Arial" panose="020B0604020202020204" pitchFamily="34" charset="0"/>
-              <a:buNone/>
-              <a:defRPr sz="2000" kern="1200">
-                <a:solidFill>
-                  <a:schemeClr val="tx1">
-                    <a:tint val="75000"/>
-                  </a:schemeClr>
-                </a:solidFill>
-                <a:latin typeface="+mn-lt"/>
-                <a:ea typeface="+mn-ea"/>
-                <a:cs typeface="+mn-cs"/>
-              </a:defRPr>
-            </a:lvl2pPr>
-            <a:lvl3pPr marL="914400" indent="0" algn="l" defTabSz="914400" rtl="0" eaLnBrk="1" latinLnBrk="0" hangingPunct="1">
-              <a:lnSpc>
-                <a:spcPct val="90000"/>
-              </a:lnSpc>
-              <a:spcBef>
-                <a:spcPts val="500"/>
-              </a:spcBef>
-              <a:buFont typeface="Arial" panose="020B0604020202020204" pitchFamily="34" charset="0"/>
-              <a:buNone/>
-              <a:defRPr sz="1800" kern="1200">
-                <a:solidFill>
-                  <a:schemeClr val="tx1">
-                    <a:tint val="75000"/>
-                  </a:schemeClr>
-                </a:solidFill>
-                <a:latin typeface="+mn-lt"/>
-                <a:ea typeface="+mn-ea"/>
-                <a:cs typeface="+mn-cs"/>
-              </a:defRPr>
-            </a:lvl3pPr>
-            <a:lvl4pPr marL="1371600" indent="0" algn="l" defTabSz="914400" rtl="0" eaLnBrk="1" latinLnBrk="0" hangingPunct="1">
-              <a:lnSpc>
-                <a:spcPct val="90000"/>
-              </a:lnSpc>
-              <a:spcBef>
-                <a:spcPts val="500"/>
-              </a:spcBef>
-              <a:buFont typeface="Arial" panose="020B0604020202020204" pitchFamily="34" charset="0"/>
-              <a:buNone/>
-              <a:defRPr sz="1600" kern="1200">
-                <a:solidFill>
-                  <a:schemeClr val="tx1">
-                    <a:tint val="75000"/>
-                  </a:schemeClr>
-                </a:solidFill>
-                <a:latin typeface="+mn-lt"/>
-                <a:ea typeface="+mn-ea"/>
-                <a:cs typeface="+mn-cs"/>
-              </a:defRPr>
-            </a:lvl4pPr>
-            <a:lvl5pPr marL="1828800" indent="0" algn="l" defTabSz="914400" rtl="0" eaLnBrk="1" latinLnBrk="0" hangingPunct="1">
-              <a:lnSpc>
-                <a:spcPct val="90000"/>
-              </a:lnSpc>
-              <a:spcBef>
-                <a:spcPts val="500"/>
-              </a:spcBef>
-              <a:buFont typeface="Arial" panose="020B0604020202020204" pitchFamily="34" charset="0"/>
-              <a:buNone/>
-              <a:defRPr sz="1600" kern="1200">
-                <a:solidFill>
-                  <a:schemeClr val="tx1">
-                    <a:tint val="75000"/>
-                  </a:schemeClr>
-                </a:solidFill>
-                <a:latin typeface="+mn-lt"/>
-                <a:ea typeface="+mn-ea"/>
-                <a:cs typeface="+mn-cs"/>
-              </a:defRPr>
-            </a:lvl5pPr>
-            <a:lvl6pPr marL="2286000" indent="0" algn="l" defTabSz="914400" rtl="0" eaLnBrk="1" latinLnBrk="0" hangingPunct="1">
-              <a:lnSpc>
-                <a:spcPct val="90000"/>
-              </a:lnSpc>
-              <a:spcBef>
-                <a:spcPts val="500"/>
-              </a:spcBef>
-              <a:buFont typeface="Arial" panose="020B0604020202020204" pitchFamily="34" charset="0"/>
-              <a:buNone/>
-              <a:defRPr sz="1600" kern="1200">
-                <a:solidFill>
-                  <a:schemeClr val="tx1">
-                    <a:tint val="75000"/>
-                  </a:schemeClr>
-                </a:solidFill>
-                <a:latin typeface="+mn-lt"/>
-                <a:ea typeface="+mn-ea"/>
-                <a:cs typeface="+mn-cs"/>
-              </a:defRPr>
-            </a:lvl6pPr>
-            <a:lvl7pPr marL="2743200" indent="0" algn="l" defTabSz="914400" rtl="0" eaLnBrk="1" latinLnBrk="0" hangingPunct="1">
-              <a:lnSpc>
-                <a:spcPct val="90000"/>
-              </a:lnSpc>
-              <a:spcBef>
-                <a:spcPts val="500"/>
-              </a:spcBef>
-              <a:buFont typeface="Arial" panose="020B0604020202020204" pitchFamily="34" charset="0"/>
-              <a:buNone/>
-              <a:defRPr sz="1600" kern="1200">
-                <a:solidFill>
-                  <a:schemeClr val="tx1">
-                    <a:tint val="75000"/>
-                  </a:schemeClr>
-                </a:solidFill>
-                <a:latin typeface="+mn-lt"/>
-                <a:ea typeface="+mn-ea"/>
-                <a:cs typeface="+mn-cs"/>
-              </a:defRPr>
-            </a:lvl7pPr>
-            <a:lvl8pPr marL="3200400" indent="0" algn="l" defTabSz="914400" rtl="0" eaLnBrk="1" latinLnBrk="0" hangingPunct="1">
-              <a:lnSpc>
-                <a:spcPct val="90000"/>
-              </a:lnSpc>
-              <a:spcBef>
-                <a:spcPts val="500"/>
-              </a:spcBef>
-              <a:buFont typeface="Arial" panose="020B0604020202020204" pitchFamily="34" charset="0"/>
-              <a:buNone/>
-              <a:defRPr sz="1600" kern="1200">
-                <a:solidFill>
-                  <a:schemeClr val="tx1">
-                    <a:tint val="75000"/>
-                  </a:schemeClr>
-                </a:solidFill>
-                <a:latin typeface="+mn-lt"/>
-                <a:ea typeface="+mn-ea"/>
-                <a:cs typeface="+mn-cs"/>
-              </a:defRPr>
-            </a:lvl8pPr>
-            <a:lvl9pPr marL="3657600" indent="0" algn="l" defTabSz="914400" rtl="0" eaLnBrk="1" latinLnBrk="0" hangingPunct="1">
-              <a:lnSpc>
-                <a:spcPct val="90000"/>
-              </a:lnSpc>
-              <a:spcBef>
-                <a:spcPts val="500"/>
-              </a:spcBef>
-              <a:buFont typeface="Arial" panose="020B0604020202020204" pitchFamily="34" charset="0"/>
-              <a:buNone/>
-              <a:defRPr sz="1600" kern="1200">
-                <a:solidFill>
-                  <a:schemeClr val="tx1">
-                    <a:tint val="75000"/>
-                  </a:schemeClr>
-                </a:solidFill>
-                <a:latin typeface="+mn-lt"/>
-                <a:ea typeface="+mn-ea"/>
-                <a:cs typeface="+mn-cs"/>
-              </a:defRPr>
-            </a:lvl9pPr>
-          </a:lstStyle>
-          <a:p>
-            <a:r>
-              <a:rPr lang="fr-FR">
-                <a:hlinkClick r:id="rId2"/>
-              </a:rPr>
-              <a:t>http://localhost:8888/lab</a:t>
-            </a:r>
-            <a:endParaRPr lang="fr-FR" dirty="0"/>
-          </a:p>
-        </p:txBody>
-      </p:sp>
+              </a14:hiddenFill>
+            </a:ext>
+          </a:extLst>
+        </p:spPr>
+      </p:pic>
     </p:spTree>
     <p:extLst>
       <p:ext uri="{BB962C8B-B14F-4D97-AF65-F5344CB8AC3E}">
-        <p14:creationId xmlns:p14="http://schemas.microsoft.com/office/powerpoint/2010/main" val="3303506237"/>
+        <p14:creationId xmlns:p14="http://schemas.microsoft.com/office/powerpoint/2010/main" val="2956667182"/>
       </p:ext>
     </p:extLst>
   </p:cSld>
@@ -6821,6 +7791,83 @@
           </a:p>
         </p:txBody>
       </p:sp>
+      <p:sp>
+        <p:nvSpPr>
+          <p:cNvPr id="4" name="Slide Number Placeholder 3">
+            <a:extLst>
+              <a:ext uri="{FF2B5EF4-FFF2-40B4-BE49-F238E27FC236}">
+                <a16:creationId xmlns:a16="http://schemas.microsoft.com/office/drawing/2014/main" id="{39F9761A-0278-40EA-84C8-2BB77F452143}"/>
+              </a:ext>
+            </a:extLst>
+          </p:cNvPr>
+          <p:cNvSpPr>
+            <a:spLocks noGrp="1"/>
+          </p:cNvSpPr>
+          <p:nvPr>
+            <p:ph type="sldNum" sz="quarter" idx="12"/>
+          </p:nvPr>
+        </p:nvSpPr>
+        <p:spPr/>
+        <p:txBody>
+          <a:bodyPr/>
+          <a:lstStyle/>
+          <a:p>
+            <a:fld id="{22EBEF4F-4056-4A7E-9612-F3E8B502E28B}" type="slidenum">
+              <a:rPr lang="fr-FR" smtClean="0"/>
+              <a:t>11</a:t>
+            </a:fld>
+            <a:endParaRPr lang="fr-FR"/>
+          </a:p>
+        </p:txBody>
+      </p:sp>
+      <p:pic>
+        <p:nvPicPr>
+          <p:cNvPr id="5" name="Picture 2" descr="Votre entreprise EdTech">
+            <a:hlinkClick r:id="rId2"/>
+            <a:extLst>
+              <a:ext uri="{FF2B5EF4-FFF2-40B4-BE49-F238E27FC236}">
+                <a16:creationId xmlns:a16="http://schemas.microsoft.com/office/drawing/2014/main" id="{A479ADF1-1B60-474B-B063-F8F23193E2D5}"/>
+              </a:ext>
+            </a:extLst>
+          </p:cNvPr>
+          <p:cNvPicPr>
+            <a:picLocks noChangeAspect="1" noChangeArrowheads="1"/>
+          </p:cNvPicPr>
+          <p:nvPr/>
+        </p:nvPicPr>
+        <p:blipFill>
+          <a:blip r:embed="rId3">
+            <a:extLst>
+              <a:ext uri="{28A0092B-C50C-407E-A947-70E740481C1C}">
+                <a14:useLocalDpi xmlns:a14="http://schemas.microsoft.com/office/drawing/2010/main" val="0"/>
+              </a:ext>
+            </a:extLst>
+          </a:blip>
+          <a:srcRect/>
+          <a:stretch>
+            <a:fillRect/>
+          </a:stretch>
+        </p:blipFill>
+        <p:spPr bwMode="auto">
+          <a:xfrm>
+            <a:off x="9243906" y="7146"/>
+            <a:ext cx="2948094" cy="1799640"/>
+          </a:xfrm>
+          <a:prstGeom prst="rect">
+            <a:avLst/>
+          </a:prstGeom>
+          <a:noFill/>
+          <a:extLst>
+            <a:ext uri="{909E8E84-426E-40DD-AFC4-6F175D3DCCD1}">
+              <a14:hiddenFill xmlns:a14="http://schemas.microsoft.com/office/drawing/2010/main">
+                <a:solidFill>
+                  <a:srgbClr val="FFFFFF"/>
+                </a:solidFill>
+              </a14:hiddenFill>
+            </a:ext>
+          </a:extLst>
+        </p:spPr>
+      </p:pic>
     </p:spTree>
     <p:extLst>
       <p:ext uri="{BB962C8B-B14F-4D97-AF65-F5344CB8AC3E}">
@@ -6879,7 +7926,7 @@
           <a:p>
             <a:r>
               <a:rPr lang="fr-FR" dirty="0"/>
-              <a:t>Des indicateurs pertinents</a:t>
+              <a:t>Des indicateurs pertinents…</a:t>
             </a:r>
           </a:p>
         </p:txBody>
@@ -6902,19 +7949,22 @@
         </p:nvSpPr>
         <p:spPr>
           <a:xfrm>
-            <a:off x="176463" y="1813980"/>
+            <a:off x="176463" y="1557502"/>
             <a:ext cx="12015537" cy="5419859"/>
           </a:xfrm>
         </p:spPr>
         <p:txBody>
           <a:bodyPr>
-            <a:normAutofit fontScale="92500" lnSpcReduction="20000"/>
+            <a:normAutofit fontScale="77500" lnSpcReduction="20000"/>
           </a:bodyPr>
           <a:lstStyle/>
           <a:p>
+            <a:pPr marL="0" indent="0">
+              <a:buNone/>
+            </a:pPr>
             <a:r>
               <a:rPr lang="fr-FR" sz="2800" b="1" dirty="0"/>
-              <a:t>La population et son évolution</a:t>
+              <a:t>Démographie et son évolution</a:t>
             </a:r>
           </a:p>
           <a:p>
@@ -6939,10 +7989,6 @@
             </a:r>
           </a:p>
           <a:p>
-            <a:pPr lvl="2"/>
-            <a:endParaRPr lang="fr-FR" sz="2600" dirty="0"/>
-          </a:p>
-          <a:p>
             <a:pPr lvl="1"/>
             <a:r>
               <a:rPr lang="fr-FR" sz="2800" dirty="0"/>
@@ -6950,19 +7996,75 @@
             </a:r>
           </a:p>
           <a:p>
+            <a:pPr marL="0" indent="0">
+              <a:buNone/>
+            </a:pPr>
+            <a:endParaRPr lang="fr-FR" sz="2800" dirty="0"/>
+          </a:p>
+          <a:p>
+            <a:pPr marL="0" indent="0">
+              <a:buNone/>
+            </a:pPr>
+            <a:r>
+              <a:rPr lang="fr-FR" sz="2800" b="1" dirty="0"/>
+              <a:t>Infrastructures technologiques</a:t>
+            </a:r>
+          </a:p>
+          <a:p>
             <a:pPr lvl="1"/>
-            <a:endParaRPr lang="fr-FR" sz="2800" dirty="0"/>
-          </a:p>
-          <a:p>
+            <a:r>
+              <a:rPr lang="fr-FR" sz="2800" dirty="0"/>
+              <a:t>IT.NET.USER.P2 : taux d’utilisateurs d’internet</a:t>
+            </a:r>
+          </a:p>
+          <a:p>
+            <a:pPr lvl="1"/>
+            <a:r>
+              <a:rPr lang="fr-FR" sz="2800" dirty="0"/>
+              <a:t>IT.CMP.PCMP.P2 : taux d’équipement en ordinateurs personnels</a:t>
+            </a:r>
+          </a:p>
+          <a:p>
+            <a:pPr marL="0" indent="0">
+              <a:buNone/>
+            </a:pPr>
+            <a:endParaRPr lang="fr-FR" sz="3000" dirty="0"/>
+          </a:p>
+          <a:p>
+            <a:pPr marL="0" indent="0">
+              <a:buNone/>
+            </a:pPr>
+            <a:r>
+              <a:rPr lang="fr-FR" sz="3000" b="1" dirty="0"/>
+              <a:t>Niveau d’éducation</a:t>
+            </a:r>
+          </a:p>
+          <a:p>
+            <a:pPr lvl="1"/>
+            <a:r>
+              <a:rPr lang="fr-FR" sz="3000" dirty="0"/>
+              <a:t>SE.ADT.1524.LT.ZS : taux d’alphabétisation des15-24 ans</a:t>
+            </a:r>
+          </a:p>
+          <a:p>
+            <a:pPr marL="0" indent="0">
+              <a:buNone/>
+            </a:pPr>
+            <a:endParaRPr lang="fr-FR" sz="3000" dirty="0"/>
+          </a:p>
+          <a:p>
+            <a:pPr marL="0" indent="0">
+              <a:buNone/>
+            </a:pPr>
             <a:r>
               <a:rPr lang="fr-FR" sz="2800" b="1" dirty="0"/>
-              <a:t>La situation économique</a:t>
+              <a:t>Situation économique</a:t>
             </a:r>
           </a:p>
           <a:p>
             <a:pPr lvl="1"/>
             <a:r>
-              <a:rPr lang="fr-FR" sz="2600" dirty="0"/>
+              <a:rPr lang="fr-FR" sz="2800" dirty="0"/>
               <a:t>NY.GDP.PCAP.KD : PNB par habitant</a:t>
             </a:r>
           </a:p>
@@ -6974,32 +8076,6 @@
             </a:r>
           </a:p>
           <a:p>
-            <a:pPr marL="0" indent="0">
-              <a:buNone/>
-            </a:pPr>
-            <a:endParaRPr lang="fr-FR" sz="2800" dirty="0"/>
-          </a:p>
-          <a:p>
-            <a:r>
-              <a:rPr lang="fr-FR" sz="2800" b="1" dirty="0"/>
-              <a:t>Les infrastructures technologiques</a:t>
-            </a:r>
-          </a:p>
-          <a:p>
-            <a:pPr lvl="1"/>
-            <a:r>
-              <a:rPr lang="fr-FR" sz="2800" dirty="0"/>
-              <a:t>IT.NET.USER.P2 : taux d’utilisateurs d’internet</a:t>
-            </a:r>
-          </a:p>
-          <a:p>
-            <a:pPr lvl="1"/>
-            <a:r>
-              <a:rPr lang="fr-FR" sz="2800" dirty="0"/>
-              <a:t>IT.CMP.PCMP.P2 : taux d’équipement en ordinateurs personnels</a:t>
-            </a:r>
-          </a:p>
-          <a:p>
             <a:endParaRPr lang="fr-FR" dirty="0"/>
           </a:p>
           <a:p>
@@ -7008,6 +8084,83 @@
           </a:p>
         </p:txBody>
       </p:sp>
+      <p:sp>
+        <p:nvSpPr>
+          <p:cNvPr id="4" name="Slide Number Placeholder 3">
+            <a:extLst>
+              <a:ext uri="{FF2B5EF4-FFF2-40B4-BE49-F238E27FC236}">
+                <a16:creationId xmlns:a16="http://schemas.microsoft.com/office/drawing/2014/main" id="{936A82BE-42AC-44D8-9861-8E2EBA8A932A}"/>
+              </a:ext>
+            </a:extLst>
+          </p:cNvPr>
+          <p:cNvSpPr>
+            <a:spLocks noGrp="1"/>
+          </p:cNvSpPr>
+          <p:nvPr>
+            <p:ph type="sldNum" sz="quarter" idx="12"/>
+          </p:nvPr>
+        </p:nvSpPr>
+        <p:spPr/>
+        <p:txBody>
+          <a:bodyPr/>
+          <a:lstStyle/>
+          <a:p>
+            <a:fld id="{22EBEF4F-4056-4A7E-9612-F3E8B502E28B}" type="slidenum">
+              <a:rPr lang="fr-FR" smtClean="0"/>
+              <a:t>12</a:t>
+            </a:fld>
+            <a:endParaRPr lang="fr-FR"/>
+          </a:p>
+        </p:txBody>
+      </p:sp>
+      <p:pic>
+        <p:nvPicPr>
+          <p:cNvPr id="5" name="Picture 2" descr="Votre entreprise EdTech">
+            <a:hlinkClick r:id="rId2"/>
+            <a:extLst>
+              <a:ext uri="{FF2B5EF4-FFF2-40B4-BE49-F238E27FC236}">
+                <a16:creationId xmlns:a16="http://schemas.microsoft.com/office/drawing/2014/main" id="{B99F8C93-913E-47E4-885E-4E1415E30C6C}"/>
+              </a:ext>
+            </a:extLst>
+          </p:cNvPr>
+          <p:cNvPicPr>
+            <a:picLocks noChangeAspect="1" noChangeArrowheads="1"/>
+          </p:cNvPicPr>
+          <p:nvPr/>
+        </p:nvPicPr>
+        <p:blipFill>
+          <a:blip r:embed="rId3">
+            <a:extLst>
+              <a:ext uri="{28A0092B-C50C-407E-A947-70E740481C1C}">
+                <a14:useLocalDpi xmlns:a14="http://schemas.microsoft.com/office/drawing/2010/main" val="0"/>
+              </a:ext>
+            </a:extLst>
+          </a:blip>
+          <a:srcRect/>
+          <a:stretch>
+            <a:fillRect/>
+          </a:stretch>
+        </p:blipFill>
+        <p:spPr bwMode="auto">
+          <a:xfrm>
+            <a:off x="9243906" y="5058360"/>
+            <a:ext cx="2948094" cy="1799640"/>
+          </a:xfrm>
+          <a:prstGeom prst="rect">
+            <a:avLst/>
+          </a:prstGeom>
+          <a:noFill/>
+          <a:extLst>
+            <a:ext uri="{909E8E84-426E-40DD-AFC4-6F175D3DCCD1}">
+              <a14:hiddenFill xmlns:a14="http://schemas.microsoft.com/office/drawing/2010/main">
+                <a:solidFill>
+                  <a:srgbClr val="FFFFFF"/>
+                </a:solidFill>
+              </a14:hiddenFill>
+            </a:ext>
+          </a:extLst>
+        </p:spPr>
+      </p:pic>
     </p:spTree>
     <p:extLst>
       <p:ext uri="{BB962C8B-B14F-4D97-AF65-F5344CB8AC3E}">
@@ -7038,45 +8191,48 @@
           <a:chExt cx="0" cy="0"/>
         </a:xfrm>
       </p:grpSpPr>
-      <p:sp>
-        <p:nvSpPr>
-          <p:cNvPr id="2" name="Titre 1">
+      <p:pic>
+        <p:nvPicPr>
+          <p:cNvPr id="12" name="Image 11">
             <a:extLst>
               <a:ext uri="{FF2B5EF4-FFF2-40B4-BE49-F238E27FC236}">
-                <a16:creationId xmlns:a16="http://schemas.microsoft.com/office/drawing/2014/main" id="{86EA0680-0155-4547-B930-7EB1D5711B4E}"/>
+                <a16:creationId xmlns:a16="http://schemas.microsoft.com/office/drawing/2014/main" id="{18229628-206A-41B3-A720-DE998409D237}"/>
               </a:ext>
             </a:extLst>
           </p:cNvPr>
-          <p:cNvSpPr>
-            <a:spLocks noGrp="1"/>
-          </p:cNvSpPr>
-          <p:nvPr>
-            <p:ph type="title"/>
-          </p:nvPr>
-        </p:nvSpPr>
-        <p:spPr>
-          <a:xfrm>
-            <a:off x="2895600" y="207781"/>
-            <a:ext cx="8610600" cy="1293028"/>
-          </a:xfrm>
-        </p:spPr>
-        <p:txBody>
-          <a:bodyPr/>
-          <a:lstStyle/>
-          <a:p>
-            <a:r>
-              <a:rPr lang="fr-FR" dirty="0"/>
-              <a:t>Limites du jeu de données</a:t>
-            </a:r>
-          </a:p>
-        </p:txBody>
-      </p:sp>
-      <p:sp>
-        <p:nvSpPr>
-          <p:cNvPr id="3" name="Espace réservé du contenu 2">
+          <p:cNvPicPr>
+            <a:picLocks noChangeAspect="1"/>
+          </p:cNvPicPr>
+          <p:nvPr/>
+        </p:nvPicPr>
+        <p:blipFill>
+          <a:blip r:embed="rId2">
+            <a:extLst>
+              <a:ext uri="{28A0092B-C50C-407E-A947-70E740481C1C}">
+                <a14:useLocalDpi xmlns:a14="http://schemas.microsoft.com/office/drawing/2010/main" val="0"/>
+              </a:ext>
+            </a:extLst>
+          </a:blip>
+          <a:stretch>
+            <a:fillRect/>
+          </a:stretch>
+        </p:blipFill>
+        <p:spPr>
+          <a:xfrm>
+            <a:off x="1347019" y="1078827"/>
+            <a:ext cx="10844981" cy="5779174"/>
+          </a:xfrm>
+          <a:prstGeom prst="rect">
+            <a:avLst/>
+          </a:prstGeom>
+        </p:spPr>
+      </p:pic>
+      <p:sp>
+        <p:nvSpPr>
+          <p:cNvPr id="2" name="Title 1">
             <a:extLst>
               <a:ext uri="{FF2B5EF4-FFF2-40B4-BE49-F238E27FC236}">
-                <a16:creationId xmlns:a16="http://schemas.microsoft.com/office/drawing/2014/main" id="{844B7975-7EF1-4C09-854E-EAD633CFAA50}"/>
+                <a16:creationId xmlns:a16="http://schemas.microsoft.com/office/drawing/2014/main" id="{C893100B-CBF9-46CC-B8A0-341FD67F61A0}"/>
               </a:ext>
             </a:extLst>
           </p:cNvPr>
@@ -7084,144 +8240,107 @@
             <a:spLocks noGrp="1"/>
           </p:cNvSpPr>
           <p:nvPr>
-            <p:ph idx="1"/>
-          </p:nvPr>
-        </p:nvSpPr>
-        <p:spPr>
-          <a:xfrm>
-            <a:off x="685800" y="1500809"/>
-            <a:ext cx="10820400" cy="5357191"/>
-          </a:xfrm>
-        </p:spPr>
-        <p:txBody>
-          <a:bodyPr>
-            <a:normAutofit lnSpcReduction="10000"/>
-          </a:bodyPr>
+            <p:ph type="title"/>
+          </p:nvPr>
+        </p:nvSpPr>
+        <p:spPr>
+          <a:xfrm>
+            <a:off x="2561303" y="201654"/>
+            <a:ext cx="8610600" cy="1293028"/>
+          </a:xfrm>
+        </p:spPr>
+        <p:txBody>
+          <a:bodyPr/>
           <a:lstStyle/>
           <a:p>
-            <a:pPr algn="just"/>
-            <a:r>
-              <a:rPr lang="fr-FR" b="1" dirty="0"/>
-              <a:t>Des données parfois datées </a:t>
-            </a:r>
             <a:r>
               <a:rPr lang="fr-FR" dirty="0"/>
-              <a:t>: 2016 en général, mais parfois plus anciennes. </a:t>
-            </a:r>
-          </a:p>
-          <a:p>
-            <a:pPr lvl="1" algn="just"/>
-            <a:r>
-              <a:rPr lang="fr-FR" dirty="0"/>
-              <a:t>Ex. : 2008 pour l’équipement en ordinateur.</a:t>
-            </a:r>
-          </a:p>
-          <a:p>
-            <a:pPr marL="0" indent="0" algn="just">
-              <a:buNone/>
-            </a:pPr>
-            <a:endParaRPr lang="fr-FR" dirty="0"/>
-          </a:p>
-          <a:p>
-            <a:pPr algn="just"/>
-            <a:r>
-              <a:rPr lang="fr-FR" dirty="0"/>
-              <a:t>Manque de données sur:</a:t>
-            </a:r>
-          </a:p>
-          <a:p>
-            <a:pPr lvl="1" algn="just"/>
-            <a:r>
-              <a:rPr lang="fr-FR" b="1" dirty="0"/>
-              <a:t>la situation économique : </a:t>
-            </a:r>
-            <a:r>
-              <a:rPr lang="fr-FR" dirty="0"/>
-              <a:t>croissance du PIB</a:t>
-            </a:r>
-          </a:p>
-          <a:p>
-            <a:pPr lvl="1" algn="just"/>
-            <a:r>
-              <a:rPr lang="fr-FR" b="1" dirty="0"/>
-              <a:t>l’infrastructure technologique. </a:t>
-            </a:r>
-            <a:r>
-              <a:rPr lang="fr-FR" dirty="0"/>
-              <a:t>Ex : débit, équipement tablettes, accès à Internet…</a:t>
-            </a:r>
-          </a:p>
-          <a:p>
-            <a:pPr lvl="1" algn="just"/>
-            <a:r>
-              <a:rPr lang="fr-FR" b="1" dirty="0"/>
-              <a:t>la concurrence locale </a:t>
-            </a:r>
-            <a:r>
-              <a:rPr lang="fr-FR" dirty="0"/>
-              <a:t>éventuelle. Ex : étude du marché</a:t>
-            </a:r>
-          </a:p>
-          <a:p>
-            <a:pPr lvl="1" algn="just"/>
-            <a:r>
-              <a:rPr lang="fr-FR" b="1" dirty="0"/>
-              <a:t>les langues parlées </a:t>
-            </a:r>
-            <a:r>
-              <a:rPr lang="fr-FR" dirty="0"/>
-              <a:t>dans le pays. Ex : pays francophones ou anglophones.</a:t>
-            </a:r>
-          </a:p>
-          <a:p>
-            <a:pPr marL="457200" lvl="1" indent="0" algn="just">
-              <a:buNone/>
-            </a:pPr>
-            <a:endParaRPr lang="fr-FR" dirty="0"/>
-          </a:p>
-          <a:p>
-            <a:pPr marL="0" indent="0" algn="just">
-              <a:buNone/>
-            </a:pPr>
-            <a:r>
-              <a:rPr lang="fr-FR" b="1" dirty="0"/>
-              <a:t>Conclusion : </a:t>
-            </a:r>
-          </a:p>
-          <a:p>
-            <a:pPr algn="just"/>
-            <a:r>
-              <a:rPr lang="fr-FR" dirty="0"/>
-              <a:t>Beaucoup de données</a:t>
-            </a:r>
-          </a:p>
-          <a:p>
-            <a:pPr algn="just"/>
-            <a:r>
-              <a:rPr lang="fr-FR" dirty="0"/>
-              <a:t>Une minorité pertinente</a:t>
-            </a:r>
-          </a:p>
-          <a:p>
-            <a:pPr algn="just"/>
-            <a:r>
-              <a:rPr lang="fr-FR" dirty="0"/>
-              <a:t>Indicateurs pertinents très classiques</a:t>
-            </a:r>
-          </a:p>
-          <a:p>
-            <a:pPr algn="just"/>
-            <a:r>
-              <a:rPr lang="fr-FR" dirty="0"/>
-              <a:t>Nécessité de compléter les données disponibles</a:t>
-            </a:r>
-          </a:p>
-        </p:txBody>
-      </p:sp>
+              <a:t>…et assez bien remplis</a:t>
+            </a:r>
+          </a:p>
+        </p:txBody>
+      </p:sp>
+      <p:sp>
+        <p:nvSpPr>
+          <p:cNvPr id="4" name="Slide Number Placeholder 3">
+            <a:extLst>
+              <a:ext uri="{FF2B5EF4-FFF2-40B4-BE49-F238E27FC236}">
+                <a16:creationId xmlns:a16="http://schemas.microsoft.com/office/drawing/2014/main" id="{2F2B2E43-400B-49B2-BF0E-A4D1E3F4628A}"/>
+              </a:ext>
+            </a:extLst>
+          </p:cNvPr>
+          <p:cNvSpPr>
+            <a:spLocks noGrp="1"/>
+          </p:cNvSpPr>
+          <p:nvPr>
+            <p:ph type="sldNum" sz="quarter" idx="12"/>
+          </p:nvPr>
+        </p:nvSpPr>
+        <p:spPr/>
+        <p:txBody>
+          <a:bodyPr/>
+          <a:lstStyle/>
+          <a:p>
+            <a:fld id="{22EBEF4F-4056-4A7E-9612-F3E8B502E28B}" type="slidenum">
+              <a:rPr lang="fr-FR" smtClean="0"/>
+              <a:t>13</a:t>
+            </a:fld>
+            <a:endParaRPr lang="fr-FR"/>
+          </a:p>
+        </p:txBody>
+      </p:sp>
+      <p:pic>
+        <p:nvPicPr>
+          <p:cNvPr id="10" name="Picture 2" descr="Votre entreprise EdTech">
+            <a:hlinkClick r:id="rId3"/>
+            <a:extLst>
+              <a:ext uri="{FF2B5EF4-FFF2-40B4-BE49-F238E27FC236}">
+                <a16:creationId xmlns:a16="http://schemas.microsoft.com/office/drawing/2014/main" id="{B3326BE9-0BDB-4E5A-861D-4F5D0B0578EA}"/>
+              </a:ext>
+            </a:extLst>
+          </p:cNvPr>
+          <p:cNvPicPr>
+            <a:picLocks noChangeAspect="1" noChangeArrowheads="1"/>
+          </p:cNvPicPr>
+          <p:nvPr/>
+        </p:nvPicPr>
+        <p:blipFill>
+          <a:blip r:embed="rId4">
+            <a:extLst>
+              <a:ext uri="{28A0092B-C50C-407E-A947-70E740481C1C}">
+                <a14:useLocalDpi xmlns:a14="http://schemas.microsoft.com/office/drawing/2010/main" val="0"/>
+              </a:ext>
+            </a:extLst>
+          </a:blip>
+          <a:srcRect/>
+          <a:stretch>
+            <a:fillRect/>
+          </a:stretch>
+        </p:blipFill>
+        <p:spPr bwMode="auto">
+          <a:xfrm>
+            <a:off x="0" y="0"/>
+            <a:ext cx="2561303" cy="1563527"/>
+          </a:xfrm>
+          <a:prstGeom prst="rect">
+            <a:avLst/>
+          </a:prstGeom>
+          <a:noFill/>
+          <a:extLst>
+            <a:ext uri="{909E8E84-426E-40DD-AFC4-6F175D3DCCD1}">
+              <a14:hiddenFill xmlns:a14="http://schemas.microsoft.com/office/drawing/2010/main">
+                <a:solidFill>
+                  <a:srgbClr val="FFFFFF"/>
+                </a:solidFill>
+              </a14:hiddenFill>
+            </a:ext>
+          </a:extLst>
+        </p:spPr>
+      </p:pic>
     </p:spTree>
     <p:extLst>
       <p:ext uri="{BB962C8B-B14F-4D97-AF65-F5344CB8AC3E}">
-        <p14:creationId xmlns:p14="http://schemas.microsoft.com/office/powerpoint/2010/main" val="3315547483"/>
+        <p14:creationId xmlns:p14="http://schemas.microsoft.com/office/powerpoint/2010/main" val="504980493"/>
       </p:ext>
     </p:extLst>
   </p:cSld>
@@ -7248,12 +8367,485 @@
           <a:chExt cx="0" cy="0"/>
         </a:xfrm>
       </p:grpSpPr>
+      <p:pic>
+        <p:nvPicPr>
+          <p:cNvPr id="6" name="Espace réservé du contenu 5">
+            <a:extLst>
+              <a:ext uri="{FF2B5EF4-FFF2-40B4-BE49-F238E27FC236}">
+                <a16:creationId xmlns:a16="http://schemas.microsoft.com/office/drawing/2014/main" id="{0F001EC5-C1E6-4566-984B-C6BE7E0B93BF}"/>
+              </a:ext>
+            </a:extLst>
+          </p:cNvPr>
+          <p:cNvPicPr>
+            <a:picLocks noGrp="1" noChangeAspect="1"/>
+          </p:cNvPicPr>
+          <p:nvPr>
+            <p:ph idx="1"/>
+          </p:nvPr>
+        </p:nvPicPr>
+        <p:blipFill>
+          <a:blip r:embed="rId2">
+            <a:extLst>
+              <a:ext uri="{28A0092B-C50C-407E-A947-70E740481C1C}">
+                <a14:useLocalDpi xmlns:a14="http://schemas.microsoft.com/office/drawing/2010/main" val="0"/>
+              </a:ext>
+            </a:extLst>
+          </a:blip>
+          <a:stretch>
+            <a:fillRect/>
+          </a:stretch>
+        </p:blipFill>
+        <p:spPr>
+          <a:xfrm>
+            <a:off x="0" y="0"/>
+            <a:ext cx="6096000" cy="3406439"/>
+          </a:xfrm>
+        </p:spPr>
+      </p:pic>
+      <p:sp>
+        <p:nvSpPr>
+          <p:cNvPr id="4" name="Espace réservé du numéro de diapositive 3">
+            <a:extLst>
+              <a:ext uri="{FF2B5EF4-FFF2-40B4-BE49-F238E27FC236}">
+                <a16:creationId xmlns:a16="http://schemas.microsoft.com/office/drawing/2014/main" id="{4DDB328D-9309-4002-851B-C05D01D54330}"/>
+              </a:ext>
+            </a:extLst>
+          </p:cNvPr>
+          <p:cNvSpPr>
+            <a:spLocks noGrp="1"/>
+          </p:cNvSpPr>
+          <p:nvPr>
+            <p:ph type="sldNum" sz="quarter" idx="12"/>
+          </p:nvPr>
+        </p:nvSpPr>
+        <p:spPr/>
+        <p:txBody>
+          <a:bodyPr/>
+          <a:lstStyle/>
+          <a:p>
+            <a:fld id="{22EBEF4F-4056-4A7E-9612-F3E8B502E28B}" type="slidenum">
+              <a:rPr lang="fr-FR" smtClean="0"/>
+              <a:t>14</a:t>
+            </a:fld>
+            <a:endParaRPr lang="fr-FR"/>
+          </a:p>
+        </p:txBody>
+      </p:sp>
+      <p:pic>
+        <p:nvPicPr>
+          <p:cNvPr id="8" name="Image 7">
+            <a:extLst>
+              <a:ext uri="{FF2B5EF4-FFF2-40B4-BE49-F238E27FC236}">
+                <a16:creationId xmlns:a16="http://schemas.microsoft.com/office/drawing/2014/main" id="{AAD5F960-5909-4DD0-9F3D-B509DA91C3EF}"/>
+              </a:ext>
+            </a:extLst>
+          </p:cNvPr>
+          <p:cNvPicPr>
+            <a:picLocks noChangeAspect="1"/>
+          </p:cNvPicPr>
+          <p:nvPr/>
+        </p:nvPicPr>
+        <p:blipFill>
+          <a:blip r:embed="rId3">
+            <a:extLst>
+              <a:ext uri="{28A0092B-C50C-407E-A947-70E740481C1C}">
+                <a14:useLocalDpi xmlns:a14="http://schemas.microsoft.com/office/drawing/2010/main" val="0"/>
+              </a:ext>
+            </a:extLst>
+          </a:blip>
+          <a:stretch>
+            <a:fillRect/>
+          </a:stretch>
+        </p:blipFill>
+        <p:spPr>
+          <a:xfrm>
+            <a:off x="6096001" y="-1"/>
+            <a:ext cx="6096000" cy="3335345"/>
+          </a:xfrm>
+          <a:prstGeom prst="rect">
+            <a:avLst/>
+          </a:prstGeom>
+        </p:spPr>
+      </p:pic>
+      <p:pic>
+        <p:nvPicPr>
+          <p:cNvPr id="10" name="Image 9">
+            <a:extLst>
+              <a:ext uri="{FF2B5EF4-FFF2-40B4-BE49-F238E27FC236}">
+                <a16:creationId xmlns:a16="http://schemas.microsoft.com/office/drawing/2014/main" id="{04A107ED-0A1F-4368-83D7-92DE359D75B9}"/>
+              </a:ext>
+            </a:extLst>
+          </p:cNvPr>
+          <p:cNvPicPr>
+            <a:picLocks noChangeAspect="1"/>
+          </p:cNvPicPr>
+          <p:nvPr/>
+        </p:nvPicPr>
+        <p:blipFill>
+          <a:blip r:embed="rId4">
+            <a:extLst>
+              <a:ext uri="{28A0092B-C50C-407E-A947-70E740481C1C}">
+                <a14:useLocalDpi xmlns:a14="http://schemas.microsoft.com/office/drawing/2010/main" val="0"/>
+              </a:ext>
+            </a:extLst>
+          </a:blip>
+          <a:stretch>
+            <a:fillRect/>
+          </a:stretch>
+        </p:blipFill>
+        <p:spPr>
+          <a:xfrm>
+            <a:off x="1" y="3338569"/>
+            <a:ext cx="7128386" cy="3519431"/>
+          </a:xfrm>
+          <a:prstGeom prst="rect">
+            <a:avLst/>
+          </a:prstGeom>
+        </p:spPr>
+      </p:pic>
+      <p:pic>
+        <p:nvPicPr>
+          <p:cNvPr id="12" name="Image 11">
+            <a:extLst>
+              <a:ext uri="{FF2B5EF4-FFF2-40B4-BE49-F238E27FC236}">
+                <a16:creationId xmlns:a16="http://schemas.microsoft.com/office/drawing/2014/main" id="{FB74E49D-048A-466C-BA58-F08D7585C700}"/>
+              </a:ext>
+            </a:extLst>
+          </p:cNvPr>
+          <p:cNvPicPr>
+            <a:picLocks noChangeAspect="1"/>
+          </p:cNvPicPr>
+          <p:nvPr/>
+        </p:nvPicPr>
+        <p:blipFill>
+          <a:blip r:embed="rId5">
+            <a:extLst>
+              <a:ext uri="{28A0092B-C50C-407E-A947-70E740481C1C}">
+                <a14:useLocalDpi xmlns:a14="http://schemas.microsoft.com/office/drawing/2010/main" val="0"/>
+              </a:ext>
+            </a:extLst>
+          </a:blip>
+          <a:stretch>
+            <a:fillRect/>
+          </a:stretch>
+        </p:blipFill>
+        <p:spPr>
+          <a:xfrm>
+            <a:off x="7128387" y="3428999"/>
+            <a:ext cx="5063613" cy="3434293"/>
+          </a:xfrm>
+          <a:prstGeom prst="rect">
+            <a:avLst/>
+          </a:prstGeom>
+        </p:spPr>
+      </p:pic>
+    </p:spTree>
+    <p:extLst>
+      <p:ext uri="{BB962C8B-B14F-4D97-AF65-F5344CB8AC3E}">
+        <p14:creationId xmlns:p14="http://schemas.microsoft.com/office/powerpoint/2010/main" val="2283641099"/>
+      </p:ext>
+    </p:extLst>
+  </p:cSld>
+  <p:clrMapOvr>
+    <a:masterClrMapping/>
+  </p:clrMapOvr>
+</p:sld>
+</file>
+
+<file path=ppt/slides/slide15.xml><?xml version="1.0" encoding="utf-8"?>
+<p:sld xmlns:a="http://schemas.openxmlformats.org/drawingml/2006/main" xmlns:r="http://schemas.openxmlformats.org/officeDocument/2006/relationships" xmlns:p="http://schemas.openxmlformats.org/presentationml/2006/main">
+  <p:cSld>
+    <p:spTree>
+      <p:nvGrpSpPr>
+        <p:cNvPr id="1" name=""/>
+        <p:cNvGrpSpPr/>
+        <p:nvPr/>
+      </p:nvGrpSpPr>
+      <p:grpSpPr>
+        <a:xfrm>
+          <a:off x="0" y="0"/>
+          <a:ext cx="0" cy="0"/>
+          <a:chOff x="0" y="0"/>
+          <a:chExt cx="0" cy="0"/>
+        </a:xfrm>
+      </p:grpSpPr>
+      <p:sp>
+        <p:nvSpPr>
+          <p:cNvPr id="4" name="Slide Number Placeholder 3">
+            <a:extLst>
+              <a:ext uri="{FF2B5EF4-FFF2-40B4-BE49-F238E27FC236}">
+                <a16:creationId xmlns:a16="http://schemas.microsoft.com/office/drawing/2014/main" id="{2F2B2E43-400B-49B2-BF0E-A4D1E3F4628A}"/>
+              </a:ext>
+            </a:extLst>
+          </p:cNvPr>
+          <p:cNvSpPr>
+            <a:spLocks noGrp="1"/>
+          </p:cNvSpPr>
+          <p:nvPr>
+            <p:ph type="sldNum" sz="quarter" idx="12"/>
+          </p:nvPr>
+        </p:nvSpPr>
+        <p:spPr/>
+        <p:txBody>
+          <a:bodyPr/>
+          <a:lstStyle/>
+          <a:p>
+            <a:fld id="{22EBEF4F-4056-4A7E-9612-F3E8B502E28B}" type="slidenum">
+              <a:rPr lang="fr-FR" smtClean="0"/>
+              <a:t>15</a:t>
+            </a:fld>
+            <a:endParaRPr lang="fr-FR"/>
+          </a:p>
+        </p:txBody>
+      </p:sp>
+      <p:pic>
+        <p:nvPicPr>
+          <p:cNvPr id="5" name="Picture 2" descr="Votre entreprise EdTech">
+            <a:hlinkClick r:id="rId2"/>
+            <a:extLst>
+              <a:ext uri="{FF2B5EF4-FFF2-40B4-BE49-F238E27FC236}">
+                <a16:creationId xmlns:a16="http://schemas.microsoft.com/office/drawing/2014/main" id="{F5E0101D-722D-401A-820C-CD3BCF92EE1B}"/>
+              </a:ext>
+            </a:extLst>
+          </p:cNvPr>
+          <p:cNvPicPr>
+            <a:picLocks noChangeAspect="1" noChangeArrowheads="1"/>
+          </p:cNvPicPr>
+          <p:nvPr/>
+        </p:nvPicPr>
+        <p:blipFill>
+          <a:blip r:embed="rId3">
+            <a:extLst>
+              <a:ext uri="{28A0092B-C50C-407E-A947-70E740481C1C}">
+                <a14:useLocalDpi xmlns:a14="http://schemas.microsoft.com/office/drawing/2010/main" val="0"/>
+              </a:ext>
+            </a:extLst>
+          </a:blip>
+          <a:srcRect/>
+          <a:stretch>
+            <a:fillRect/>
+          </a:stretch>
+        </p:blipFill>
+        <p:spPr bwMode="auto">
+          <a:xfrm>
+            <a:off x="9243906" y="5058360"/>
+            <a:ext cx="2948094" cy="1799640"/>
+          </a:xfrm>
+          <a:prstGeom prst="rect">
+            <a:avLst/>
+          </a:prstGeom>
+          <a:noFill/>
+          <a:extLst>
+            <a:ext uri="{909E8E84-426E-40DD-AFC4-6F175D3DCCD1}">
+              <a14:hiddenFill xmlns:a14="http://schemas.microsoft.com/office/drawing/2010/main">
+                <a:solidFill>
+                  <a:srgbClr val="FFFFFF"/>
+                </a:solidFill>
+              </a14:hiddenFill>
+            </a:ext>
+          </a:extLst>
+        </p:spPr>
+      </p:pic>
+      <p:sp>
+        <p:nvSpPr>
+          <p:cNvPr id="6" name="Title 1">
+            <a:extLst>
+              <a:ext uri="{FF2B5EF4-FFF2-40B4-BE49-F238E27FC236}">
+                <a16:creationId xmlns:a16="http://schemas.microsoft.com/office/drawing/2014/main" id="{B8C210FD-A343-4251-A1FC-CD7B1E37B114}"/>
+              </a:ext>
+            </a:extLst>
+          </p:cNvPr>
+          <p:cNvSpPr txBox="1">
+            <a:spLocks/>
+          </p:cNvSpPr>
+          <p:nvPr/>
+        </p:nvSpPr>
+        <p:spPr>
+          <a:xfrm>
+            <a:off x="633306" y="2822720"/>
+            <a:ext cx="8610600" cy="1293028"/>
+          </a:xfrm>
+          <a:prstGeom prst="rect">
+            <a:avLst/>
+          </a:prstGeom>
+        </p:spPr>
+        <p:txBody>
+          <a:bodyPr vert="horz" lIns="91440" tIns="45720" rIns="91440" bIns="45720" rtlCol="0" anchor="ctr">
+            <a:normAutofit/>
+          </a:bodyPr>
+          <a:lstStyle>
+            <a:lvl1pPr algn="r" defTabSz="914400" rtl="0" eaLnBrk="1" latinLnBrk="0" hangingPunct="1">
+              <a:lnSpc>
+                <a:spcPct val="90000"/>
+              </a:lnSpc>
+              <a:spcBef>
+                <a:spcPct val="0"/>
+              </a:spcBef>
+              <a:buNone/>
+              <a:defRPr sz="4000" kern="1200" cap="all" baseline="0">
+                <a:solidFill>
+                  <a:schemeClr val="tx1"/>
+                </a:solidFill>
+                <a:latin typeface="+mj-lt"/>
+                <a:ea typeface="+mj-ea"/>
+                <a:cs typeface="+mj-cs"/>
+              </a:defRPr>
+            </a:lvl1pPr>
+          </a:lstStyle>
+          <a:p>
+            <a:pPr algn="l"/>
+            <a:endParaRPr lang="fr-FR" dirty="0"/>
+          </a:p>
+        </p:txBody>
+      </p:sp>
+      <p:sp>
+        <p:nvSpPr>
+          <p:cNvPr id="7" name="TextBox 6">
+            <a:extLst>
+              <a:ext uri="{FF2B5EF4-FFF2-40B4-BE49-F238E27FC236}">
+                <a16:creationId xmlns:a16="http://schemas.microsoft.com/office/drawing/2014/main" id="{54A5DF90-BA9A-41DC-86CE-93D9E8402224}"/>
+              </a:ext>
+            </a:extLst>
+          </p:cNvPr>
+          <p:cNvSpPr txBox="1"/>
+          <p:nvPr/>
+        </p:nvSpPr>
+        <p:spPr>
+          <a:xfrm>
+            <a:off x="633306" y="2057401"/>
+            <a:ext cx="11368668" cy="3046988"/>
+          </a:xfrm>
+          <a:prstGeom prst="rect">
+            <a:avLst/>
+          </a:prstGeom>
+          <a:noFill/>
+        </p:spPr>
+        <p:txBody>
+          <a:bodyPr wrap="square" rtlCol="0">
+            <a:spAutoFit/>
+          </a:bodyPr>
+          <a:lstStyle/>
+          <a:p>
+            <a:pPr algn="just"/>
+            <a:r>
+              <a:rPr lang="fr-FR" sz="2400" b="1" dirty="0"/>
+              <a:t>Des données datées</a:t>
+            </a:r>
+          </a:p>
+          <a:p>
+            <a:pPr algn="just"/>
+            <a:r>
+              <a:rPr lang="fr-FR" sz="2400" dirty="0"/>
+              <a:t>	2008 pour IT.CMP.PCMP.P2 : taux d’équipement en ordis</a:t>
+            </a:r>
+          </a:p>
+          <a:p>
+            <a:pPr algn="just"/>
+            <a:endParaRPr lang="fr-FR" sz="2400" dirty="0"/>
+          </a:p>
+          <a:p>
+            <a:pPr algn="just"/>
+            <a:r>
+              <a:rPr lang="fr-FR" sz="2400" b="1" dirty="0"/>
+              <a:t>Des indicateurs mal voir non renseignés</a:t>
+            </a:r>
+          </a:p>
+          <a:p>
+            <a:pPr algn="just"/>
+            <a:r>
+              <a:rPr lang="fr-FR" sz="2400" dirty="0"/>
+              <a:t>	10% pour SE.ADT.1524.LT.ZS : taux d’alphabétisation des 15-24 ans</a:t>
+            </a:r>
+          </a:p>
+          <a:p>
+            <a:pPr algn="just"/>
+            <a:endParaRPr lang="fr-FR" sz="2400" dirty="0"/>
+          </a:p>
+          <a:p>
+            <a:pPr algn="just"/>
+            <a:r>
+              <a:rPr lang="fr-FR" sz="2400" b="1" dirty="0"/>
+              <a:t>Des indicateurs non-pertinents</a:t>
+            </a:r>
+          </a:p>
+          <a:p>
+            <a:pPr algn="just"/>
+            <a:r>
+              <a:rPr lang="fr-FR" sz="2400" dirty="0"/>
+              <a:t>	UIS.THDUR.0 : durée théorique de l’école maternelle</a:t>
+            </a:r>
+          </a:p>
+        </p:txBody>
+      </p:sp>
+      <p:sp>
+        <p:nvSpPr>
+          <p:cNvPr id="9" name="Title 8">
+            <a:extLst>
+              <a:ext uri="{FF2B5EF4-FFF2-40B4-BE49-F238E27FC236}">
+                <a16:creationId xmlns:a16="http://schemas.microsoft.com/office/drawing/2014/main" id="{2940F13F-509A-4C7A-90F6-4CD40AB733AC}"/>
+              </a:ext>
+            </a:extLst>
+          </p:cNvPr>
+          <p:cNvSpPr>
+            <a:spLocks noGrp="1"/>
+          </p:cNvSpPr>
+          <p:nvPr>
+            <p:ph type="title"/>
+          </p:nvPr>
+        </p:nvSpPr>
+        <p:spPr>
+          <a:xfrm>
+            <a:off x="2895600" y="860059"/>
+            <a:ext cx="8610600" cy="924364"/>
+          </a:xfrm>
+        </p:spPr>
+        <p:txBody>
+          <a:bodyPr/>
+          <a:lstStyle/>
+          <a:p>
+            <a:r>
+              <a:rPr lang="fr-FR" dirty="0"/>
+              <a:t>Mais aussi…</a:t>
+            </a:r>
+          </a:p>
+        </p:txBody>
+      </p:sp>
+    </p:spTree>
+    <p:extLst>
+      <p:ext uri="{BB962C8B-B14F-4D97-AF65-F5344CB8AC3E}">
+        <p14:creationId xmlns:p14="http://schemas.microsoft.com/office/powerpoint/2010/main" val="3371075802"/>
+      </p:ext>
+    </p:extLst>
+  </p:cSld>
+  <p:clrMapOvr>
+    <a:masterClrMapping/>
+  </p:clrMapOvr>
+</p:sld>
+</file>
+
+<file path=ppt/slides/slide16.xml><?xml version="1.0" encoding="utf-8"?>
+<p:sld xmlns:a="http://schemas.openxmlformats.org/drawingml/2006/main" xmlns:r="http://schemas.openxmlformats.org/officeDocument/2006/relationships" xmlns:p="http://schemas.openxmlformats.org/presentationml/2006/main">
+  <p:cSld>
+    <p:spTree>
+      <p:nvGrpSpPr>
+        <p:cNvPr id="1" name=""/>
+        <p:cNvGrpSpPr/>
+        <p:nvPr/>
+      </p:nvGrpSpPr>
+      <p:grpSpPr>
+        <a:xfrm>
+          <a:off x="0" y="0"/>
+          <a:ext cx="0" cy="0"/>
+          <a:chOff x="0" y="0"/>
+          <a:chExt cx="0" cy="0"/>
+        </a:xfrm>
+      </p:grpSpPr>
       <p:sp>
         <p:nvSpPr>
           <p:cNvPr id="2" name="Titre 1">
             <a:extLst>
               <a:ext uri="{FF2B5EF4-FFF2-40B4-BE49-F238E27FC236}">
-                <a16:creationId xmlns:a16="http://schemas.microsoft.com/office/drawing/2014/main" id="{964011A4-8F80-4EB8-891E-8BB51852960E}"/>
+                <a16:creationId xmlns:a16="http://schemas.microsoft.com/office/drawing/2014/main" id="{86EA0680-0155-4547-B930-7EB1D5711B4E}"/>
               </a:ext>
             </a:extLst>
           </p:cNvPr>
@@ -7264,31 +8856,29 @@
             <p:ph type="title"/>
           </p:nvPr>
         </p:nvSpPr>
-        <p:spPr/>
+        <p:spPr>
+          <a:xfrm>
+            <a:off x="2895600" y="476953"/>
+            <a:ext cx="8610600" cy="1293028"/>
+          </a:xfrm>
+        </p:spPr>
         <p:txBody>
           <a:bodyPr/>
           <a:lstStyle/>
           <a:p>
             <a:r>
-              <a:rPr lang="fr-FR" b="1" dirty="0"/>
-              <a:t>Partie 3 :</a:t>
-            </a:r>
-            <a:br>
               <a:rPr lang="fr-FR" dirty="0"/>
-            </a:br>
-            <a:r>
-              <a:rPr lang="fr-FR" dirty="0"/>
-              <a:t>QUESTIONS-RÉPONSES</a:t>
-            </a:r>
-          </a:p>
-        </p:txBody>
-      </p:sp>
-      <p:sp>
-        <p:nvSpPr>
-          <p:cNvPr id="3" name="Espace réservé du texte 2">
+              <a:t>DES insuffisances</a:t>
+            </a:r>
+          </a:p>
+        </p:txBody>
+      </p:sp>
+      <p:sp>
+        <p:nvSpPr>
+          <p:cNvPr id="3" name="Espace réservé du contenu 2">
             <a:extLst>
               <a:ext uri="{FF2B5EF4-FFF2-40B4-BE49-F238E27FC236}">
-                <a16:creationId xmlns:a16="http://schemas.microsoft.com/office/drawing/2014/main" id="{8FFAA1DA-ABB7-4B94-BF58-51C2D6C3564F}"/>
+                <a16:creationId xmlns:a16="http://schemas.microsoft.com/office/drawing/2014/main" id="{844B7975-7EF1-4C09-854E-EAD633CFAA50}"/>
               </a:ext>
             </a:extLst>
           </p:cNvPr>
@@ -7296,7 +8886,135 @@
             <a:spLocks noGrp="1"/>
           </p:cNvSpPr>
           <p:nvPr>
-            <p:ph type="body" idx="1"/>
+            <p:ph idx="1"/>
+          </p:nvPr>
+        </p:nvSpPr>
+        <p:spPr>
+          <a:xfrm>
+            <a:off x="685800" y="1500810"/>
+            <a:ext cx="10820400" cy="5017978"/>
+          </a:xfrm>
+        </p:spPr>
+        <p:txBody>
+          <a:bodyPr>
+            <a:normAutofit fontScale="92500" lnSpcReduction="10000"/>
+          </a:bodyPr>
+          <a:lstStyle/>
+          <a:p>
+            <a:pPr marL="0" indent="0" algn="just">
+              <a:buNone/>
+            </a:pPr>
+            <a:r>
+              <a:rPr lang="fr-FR" sz="2600" b="1" dirty="0"/>
+              <a:t>Sur la situation économique</a:t>
+            </a:r>
+          </a:p>
+          <a:p>
+            <a:pPr lvl="1" algn="just"/>
+            <a:r>
+              <a:rPr lang="fr-FR" sz="2200" dirty="0"/>
+              <a:t>Croissance du PIB</a:t>
+            </a:r>
+          </a:p>
+          <a:p>
+            <a:pPr marL="457200" lvl="1" indent="0" algn="just">
+              <a:buNone/>
+            </a:pPr>
+            <a:endParaRPr lang="fr-FR" sz="2600" dirty="0"/>
+          </a:p>
+          <a:p>
+            <a:pPr marL="0" indent="0" algn="just">
+              <a:buNone/>
+            </a:pPr>
+            <a:r>
+              <a:rPr lang="fr-FR" sz="2600" b="1" dirty="0"/>
+              <a:t>Sur l’infrastructure technologique</a:t>
+            </a:r>
+          </a:p>
+          <a:p>
+            <a:pPr lvl="1" algn="just"/>
+            <a:r>
+              <a:rPr lang="fr-FR" sz="2400" dirty="0"/>
+              <a:t>Débit internet</a:t>
+            </a:r>
+          </a:p>
+          <a:p>
+            <a:pPr lvl="1" algn="just"/>
+            <a:r>
+              <a:rPr lang="fr-FR" sz="2400" dirty="0"/>
+              <a:t>Accès à Internet</a:t>
+            </a:r>
+          </a:p>
+          <a:p>
+            <a:pPr lvl="1" algn="just"/>
+            <a:r>
+              <a:rPr lang="fr-FR" sz="2400" dirty="0"/>
+              <a:t>Équipement (tablettes, smartphones…)</a:t>
+            </a:r>
+          </a:p>
+          <a:p>
+            <a:pPr lvl="1" algn="just"/>
+            <a:endParaRPr lang="fr-FR" sz="2600" dirty="0"/>
+          </a:p>
+          <a:p>
+            <a:pPr marL="0" indent="0" algn="just">
+              <a:buNone/>
+            </a:pPr>
+            <a:r>
+              <a:rPr lang="fr-FR" sz="2600" b="1" dirty="0"/>
+              <a:t>Sur la concurrence locale</a:t>
+            </a:r>
+          </a:p>
+          <a:p>
+            <a:pPr lvl="1" algn="just"/>
+            <a:r>
+              <a:rPr lang="fr-FR" sz="2200" dirty="0"/>
+              <a:t>Étude du marché à prévoir</a:t>
+            </a:r>
+          </a:p>
+          <a:p>
+            <a:pPr marL="914400" lvl="2" indent="0" algn="just">
+              <a:buNone/>
+            </a:pPr>
+            <a:endParaRPr lang="fr-FR" sz="2800" dirty="0"/>
+          </a:p>
+          <a:p>
+            <a:pPr marL="0" indent="0" algn="just">
+              <a:buNone/>
+            </a:pPr>
+            <a:r>
+              <a:rPr lang="fr-FR" sz="2600" b="1" dirty="0"/>
+              <a:t>Sur les langues parlées </a:t>
+            </a:r>
+            <a:r>
+              <a:rPr lang="fr-FR" sz="2600" dirty="0"/>
+              <a:t>dans le pays</a:t>
+            </a:r>
+          </a:p>
+          <a:p>
+            <a:pPr lvl="1" algn="just"/>
+            <a:r>
+              <a:rPr lang="fr-FR" sz="2400" dirty="0"/>
+              <a:t>Privilégier les pays francophones ou anglophones</a:t>
+            </a:r>
+            <a:endParaRPr lang="fr-FR" dirty="0"/>
+          </a:p>
+        </p:txBody>
+      </p:sp>
+      <p:sp>
+        <p:nvSpPr>
+          <p:cNvPr id="4" name="Slide Number Placeholder 3">
+            <a:extLst>
+              <a:ext uri="{FF2B5EF4-FFF2-40B4-BE49-F238E27FC236}">
+                <a16:creationId xmlns:a16="http://schemas.microsoft.com/office/drawing/2014/main" id="{35D0EA7D-51AA-44CB-940A-4FC619692D56}"/>
+              </a:ext>
+            </a:extLst>
+          </p:cNvPr>
+          <p:cNvSpPr>
+            <a:spLocks noGrp="1"/>
+          </p:cNvSpPr>
+          <p:nvPr>
+            <p:ph type="sldNum" sz="quarter" idx="12"/>
           </p:nvPr>
         </p:nvSpPr>
         <p:spPr/>
@@ -7304,14 +9022,565 @@
           <a:bodyPr/>
           <a:lstStyle/>
           <a:p>
+            <a:fld id="{22EBEF4F-4056-4A7E-9612-F3E8B502E28B}" type="slidenum">
+              <a:rPr lang="fr-FR" smtClean="0"/>
+              <a:t>16</a:t>
+            </a:fld>
             <a:endParaRPr lang="fr-FR"/>
           </a:p>
         </p:txBody>
       </p:sp>
+      <p:pic>
+        <p:nvPicPr>
+          <p:cNvPr id="5" name="Picture 2" descr="Votre entreprise EdTech">
+            <a:hlinkClick r:id="rId2"/>
+            <a:extLst>
+              <a:ext uri="{FF2B5EF4-FFF2-40B4-BE49-F238E27FC236}">
+                <a16:creationId xmlns:a16="http://schemas.microsoft.com/office/drawing/2014/main" id="{CE8FF84A-56C7-414F-991D-8C6652C85610}"/>
+              </a:ext>
+            </a:extLst>
+          </p:cNvPr>
+          <p:cNvPicPr>
+            <a:picLocks noChangeAspect="1" noChangeArrowheads="1"/>
+          </p:cNvPicPr>
+          <p:nvPr/>
+        </p:nvPicPr>
+        <p:blipFill>
+          <a:blip r:embed="rId3">
+            <a:extLst>
+              <a:ext uri="{28A0092B-C50C-407E-A947-70E740481C1C}">
+                <a14:useLocalDpi xmlns:a14="http://schemas.microsoft.com/office/drawing/2010/main" val="0"/>
+              </a:ext>
+            </a:extLst>
+          </a:blip>
+          <a:srcRect/>
+          <a:stretch>
+            <a:fillRect/>
+          </a:stretch>
+        </p:blipFill>
+        <p:spPr bwMode="auto">
+          <a:xfrm>
+            <a:off x="9243906" y="5058360"/>
+            <a:ext cx="2948094" cy="1799640"/>
+          </a:xfrm>
+          <a:prstGeom prst="rect">
+            <a:avLst/>
+          </a:prstGeom>
+          <a:noFill/>
+          <a:extLst>
+            <a:ext uri="{909E8E84-426E-40DD-AFC4-6F175D3DCCD1}">
+              <a14:hiddenFill xmlns:a14="http://schemas.microsoft.com/office/drawing/2010/main">
+                <a:solidFill>
+                  <a:srgbClr val="FFFFFF"/>
+                </a:solidFill>
+              </a14:hiddenFill>
+            </a:ext>
+          </a:extLst>
+        </p:spPr>
+      </p:pic>
     </p:spTree>
     <p:extLst>
       <p:ext uri="{BB962C8B-B14F-4D97-AF65-F5344CB8AC3E}">
-        <p14:creationId xmlns:p14="http://schemas.microsoft.com/office/powerpoint/2010/main" val="3375476623"/>
+        <p14:creationId xmlns:p14="http://schemas.microsoft.com/office/powerpoint/2010/main" val="3315547483"/>
+      </p:ext>
+    </p:extLst>
+  </p:cSld>
+  <p:clrMapOvr>
+    <a:masterClrMapping/>
+  </p:clrMapOvr>
+</p:sld>
+</file>
+
+<file path=ppt/slides/slide17.xml><?xml version="1.0" encoding="utf-8"?>
+<p:sld xmlns:a="http://schemas.openxmlformats.org/drawingml/2006/main" xmlns:r="http://schemas.openxmlformats.org/officeDocument/2006/relationships" xmlns:p="http://schemas.openxmlformats.org/presentationml/2006/main">
+  <p:cSld>
+    <p:spTree>
+      <p:nvGrpSpPr>
+        <p:cNvPr id="1" name=""/>
+        <p:cNvGrpSpPr/>
+        <p:nvPr/>
+      </p:nvGrpSpPr>
+      <p:grpSpPr>
+        <a:xfrm>
+          <a:off x="0" y="0"/>
+          <a:ext cx="0" cy="0"/>
+          <a:chOff x="0" y="0"/>
+          <a:chExt cx="0" cy="0"/>
+        </a:xfrm>
+      </p:grpSpPr>
+      <p:sp>
+        <p:nvSpPr>
+          <p:cNvPr id="2" name="Title 1">
+            <a:extLst>
+              <a:ext uri="{FF2B5EF4-FFF2-40B4-BE49-F238E27FC236}">
+                <a16:creationId xmlns:a16="http://schemas.microsoft.com/office/drawing/2014/main" id="{DDDCC25E-C993-44DD-B3E9-6C0FB6947567}"/>
+              </a:ext>
+            </a:extLst>
+          </p:cNvPr>
+          <p:cNvSpPr>
+            <a:spLocks noGrp="1"/>
+          </p:cNvSpPr>
+          <p:nvPr>
+            <p:ph type="title"/>
+          </p:nvPr>
+        </p:nvSpPr>
+        <p:spPr/>
+        <p:txBody>
+          <a:bodyPr/>
+          <a:lstStyle/>
+          <a:p>
+            <a:r>
+              <a:rPr lang="en-GB" b="1" dirty="0"/>
+              <a:t>CONCLUSION</a:t>
+            </a:r>
+          </a:p>
+        </p:txBody>
+      </p:sp>
+      <p:sp>
+        <p:nvSpPr>
+          <p:cNvPr id="3" name="Content Placeholder 2">
+            <a:extLst>
+              <a:ext uri="{FF2B5EF4-FFF2-40B4-BE49-F238E27FC236}">
+                <a16:creationId xmlns:a16="http://schemas.microsoft.com/office/drawing/2014/main" id="{F0D9E0D4-5008-48AA-882B-41F7EC2F4AAB}"/>
+              </a:ext>
+            </a:extLst>
+          </p:cNvPr>
+          <p:cNvSpPr>
+            <a:spLocks noGrp="1"/>
+          </p:cNvSpPr>
+          <p:nvPr>
+            <p:ph idx="1"/>
+          </p:nvPr>
+        </p:nvSpPr>
+        <p:spPr>
+          <a:xfrm>
+            <a:off x="547969" y="2769715"/>
+            <a:ext cx="11644031" cy="2030885"/>
+          </a:xfrm>
+        </p:spPr>
+        <p:txBody>
+          <a:bodyPr>
+            <a:normAutofit/>
+          </a:bodyPr>
+          <a:lstStyle/>
+          <a:p>
+            <a:pPr marL="0" indent="0" algn="just">
+              <a:buNone/>
+            </a:pPr>
+            <a:r>
+              <a:rPr lang="fr-FR" sz="2800" dirty="0"/>
+              <a:t>Un jeu de données pouvant informer partiellement le projet…</a:t>
+            </a:r>
+          </a:p>
+          <a:p>
+            <a:pPr marL="0" indent="0" algn="just">
+              <a:buNone/>
+            </a:pPr>
+            <a:endParaRPr lang="fr-FR" sz="2800" dirty="0"/>
+          </a:p>
+          <a:p>
+            <a:pPr marL="0" indent="0" algn="just">
+              <a:buNone/>
+            </a:pPr>
+            <a:r>
+              <a:rPr lang="fr-FR" sz="2800" dirty="0"/>
+              <a:t>	… mais nécessitant d’être complété avec d’autres sources.</a:t>
+            </a:r>
+          </a:p>
+        </p:txBody>
+      </p:sp>
+      <p:sp>
+        <p:nvSpPr>
+          <p:cNvPr id="4" name="Slide Number Placeholder 3">
+            <a:extLst>
+              <a:ext uri="{FF2B5EF4-FFF2-40B4-BE49-F238E27FC236}">
+                <a16:creationId xmlns:a16="http://schemas.microsoft.com/office/drawing/2014/main" id="{D8AD0544-AE18-427F-B269-8C76FA225DA7}"/>
+              </a:ext>
+            </a:extLst>
+          </p:cNvPr>
+          <p:cNvSpPr>
+            <a:spLocks noGrp="1"/>
+          </p:cNvSpPr>
+          <p:nvPr>
+            <p:ph type="sldNum" sz="quarter" idx="12"/>
+          </p:nvPr>
+        </p:nvSpPr>
+        <p:spPr/>
+        <p:txBody>
+          <a:bodyPr/>
+          <a:lstStyle/>
+          <a:p>
+            <a:fld id="{22EBEF4F-4056-4A7E-9612-F3E8B502E28B}" type="slidenum">
+              <a:rPr lang="fr-FR" smtClean="0"/>
+              <a:t>17</a:t>
+            </a:fld>
+            <a:endParaRPr lang="fr-FR"/>
+          </a:p>
+        </p:txBody>
+      </p:sp>
+      <p:pic>
+        <p:nvPicPr>
+          <p:cNvPr id="5" name="Picture 2" descr="Votre entreprise EdTech">
+            <a:hlinkClick r:id="rId2"/>
+            <a:extLst>
+              <a:ext uri="{FF2B5EF4-FFF2-40B4-BE49-F238E27FC236}">
+                <a16:creationId xmlns:a16="http://schemas.microsoft.com/office/drawing/2014/main" id="{FFB391D1-43A8-4D17-9601-D6A86E343955}"/>
+              </a:ext>
+            </a:extLst>
+          </p:cNvPr>
+          <p:cNvPicPr>
+            <a:picLocks noChangeAspect="1" noChangeArrowheads="1"/>
+          </p:cNvPicPr>
+          <p:nvPr/>
+        </p:nvPicPr>
+        <p:blipFill>
+          <a:blip r:embed="rId3">
+            <a:extLst>
+              <a:ext uri="{28A0092B-C50C-407E-A947-70E740481C1C}">
+                <a14:useLocalDpi xmlns:a14="http://schemas.microsoft.com/office/drawing/2010/main" val="0"/>
+              </a:ext>
+            </a:extLst>
+          </a:blip>
+          <a:srcRect/>
+          <a:stretch>
+            <a:fillRect/>
+          </a:stretch>
+        </p:blipFill>
+        <p:spPr bwMode="auto">
+          <a:xfrm>
+            <a:off x="9243906" y="5058360"/>
+            <a:ext cx="2948094" cy="1799640"/>
+          </a:xfrm>
+          <a:prstGeom prst="rect">
+            <a:avLst/>
+          </a:prstGeom>
+          <a:noFill/>
+          <a:extLst>
+            <a:ext uri="{909E8E84-426E-40DD-AFC4-6F175D3DCCD1}">
+              <a14:hiddenFill xmlns:a14="http://schemas.microsoft.com/office/drawing/2010/main">
+                <a:solidFill>
+                  <a:srgbClr val="FFFFFF"/>
+                </a:solidFill>
+              </a14:hiddenFill>
+            </a:ext>
+          </a:extLst>
+        </p:spPr>
+      </p:pic>
+    </p:spTree>
+    <p:extLst>
+      <p:ext uri="{BB962C8B-B14F-4D97-AF65-F5344CB8AC3E}">
+        <p14:creationId xmlns:p14="http://schemas.microsoft.com/office/powerpoint/2010/main" val="4089539970"/>
+      </p:ext>
+    </p:extLst>
+  </p:cSld>
+  <p:clrMapOvr>
+    <a:masterClrMapping/>
+  </p:clrMapOvr>
+</p:sld>
+</file>
+
+<file path=ppt/slides/slide18.xml><?xml version="1.0" encoding="utf-8"?>
+<p:sld xmlns:a="http://schemas.openxmlformats.org/drawingml/2006/main" xmlns:r="http://schemas.openxmlformats.org/officeDocument/2006/relationships" xmlns:p="http://schemas.openxmlformats.org/presentationml/2006/main">
+  <p:cSld>
+    <p:spTree>
+      <p:nvGrpSpPr>
+        <p:cNvPr id="1" name=""/>
+        <p:cNvGrpSpPr/>
+        <p:nvPr/>
+      </p:nvGrpSpPr>
+      <p:grpSpPr>
+        <a:xfrm>
+          <a:off x="0" y="0"/>
+          <a:ext cx="0" cy="0"/>
+          <a:chOff x="0" y="0"/>
+          <a:chExt cx="0" cy="0"/>
+        </a:xfrm>
+      </p:grpSpPr>
+      <p:sp>
+        <p:nvSpPr>
+          <p:cNvPr id="2" name="Title 1">
+            <a:extLst>
+              <a:ext uri="{FF2B5EF4-FFF2-40B4-BE49-F238E27FC236}">
+                <a16:creationId xmlns:a16="http://schemas.microsoft.com/office/drawing/2014/main" id="{FC780402-C2D7-4C61-8CC1-089D3FA72D7B}"/>
+              </a:ext>
+            </a:extLst>
+          </p:cNvPr>
+          <p:cNvSpPr>
+            <a:spLocks noGrp="1"/>
+          </p:cNvSpPr>
+          <p:nvPr>
+            <p:ph type="title"/>
+          </p:nvPr>
+        </p:nvSpPr>
+        <p:spPr>
+          <a:xfrm>
+            <a:off x="685800" y="1806786"/>
+            <a:ext cx="10820400" cy="999067"/>
+          </a:xfrm>
+        </p:spPr>
+        <p:txBody>
+          <a:bodyPr/>
+          <a:lstStyle/>
+          <a:p>
+            <a:r>
+              <a:rPr lang="fr-FR" b="1" dirty="0"/>
+              <a:t>Partie 3</a:t>
+            </a:r>
+            <a:endParaRPr lang="fr-FR" dirty="0"/>
+          </a:p>
+        </p:txBody>
+      </p:sp>
+      <p:sp>
+        <p:nvSpPr>
+          <p:cNvPr id="3" name="Text Placeholder 2">
+            <a:extLst>
+              <a:ext uri="{FF2B5EF4-FFF2-40B4-BE49-F238E27FC236}">
+                <a16:creationId xmlns:a16="http://schemas.microsoft.com/office/drawing/2014/main" id="{A4042BCA-15C5-4E3E-B85C-92B63F6CDDAC}"/>
+              </a:ext>
+            </a:extLst>
+          </p:cNvPr>
+          <p:cNvSpPr>
+            <a:spLocks noGrp="1"/>
+          </p:cNvSpPr>
+          <p:nvPr>
+            <p:ph type="body" sz="half" idx="2"/>
+          </p:nvPr>
+        </p:nvSpPr>
+        <p:spPr>
+          <a:xfrm>
+            <a:off x="685800" y="2866813"/>
+            <a:ext cx="10130516" cy="999067"/>
+          </a:xfrm>
+        </p:spPr>
+        <p:txBody>
+          <a:bodyPr>
+            <a:normAutofit/>
+          </a:bodyPr>
+          <a:lstStyle/>
+          <a:p>
+            <a:r>
+              <a:rPr lang="fr-FR" sz="2800" cap="small" dirty="0"/>
+              <a:t>Questions-Réponses</a:t>
+            </a:r>
+          </a:p>
+        </p:txBody>
+      </p:sp>
+      <p:sp>
+        <p:nvSpPr>
+          <p:cNvPr id="4" name="Slide Number Placeholder 3">
+            <a:extLst>
+              <a:ext uri="{FF2B5EF4-FFF2-40B4-BE49-F238E27FC236}">
+                <a16:creationId xmlns:a16="http://schemas.microsoft.com/office/drawing/2014/main" id="{E9627830-8A66-4CDE-8564-AB58AC5A13FB}"/>
+              </a:ext>
+            </a:extLst>
+          </p:cNvPr>
+          <p:cNvSpPr>
+            <a:spLocks noGrp="1"/>
+          </p:cNvSpPr>
+          <p:nvPr>
+            <p:ph type="sldNum" sz="quarter" idx="12"/>
+          </p:nvPr>
+        </p:nvSpPr>
+        <p:spPr/>
+        <p:txBody>
+          <a:bodyPr/>
+          <a:lstStyle/>
+          <a:p>
+            <a:fld id="{22EBEF4F-4056-4A7E-9612-F3E8B502E28B}" type="slidenum">
+              <a:rPr lang="fr-FR" smtClean="0"/>
+              <a:t>18</a:t>
+            </a:fld>
+            <a:endParaRPr lang="fr-FR"/>
+          </a:p>
+        </p:txBody>
+      </p:sp>
+      <p:pic>
+        <p:nvPicPr>
+          <p:cNvPr id="5" name="Picture 2" descr="Votre entreprise EdTech">
+            <a:hlinkClick r:id="rId2"/>
+            <a:extLst>
+              <a:ext uri="{FF2B5EF4-FFF2-40B4-BE49-F238E27FC236}">
+                <a16:creationId xmlns:a16="http://schemas.microsoft.com/office/drawing/2014/main" id="{E04F61D8-9E1D-4198-8DC1-EE8CCC6D4159}"/>
+              </a:ext>
+            </a:extLst>
+          </p:cNvPr>
+          <p:cNvPicPr>
+            <a:picLocks noChangeAspect="1" noChangeArrowheads="1"/>
+          </p:cNvPicPr>
+          <p:nvPr/>
+        </p:nvPicPr>
+        <p:blipFill>
+          <a:blip r:embed="rId3">
+            <a:extLst>
+              <a:ext uri="{28A0092B-C50C-407E-A947-70E740481C1C}">
+                <a14:useLocalDpi xmlns:a14="http://schemas.microsoft.com/office/drawing/2010/main" val="0"/>
+              </a:ext>
+            </a:extLst>
+          </a:blip>
+          <a:srcRect/>
+          <a:stretch>
+            <a:fillRect/>
+          </a:stretch>
+        </p:blipFill>
+        <p:spPr bwMode="auto">
+          <a:xfrm>
+            <a:off x="9243906" y="7146"/>
+            <a:ext cx="2948094" cy="1799640"/>
+          </a:xfrm>
+          <a:prstGeom prst="rect">
+            <a:avLst/>
+          </a:prstGeom>
+          <a:noFill/>
+          <a:extLst>
+            <a:ext uri="{909E8E84-426E-40DD-AFC4-6F175D3DCCD1}">
+              <a14:hiddenFill xmlns:a14="http://schemas.microsoft.com/office/drawing/2010/main">
+                <a:solidFill>
+                  <a:srgbClr val="FFFFFF"/>
+                </a:solidFill>
+              </a14:hiddenFill>
+            </a:ext>
+          </a:extLst>
+        </p:spPr>
+      </p:pic>
+    </p:spTree>
+    <p:extLst>
+      <p:ext uri="{BB962C8B-B14F-4D97-AF65-F5344CB8AC3E}">
+        <p14:creationId xmlns:p14="http://schemas.microsoft.com/office/powerpoint/2010/main" val="1896550615"/>
+      </p:ext>
+    </p:extLst>
+  </p:cSld>
+  <p:clrMapOvr>
+    <a:masterClrMapping/>
+  </p:clrMapOvr>
+</p:sld>
+</file>
+
+<file path=ppt/slides/slide19.xml><?xml version="1.0" encoding="utf-8"?>
+<p:sld xmlns:a="http://schemas.openxmlformats.org/drawingml/2006/main" xmlns:r="http://schemas.openxmlformats.org/officeDocument/2006/relationships" xmlns:p="http://schemas.openxmlformats.org/presentationml/2006/main">
+  <p:cSld>
+    <p:spTree>
+      <p:nvGrpSpPr>
+        <p:cNvPr id="1" name=""/>
+        <p:cNvGrpSpPr/>
+        <p:nvPr/>
+      </p:nvGrpSpPr>
+      <p:grpSpPr>
+        <a:xfrm>
+          <a:off x="0" y="0"/>
+          <a:ext cx="0" cy="0"/>
+          <a:chOff x="0" y="0"/>
+          <a:chExt cx="0" cy="0"/>
+        </a:xfrm>
+      </p:grpSpPr>
+      <p:sp>
+        <p:nvSpPr>
+          <p:cNvPr id="2" name="Title 1">
+            <a:extLst>
+              <a:ext uri="{FF2B5EF4-FFF2-40B4-BE49-F238E27FC236}">
+                <a16:creationId xmlns:a16="http://schemas.microsoft.com/office/drawing/2014/main" id="{FA44BE58-2168-473C-B291-2AD6719F7F65}"/>
+              </a:ext>
+            </a:extLst>
+          </p:cNvPr>
+          <p:cNvSpPr>
+            <a:spLocks noGrp="1"/>
+          </p:cNvSpPr>
+          <p:nvPr>
+            <p:ph type="title"/>
+          </p:nvPr>
+        </p:nvSpPr>
+        <p:spPr/>
+        <p:txBody>
+          <a:bodyPr/>
+          <a:lstStyle/>
+          <a:p>
+            <a:r>
+              <a:rPr lang="en-GB" dirty="0"/>
+              <a:t>MERCI DE VOTRE ATTENTION</a:t>
+            </a:r>
+          </a:p>
+        </p:txBody>
+      </p:sp>
+      <p:sp>
+        <p:nvSpPr>
+          <p:cNvPr id="4" name="Slide Number Placeholder 3">
+            <a:extLst>
+              <a:ext uri="{FF2B5EF4-FFF2-40B4-BE49-F238E27FC236}">
+                <a16:creationId xmlns:a16="http://schemas.microsoft.com/office/drawing/2014/main" id="{F18D4CBE-9ECE-4A81-AA55-0ACFCF7B8E8F}"/>
+              </a:ext>
+            </a:extLst>
+          </p:cNvPr>
+          <p:cNvSpPr>
+            <a:spLocks noGrp="1"/>
+          </p:cNvSpPr>
+          <p:nvPr>
+            <p:ph type="sldNum" sz="quarter" idx="12"/>
+          </p:nvPr>
+        </p:nvSpPr>
+        <p:spPr/>
+        <p:txBody>
+          <a:bodyPr/>
+          <a:lstStyle/>
+          <a:p>
+            <a:fld id="{22EBEF4F-4056-4A7E-9612-F3E8B502E28B}" type="slidenum">
+              <a:rPr lang="fr-FR" smtClean="0"/>
+              <a:t>19</a:t>
+            </a:fld>
+            <a:endParaRPr lang="fr-FR"/>
+          </a:p>
+        </p:txBody>
+      </p:sp>
+      <p:pic>
+        <p:nvPicPr>
+          <p:cNvPr id="5" name="Picture 2" descr="Votre entreprise EdTech">
+            <a:hlinkClick r:id="rId2"/>
+            <a:extLst>
+              <a:ext uri="{FF2B5EF4-FFF2-40B4-BE49-F238E27FC236}">
+                <a16:creationId xmlns:a16="http://schemas.microsoft.com/office/drawing/2014/main" id="{BA427ED7-A51F-40B1-B139-17063858B41A}"/>
+              </a:ext>
+            </a:extLst>
+          </p:cNvPr>
+          <p:cNvPicPr>
+            <a:picLocks noChangeAspect="1" noChangeArrowheads="1"/>
+          </p:cNvPicPr>
+          <p:nvPr/>
+        </p:nvPicPr>
+        <p:blipFill>
+          <a:blip r:embed="rId3">
+            <a:extLst>
+              <a:ext uri="{28A0092B-C50C-407E-A947-70E740481C1C}">
+                <a14:useLocalDpi xmlns:a14="http://schemas.microsoft.com/office/drawing/2010/main" val="0"/>
+              </a:ext>
+            </a:extLst>
+          </a:blip>
+          <a:srcRect/>
+          <a:stretch>
+            <a:fillRect/>
+          </a:stretch>
+        </p:blipFill>
+        <p:spPr bwMode="auto">
+          <a:xfrm>
+            <a:off x="9243906" y="7146"/>
+            <a:ext cx="2948094" cy="1799640"/>
+          </a:xfrm>
+          <a:prstGeom prst="rect">
+            <a:avLst/>
+          </a:prstGeom>
+          <a:noFill/>
+          <a:extLst>
+            <a:ext uri="{909E8E84-426E-40DD-AFC4-6F175D3DCCD1}">
+              <a14:hiddenFill xmlns:a14="http://schemas.microsoft.com/office/drawing/2010/main">
+                <a:solidFill>
+                  <a:srgbClr val="FFFFFF"/>
+                </a:solidFill>
+              </a14:hiddenFill>
+            </a:ext>
+          </a:extLst>
+        </p:spPr>
+      </p:pic>
+    </p:spTree>
+    <p:extLst>
+      <p:ext uri="{BB962C8B-B14F-4D97-AF65-F5344CB8AC3E}">
+        <p14:creationId xmlns:p14="http://schemas.microsoft.com/office/powerpoint/2010/main" val="3559895393"/>
       </p:ext>
     </p:extLst>
   </p:cSld>
@@ -7340,10 +9609,10 @@
       </p:grpSpPr>
       <p:sp>
         <p:nvSpPr>
-          <p:cNvPr id="2" name="Titre 1">
+          <p:cNvPr id="2" name="Title 1">
             <a:extLst>
               <a:ext uri="{FF2B5EF4-FFF2-40B4-BE49-F238E27FC236}">
-                <a16:creationId xmlns:a16="http://schemas.microsoft.com/office/drawing/2014/main" id="{5C9D7F57-BB6B-47B6-9F61-CC67E6CC5B5B}"/>
+                <a16:creationId xmlns:a16="http://schemas.microsoft.com/office/drawing/2014/main" id="{7B7EA9C7-DDEC-4D72-B686-5493C6ED0B8F}"/>
               </a:ext>
             </a:extLst>
           </p:cNvPr>
@@ -7351,99 +9620,153 @@
             <a:spLocks noGrp="1"/>
           </p:cNvSpPr>
           <p:nvPr>
-            <p:ph type="title"/>
-          </p:nvPr>
-        </p:nvSpPr>
-        <p:spPr>
-          <a:xfrm>
-            <a:off x="2895600" y="764372"/>
-            <a:ext cx="8610600" cy="1430187"/>
-          </a:xfrm>
-        </p:spPr>
-        <p:txBody>
-          <a:bodyPr/>
+            <p:ph type="ctrTitle"/>
+          </p:nvPr>
+        </p:nvSpPr>
+        <p:spPr>
+          <a:xfrm>
+            <a:off x="2948094" y="2271753"/>
+            <a:ext cx="8351520" cy="1466205"/>
+          </a:xfrm>
+        </p:spPr>
+        <p:txBody>
+          <a:bodyPr>
+            <a:normAutofit/>
+          </a:bodyPr>
           <a:lstStyle/>
           <a:p>
             <a:r>
-              <a:rPr lang="fr-FR" b="1" dirty="0"/>
-              <a:t>Modalités de la soutenance</a:t>
-            </a:r>
-          </a:p>
-        </p:txBody>
-      </p:sp>
-      <p:sp>
-        <p:nvSpPr>
-          <p:cNvPr id="3" name="Espace réservé du contenu 2">
+              <a:rPr lang="en-GB" sz="3200" cap="small" dirty="0"/>
+              <a:t>Analyse </a:t>
+            </a:r>
+            <a:r>
+              <a:rPr lang="fr-FR" sz="3200" cap="small" dirty="0"/>
+              <a:t>exploratoire</a:t>
+            </a:r>
+            <a:r>
+              <a:rPr lang="en-GB" sz="3200" cap="small" dirty="0"/>
+              <a:t> pour le </a:t>
+            </a:r>
+            <a:r>
+              <a:rPr lang="fr-FR" sz="3200" cap="small" dirty="0"/>
+              <a:t>projet :</a:t>
+            </a:r>
+            <a:br>
+              <a:rPr lang="en-GB" sz="4400" cap="small" dirty="0"/>
+            </a:br>
+            <a:r>
+              <a:rPr lang="fr-FR" sz="4400" b="1" cap="small" dirty="0"/>
+              <a:t>Expansion</a:t>
+            </a:r>
+            <a:r>
+              <a:rPr lang="en-GB" sz="4400" b="1" cap="small" dirty="0"/>
+              <a:t> a </a:t>
+            </a:r>
+            <a:r>
+              <a:rPr lang="en-GB" sz="4400" b="1" cap="small" dirty="0" err="1"/>
+              <a:t>l’international</a:t>
+            </a:r>
+            <a:endParaRPr lang="en-GB" sz="4400" b="1" cap="small" dirty="0"/>
+          </a:p>
+        </p:txBody>
+      </p:sp>
+      <p:pic>
+        <p:nvPicPr>
+          <p:cNvPr id="4" name="Picture 2" descr="Votre entreprise EdTech">
+            <a:hlinkClick r:id="rId2"/>
             <a:extLst>
               <a:ext uri="{FF2B5EF4-FFF2-40B4-BE49-F238E27FC236}">
-                <a16:creationId xmlns:a16="http://schemas.microsoft.com/office/drawing/2014/main" id="{65C25AD1-BD09-42CD-AAA1-A13586FB9A0B}"/>
+                <a16:creationId xmlns:a16="http://schemas.microsoft.com/office/drawing/2014/main" id="{00FB3D81-A833-41D4-94E8-10FE0C570067}"/>
               </a:ext>
             </a:extLst>
           </p:cNvPr>
-          <p:cNvSpPr>
-            <a:spLocks noGrp="1"/>
-          </p:cNvSpPr>
-          <p:nvPr>
-            <p:ph idx="1"/>
-          </p:nvPr>
-        </p:nvSpPr>
-        <p:spPr>
-          <a:xfrm>
-            <a:off x="685800" y="2194561"/>
-            <a:ext cx="10820400" cy="3755666"/>
-          </a:xfrm>
-        </p:spPr>
-        <p:txBody>
-          <a:bodyPr/>
+          <p:cNvPicPr>
+            <a:picLocks noChangeAspect="1" noChangeArrowheads="1"/>
+          </p:cNvPicPr>
+          <p:nvPr/>
+        </p:nvPicPr>
+        <p:blipFill>
+          <a:blip r:embed="rId3">
+            <a:extLst>
+              <a:ext uri="{28A0092B-C50C-407E-A947-70E740481C1C}">
+                <a14:useLocalDpi xmlns:a14="http://schemas.microsoft.com/office/drawing/2010/main" val="0"/>
+              </a:ext>
+            </a:extLst>
+          </a:blip>
+          <a:srcRect/>
+          <a:stretch>
+            <a:fillRect/>
+          </a:stretch>
+        </p:blipFill>
+        <p:spPr bwMode="auto">
+          <a:xfrm>
+            <a:off x="0" y="2105036"/>
+            <a:ext cx="2948094" cy="1799640"/>
+          </a:xfrm>
+          <a:prstGeom prst="rect">
+            <a:avLst/>
+          </a:prstGeom>
+          <a:noFill/>
+          <a:extLst>
+            <a:ext uri="{909E8E84-426E-40DD-AFC4-6F175D3DCCD1}">
+              <a14:hiddenFill xmlns:a14="http://schemas.microsoft.com/office/drawing/2010/main">
+                <a:solidFill>
+                  <a:srgbClr val="FFFFFF"/>
+                </a:solidFill>
+              </a14:hiddenFill>
+            </a:ext>
+          </a:extLst>
+        </p:spPr>
+      </p:pic>
+      <p:sp>
+        <p:nvSpPr>
+          <p:cNvPr id="6" name="TextBox 5">
+            <a:extLst>
+              <a:ext uri="{FF2B5EF4-FFF2-40B4-BE49-F238E27FC236}">
+                <a16:creationId xmlns:a16="http://schemas.microsoft.com/office/drawing/2014/main" id="{618FBD8B-90F8-4CDF-93E1-CF543D0FBCA7}"/>
+              </a:ext>
+            </a:extLst>
+          </p:cNvPr>
+          <p:cNvSpPr txBox="1"/>
+          <p:nvPr/>
+        </p:nvSpPr>
+        <p:spPr>
+          <a:xfrm>
+            <a:off x="9631680" y="6396335"/>
+            <a:ext cx="2560320" cy="461665"/>
+          </a:xfrm>
+          <a:prstGeom prst="rect">
+            <a:avLst/>
+          </a:prstGeom>
+          <a:noFill/>
+        </p:spPr>
+        <p:txBody>
+          <a:bodyPr wrap="square" rtlCol="0">
+            <a:spAutoFit/>
+          </a:bodyPr>
           <a:lstStyle/>
           <a:p>
-            <a:endParaRPr lang="fr-FR" dirty="0"/>
-          </a:p>
-          <a:p>
-            <a:r>
-              <a:rPr lang="fr-FR" b="1" dirty="0"/>
-              <a:t>5 min </a:t>
-            </a:r>
-            <a:r>
-              <a:rPr lang="fr-FR" dirty="0"/>
-              <a:t>- Rappel de la problématique et présentation du jeu de données</a:t>
-            </a:r>
-          </a:p>
-          <a:p>
-            <a:endParaRPr lang="fr-FR" dirty="0"/>
-          </a:p>
-          <a:p>
-            <a:r>
-              <a:rPr lang="fr-FR" b="1" dirty="0"/>
-              <a:t>15 min </a:t>
-            </a:r>
-            <a:r>
-              <a:rPr lang="fr-FR" dirty="0"/>
-              <a:t>- Présentation de l’analyse pré-exploratoire du jeu de données et vos conclusions sur la pertinence de l’usage du jeu de données pour répondre aux questions stratégiques que se pose l’entreprise</a:t>
-            </a:r>
-          </a:p>
-          <a:p>
-            <a:pPr marL="0" indent="0">
-              <a:buNone/>
-            </a:pPr>
-            <a:endParaRPr lang="fr-FR" dirty="0"/>
-          </a:p>
-          <a:p>
-            <a:r>
-              <a:rPr lang="fr-FR" b="1" dirty="0"/>
-              <a:t>5 à 10 minutes </a:t>
-            </a:r>
-            <a:r>
-              <a:rPr lang="fr-FR" dirty="0"/>
-              <a:t>de questions-réponses</a:t>
-            </a:r>
+            <a:pPr algn="r"/>
+            <a:r>
+              <a:rPr lang="en-GB" sz="2400" b="1" dirty="0"/>
+              <a:t>01 </a:t>
+            </a:r>
+            <a:r>
+              <a:rPr lang="en-GB" sz="2400" b="1" dirty="0" err="1"/>
+              <a:t>juillet</a:t>
+            </a:r>
+            <a:r>
+              <a:rPr lang="en-GB" sz="2400" b="1" dirty="0"/>
+              <a:t> 2019</a:t>
+            </a:r>
+            <a:endParaRPr lang="en-GB" b="1" dirty="0"/>
           </a:p>
         </p:txBody>
       </p:sp>
     </p:spTree>
     <p:extLst>
       <p:ext uri="{BB962C8B-B14F-4D97-AF65-F5344CB8AC3E}">
-        <p14:creationId xmlns:p14="http://schemas.microsoft.com/office/powerpoint/2010/main" val="3717453423"/>
+        <p14:creationId xmlns:p14="http://schemas.microsoft.com/office/powerpoint/2010/main" val="2923404891"/>
       </p:ext>
     </p:extLst>
   </p:cSld>
@@ -7475,7 +9798,7 @@
           <p:cNvPr id="2" name="Titre 1">
             <a:extLst>
               <a:ext uri="{FF2B5EF4-FFF2-40B4-BE49-F238E27FC236}">
-                <a16:creationId xmlns:a16="http://schemas.microsoft.com/office/drawing/2014/main" id="{96885828-B058-4F14-80D3-515FB1B2EA26}"/>
+                <a16:creationId xmlns:a16="http://schemas.microsoft.com/office/drawing/2014/main" id="{5C9D7F57-BB6B-47B6-9F61-CC67E6CC5B5B}"/>
               </a:ext>
             </a:extLst>
           </p:cNvPr>
@@ -7486,31 +9809,29 @@
             <p:ph type="title"/>
           </p:nvPr>
         </p:nvSpPr>
-        <p:spPr/>
+        <p:spPr>
+          <a:xfrm>
+            <a:off x="2895600" y="764372"/>
+            <a:ext cx="8610600" cy="1430187"/>
+          </a:xfrm>
+        </p:spPr>
         <p:txBody>
           <a:bodyPr/>
           <a:lstStyle/>
           <a:p>
             <a:r>
               <a:rPr lang="fr-FR" b="1" dirty="0"/>
-              <a:t>Partie 1:</a:t>
-            </a:r>
-            <a:br>
-              <a:rPr lang="fr-FR" b="1" dirty="0"/>
-            </a:br>
-            <a:r>
-              <a:rPr lang="fr-FR" dirty="0"/>
-              <a:t>Rappel de la problématique </a:t>
-            </a:r>
-          </a:p>
-        </p:txBody>
-      </p:sp>
-      <p:sp>
-        <p:nvSpPr>
-          <p:cNvPr id="3" name="Espace réservé du texte 2">
+              <a:t>Plan de la présentation</a:t>
+            </a:r>
+          </a:p>
+        </p:txBody>
+      </p:sp>
+      <p:sp>
+        <p:nvSpPr>
+          <p:cNvPr id="3" name="Espace réservé du contenu 2">
             <a:extLst>
               <a:ext uri="{FF2B5EF4-FFF2-40B4-BE49-F238E27FC236}">
-                <a16:creationId xmlns:a16="http://schemas.microsoft.com/office/drawing/2014/main" id="{C1CD7A5C-6044-4F77-841E-E28AF461363D}"/>
+                <a16:creationId xmlns:a16="http://schemas.microsoft.com/office/drawing/2014/main" id="{65C25AD1-BD09-42CD-AAA1-A13586FB9A0B}"/>
               </a:ext>
             </a:extLst>
           </p:cNvPr>
@@ -7518,63 +9839,116 @@
             <a:spLocks noGrp="1"/>
           </p:cNvSpPr>
           <p:nvPr>
-            <p:ph type="body" idx="1"/>
-          </p:nvPr>
-        </p:nvSpPr>
-        <p:spPr/>
-        <p:txBody>
-          <a:bodyPr/>
+            <p:ph idx="1"/>
+          </p:nvPr>
+        </p:nvSpPr>
+        <p:spPr>
+          <a:xfrm>
+            <a:off x="685800" y="1999747"/>
+            <a:ext cx="10820400" cy="4867526"/>
+          </a:xfrm>
+        </p:spPr>
+        <p:txBody>
+          <a:bodyPr>
+            <a:normAutofit/>
+          </a:bodyPr>
           <a:lstStyle/>
           <a:p>
-            <a:r>
-              <a:rPr lang="fr-FR" dirty="0">
-                <a:hlinkClick r:id="rId2"/>
-              </a:rPr>
-              <a:t>https://openclassrooms.com/fr/projects/627/assignment</a:t>
-            </a:r>
-            <a:br>
+            <a:pPr marL="0" indent="0">
+              <a:buNone/>
+            </a:pPr>
+            <a:r>
+              <a:rPr lang="fr-FR" b="1" cap="small" dirty="0"/>
+              <a:t>Partie 1 </a:t>
+            </a:r>
+            <a:r>
+              <a:rPr lang="fr-FR" cap="small" dirty="0"/>
+              <a:t>(5 min)</a:t>
+            </a:r>
+          </a:p>
+          <a:p>
+            <a:pPr marL="0" indent="0">
+              <a:buNone/>
+            </a:pPr>
+            <a:r>
               <a:rPr lang="fr-FR" dirty="0"/>
-            </a:br>
+              <a:t>Rappel de la problématique</a:t>
+            </a:r>
+          </a:p>
+          <a:p>
+            <a:pPr marL="0" indent="0">
+              <a:buNone/>
+            </a:pPr>
+            <a:r>
+              <a:rPr lang="fr-FR" dirty="0"/>
+              <a:t>Présentation du jeu de données</a:t>
+            </a:r>
+          </a:p>
+          <a:p>
+            <a:pPr marL="0" indent="0">
+              <a:buNone/>
+            </a:pPr>
             <a:endParaRPr lang="fr-FR" dirty="0"/>
           </a:p>
-        </p:txBody>
-      </p:sp>
-    </p:spTree>
-    <p:extLst>
-      <p:ext uri="{BB962C8B-B14F-4D97-AF65-F5344CB8AC3E}">
-        <p14:creationId xmlns:p14="http://schemas.microsoft.com/office/powerpoint/2010/main" val="1510174254"/>
-      </p:ext>
-    </p:extLst>
-  </p:cSld>
-  <p:clrMapOvr>
-    <a:masterClrMapping/>
-  </p:clrMapOvr>
-</p:sld>
-</file>
-
-<file path=ppt/slides/slide4.xml><?xml version="1.0" encoding="utf-8"?>
-<p:sld xmlns:a="http://schemas.openxmlformats.org/drawingml/2006/main" xmlns:r="http://schemas.openxmlformats.org/officeDocument/2006/relationships" xmlns:p="http://schemas.openxmlformats.org/presentationml/2006/main">
-  <p:cSld>
-    <p:spTree>
-      <p:nvGrpSpPr>
-        <p:cNvPr id="1" name=""/>
-        <p:cNvGrpSpPr/>
-        <p:nvPr/>
-      </p:nvGrpSpPr>
-      <p:grpSpPr>
-        <a:xfrm>
-          <a:off x="0" y="0"/>
-          <a:ext cx="0" cy="0"/>
-          <a:chOff x="0" y="0"/>
-          <a:chExt cx="0" cy="0"/>
-        </a:xfrm>
-      </p:grpSpPr>
-      <p:sp>
-        <p:nvSpPr>
-          <p:cNvPr id="2" name="Titre 1">
+          <a:p>
+            <a:pPr marL="0" indent="0">
+              <a:buNone/>
+            </a:pPr>
+            <a:r>
+              <a:rPr lang="fr-FR" b="1" cap="small" dirty="0"/>
+              <a:t>Partie 2 (15 min)</a:t>
+            </a:r>
+          </a:p>
+          <a:p>
+            <a:pPr marL="0" indent="0">
+              <a:buNone/>
+            </a:pPr>
+            <a:r>
+              <a:rPr lang="fr-FR" dirty="0"/>
+              <a:t>Présentation de l’analyse pré-exploratoire du jeu de données</a:t>
+            </a:r>
+          </a:p>
+          <a:p>
+            <a:pPr marL="0" indent="0">
+              <a:buNone/>
+            </a:pPr>
+            <a:r>
+              <a:rPr lang="fr-FR" dirty="0"/>
+              <a:t>Conclusions sur la pertinence de l’usage du jeu de données</a:t>
+            </a:r>
+          </a:p>
+          <a:p>
+            <a:pPr marL="0" indent="0">
+              <a:buNone/>
+            </a:pPr>
+            <a:endParaRPr lang="fr-FR" dirty="0"/>
+          </a:p>
+          <a:p>
+            <a:pPr marL="0" indent="0">
+              <a:buNone/>
+            </a:pPr>
+            <a:r>
+              <a:rPr lang="fr-FR" b="1" cap="small" dirty="0"/>
+              <a:t>Partie 3 (5 à 10 min)</a:t>
+            </a:r>
+          </a:p>
+          <a:p>
+            <a:pPr marL="0" indent="0">
+              <a:buNone/>
+            </a:pPr>
+            <a:r>
+              <a:rPr lang="fr-FR" dirty="0"/>
+              <a:t>Questions-réponses</a:t>
+            </a:r>
+          </a:p>
+        </p:txBody>
+      </p:sp>
+      <p:sp>
+        <p:nvSpPr>
+          <p:cNvPr id="4" name="Slide Number Placeholder 3">
             <a:extLst>
               <a:ext uri="{FF2B5EF4-FFF2-40B4-BE49-F238E27FC236}">
-                <a16:creationId xmlns:a16="http://schemas.microsoft.com/office/drawing/2014/main" id="{0CBBF3DE-9994-4DFB-AFEC-786035BC9231}"/>
+                <a16:creationId xmlns:a16="http://schemas.microsoft.com/office/drawing/2014/main" id="{EB8A9CDC-2AC7-43D2-A50B-49BB65551129}"/>
               </a:ext>
             </a:extLst>
           </p:cNvPr>
@@ -7582,209 +9956,29 @@
             <a:spLocks noGrp="1"/>
           </p:cNvSpPr>
           <p:nvPr>
-            <p:ph type="title"/>
-          </p:nvPr>
-        </p:nvSpPr>
-        <p:spPr>
-          <a:xfrm>
-            <a:off x="5497694" y="413189"/>
-            <a:ext cx="6331527" cy="1293028"/>
-          </a:xfrm>
-        </p:spPr>
+            <p:ph type="sldNum" sz="quarter" idx="12"/>
+          </p:nvPr>
+        </p:nvSpPr>
+        <p:spPr/>
         <p:txBody>
           <a:bodyPr/>
           <a:lstStyle/>
           <a:p>
-            <a:r>
-              <a:rPr lang="fr-FR" b="1" dirty="0"/>
-              <a:t>Le contexte</a:t>
-            </a:r>
-          </a:p>
-        </p:txBody>
-      </p:sp>
-      <p:sp>
-        <p:nvSpPr>
-          <p:cNvPr id="3" name="Espace réservé du contenu 2">
-            <a:extLst>
-              <a:ext uri="{FF2B5EF4-FFF2-40B4-BE49-F238E27FC236}">
-                <a16:creationId xmlns:a16="http://schemas.microsoft.com/office/drawing/2014/main" id="{889B0FE6-3DC3-469A-9DBF-FDFF0D56FCBE}"/>
-              </a:ext>
-            </a:extLst>
-          </p:cNvPr>
-          <p:cNvSpPr>
-            <a:spLocks noGrp="1"/>
-          </p:cNvSpPr>
-          <p:nvPr>
-            <p:ph idx="1"/>
-          </p:nvPr>
-        </p:nvSpPr>
-        <p:spPr>
-          <a:xfrm>
-            <a:off x="455544" y="2015275"/>
-            <a:ext cx="11466442" cy="4502423"/>
-          </a:xfrm>
-        </p:spPr>
-        <p:txBody>
-          <a:bodyPr>
-            <a:normAutofit fontScale="92500" lnSpcReduction="20000"/>
-          </a:bodyPr>
-          <a:lstStyle/>
-          <a:p>
-            <a:pPr marL="0" indent="0" algn="just">
-              <a:buNone/>
-            </a:pPr>
-            <a:r>
-              <a:rPr lang="fr-FR" i="1" dirty="0" err="1"/>
-              <a:t>academy</a:t>
-            </a:r>
-            <a:r>
-              <a:rPr lang="fr-FR" dirty="0"/>
-              <a:t> est une </a:t>
-            </a:r>
-            <a:r>
-              <a:rPr lang="fr-FR" b="1" dirty="0"/>
-              <a:t>start-up de la </a:t>
-            </a:r>
-            <a:r>
-              <a:rPr lang="fr-FR" b="1" dirty="0" err="1"/>
-              <a:t>EdTech</a:t>
-            </a:r>
-            <a:r>
-              <a:rPr lang="fr-FR" dirty="0"/>
-              <a:t> qui propose :</a:t>
-            </a:r>
-          </a:p>
-          <a:p>
-            <a:pPr marL="0" indent="0" algn="just">
-              <a:buNone/>
-            </a:pPr>
-            <a:endParaRPr lang="fr-FR" dirty="0"/>
-          </a:p>
-          <a:p>
-            <a:pPr lvl="1" algn="just"/>
-            <a:r>
-              <a:rPr lang="fr-FR" sz="2200" dirty="0"/>
-              <a:t>contenus de </a:t>
-            </a:r>
-            <a:r>
-              <a:rPr lang="fr-FR" sz="2200" b="1" dirty="0"/>
-              <a:t>formation en ligne</a:t>
-            </a:r>
-          </a:p>
-          <a:p>
-            <a:pPr lvl="1" algn="just"/>
-            <a:r>
-              <a:rPr lang="fr-FR" sz="2200" dirty="0"/>
-              <a:t>public de </a:t>
-            </a:r>
-            <a:r>
-              <a:rPr lang="fr-FR" sz="2200" b="1" dirty="0"/>
-              <a:t>niveau lycée et université</a:t>
-            </a:r>
-            <a:r>
-              <a:rPr lang="fr-FR" sz="2200" dirty="0"/>
-              <a:t>.</a:t>
-            </a:r>
-          </a:p>
-          <a:p>
-            <a:pPr marL="0" indent="0" algn="just">
-              <a:buNone/>
-            </a:pPr>
-            <a:endParaRPr lang="fr-FR" dirty="0"/>
-          </a:p>
-          <a:p>
-            <a:pPr marL="0" indent="0" algn="just">
-              <a:buNone/>
-            </a:pPr>
-            <a:r>
-              <a:rPr lang="fr-FR" dirty="0"/>
-              <a:t>Mark, mon manager, m’a présenté le projet d’</a:t>
-            </a:r>
-            <a:r>
-              <a:rPr lang="fr-FR" b="1" dirty="0"/>
-              <a:t>expansion à l’international</a:t>
-            </a:r>
-            <a:r>
-              <a:rPr lang="fr-FR" dirty="0"/>
-              <a:t> de l’entreprise.</a:t>
-            </a:r>
-          </a:p>
-          <a:p>
-            <a:pPr marL="0" indent="0" algn="just">
-              <a:buNone/>
-            </a:pPr>
-            <a:r>
-              <a:rPr lang="fr-FR" dirty="0"/>
-              <a:t>Il me confie </a:t>
-            </a:r>
-            <a:r>
-              <a:rPr lang="fr-FR" b="1" dirty="0"/>
-              <a:t>une première mission d’analyse exploratoire</a:t>
-            </a:r>
-            <a:r>
-              <a:rPr lang="fr-FR" dirty="0"/>
-              <a:t>, pour déterminer si les données sur l’éducation de la banque mondiale permettent d’informer le projet d’expansion.</a:t>
-            </a:r>
-          </a:p>
-          <a:p>
-            <a:pPr marL="0" indent="0" algn="just">
-              <a:buNone/>
-            </a:pPr>
-            <a:endParaRPr lang="fr-FR" dirty="0"/>
-          </a:p>
-          <a:p>
-            <a:pPr marL="0" indent="0" algn="just">
-              <a:buNone/>
-            </a:pPr>
-            <a:r>
-              <a:rPr lang="fr-FR" dirty="0"/>
-              <a:t>Voici les différentes questions que Mark aimerait explorer :</a:t>
-            </a:r>
-          </a:p>
-          <a:p>
-            <a:pPr marL="0" indent="0" algn="just">
-              <a:buNone/>
-            </a:pPr>
-            <a:endParaRPr lang="fr-FR" dirty="0"/>
-          </a:p>
-          <a:p>
-            <a:pPr lvl="1" algn="just"/>
-            <a:r>
-              <a:rPr lang="fr-FR" sz="2200" dirty="0"/>
-              <a:t>Quels sont les pays avec un fort potentiel de clients pour nos services ?</a:t>
-            </a:r>
-          </a:p>
-          <a:p>
-            <a:pPr lvl="1" algn="just"/>
-            <a:r>
-              <a:rPr lang="fr-FR" sz="2200" dirty="0"/>
-              <a:t>Pour chacun de ces pays, quelle sera l’évolution de ce potentiel de clients ?</a:t>
-            </a:r>
-          </a:p>
-          <a:p>
-            <a:pPr lvl="1" algn="just"/>
-            <a:r>
-              <a:rPr lang="fr-FR" sz="2200" dirty="0"/>
-              <a:t>Dans </a:t>
-            </a:r>
-            <a:r>
-              <a:rPr lang="fr-FR" sz="2200" b="1" dirty="0"/>
-              <a:t>quels pays</a:t>
-            </a:r>
-            <a:r>
-              <a:rPr lang="fr-FR" sz="2200" dirty="0"/>
-              <a:t> l'entreprise doit-elle opérer en priorité ?</a:t>
-            </a:r>
+            <a:fld id="{22EBEF4F-4056-4A7E-9612-F3E8B502E28B}" type="slidenum">
+              <a:rPr lang="fr-FR" smtClean="0"/>
+              <a:t>3</a:t>
+            </a:fld>
+            <a:endParaRPr lang="fr-FR"/>
           </a:p>
         </p:txBody>
       </p:sp>
       <p:pic>
         <p:nvPicPr>
-          <p:cNvPr id="1026" name="Picture 2" descr="Votre entreprise EdTech">
+          <p:cNvPr id="5" name="Picture 2" descr="Votre entreprise EdTech">
             <a:hlinkClick r:id="rId2"/>
             <a:extLst>
               <a:ext uri="{FF2B5EF4-FFF2-40B4-BE49-F238E27FC236}">
-                <a16:creationId xmlns:a16="http://schemas.microsoft.com/office/drawing/2014/main" id="{B7239B2D-CA44-44E9-9CD5-AE7C768EA8BA}"/>
+                <a16:creationId xmlns:a16="http://schemas.microsoft.com/office/drawing/2014/main" id="{94F339C9-55DC-4F99-AF52-DA0956C35164}"/>
               </a:ext>
             </a:extLst>
           </p:cNvPr>
@@ -7808,8 +10002,8 @@
         </p:blipFill>
         <p:spPr bwMode="auto">
           <a:xfrm>
-            <a:off x="6321287" y="409876"/>
-            <a:ext cx="2118184" cy="1293028"/>
+            <a:off x="9243906" y="5050407"/>
+            <a:ext cx="2948094" cy="1799640"/>
           </a:xfrm>
           <a:prstGeom prst="rect">
             <a:avLst/>
@@ -7829,7 +10023,315 @@
     </p:spTree>
     <p:extLst>
       <p:ext uri="{BB962C8B-B14F-4D97-AF65-F5344CB8AC3E}">
-        <p14:creationId xmlns:p14="http://schemas.microsoft.com/office/powerpoint/2010/main" val="621091621"/>
+        <p14:creationId xmlns:p14="http://schemas.microsoft.com/office/powerpoint/2010/main" val="3717453423"/>
+      </p:ext>
+    </p:extLst>
+  </p:cSld>
+  <p:clrMapOvr>
+    <a:masterClrMapping/>
+  </p:clrMapOvr>
+</p:sld>
+</file>
+
+<file path=ppt/slides/slide4.xml><?xml version="1.0" encoding="utf-8"?>
+<p:sld xmlns:a="http://schemas.openxmlformats.org/drawingml/2006/main" xmlns:r="http://schemas.openxmlformats.org/officeDocument/2006/relationships" xmlns:p="http://schemas.openxmlformats.org/presentationml/2006/main" show="0">
+  <p:cSld>
+    <p:spTree>
+      <p:nvGrpSpPr>
+        <p:cNvPr id="1" name=""/>
+        <p:cNvGrpSpPr/>
+        <p:nvPr/>
+      </p:nvGrpSpPr>
+      <p:grpSpPr>
+        <a:xfrm>
+          <a:off x="0" y="0"/>
+          <a:ext cx="0" cy="0"/>
+          <a:chOff x="0" y="0"/>
+          <a:chExt cx="0" cy="0"/>
+        </a:xfrm>
+      </p:grpSpPr>
+      <p:sp>
+        <p:nvSpPr>
+          <p:cNvPr id="2" name="Titre 1">
+            <a:extLst>
+              <a:ext uri="{FF2B5EF4-FFF2-40B4-BE49-F238E27FC236}">
+                <a16:creationId xmlns:a16="http://schemas.microsoft.com/office/drawing/2014/main" id="{6705E105-9DB5-4433-AC63-434E304D551D}"/>
+              </a:ext>
+            </a:extLst>
+          </p:cNvPr>
+          <p:cNvSpPr>
+            <a:spLocks noGrp="1"/>
+          </p:cNvSpPr>
+          <p:nvPr>
+            <p:ph type="title"/>
+          </p:nvPr>
+        </p:nvSpPr>
+        <p:spPr>
+          <a:xfrm>
+            <a:off x="2895600" y="408936"/>
+            <a:ext cx="8610600" cy="1293028"/>
+          </a:xfrm>
+        </p:spPr>
+        <p:txBody>
+          <a:bodyPr/>
+          <a:lstStyle/>
+          <a:p>
+            <a:r>
+              <a:rPr lang="fr-FR" dirty="0"/>
+              <a:t>LA MISSION</a:t>
+            </a:r>
+          </a:p>
+        </p:txBody>
+      </p:sp>
+      <p:sp>
+        <p:nvSpPr>
+          <p:cNvPr id="3" name="Espace réservé du contenu 2">
+            <a:extLst>
+              <a:ext uri="{FF2B5EF4-FFF2-40B4-BE49-F238E27FC236}">
+                <a16:creationId xmlns:a16="http://schemas.microsoft.com/office/drawing/2014/main" id="{971D3412-8CC1-4F55-A18D-EE0940EC5A9D}"/>
+              </a:ext>
+            </a:extLst>
+          </p:cNvPr>
+          <p:cNvSpPr>
+            <a:spLocks noGrp="1"/>
+          </p:cNvSpPr>
+          <p:nvPr>
+            <p:ph idx="1"/>
+          </p:nvPr>
+        </p:nvSpPr>
+        <p:spPr>
+          <a:xfrm>
+            <a:off x="685800" y="1701964"/>
+            <a:ext cx="10820400" cy="5156036"/>
+          </a:xfrm>
+        </p:spPr>
+        <p:txBody>
+          <a:bodyPr>
+            <a:normAutofit/>
+          </a:bodyPr>
+          <a:lstStyle/>
+          <a:p>
+            <a:pPr marL="0" indent="0" algn="just">
+              <a:buNone/>
+            </a:pPr>
+            <a:r>
+              <a:rPr lang="fr-FR" sz="2000" dirty="0"/>
+              <a:t>Mon manager me confie </a:t>
+            </a:r>
+            <a:r>
+              <a:rPr lang="fr-FR" sz="2000" b="1" dirty="0"/>
+              <a:t>une première mission d’analyse exploratoire.</a:t>
+            </a:r>
+          </a:p>
+          <a:p>
+            <a:pPr marL="0" indent="0" algn="just">
+              <a:buNone/>
+            </a:pPr>
+            <a:endParaRPr lang="fr-FR" sz="2000" b="1" dirty="0"/>
+          </a:p>
+          <a:p>
+            <a:pPr marL="0" indent="0" algn="just">
+              <a:buNone/>
+            </a:pPr>
+            <a:endParaRPr lang="fr-FR" sz="2000" b="1" dirty="0"/>
+          </a:p>
+          <a:p>
+            <a:pPr marL="0" indent="0" algn="just">
+              <a:buNone/>
+            </a:pPr>
+            <a:endParaRPr lang="fr-FR" sz="2000" b="1" dirty="0"/>
+          </a:p>
+          <a:p>
+            <a:pPr marL="0" indent="0" algn="just">
+              <a:buNone/>
+            </a:pPr>
+            <a:endParaRPr lang="fr-FR" sz="2000" b="1" dirty="0"/>
+          </a:p>
+          <a:p>
+            <a:pPr marL="0" indent="0" algn="just">
+              <a:buNone/>
+            </a:pPr>
+            <a:endParaRPr lang="fr-FR" sz="2000" b="1" dirty="0"/>
+          </a:p>
+          <a:p>
+            <a:pPr marL="0" indent="0" algn="just">
+              <a:buNone/>
+            </a:pPr>
+            <a:endParaRPr lang="fr-FR" sz="2000" b="1" dirty="0"/>
+          </a:p>
+          <a:p>
+            <a:pPr marL="342900" indent="-342900" algn="just">
+              <a:buFont typeface="+mj-lt"/>
+              <a:buAutoNum type="arabicPeriod"/>
+            </a:pPr>
+            <a:r>
+              <a:rPr lang="fr-FR" sz="2000" b="1" dirty="0"/>
+              <a:t>Valider la qualité </a:t>
+            </a:r>
+            <a:r>
+              <a:rPr lang="fr-FR" sz="2000" dirty="0"/>
+              <a:t>de ce jeu de données</a:t>
+            </a:r>
+          </a:p>
+          <a:p>
+            <a:pPr marL="342900" indent="-342900" algn="just">
+              <a:buFont typeface="+mj-lt"/>
+              <a:buAutoNum type="arabicPeriod"/>
+            </a:pPr>
+            <a:r>
+              <a:rPr lang="fr-FR" sz="2000" b="1" dirty="0"/>
+              <a:t>Décrire les informations </a:t>
+            </a:r>
+            <a:r>
+              <a:rPr lang="fr-FR" sz="2000" dirty="0"/>
+              <a:t>contenues dans le jeu de données</a:t>
+            </a:r>
+          </a:p>
+          <a:p>
+            <a:pPr marL="342900" indent="-342900" algn="just">
+              <a:buFont typeface="+mj-lt"/>
+              <a:buAutoNum type="arabicPeriod"/>
+            </a:pPr>
+            <a:r>
+              <a:rPr lang="fr-FR" sz="2000" b="1" dirty="0"/>
+              <a:t>Sélectionner les informations </a:t>
+            </a:r>
+            <a:r>
+              <a:rPr lang="fr-FR" sz="2000" dirty="0"/>
+              <a:t>qui semblent pertinentes</a:t>
+            </a:r>
+          </a:p>
+          <a:p>
+            <a:pPr marL="342900" indent="-342900" algn="just">
+              <a:buFont typeface="+mj-lt"/>
+              <a:buAutoNum type="arabicPeriod"/>
+            </a:pPr>
+            <a:r>
+              <a:rPr lang="fr-FR" sz="2000" b="1" dirty="0"/>
+              <a:t>Déterminer des ordres de grandeurs </a:t>
+            </a:r>
+            <a:r>
+              <a:rPr lang="fr-FR" sz="2000" dirty="0"/>
+              <a:t>des indicateurs statistiques classiques</a:t>
+            </a:r>
+          </a:p>
+        </p:txBody>
+      </p:sp>
+      <p:sp>
+        <p:nvSpPr>
+          <p:cNvPr id="4" name="ZoneTexte 3">
+            <a:extLst>
+              <a:ext uri="{FF2B5EF4-FFF2-40B4-BE49-F238E27FC236}">
+                <a16:creationId xmlns:a16="http://schemas.microsoft.com/office/drawing/2014/main" id="{A703721A-3000-423A-A0D3-E5571F9A6E20}"/>
+              </a:ext>
+            </a:extLst>
+          </p:cNvPr>
+          <p:cNvSpPr txBox="1"/>
+          <p:nvPr/>
+        </p:nvSpPr>
+        <p:spPr>
+          <a:xfrm>
+            <a:off x="685800" y="2421676"/>
+            <a:ext cx="10820400" cy="1323439"/>
+          </a:xfrm>
+          <a:prstGeom prst="rect">
+            <a:avLst/>
+          </a:prstGeom>
+          <a:solidFill>
+            <a:schemeClr val="accent1">
+              <a:alpha val="32000"/>
+            </a:schemeClr>
+          </a:solidFill>
+          <a:ln>
+            <a:solidFill>
+              <a:schemeClr val="accent1"/>
+            </a:solidFill>
+          </a:ln>
+        </p:spPr>
+        <p:txBody>
+          <a:bodyPr wrap="square" rtlCol="0">
+            <a:spAutoFit/>
+          </a:bodyPr>
+          <a:lstStyle/>
+          <a:p>
+            <a:pPr algn="just"/>
+            <a:r>
+              <a:rPr lang="fr-FR" sz="2000" dirty="0"/>
+              <a:t>« Ton travail va nous permettre de déterminer si ce jeu de données peut </a:t>
+            </a:r>
+            <a:r>
+              <a:rPr lang="fr-FR" sz="2000" b="1" dirty="0"/>
+              <a:t>informer les décisions </a:t>
+            </a:r>
+            <a:r>
+              <a:rPr lang="fr-FR" sz="2000" dirty="0"/>
+              <a:t>d'ouverture vers de nouveaux pays. On va partager ton analyse avec le </a:t>
+            </a:r>
+            <a:r>
+              <a:rPr lang="fr-FR" sz="2000" i="1" dirty="0" err="1"/>
+              <a:t>board</a:t>
+            </a:r>
+            <a:r>
+              <a:rPr lang="fr-FR" sz="2000" dirty="0"/>
+              <a:t>, alors merci de </a:t>
+            </a:r>
+            <a:r>
+              <a:rPr lang="fr-FR" sz="2000" b="1" dirty="0"/>
+              <a:t>soigner la présentation </a:t>
+            </a:r>
+            <a:r>
+              <a:rPr lang="fr-FR" sz="2000" dirty="0"/>
+              <a:t>et de l'illustrer avec des </a:t>
+            </a:r>
+            <a:r>
+              <a:rPr lang="fr-FR" sz="2000" b="1" dirty="0"/>
+              <a:t>graphiques pertinents et lisibles</a:t>
+            </a:r>
+            <a:r>
+              <a:rPr lang="fr-FR" sz="2000" dirty="0"/>
+              <a:t> ! » Ces données peuvent-elles informer notre projet ?</a:t>
+            </a:r>
+          </a:p>
+        </p:txBody>
+      </p:sp>
+      <p:sp>
+        <p:nvSpPr>
+          <p:cNvPr id="5" name="Slide Number Placeholder 4">
+            <a:extLst>
+              <a:ext uri="{FF2B5EF4-FFF2-40B4-BE49-F238E27FC236}">
+                <a16:creationId xmlns:a16="http://schemas.microsoft.com/office/drawing/2014/main" id="{F7C47FB9-791E-4E1A-83B6-071058F10F76}"/>
+              </a:ext>
+            </a:extLst>
+          </p:cNvPr>
+          <p:cNvSpPr>
+            <a:spLocks noGrp="1"/>
+          </p:cNvSpPr>
+          <p:nvPr>
+            <p:ph type="sldNum" sz="quarter" idx="12"/>
+          </p:nvPr>
+        </p:nvSpPr>
+        <p:spPr>
+          <a:xfrm>
+            <a:off x="8763000" y="518160"/>
+            <a:ext cx="2743200" cy="227965"/>
+          </a:xfrm>
+        </p:spPr>
+        <p:txBody>
+          <a:bodyPr/>
+          <a:lstStyle/>
+          <a:p>
+            <a:fld id="{22EBEF4F-4056-4A7E-9612-F3E8B502E28B}" type="slidenum">
+              <a:rPr lang="fr-FR" smtClean="0"/>
+              <a:t>4</a:t>
+            </a:fld>
+            <a:endParaRPr lang="fr-FR"/>
+          </a:p>
+        </p:txBody>
+      </p:sp>
+    </p:spTree>
+    <p:extLst>
+      <p:ext uri="{BB962C8B-B14F-4D97-AF65-F5344CB8AC3E}">
+        <p14:creationId xmlns:p14="http://schemas.microsoft.com/office/powerpoint/2010/main" val="2545069334"/>
       </p:ext>
     </p:extLst>
   </p:cSld>
@@ -7858,10 +10360,10 @@
       </p:grpSpPr>
       <p:sp>
         <p:nvSpPr>
-          <p:cNvPr id="2" name="Titre 1">
+          <p:cNvPr id="2" name="Title 1">
             <a:extLst>
               <a:ext uri="{FF2B5EF4-FFF2-40B4-BE49-F238E27FC236}">
-                <a16:creationId xmlns:a16="http://schemas.microsoft.com/office/drawing/2014/main" id="{45959E70-6BC1-4F14-B387-07540666456B}"/>
+                <a16:creationId xmlns:a16="http://schemas.microsoft.com/office/drawing/2014/main" id="{FC780402-C2D7-4C61-8CC1-089D3FA72D7B}"/>
               </a:ext>
             </a:extLst>
           </p:cNvPr>
@@ -7874,8 +10376,8 @@
         </p:nvSpPr>
         <p:spPr>
           <a:xfrm>
-            <a:off x="7484164" y="484008"/>
-            <a:ext cx="4022035" cy="1042780"/>
+            <a:off x="685800" y="1806786"/>
+            <a:ext cx="10820400" cy="999067"/>
           </a:xfrm>
         </p:spPr>
         <p:txBody>
@@ -7884,17 +10386,18 @@
           <a:p>
             <a:r>
               <a:rPr lang="fr-FR" b="1" dirty="0"/>
-              <a:t>Les Données</a:t>
-            </a:r>
-          </a:p>
-        </p:txBody>
-      </p:sp>
-      <p:sp>
-        <p:nvSpPr>
-          <p:cNvPr id="3" name="Espace réservé du contenu 2">
+              <a:t>Partie 1</a:t>
+            </a:r>
+            <a:endParaRPr lang="fr-FR" dirty="0"/>
+          </a:p>
+        </p:txBody>
+      </p:sp>
+      <p:sp>
+        <p:nvSpPr>
+          <p:cNvPr id="3" name="Text Placeholder 2">
             <a:extLst>
               <a:ext uri="{FF2B5EF4-FFF2-40B4-BE49-F238E27FC236}">
-                <a16:creationId xmlns:a16="http://schemas.microsoft.com/office/drawing/2014/main" id="{AE9472D0-1D4C-4D52-8569-0C291B897F05}"/>
+                <a16:creationId xmlns:a16="http://schemas.microsoft.com/office/drawing/2014/main" id="{A4042BCA-15C5-4E3E-B85C-92B63F6CDDAC}"/>
               </a:ext>
             </a:extLst>
           </p:cNvPr>
@@ -7902,13 +10405,13 @@
             <a:spLocks noGrp="1"/>
           </p:cNvSpPr>
           <p:nvPr>
-            <p:ph idx="1"/>
-          </p:nvPr>
-        </p:nvSpPr>
-        <p:spPr>
-          <a:xfrm>
-            <a:off x="685800" y="2552370"/>
-            <a:ext cx="10820400" cy="3316870"/>
+            <p:ph type="body" sz="half" idx="2"/>
+          </p:nvPr>
+        </p:nvSpPr>
+        <p:spPr>
+          <a:xfrm>
+            <a:off x="685800" y="2866813"/>
+            <a:ext cx="10130516" cy="999067"/>
           </a:xfrm>
         </p:spPr>
         <p:txBody>
@@ -7917,140 +10420,100 @@
           </a:bodyPr>
           <a:lstStyle/>
           <a:p>
-            <a:pPr marL="0" indent="0">
-              <a:buNone/>
-            </a:pPr>
-            <a:r>
-              <a:rPr lang="fr-FR" sz="2000" b="1" dirty="0"/>
-              <a:t>Données : </a:t>
-            </a:r>
-            <a:r>
-              <a:rPr lang="fr-FR" sz="2000" dirty="0">
-                <a:hlinkClick r:id="rId2"/>
-              </a:rPr>
-              <a:t>https://datacatalog.worldbank.org/dataset/education-statistics</a:t>
-            </a:r>
-            <a:endParaRPr lang="fr-FR" sz="2000" dirty="0"/>
-          </a:p>
-          <a:p>
-            <a:pPr marL="0" indent="0">
-              <a:buNone/>
-            </a:pPr>
-            <a:endParaRPr lang="fr-FR" sz="2000" dirty="0"/>
-          </a:p>
-          <a:p>
-            <a:pPr marL="0" indent="0" algn="just">
-              <a:buNone/>
-            </a:pPr>
-            <a:r>
-              <a:rPr lang="fr-FR" sz="2000" dirty="0"/>
-              <a:t>En résumé, l’organisme “</a:t>
-            </a:r>
-            <a:r>
-              <a:rPr lang="fr-FR" sz="2000" i="1" dirty="0" err="1"/>
-              <a:t>EdStats</a:t>
-            </a:r>
-            <a:r>
-              <a:rPr lang="fr-FR" sz="2000" i="1" dirty="0"/>
-              <a:t> All Indicator </a:t>
-            </a:r>
-            <a:r>
-              <a:rPr lang="fr-FR" sz="2000" i="1" dirty="0" err="1"/>
-              <a:t>Query</a:t>
-            </a:r>
-            <a:r>
-              <a:rPr lang="fr-FR" sz="2000" dirty="0"/>
-              <a:t>” de la Banque mondiale répertorie 4000 indicateurs internationaux décrivant l’accès à l’éducation, l’obtention de diplômes et des informations relatives aux professeurs, aux dépenses liées à l’éducation...</a:t>
-            </a:r>
-          </a:p>
-          <a:p>
-            <a:pPr marL="0" indent="0" algn="just">
-              <a:buNone/>
-            </a:pPr>
-            <a:endParaRPr lang="fr-FR" sz="2000" dirty="0"/>
-          </a:p>
-          <a:p>
-            <a:pPr marL="0" indent="0" algn="just">
-              <a:buNone/>
-            </a:pPr>
-            <a:r>
-              <a:rPr lang="fr-FR" sz="2000" dirty="0"/>
-              <a:t>Plus d'info sur ce site :  </a:t>
-            </a:r>
-            <a:r>
-              <a:rPr lang="fr-FR" sz="2000" dirty="0">
-                <a:hlinkClick r:id="rId3"/>
-              </a:rPr>
-              <a:t>http://datatopics.worldbank.org/education/</a:t>
-            </a:r>
-            <a:endParaRPr lang="fr-FR" dirty="0"/>
-          </a:p>
-          <a:p>
-            <a:pPr marL="0" indent="0">
-              <a:buNone/>
-            </a:pPr>
-            <a:endParaRPr lang="fr-FR" dirty="0"/>
-          </a:p>
-          <a:p>
-            <a:pPr marL="0" indent="0">
-              <a:buNone/>
-            </a:pPr>
-            <a:endParaRPr lang="fr-FR" dirty="0"/>
-          </a:p>
-          <a:p>
-            <a:endParaRPr lang="fr-FR" dirty="0"/>
-          </a:p>
-          <a:p>
-            <a:endParaRPr lang="fr-FR" dirty="0"/>
-          </a:p>
-          <a:p>
-            <a:endParaRPr lang="fr-FR" dirty="0"/>
+            <a:r>
+              <a:rPr lang="fr-FR" sz="2800" cap="small" dirty="0"/>
+              <a:t>Rappel de la problématique</a:t>
+            </a:r>
+          </a:p>
+          <a:p>
+            <a:r>
+              <a:rPr lang="fr-FR" sz="2800" cap="small" dirty="0"/>
+              <a:t>Présentation du jeu de données</a:t>
+            </a:r>
+          </a:p>
+        </p:txBody>
+      </p:sp>
+      <p:sp>
+        <p:nvSpPr>
+          <p:cNvPr id="4" name="Slide Number Placeholder 3">
+            <a:extLst>
+              <a:ext uri="{FF2B5EF4-FFF2-40B4-BE49-F238E27FC236}">
+                <a16:creationId xmlns:a16="http://schemas.microsoft.com/office/drawing/2014/main" id="{E9627830-8A66-4CDE-8564-AB58AC5A13FB}"/>
+              </a:ext>
+            </a:extLst>
+          </p:cNvPr>
+          <p:cNvSpPr>
+            <a:spLocks noGrp="1"/>
+          </p:cNvSpPr>
+          <p:nvPr>
+            <p:ph type="sldNum" sz="quarter" idx="12"/>
+          </p:nvPr>
+        </p:nvSpPr>
+        <p:spPr/>
+        <p:txBody>
+          <a:bodyPr/>
+          <a:lstStyle/>
+          <a:p>
+            <a:fld id="{22EBEF4F-4056-4A7E-9612-F3E8B502E28B}" type="slidenum">
+              <a:rPr lang="fr-FR" smtClean="0"/>
+              <a:t>5</a:t>
+            </a:fld>
+            <a:endParaRPr lang="fr-FR"/>
           </a:p>
         </p:txBody>
       </p:sp>
       <p:pic>
         <p:nvPicPr>
-          <p:cNvPr id="5" name="Graphique 4">
+          <p:cNvPr id="5" name="Picture 2" descr="Votre entreprise EdTech">
+            <a:hlinkClick r:id="rId2"/>
             <a:extLst>
               <a:ext uri="{FF2B5EF4-FFF2-40B4-BE49-F238E27FC236}">
-                <a16:creationId xmlns:a16="http://schemas.microsoft.com/office/drawing/2014/main" id="{F9C7DD83-C758-4A4F-830B-48E9A71EC921}"/>
+                <a16:creationId xmlns:a16="http://schemas.microsoft.com/office/drawing/2014/main" id="{E04F61D8-9E1D-4198-8DC1-EE8CCC6D4159}"/>
               </a:ext>
             </a:extLst>
           </p:cNvPr>
           <p:cNvPicPr>
-            <a:picLocks noChangeAspect="1"/>
+            <a:picLocks noChangeAspect="1" noChangeArrowheads="1"/>
           </p:cNvPicPr>
           <p:nvPr/>
         </p:nvPicPr>
         <p:blipFill>
-          <a:blip r:embed="rId4">
+          <a:blip r:embed="rId3">
             <a:extLst>
               <a:ext uri="{28A0092B-C50C-407E-A947-70E740481C1C}">
                 <a14:useLocalDpi xmlns:a14="http://schemas.microsoft.com/office/drawing/2010/main" val="0"/>
               </a:ext>
-              <a:ext uri="{96DAC541-7B7A-43D3-8B79-37D633B846F1}">
-                <asvg:svgBlip xmlns:asvg="http://schemas.microsoft.com/office/drawing/2016/SVG/main" r:embed="rId5"/>
-              </a:ext>
             </a:extLst>
           </a:blip>
+          <a:srcRect/>
           <a:stretch>
             <a:fillRect/>
           </a:stretch>
         </p:blipFill>
-        <p:spPr>
-          <a:xfrm>
-            <a:off x="7484164" y="1331999"/>
-            <a:ext cx="4022035" cy="795568"/>
+        <p:spPr bwMode="auto">
+          <a:xfrm>
+            <a:off x="9243906" y="7146"/>
+            <a:ext cx="2948094" cy="1799640"/>
           </a:xfrm>
           <a:prstGeom prst="rect">
             <a:avLst/>
           </a:prstGeom>
+          <a:noFill/>
+          <a:extLst>
+            <a:ext uri="{909E8E84-426E-40DD-AFC4-6F175D3DCCD1}">
+              <a14:hiddenFill xmlns:a14="http://schemas.microsoft.com/office/drawing/2010/main">
+                <a:solidFill>
+                  <a:srgbClr val="FFFFFF"/>
+                </a:solidFill>
+              </a14:hiddenFill>
+            </a:ext>
+          </a:extLst>
         </p:spPr>
       </p:pic>
     </p:spTree>
     <p:extLst>
       <p:ext uri="{BB962C8B-B14F-4D97-AF65-F5344CB8AC3E}">
-        <p14:creationId xmlns:p14="http://schemas.microsoft.com/office/powerpoint/2010/main" val="2071482301"/>
+        <p14:creationId xmlns:p14="http://schemas.microsoft.com/office/powerpoint/2010/main" val="448286010"/>
       </p:ext>
     </p:extLst>
   </p:cSld>
@@ -8082,7 +10545,7 @@
           <p:cNvPr id="2" name="Titre 1">
             <a:extLst>
               <a:ext uri="{FF2B5EF4-FFF2-40B4-BE49-F238E27FC236}">
-                <a16:creationId xmlns:a16="http://schemas.microsoft.com/office/drawing/2014/main" id="{6BE7C0E1-B149-456E-906F-735B9A14F40C}"/>
+                <a16:creationId xmlns:a16="http://schemas.microsoft.com/office/drawing/2014/main" id="{0CBBF3DE-9994-4DFB-AFEC-786035BC9231}"/>
               </a:ext>
             </a:extLst>
           </p:cNvPr>
@@ -8095,8 +10558,8 @@
         </p:nvSpPr>
         <p:spPr>
           <a:xfrm>
-            <a:off x="2895600" y="80793"/>
-            <a:ext cx="8610600" cy="1293028"/>
+            <a:off x="5174673" y="768388"/>
+            <a:ext cx="6331527" cy="1293028"/>
           </a:xfrm>
         </p:spPr>
         <p:txBody>
@@ -8105,7 +10568,7 @@
           <a:p>
             <a:r>
               <a:rPr lang="fr-FR" dirty="0"/>
-              <a:t>La BDD</a:t>
+              <a:t>Contexte &amp; problématique</a:t>
             </a:r>
           </a:p>
         </p:txBody>
@@ -8115,7 +10578,7 @@
           <p:cNvPr id="3" name="Espace réservé du contenu 2">
             <a:extLst>
               <a:ext uri="{FF2B5EF4-FFF2-40B4-BE49-F238E27FC236}">
-                <a16:creationId xmlns:a16="http://schemas.microsoft.com/office/drawing/2014/main" id="{F308DC2A-B557-4810-A542-B0FB1FAE56B2}"/>
+                <a16:creationId xmlns:a16="http://schemas.microsoft.com/office/drawing/2014/main" id="{889B0FE6-3DC3-469A-9DBF-FDFF0D56FCBE}"/>
               </a:ext>
             </a:extLst>
           </p:cNvPr>
@@ -8128,176 +10591,327 @@
         </p:nvSpPr>
         <p:spPr>
           <a:xfrm>
-            <a:off x="685800" y="1464816"/>
-            <a:ext cx="10820400" cy="4753869"/>
+            <a:off x="455544" y="2267118"/>
+            <a:ext cx="11466442" cy="3460965"/>
           </a:xfrm>
         </p:spPr>
         <p:txBody>
           <a:bodyPr>
-            <a:normAutofit fontScale="92500" lnSpcReduction="20000"/>
+            <a:normAutofit fontScale="92500" lnSpcReduction="10000"/>
           </a:bodyPr>
           <a:lstStyle/>
           <a:p>
-            <a:pPr marL="0" indent="0">
+            <a:pPr marL="0" indent="0" algn="just">
               <a:buNone/>
             </a:pPr>
             <a:r>
+              <a:rPr lang="fr-FR" sz="3100" b="1" i="1" cap="small" dirty="0"/>
+              <a:t>Notre projet : </a:t>
+            </a:r>
+            <a:r>
+              <a:rPr lang="fr-FR" sz="3100" b="1" i="1" dirty="0"/>
+              <a:t>expansion à l’international</a:t>
+            </a:r>
+          </a:p>
+          <a:p>
+            <a:pPr lvl="1" algn="just"/>
+            <a:r>
+              <a:rPr lang="fr-FR" dirty="0"/>
+              <a:t>Contenus de </a:t>
+            </a:r>
+            <a:r>
               <a:rPr lang="fr-FR" b="1" dirty="0"/>
-              <a:t>Différentes tables :</a:t>
-            </a:r>
-          </a:p>
-          <a:p>
-            <a:pPr marL="0" indent="0">
+              <a:t>formation en ligne</a:t>
+            </a:r>
+          </a:p>
+          <a:p>
+            <a:pPr lvl="1" algn="just"/>
+            <a:r>
+              <a:rPr lang="fr-FR" dirty="0"/>
+              <a:t>Public de </a:t>
+            </a:r>
+            <a:r>
+              <a:rPr lang="fr-FR" b="1" dirty="0"/>
+              <a:t>niveau lycée et université</a:t>
+            </a:r>
+          </a:p>
+          <a:p>
+            <a:pPr lvl="1" algn="just"/>
+            <a:r>
+              <a:rPr lang="fr-FR" b="1" dirty="0"/>
+              <a:t>Localisation ???</a:t>
+            </a:r>
+          </a:p>
+          <a:p>
+            <a:pPr marL="0" indent="0" algn="just">
               <a:buNone/>
             </a:pPr>
             <a:endParaRPr lang="fr-FR" b="1" dirty="0"/>
           </a:p>
           <a:p>
+            <a:pPr marL="0" indent="0" algn="just">
+              <a:buNone/>
+            </a:pPr>
+            <a:r>
+              <a:rPr lang="fr-FR" sz="3100" b="1" i="1" cap="small" dirty="0"/>
+              <a:t>Les données : </a:t>
+            </a:r>
+            <a:r>
+              <a:rPr lang="fr-FR" sz="3100" b="1" i="1" dirty="0"/>
+              <a:t>« </a:t>
+            </a:r>
+            <a:r>
+              <a:rPr lang="fr-FR" sz="3100" b="1" i="1" dirty="0" err="1"/>
+              <a:t>EdStats</a:t>
+            </a:r>
+            <a:r>
+              <a:rPr lang="fr-FR" sz="3100" b="1" i="1" dirty="0"/>
+              <a:t> » </a:t>
+            </a:r>
+          </a:p>
+          <a:p>
             <a:pPr lvl="1" algn="just"/>
             <a:r>
-              <a:rPr lang="fr-FR" b="1" dirty="0" err="1"/>
-              <a:t>EdStatsData</a:t>
-            </a:r>
-            <a:endParaRPr lang="fr-FR" b="1" dirty="0"/>
-          </a:p>
-          <a:p>
-            <a:pPr marL="457200" lvl="1" indent="0" algn="just">
-              <a:buNone/>
-            </a:pPr>
+              <a:rPr lang="fr-FR" dirty="0"/>
+              <a:t>BDD publique “</a:t>
+            </a:r>
+            <a:r>
+              <a:rPr lang="fr-FR" i="1" dirty="0"/>
+              <a:t>Education </a:t>
+            </a:r>
+            <a:r>
+              <a:rPr lang="fr-FR" i="1" dirty="0" err="1"/>
+              <a:t>Statistics</a:t>
+            </a:r>
+            <a:r>
+              <a:rPr lang="fr-FR" dirty="0"/>
+              <a:t>” de la </a:t>
+            </a:r>
+            <a:r>
+              <a:rPr lang="fr-FR" b="1" i="1" dirty="0"/>
+              <a:t>Banque mondiale</a:t>
+            </a:r>
+          </a:p>
+          <a:p>
+            <a:pPr lvl="1" algn="just"/>
+            <a:r>
+              <a:rPr lang="fr-FR" dirty="0"/>
+              <a:t>Nombreux </a:t>
+            </a:r>
             <a:r>
               <a:rPr lang="fr-FR" b="1" dirty="0"/>
-              <a:t>	</a:t>
+              <a:t>indicateurs internationaux</a:t>
             </a:r>
             <a:r>
               <a:rPr lang="fr-FR" dirty="0"/>
-              <a:t>table principale contenant les données</a:t>
-            </a:r>
-          </a:p>
-          <a:p>
-            <a:pPr marL="457200" lvl="1" indent="0" algn="just">
-              <a:buNone/>
-            </a:pPr>
-            <a:endParaRPr lang="fr-FR" dirty="0"/>
-          </a:p>
-          <a:p>
-            <a:pPr lvl="1" algn="just"/>
-            <a:r>
-              <a:rPr lang="fr-FR" b="1" dirty="0" err="1"/>
-              <a:t>EdStatsCountry</a:t>
-            </a:r>
-            <a:endParaRPr lang="fr-FR" b="1" dirty="0"/>
-          </a:p>
-          <a:p>
-            <a:pPr marL="457200" lvl="1" indent="0" algn="just">
-              <a:buNone/>
-            </a:pPr>
+              <a:t>… </a:t>
+            </a:r>
+          </a:p>
+          <a:p>
+            <a:pPr lvl="2" algn="just"/>
+            <a:r>
+              <a:rPr lang="fr-FR" dirty="0"/>
+              <a:t>… provenant de </a:t>
+            </a:r>
             <a:r>
               <a:rPr lang="fr-FR" b="1" dirty="0"/>
-              <a:t>	</a:t>
+              <a:t>différentes sources</a:t>
             </a:r>
             <a:r>
               <a:rPr lang="fr-FR" dirty="0"/>
-              <a:t>informations générales sur les pays</a:t>
-            </a:r>
-          </a:p>
-          <a:p>
-            <a:pPr marL="457200" lvl="1" indent="0" algn="just">
-              <a:buNone/>
-            </a:pPr>
-            <a:endParaRPr lang="fr-FR" b="1" dirty="0"/>
-          </a:p>
-          <a:p>
-            <a:pPr lvl="1" algn="just"/>
-            <a:r>
-              <a:rPr lang="fr-FR" b="1" dirty="0" err="1"/>
-              <a:t>EdStatsCountry-Series</a:t>
-            </a:r>
-            <a:endParaRPr lang="fr-FR" b="1" dirty="0"/>
-          </a:p>
-          <a:p>
-            <a:pPr marL="457200" lvl="1" indent="0" algn="just">
-              <a:buNone/>
-            </a:pPr>
+              <a:t>…</a:t>
+            </a:r>
+          </a:p>
+          <a:p>
+            <a:pPr lvl="2" algn="just"/>
             <a:r>
               <a:rPr lang="fr-FR" dirty="0"/>
-              <a:t>	source ou mode de calcul des valeurs de quelques séries (pays/indicateur)</a:t>
-            </a:r>
-          </a:p>
-          <a:p>
-            <a:pPr marL="457200" lvl="1" indent="0" algn="just">
-              <a:buNone/>
-            </a:pPr>
-            <a:endParaRPr lang="fr-FR" dirty="0"/>
-          </a:p>
-          <a:p>
-            <a:pPr lvl="1" algn="just"/>
-            <a:r>
-              <a:rPr lang="fr-FR" b="1" dirty="0" err="1"/>
-              <a:t>EdStatsFootNote</a:t>
-            </a:r>
-            <a:endParaRPr lang="fr-FR" b="1" dirty="0"/>
-          </a:p>
-          <a:p>
-            <a:pPr marL="457200" lvl="1" indent="0" algn="just">
-              <a:buNone/>
-            </a:pPr>
+              <a:t>… relatifs à l’</a:t>
+            </a:r>
             <a:r>
               <a:rPr lang="fr-FR" b="1" dirty="0"/>
-              <a:t>	</a:t>
+              <a:t>éducation</a:t>
             </a:r>
             <a:r>
               <a:rPr lang="fr-FR" dirty="0"/>
-              <a:t>informations complémentaires concernant une donnée particulière 	(pays/indicateur/année)</a:t>
-            </a:r>
-          </a:p>
-          <a:p>
-            <a:pPr marL="457200" lvl="1" indent="0" algn="just">
-              <a:buNone/>
-            </a:pPr>
-            <a:endParaRPr lang="fr-FR" dirty="0"/>
-          </a:p>
-          <a:p>
-            <a:pPr lvl="1" algn="just"/>
-            <a:r>
-              <a:rPr lang="fr-FR" b="1" dirty="0" err="1"/>
-              <a:t>EdStatsSeries</a:t>
-            </a:r>
-            <a:endParaRPr lang="fr-FR" dirty="0"/>
-          </a:p>
-          <a:p>
-            <a:pPr marL="457200" lvl="1" indent="0" algn="just">
-              <a:buNone/>
-            </a:pPr>
-            <a:r>
-              <a:rPr lang="fr-FR" dirty="0"/>
-              <a:t>	</a:t>
-            </a:r>
-            <a:r>
-              <a:rPr lang="fr-FR" dirty="0" err="1"/>
-              <a:t>details</a:t>
-            </a:r>
-            <a:r>
-              <a:rPr lang="fr-FR" dirty="0"/>
-              <a:t> concernant les indicateurs : description, source, méthode…</a:t>
-            </a:r>
-          </a:p>
-          <a:p>
-            <a:pPr lvl="1"/>
-            <a:endParaRPr lang="fr-FR" dirty="0"/>
-          </a:p>
-          <a:p>
-            <a:pPr lvl="1"/>
-            <a:endParaRPr lang="fr-FR" dirty="0"/>
-          </a:p>
-          <a:p>
-            <a:endParaRPr lang="fr-FR" dirty="0"/>
+              <a:t> (accès, diplômes, dépenses…)</a:t>
+            </a:r>
+            <a:endParaRPr lang="fr-FR" i="1" dirty="0"/>
+          </a:p>
+        </p:txBody>
+      </p:sp>
+      <p:sp>
+        <p:nvSpPr>
+          <p:cNvPr id="4" name="Slide Number Placeholder 3">
+            <a:extLst>
+              <a:ext uri="{FF2B5EF4-FFF2-40B4-BE49-F238E27FC236}">
+                <a16:creationId xmlns:a16="http://schemas.microsoft.com/office/drawing/2014/main" id="{B41EC144-28FB-4882-B894-782440ACDBE7}"/>
+              </a:ext>
+            </a:extLst>
+          </p:cNvPr>
+          <p:cNvSpPr>
+            <a:spLocks noGrp="1"/>
+          </p:cNvSpPr>
+          <p:nvPr>
+            <p:ph type="sldNum" sz="quarter" idx="12"/>
+          </p:nvPr>
+        </p:nvSpPr>
+        <p:spPr/>
+        <p:txBody>
+          <a:bodyPr/>
+          <a:lstStyle/>
+          <a:p>
+            <a:fld id="{22EBEF4F-4056-4A7E-9612-F3E8B502E28B}" type="slidenum">
+              <a:rPr lang="fr-FR" smtClean="0"/>
+              <a:t>6</a:t>
+            </a:fld>
+            <a:endParaRPr lang="fr-FR"/>
+          </a:p>
+        </p:txBody>
+      </p:sp>
+      <p:pic>
+        <p:nvPicPr>
+          <p:cNvPr id="5" name="Picture 2" descr="Votre entreprise EdTech">
+            <a:hlinkClick r:id="rId2"/>
+            <a:extLst>
+              <a:ext uri="{FF2B5EF4-FFF2-40B4-BE49-F238E27FC236}">
+                <a16:creationId xmlns:a16="http://schemas.microsoft.com/office/drawing/2014/main" id="{C1518D0C-05FB-4439-A966-780F759734F5}"/>
+              </a:ext>
+            </a:extLst>
+          </p:cNvPr>
+          <p:cNvPicPr>
+            <a:picLocks noChangeAspect="1" noChangeArrowheads="1"/>
+          </p:cNvPicPr>
+          <p:nvPr/>
+        </p:nvPicPr>
+        <p:blipFill>
+          <a:blip r:embed="rId3">
+            <a:extLst>
+              <a:ext uri="{28A0092B-C50C-407E-A947-70E740481C1C}">
+                <a14:useLocalDpi xmlns:a14="http://schemas.microsoft.com/office/drawing/2010/main" val="0"/>
+              </a:ext>
+            </a:extLst>
+          </a:blip>
+          <a:srcRect/>
+          <a:stretch>
+            <a:fillRect/>
+          </a:stretch>
+        </p:blipFill>
+        <p:spPr bwMode="auto">
+          <a:xfrm>
+            <a:off x="9243906" y="5058360"/>
+            <a:ext cx="2948094" cy="1799640"/>
+          </a:xfrm>
+          <a:prstGeom prst="rect">
+            <a:avLst/>
+          </a:prstGeom>
+          <a:noFill/>
+          <a:extLst>
+            <a:ext uri="{909E8E84-426E-40DD-AFC4-6F175D3DCCD1}">
+              <a14:hiddenFill xmlns:a14="http://schemas.microsoft.com/office/drawing/2010/main">
+                <a:solidFill>
+                  <a:srgbClr val="FFFFFF"/>
+                </a:solidFill>
+              </a14:hiddenFill>
+            </a:ext>
+          </a:extLst>
+        </p:spPr>
+      </p:pic>
+      <p:sp>
+        <p:nvSpPr>
+          <p:cNvPr id="7" name="ZoneTexte 3">
+            <a:extLst>
+              <a:ext uri="{FF2B5EF4-FFF2-40B4-BE49-F238E27FC236}">
+                <a16:creationId xmlns:a16="http://schemas.microsoft.com/office/drawing/2014/main" id="{936636F1-05FC-4026-A3AF-09C5141B2605}"/>
+              </a:ext>
+            </a:extLst>
+          </p:cNvPr>
+          <p:cNvSpPr txBox="1"/>
+          <p:nvPr/>
+        </p:nvSpPr>
+        <p:spPr>
+          <a:xfrm>
+            <a:off x="1351280" y="6139487"/>
+            <a:ext cx="7689426" cy="461665"/>
+          </a:xfrm>
+          <a:prstGeom prst="rect">
+            <a:avLst/>
+          </a:prstGeom>
+          <a:solidFill>
+            <a:schemeClr val="accent1">
+              <a:alpha val="32000"/>
+            </a:schemeClr>
+          </a:solidFill>
+          <a:ln>
+            <a:solidFill>
+              <a:schemeClr val="accent1"/>
+            </a:solidFill>
+          </a:ln>
+        </p:spPr>
+        <p:txBody>
+          <a:bodyPr wrap="square" rtlCol="0">
+            <a:spAutoFit/>
+          </a:bodyPr>
+          <a:lstStyle/>
+          <a:p>
+            <a:pPr algn="just"/>
+            <a:r>
+              <a:rPr lang="fr-FR" sz="2400" b="1" dirty="0"/>
+              <a:t>Ces données peuvent-elles informer notre projet ?</a:t>
+            </a:r>
+          </a:p>
+        </p:txBody>
+      </p:sp>
+      <p:sp>
+        <p:nvSpPr>
+          <p:cNvPr id="8" name="Arrow: Right 7">
+            <a:extLst>
+              <a:ext uri="{FF2B5EF4-FFF2-40B4-BE49-F238E27FC236}">
+                <a16:creationId xmlns:a16="http://schemas.microsoft.com/office/drawing/2014/main" id="{F63B80E1-1A61-4A20-9CB4-045B7C529154}"/>
+              </a:ext>
+            </a:extLst>
+          </p:cNvPr>
+          <p:cNvSpPr/>
+          <p:nvPr/>
+        </p:nvSpPr>
+        <p:spPr>
+          <a:xfrm>
+            <a:off x="557144" y="6139487"/>
+            <a:ext cx="692536" cy="461665"/>
+          </a:xfrm>
+          <a:prstGeom prst="rightArrow">
+            <a:avLst/>
+          </a:prstGeom>
+        </p:spPr>
+        <p:style>
+          <a:lnRef idx="2">
+            <a:schemeClr val="accent1">
+              <a:shade val="50000"/>
+            </a:schemeClr>
+          </a:lnRef>
+          <a:fillRef idx="1">
+            <a:schemeClr val="accent1"/>
+          </a:fillRef>
+          <a:effectRef idx="0">
+            <a:schemeClr val="accent1"/>
+          </a:effectRef>
+          <a:fontRef idx="minor">
+            <a:schemeClr val="lt1"/>
+          </a:fontRef>
+        </p:style>
+        <p:txBody>
+          <a:bodyPr rtlCol="0" anchor="ctr"/>
+          <a:lstStyle/>
+          <a:p>
+            <a:pPr algn="ctr"/>
+            <a:endParaRPr lang="fr-FR"/>
           </a:p>
         </p:txBody>
       </p:sp>
     </p:spTree>
     <p:extLst>
       <p:ext uri="{BB962C8B-B14F-4D97-AF65-F5344CB8AC3E}">
-        <p14:creationId xmlns:p14="http://schemas.microsoft.com/office/powerpoint/2010/main" val="2768625094"/>
+        <p14:creationId xmlns:p14="http://schemas.microsoft.com/office/powerpoint/2010/main" val="621091621"/>
       </p:ext>
     </p:extLst>
   </p:cSld>
@@ -8326,10 +10940,10 @@
       </p:grpSpPr>
       <p:sp>
         <p:nvSpPr>
-          <p:cNvPr id="2" name="Titre 1">
+          <p:cNvPr id="2" name="Title 1">
             <a:extLst>
               <a:ext uri="{FF2B5EF4-FFF2-40B4-BE49-F238E27FC236}">
-                <a16:creationId xmlns:a16="http://schemas.microsoft.com/office/drawing/2014/main" id="{D0082922-1F0C-4E00-AECE-AB5985B27F96}"/>
+                <a16:creationId xmlns:a16="http://schemas.microsoft.com/office/drawing/2014/main" id="{EAB54D01-DBE9-4AAF-A02D-90057A8E6D82}"/>
               </a:ext>
             </a:extLst>
           </p:cNvPr>
@@ -8347,17 +10961,17 @@
           <a:p>
             <a:r>
               <a:rPr lang="fr-FR" dirty="0"/>
-              <a:t>Les données, en bref</a:t>
-            </a:r>
-          </a:p>
-        </p:txBody>
-      </p:sp>
-      <p:sp>
-        <p:nvSpPr>
-          <p:cNvPr id="3" name="Espace réservé du contenu 2">
+              <a:t>Les questions</a:t>
+            </a:r>
+          </a:p>
+        </p:txBody>
+      </p:sp>
+      <p:sp>
+        <p:nvSpPr>
+          <p:cNvPr id="3" name="Content Placeholder 2">
             <a:extLst>
               <a:ext uri="{FF2B5EF4-FFF2-40B4-BE49-F238E27FC236}">
-                <a16:creationId xmlns:a16="http://schemas.microsoft.com/office/drawing/2014/main" id="{DEF746C3-1EC2-49F3-91E7-B616CB6E6E73}"/>
+                <a16:creationId xmlns:a16="http://schemas.microsoft.com/office/drawing/2014/main" id="{DFBF4579-B5FE-4CD5-8F00-05FB30D0B0A4}"/>
               </a:ext>
             </a:extLst>
           </p:cNvPr>
@@ -8368,75 +10982,208 @@
             <p:ph idx="1"/>
           </p:nvPr>
         </p:nvSpPr>
+        <p:spPr>
+          <a:xfrm>
+            <a:off x="0" y="2951435"/>
+            <a:ext cx="12192000" cy="2738503"/>
+          </a:xfrm>
+        </p:spPr>
+        <p:txBody>
+          <a:bodyPr>
+            <a:normAutofit/>
+          </a:bodyPr>
+          <a:lstStyle/>
+          <a:p>
+            <a:pPr marL="0" indent="0" algn="just">
+              <a:buNone/>
+            </a:pPr>
+            <a:r>
+              <a:rPr lang="fr-FR" sz="2400" dirty="0"/>
+              <a:t>1. Quels sont les pays avec un fort </a:t>
+            </a:r>
+            <a:r>
+              <a:rPr lang="fr-FR" sz="2400" b="1" dirty="0"/>
+              <a:t>potentiel de clients </a:t>
+            </a:r>
+            <a:r>
+              <a:rPr lang="fr-FR" sz="2400" dirty="0"/>
+              <a:t>pour nos services ?</a:t>
+            </a:r>
+          </a:p>
+          <a:p>
+            <a:pPr marL="0" indent="0" algn="just">
+              <a:buNone/>
+            </a:pPr>
+            <a:endParaRPr lang="fr-FR" sz="2400" dirty="0"/>
+          </a:p>
+          <a:p>
+            <a:pPr marL="0" indent="0" algn="just">
+              <a:buNone/>
+            </a:pPr>
+            <a:r>
+              <a:rPr lang="fr-FR" sz="2400" dirty="0"/>
+              <a:t>2. Pour chacun de ces pays, quelle sera l’</a:t>
+            </a:r>
+            <a:r>
+              <a:rPr lang="fr-FR" sz="2400" b="1" dirty="0"/>
+              <a:t>évolution de ce potentiel </a:t>
+            </a:r>
+            <a:r>
+              <a:rPr lang="fr-FR" sz="2400" dirty="0"/>
+              <a:t>de clients ?</a:t>
+            </a:r>
+          </a:p>
+          <a:p>
+            <a:pPr marL="0" indent="0" algn="just">
+              <a:buNone/>
+            </a:pPr>
+            <a:endParaRPr lang="fr-FR" sz="2400" dirty="0"/>
+          </a:p>
+          <a:p>
+            <a:pPr marL="0" indent="0" algn="just">
+              <a:buNone/>
+            </a:pPr>
+            <a:r>
+              <a:rPr lang="fr-FR" sz="2400" dirty="0"/>
+              <a:t>3. Dans </a:t>
+            </a:r>
+            <a:r>
+              <a:rPr lang="fr-FR" sz="2400" b="1" dirty="0"/>
+              <a:t>quels pays</a:t>
+            </a:r>
+            <a:r>
+              <a:rPr lang="fr-FR" sz="2400" dirty="0"/>
+              <a:t> l'entreprise doit-elle opérer en priorité ?</a:t>
+            </a:r>
+          </a:p>
+        </p:txBody>
+      </p:sp>
+      <p:sp>
+        <p:nvSpPr>
+          <p:cNvPr id="4" name="Slide Number Placeholder 3">
+            <a:extLst>
+              <a:ext uri="{FF2B5EF4-FFF2-40B4-BE49-F238E27FC236}">
+                <a16:creationId xmlns:a16="http://schemas.microsoft.com/office/drawing/2014/main" id="{8EDBDDC7-F2ED-47E1-BFBC-856EFF1A210E}"/>
+              </a:ext>
+            </a:extLst>
+          </p:cNvPr>
+          <p:cNvSpPr>
+            <a:spLocks noGrp="1"/>
+          </p:cNvSpPr>
+          <p:nvPr>
+            <p:ph type="sldNum" sz="quarter" idx="12"/>
+          </p:nvPr>
+        </p:nvSpPr>
         <p:spPr/>
         <p:txBody>
           <a:bodyPr/>
           <a:lstStyle/>
           <a:p>
-            <a:r>
-              <a:rPr lang="fr-FR" dirty="0"/>
-              <a:t>217 pays</a:t>
-            </a:r>
-          </a:p>
-          <a:p>
-            <a:r>
-              <a:rPr lang="fr-FR" dirty="0"/>
-              <a:t>3665 indicateurs </a:t>
-            </a:r>
-            <a:r>
-              <a:rPr lang="fr-FR"/>
-              <a:t>et sous-indicateurs</a:t>
-            </a:r>
-            <a:endParaRPr lang="fr-FR" dirty="0"/>
-          </a:p>
-          <a:p>
-            <a:r>
-              <a:rPr lang="fr-FR" dirty="0"/>
-              <a:t>Des sources de données différentes</a:t>
-            </a:r>
-          </a:p>
-          <a:p>
-            <a:r>
-              <a:rPr lang="fr-FR" dirty="0"/>
-              <a:t>Des séries temporelles passées depuis 1970 et jusqu’en 2017…</a:t>
-            </a:r>
-          </a:p>
-          <a:p>
-            <a:r>
-              <a:rPr lang="fr-FR" dirty="0"/>
-              <a:t>… et des projections pour 2020 et jusqu’en 2100</a:t>
-            </a:r>
-          </a:p>
-          <a:p>
-            <a:pPr marL="0" indent="0">
-              <a:buNone/>
-            </a:pPr>
-            <a:endParaRPr lang="fr-FR" dirty="0"/>
-          </a:p>
-          <a:p>
-            <a:pPr marL="0" indent="0">
-              <a:buNone/>
-            </a:pPr>
-            <a:r>
-              <a:rPr lang="fr-FR" b="1" dirty="0"/>
-              <a:t>Mais…</a:t>
-            </a:r>
-          </a:p>
-          <a:p>
-            <a:r>
-              <a:rPr lang="fr-FR" dirty="0"/>
-              <a:t>Taux de remplissage global : 0.8 %</a:t>
-            </a:r>
-          </a:p>
-          <a:p>
-            <a:endParaRPr lang="fr-FR" dirty="0"/>
-          </a:p>
-        </p:txBody>
-      </p:sp>
+            <a:fld id="{22EBEF4F-4056-4A7E-9612-F3E8B502E28B}" type="slidenum">
+              <a:rPr lang="fr-FR" smtClean="0"/>
+              <a:t>7</a:t>
+            </a:fld>
+            <a:endParaRPr lang="fr-FR"/>
+          </a:p>
+        </p:txBody>
+      </p:sp>
+      <p:sp>
+        <p:nvSpPr>
+          <p:cNvPr id="5" name="ZoneTexte 3">
+            <a:extLst>
+              <a:ext uri="{FF2B5EF4-FFF2-40B4-BE49-F238E27FC236}">
+                <a16:creationId xmlns:a16="http://schemas.microsoft.com/office/drawing/2014/main" id="{2B0219A4-26ED-40DC-9C58-4D9B9030D899}"/>
+              </a:ext>
+            </a:extLst>
+          </p:cNvPr>
+          <p:cNvSpPr txBox="1"/>
+          <p:nvPr/>
+        </p:nvSpPr>
+        <p:spPr>
+          <a:xfrm>
+            <a:off x="0" y="2075649"/>
+            <a:ext cx="10129520" cy="461665"/>
+          </a:xfrm>
+          <a:prstGeom prst="rect">
+            <a:avLst/>
+          </a:prstGeom>
+          <a:solidFill>
+            <a:schemeClr val="accent1">
+              <a:alpha val="32000"/>
+            </a:schemeClr>
+          </a:solidFill>
+          <a:ln>
+            <a:solidFill>
+              <a:schemeClr val="accent1"/>
+            </a:solidFill>
+          </a:ln>
+        </p:spPr>
+        <p:txBody>
+          <a:bodyPr wrap="square" rtlCol="0">
+            <a:spAutoFit/>
+          </a:bodyPr>
+          <a:lstStyle/>
+          <a:p>
+            <a:pPr algn="just"/>
+            <a:r>
+              <a:rPr lang="fr-FR" sz="2400" b="1" dirty="0"/>
+              <a:t>Les données peuvent-elles nous aider à répondre :</a:t>
+            </a:r>
+          </a:p>
+        </p:txBody>
+      </p:sp>
+      <p:pic>
+        <p:nvPicPr>
+          <p:cNvPr id="6" name="Picture 2" descr="Votre entreprise EdTech">
+            <a:hlinkClick r:id="rId2"/>
+            <a:extLst>
+              <a:ext uri="{FF2B5EF4-FFF2-40B4-BE49-F238E27FC236}">
+                <a16:creationId xmlns:a16="http://schemas.microsoft.com/office/drawing/2014/main" id="{C675A0AF-4761-4E5D-945D-2E39F22CAFC5}"/>
+              </a:ext>
+            </a:extLst>
+          </p:cNvPr>
+          <p:cNvPicPr>
+            <a:picLocks noChangeAspect="1" noChangeArrowheads="1"/>
+          </p:cNvPicPr>
+          <p:nvPr/>
+        </p:nvPicPr>
+        <p:blipFill>
+          <a:blip r:embed="rId3">
+            <a:extLst>
+              <a:ext uri="{28A0092B-C50C-407E-A947-70E740481C1C}">
+                <a14:useLocalDpi xmlns:a14="http://schemas.microsoft.com/office/drawing/2010/main" val="0"/>
+              </a:ext>
+            </a:extLst>
+          </a:blip>
+          <a:srcRect/>
+          <a:stretch>
+            <a:fillRect/>
+          </a:stretch>
+        </p:blipFill>
+        <p:spPr bwMode="auto">
+          <a:xfrm>
+            <a:off x="9243906" y="5058360"/>
+            <a:ext cx="2948094" cy="1799640"/>
+          </a:xfrm>
+          <a:prstGeom prst="rect">
+            <a:avLst/>
+          </a:prstGeom>
+          <a:noFill/>
+          <a:extLst>
+            <a:ext uri="{909E8E84-426E-40DD-AFC4-6F175D3DCCD1}">
+              <a14:hiddenFill xmlns:a14="http://schemas.microsoft.com/office/drawing/2010/main">
+                <a:solidFill>
+                  <a:srgbClr val="FFFFFF"/>
+                </a:solidFill>
+              </a14:hiddenFill>
+            </a:ext>
+          </a:extLst>
+        </p:spPr>
+      </p:pic>
     </p:spTree>
     <p:extLst>
       <p:ext uri="{BB962C8B-B14F-4D97-AF65-F5344CB8AC3E}">
-        <p14:creationId xmlns:p14="http://schemas.microsoft.com/office/powerpoint/2010/main" val="568591842"/>
+        <p14:creationId xmlns:p14="http://schemas.microsoft.com/office/powerpoint/2010/main" val="1202338430"/>
       </p:ext>
     </p:extLst>
   </p:cSld>
@@ -8468,7 +11215,7 @@
           <p:cNvPr id="2" name="Titre 1">
             <a:extLst>
               <a:ext uri="{FF2B5EF4-FFF2-40B4-BE49-F238E27FC236}">
-                <a16:creationId xmlns:a16="http://schemas.microsoft.com/office/drawing/2014/main" id="{6705E105-9DB5-4433-AC63-434E304D551D}"/>
+                <a16:creationId xmlns:a16="http://schemas.microsoft.com/office/drawing/2014/main" id="{6BE7C0E1-B149-456E-906F-735B9A14F40C}"/>
               </a:ext>
             </a:extLst>
           </p:cNvPr>
@@ -8481,7 +11228,7 @@
         </p:nvSpPr>
         <p:spPr>
           <a:xfrm>
-            <a:off x="2895600" y="0"/>
+            <a:off x="2895600" y="632142"/>
             <a:ext cx="8610600" cy="1293028"/>
           </a:xfrm>
         </p:spPr>
@@ -8490,8 +11237,8 @@
           <a:lstStyle/>
           <a:p>
             <a:r>
-              <a:rPr lang="fr-FR" b="1" dirty="0"/>
-              <a:t>LA MISSION</a:t>
+              <a:rPr lang="fr-FR" dirty="0"/>
+              <a:t>La base de données</a:t>
             </a:r>
           </a:p>
         </p:txBody>
@@ -8501,7 +11248,7 @@
           <p:cNvPr id="3" name="Espace réservé du contenu 2">
             <a:extLst>
               <a:ext uri="{FF2B5EF4-FFF2-40B4-BE49-F238E27FC236}">
-                <a16:creationId xmlns:a16="http://schemas.microsoft.com/office/drawing/2014/main" id="{971D3412-8CC1-4F55-A18D-EE0940EC5A9D}"/>
+                <a16:creationId xmlns:a16="http://schemas.microsoft.com/office/drawing/2014/main" id="{F308DC2A-B557-4810-A542-B0FB1FAE56B2}"/>
               </a:ext>
             </a:extLst>
           </p:cNvPr>
@@ -8514,168 +11261,344 @@
         </p:nvSpPr>
         <p:spPr>
           <a:xfrm>
-            <a:off x="685800" y="1701964"/>
-            <a:ext cx="10820400" cy="3485321"/>
+            <a:off x="233680" y="1525776"/>
+            <a:ext cx="11785600" cy="5281424"/>
           </a:xfrm>
         </p:spPr>
         <p:txBody>
           <a:bodyPr>
-            <a:normAutofit/>
+            <a:normAutofit fontScale="62500" lnSpcReduction="20000"/>
           </a:bodyPr>
           <a:lstStyle/>
           <a:p>
-            <a:pPr marL="342900" indent="-342900" algn="just">
-              <a:buFont typeface="+mj-lt"/>
-              <a:buAutoNum type="arabicPeriod"/>
+            <a:pPr marL="0" indent="0" algn="just">
+              <a:buNone/>
             </a:pPr>
-            <a:endParaRPr lang="fr-FR" sz="2000" b="1" dirty="0"/>
-          </a:p>
-          <a:p>
-            <a:pPr marL="342900" indent="-342900" algn="just">
-              <a:buFont typeface="+mj-lt"/>
-              <a:buAutoNum type="arabicPeriod"/>
+            <a:r>
+              <a:rPr lang="fr-FR" sz="4400" b="1" dirty="0"/>
+              <a:t>EdStatsData</a:t>
+            </a:r>
+          </a:p>
+          <a:p>
+            <a:pPr marL="0" indent="0" algn="just">
+              <a:buNone/>
             </a:pPr>
-            <a:endParaRPr lang="fr-FR" sz="2000" b="1" dirty="0"/>
-          </a:p>
-          <a:p>
-            <a:pPr marL="342900" indent="-342900" algn="just">
-              <a:buFont typeface="+mj-lt"/>
-              <a:buAutoNum type="arabicPeriod"/>
+            <a:r>
+              <a:rPr lang="fr-FR" sz="4400" dirty="0"/>
+              <a:t>table principale contenant les données</a:t>
+            </a:r>
+          </a:p>
+          <a:p>
+            <a:pPr marL="457200" lvl="1" indent="0" algn="just">
+              <a:buNone/>
             </a:pPr>
-            <a:r>
-              <a:rPr lang="fr-FR" sz="2000" b="1" dirty="0"/>
-              <a:t>Valider la qualité </a:t>
-            </a:r>
-            <a:r>
-              <a:rPr lang="fr-FR" sz="2000" dirty="0"/>
-              <a:t>de ce jeu de données</a:t>
-            </a:r>
-          </a:p>
-          <a:p>
-            <a:pPr marL="342900" indent="-342900" algn="just">
-              <a:buFont typeface="+mj-lt"/>
-              <a:buAutoNum type="arabicPeriod"/>
+            <a:endParaRPr lang="fr-FR" dirty="0"/>
+          </a:p>
+          <a:p>
+            <a:pPr marL="0" lvl="1" indent="0" algn="just">
+              <a:spcBef>
+                <a:spcPts val="1000"/>
+              </a:spcBef>
+              <a:buNone/>
             </a:pPr>
             <a:r>
-              <a:rPr lang="fr-FR" sz="2000" b="1" dirty="0"/>
-              <a:t>Décrire les informations </a:t>
-            </a:r>
-            <a:r>
-              <a:rPr lang="fr-FR" sz="2000" dirty="0"/>
-              <a:t>contenues dans le jeu de données</a:t>
-            </a:r>
-          </a:p>
-          <a:p>
-            <a:pPr marL="342900" indent="-342900" algn="just">
-              <a:buFont typeface="+mj-lt"/>
-              <a:buAutoNum type="arabicPeriod"/>
+              <a:rPr lang="fr-FR" sz="3800" b="1" dirty="0"/>
+              <a:t>	</a:t>
+            </a:r>
+            <a:r>
+              <a:rPr lang="fr-FR" sz="3800" b="1" dirty="0" err="1"/>
+              <a:t>EdStatsCountry</a:t>
+            </a:r>
+            <a:endParaRPr lang="fr-FR" sz="3800" b="1" dirty="0"/>
+          </a:p>
+          <a:p>
+            <a:pPr marL="0" lvl="1" indent="0" algn="just">
+              <a:spcBef>
+                <a:spcPts val="1000"/>
+              </a:spcBef>
+              <a:buNone/>
             </a:pPr>
             <a:r>
-              <a:rPr lang="fr-FR" sz="2000" b="1" dirty="0"/>
-              <a:t>Sélectionner les informations </a:t>
-            </a:r>
-            <a:r>
-              <a:rPr lang="fr-FR" sz="2000" dirty="0"/>
-              <a:t>qui semblent pertinentes</a:t>
-            </a:r>
-          </a:p>
-          <a:p>
-            <a:pPr marL="342900" indent="-342900" algn="just">
-              <a:buFont typeface="+mj-lt"/>
-              <a:buAutoNum type="arabicPeriod"/>
+              <a:rPr lang="fr-FR" sz="3800" b="1" dirty="0"/>
+              <a:t>	</a:t>
+            </a:r>
+            <a:r>
+              <a:rPr lang="fr-FR" sz="3800" dirty="0"/>
+              <a:t>informations générales sur les pays : région, monnaie…</a:t>
+            </a:r>
+          </a:p>
+          <a:p>
+            <a:pPr marL="0" lvl="1" indent="0" algn="just">
+              <a:spcBef>
+                <a:spcPts val="1000"/>
+              </a:spcBef>
+              <a:buNone/>
             </a:pPr>
-            <a:r>
-              <a:rPr lang="fr-FR" sz="2000" b="1" dirty="0"/>
-              <a:t>Déterminer des ordres de grandeurs </a:t>
-            </a:r>
-            <a:r>
-              <a:rPr lang="fr-FR" sz="2000" dirty="0"/>
-              <a:t>des indicateurs statistiques classiques</a:t>
-            </a:r>
-          </a:p>
-        </p:txBody>
-      </p:sp>
-      <p:sp>
-        <p:nvSpPr>
-          <p:cNvPr id="4" name="ZoneTexte 3">
+            <a:endParaRPr lang="fr-FR" dirty="0"/>
+          </a:p>
+          <a:p>
+            <a:pPr marL="0" lvl="1" indent="0" algn="just">
+              <a:spcBef>
+                <a:spcPts val="1000"/>
+              </a:spcBef>
+              <a:buNone/>
+            </a:pPr>
+            <a:r>
+              <a:rPr lang="fr-FR" sz="3200" b="1" dirty="0"/>
+              <a:t>		</a:t>
+            </a:r>
+            <a:r>
+              <a:rPr lang="fr-FR" sz="3200" b="1" dirty="0" err="1"/>
+              <a:t>EdStatsSeries</a:t>
+            </a:r>
+            <a:endParaRPr lang="fr-FR" sz="3200" b="1" dirty="0"/>
+          </a:p>
+          <a:p>
+            <a:pPr marL="0" lvl="1" indent="0" algn="just">
+              <a:spcBef>
+                <a:spcPts val="1000"/>
+              </a:spcBef>
+              <a:buNone/>
+            </a:pPr>
+            <a:r>
+              <a:rPr lang="fr-FR" sz="3200" dirty="0"/>
+              <a:t>		</a:t>
+            </a:r>
+            <a:r>
+              <a:rPr lang="fr-FR" sz="3200" dirty="0" err="1"/>
+              <a:t>details</a:t>
+            </a:r>
+            <a:r>
+              <a:rPr lang="fr-FR" sz="3200" dirty="0"/>
+              <a:t> concernant les indicateurs : description, source, méthode…</a:t>
+            </a:r>
+          </a:p>
+          <a:p>
+            <a:pPr marL="0" lvl="1" indent="0" algn="just">
+              <a:spcBef>
+                <a:spcPts val="1000"/>
+              </a:spcBef>
+              <a:buNone/>
+            </a:pPr>
+            <a:endParaRPr lang="fr-FR" b="1" dirty="0"/>
+          </a:p>
+          <a:p>
+            <a:pPr marL="0" lvl="1" indent="0" algn="just">
+              <a:spcBef>
+                <a:spcPts val="1000"/>
+              </a:spcBef>
+              <a:buNone/>
+            </a:pPr>
+            <a:r>
+              <a:rPr lang="fr-FR" sz="2900" b="1" dirty="0"/>
+              <a:t>			</a:t>
+            </a:r>
+            <a:r>
+              <a:rPr lang="fr-FR" sz="2900" b="1" dirty="0" err="1"/>
+              <a:t>EdStatsCountry-Series</a:t>
+            </a:r>
+            <a:endParaRPr lang="fr-FR" sz="2900" b="1" dirty="0"/>
+          </a:p>
+          <a:p>
+            <a:pPr marL="0" lvl="1" indent="0" algn="just">
+              <a:spcBef>
+                <a:spcPts val="1000"/>
+              </a:spcBef>
+              <a:buNone/>
+            </a:pPr>
+            <a:r>
+              <a:rPr lang="fr-FR" sz="2900" dirty="0"/>
+              <a:t>			source ou mode de calcul de quelques séries (pays/indicateur)</a:t>
+            </a:r>
+          </a:p>
+          <a:p>
+            <a:pPr marL="457200" lvl="1" indent="0" algn="just">
+              <a:buNone/>
+            </a:pPr>
+            <a:endParaRPr lang="fr-FR" dirty="0"/>
+          </a:p>
+          <a:p>
+            <a:pPr marL="0" lvl="1" indent="0" algn="just">
+              <a:spcBef>
+                <a:spcPts val="1000"/>
+              </a:spcBef>
+              <a:buNone/>
+            </a:pPr>
+            <a:r>
+              <a:rPr lang="fr-FR" sz="2200" b="1" dirty="0"/>
+              <a:t>				</a:t>
+            </a:r>
+            <a:r>
+              <a:rPr lang="fr-FR" sz="2200" b="1" dirty="0" err="1"/>
+              <a:t>EdStatsFootNote</a:t>
+            </a:r>
+            <a:endParaRPr lang="fr-FR" sz="2200" b="1" dirty="0"/>
+          </a:p>
+          <a:p>
+            <a:pPr marL="0" lvl="1" indent="0" algn="just">
+              <a:spcBef>
+                <a:spcPts val="1000"/>
+              </a:spcBef>
+              <a:buNone/>
+            </a:pPr>
+            <a:r>
+              <a:rPr lang="fr-FR" sz="2200" b="1" dirty="0"/>
+              <a:t>				</a:t>
+            </a:r>
+            <a:r>
+              <a:rPr lang="fr-FR" sz="2200" dirty="0"/>
+              <a:t>informations complémentaires concernant une donnée particulière</a:t>
+            </a:r>
+          </a:p>
+          <a:p>
+            <a:pPr marL="0" lvl="1" indent="0" algn="just">
+              <a:spcBef>
+                <a:spcPts val="1000"/>
+              </a:spcBef>
+              <a:buNone/>
+            </a:pPr>
+            <a:endParaRPr lang="fr-FR" dirty="0"/>
+          </a:p>
+          <a:p>
+            <a:pPr algn="just">
+              <a:buFont typeface="Wingdings" panose="05000000000000000000" pitchFamily="2" charset="2"/>
+              <a:buChar char="Ø"/>
+            </a:pPr>
+            <a:r>
+              <a:rPr lang="fr-FR" sz="3800" b="1" dirty="0"/>
+              <a:t> </a:t>
+            </a:r>
+            <a:r>
+              <a:rPr lang="fr-FR" sz="3800" dirty="0">
+                <a:hlinkClick r:id="rId2"/>
+              </a:rPr>
+              <a:t>https://datacatalog.worldbank.org/dataset/education-statistics</a:t>
+            </a:r>
+            <a:endParaRPr lang="fr-FR" sz="2600" dirty="0"/>
+          </a:p>
+          <a:p>
+            <a:endParaRPr lang="fr-FR" dirty="0"/>
+          </a:p>
+        </p:txBody>
+      </p:sp>
+      <p:sp>
+        <p:nvSpPr>
+          <p:cNvPr id="4" name="Slide Number Placeholder 3">
             <a:extLst>
               <a:ext uri="{FF2B5EF4-FFF2-40B4-BE49-F238E27FC236}">
-                <a16:creationId xmlns:a16="http://schemas.microsoft.com/office/drawing/2014/main" id="{A703721A-3000-423A-A0D3-E5571F9A6E20}"/>
+                <a16:creationId xmlns:a16="http://schemas.microsoft.com/office/drawing/2014/main" id="{29925E8A-AC53-4960-B9E1-BB3A53643D10}"/>
               </a:ext>
             </a:extLst>
           </p:cNvPr>
-          <p:cNvSpPr txBox="1"/>
+          <p:cNvSpPr>
+            <a:spLocks noGrp="1"/>
+          </p:cNvSpPr>
+          <p:nvPr>
+            <p:ph type="sldNum" sz="quarter" idx="12"/>
+          </p:nvPr>
+        </p:nvSpPr>
+        <p:spPr/>
+        <p:txBody>
+          <a:bodyPr/>
+          <a:lstStyle/>
+          <a:p>
+            <a:fld id="{22EBEF4F-4056-4A7E-9612-F3E8B502E28B}" type="slidenum">
+              <a:rPr lang="fr-FR" smtClean="0"/>
+              <a:t>8</a:t>
+            </a:fld>
+            <a:endParaRPr lang="fr-FR"/>
+          </a:p>
+        </p:txBody>
+      </p:sp>
+      <p:pic>
+        <p:nvPicPr>
+          <p:cNvPr id="5" name="Graphique 4">
+            <a:extLst>
+              <a:ext uri="{FF2B5EF4-FFF2-40B4-BE49-F238E27FC236}">
+                <a16:creationId xmlns:a16="http://schemas.microsoft.com/office/drawing/2014/main" id="{6C82D119-AE12-4ABF-8475-0A36B8E4B28F}"/>
+              </a:ext>
+            </a:extLst>
+          </p:cNvPr>
+          <p:cNvPicPr>
+            <a:picLocks noChangeAspect="1"/>
+          </p:cNvPicPr>
           <p:nvPr/>
-        </p:nvSpPr>
-        <p:spPr>
-          <a:xfrm>
-            <a:off x="685800" y="4494316"/>
-            <a:ext cx="10820400" cy="1323439"/>
+        </p:nvPicPr>
+        <p:blipFill>
+          <a:blip r:embed="rId3">
+            <a:extLst>
+              <a:ext uri="{28A0092B-C50C-407E-A947-70E740481C1C}">
+                <a14:useLocalDpi xmlns:a14="http://schemas.microsoft.com/office/drawing/2010/main" val="0"/>
+              </a:ext>
+              <a:ext uri="{96DAC541-7B7A-43D3-8B79-37D633B846F1}">
+                <asvg:svgBlip xmlns:asvg="http://schemas.microsoft.com/office/drawing/2016/SVG/main" r:embed="rId4"/>
+              </a:ext>
+            </a:extLst>
+          </a:blip>
+          <a:stretch>
+            <a:fillRect/>
+          </a:stretch>
+        </p:blipFill>
+        <p:spPr>
+          <a:xfrm>
+            <a:off x="5274365" y="59416"/>
+            <a:ext cx="4022035" cy="795568"/>
           </a:xfrm>
           <a:prstGeom prst="rect">
             <a:avLst/>
           </a:prstGeom>
-          <a:solidFill>
+        </p:spPr>
+      </p:pic>
+      <p:sp>
+        <p:nvSpPr>
+          <p:cNvPr id="6" name="Arrow: Striped Right 5">
+            <a:extLst>
+              <a:ext uri="{FF2B5EF4-FFF2-40B4-BE49-F238E27FC236}">
+                <a16:creationId xmlns:a16="http://schemas.microsoft.com/office/drawing/2014/main" id="{C19621C9-B548-48D5-BD5D-9B4069959DE1}"/>
+              </a:ext>
+            </a:extLst>
+          </p:cNvPr>
+          <p:cNvSpPr/>
+          <p:nvPr/>
+        </p:nvSpPr>
+        <p:spPr>
+          <a:xfrm rot="2889687">
+            <a:off x="-99289" y="4104480"/>
+            <a:ext cx="3881647" cy="154757"/>
+          </a:xfrm>
+          <a:prstGeom prst="stripedRightArrow">
+            <a:avLst/>
+          </a:prstGeom>
+        </p:spPr>
+        <p:style>
+          <a:lnRef idx="2">
             <a:schemeClr val="accent1">
-              <a:alpha val="32000"/>
+              <a:shade val="50000"/>
             </a:schemeClr>
-          </a:solidFill>
-          <a:ln>
-            <a:solidFill>
-              <a:schemeClr val="accent1"/>
-            </a:solidFill>
-          </a:ln>
-        </p:spPr>
-        <p:txBody>
-          <a:bodyPr wrap="square" rtlCol="0">
-            <a:spAutoFit/>
-          </a:bodyPr>
+          </a:lnRef>
+          <a:fillRef idx="1">
+            <a:schemeClr val="accent1"/>
+          </a:fillRef>
+          <a:effectRef idx="0">
+            <a:schemeClr val="accent1"/>
+          </a:effectRef>
+          <a:fontRef idx="minor">
+            <a:schemeClr val="lt1"/>
+          </a:fontRef>
+        </p:style>
+        <p:txBody>
+          <a:bodyPr rtlCol="0" anchor="ctr"/>
           <a:lstStyle/>
           <a:p>
-            <a:pPr algn="just"/>
-            <a:r>
-              <a:rPr lang="fr-FR" sz="2000" dirty="0"/>
-              <a:t>Mark : « Ton travail va nous permettre de déterminer si ce jeu de données peut </a:t>
-            </a:r>
-            <a:r>
-              <a:rPr lang="fr-FR" sz="2000" b="1" dirty="0"/>
-              <a:t>informer les décisions </a:t>
-            </a:r>
-            <a:r>
-              <a:rPr lang="fr-FR" sz="2000" dirty="0"/>
-              <a:t>d'ouverture vers de nouveaux pays. On va partager ton analyse avec le </a:t>
-            </a:r>
-            <a:r>
-              <a:rPr lang="fr-FR" sz="2000" i="1" dirty="0" err="1"/>
-              <a:t>board</a:t>
-            </a:r>
-            <a:r>
-              <a:rPr lang="fr-FR" sz="2000" dirty="0"/>
-              <a:t>, alors merci de </a:t>
-            </a:r>
-            <a:r>
-              <a:rPr lang="fr-FR" sz="2000" b="1" dirty="0"/>
-              <a:t>soigner la présentation </a:t>
-            </a:r>
-            <a:r>
-              <a:rPr lang="fr-FR" sz="2000" dirty="0"/>
-              <a:t>et de l'illustrer avec des </a:t>
-            </a:r>
-            <a:r>
-              <a:rPr lang="fr-FR" sz="2000" b="1" dirty="0"/>
-              <a:t>graphiques pertinents et lisibles</a:t>
-            </a:r>
-            <a:r>
-              <a:rPr lang="fr-FR" sz="2000" dirty="0"/>
-              <a:t> ! »</a:t>
-            </a:r>
+            <a:pPr algn="ctr"/>
+            <a:endParaRPr lang="fr-FR"/>
           </a:p>
         </p:txBody>
       </p:sp>
     </p:spTree>
     <p:extLst>
       <p:ext uri="{BB962C8B-B14F-4D97-AF65-F5344CB8AC3E}">
-        <p14:creationId xmlns:p14="http://schemas.microsoft.com/office/powerpoint/2010/main" val="2545069334"/>
+        <p14:creationId xmlns:p14="http://schemas.microsoft.com/office/powerpoint/2010/main" val="2768625094"/>
       </p:ext>
     </p:extLst>
   </p:cSld>
@@ -8707,7 +11630,7 @@
           <p:cNvPr id="2" name="Titre 1">
             <a:extLst>
               <a:ext uri="{FF2B5EF4-FFF2-40B4-BE49-F238E27FC236}">
-                <a16:creationId xmlns:a16="http://schemas.microsoft.com/office/drawing/2014/main" id="{1AAB0BFB-BAEB-41CC-AB6A-9726BD9C9C87}"/>
+                <a16:creationId xmlns:a16="http://schemas.microsoft.com/office/drawing/2014/main" id="{D0082922-1F0C-4E00-AECE-AB5985B27F96}"/>
               </a:ext>
             </a:extLst>
           </p:cNvPr>
@@ -8718,28 +11641,37 @@
             <p:ph type="title"/>
           </p:nvPr>
         </p:nvSpPr>
-        <p:spPr/>
+        <p:spPr>
+          <a:xfrm>
+            <a:off x="6807200" y="542925"/>
+            <a:ext cx="4699000" cy="1293028"/>
+          </a:xfrm>
+        </p:spPr>
         <p:txBody>
           <a:bodyPr/>
           <a:lstStyle/>
           <a:p>
             <a:r>
-              <a:rPr lang="fr-FR" b="1" dirty="0"/>
-              <a:t>Livrables attendus</a:t>
+              <a:rPr lang="fr-FR" b="1" cap="small" dirty="0"/>
+              <a:t>EdStatsData </a:t>
             </a:r>
             <a:br>
-              <a:rPr lang="fr-FR" b="1" dirty="0"/>
+              <a:rPr lang="fr-FR" b="1" cap="small" dirty="0"/>
             </a:br>
-            <a:endParaRPr lang="fr-FR" dirty="0"/>
-          </a:p>
-        </p:txBody>
-      </p:sp>
-      <p:sp>
-        <p:nvSpPr>
-          <p:cNvPr id="3" name="Espace réservé du contenu 2">
+            <a:r>
+              <a:rPr lang="fr-FR" sz="2800" b="1" dirty="0"/>
+              <a:t>Structure de La table</a:t>
+            </a:r>
+            <a:endParaRPr lang="fr-FR" b="1" cap="small" dirty="0"/>
+          </a:p>
+        </p:txBody>
+      </p:sp>
+      <p:sp>
+        <p:nvSpPr>
+          <p:cNvPr id="4" name="Slide Number Placeholder 3">
             <a:extLst>
               <a:ext uri="{FF2B5EF4-FFF2-40B4-BE49-F238E27FC236}">
-                <a16:creationId xmlns:a16="http://schemas.microsoft.com/office/drawing/2014/main" id="{A4C1F6B0-61F8-4DD2-8434-A490F051FA4A}"/>
+                <a16:creationId xmlns:a16="http://schemas.microsoft.com/office/drawing/2014/main" id="{1322376C-B32C-474B-89F4-4624F08D7C41}"/>
               </a:ext>
             </a:extLst>
           </p:cNvPr>
@@ -8747,7 +11679,7 @@
             <a:spLocks noGrp="1"/>
           </p:cNvSpPr>
           <p:nvPr>
-            <p:ph idx="1"/>
+            <p:ph type="sldNum" sz="quarter" idx="12"/>
           </p:nvPr>
         </p:nvSpPr>
         <p:spPr/>
@@ -8755,43 +11687,730 @@
           <a:bodyPr/>
           <a:lstStyle/>
           <a:p>
-            <a:r>
-              <a:rPr lang="fr-FR" dirty="0"/>
-              <a:t>Un notebook comportant les analyses pré-exploratoires réalisées (non </a:t>
-            </a:r>
-            <a:r>
-              <a:rPr lang="fr-FR" dirty="0" err="1"/>
-              <a:t>cleané</a:t>
-            </a:r>
-            <a:r>
-              <a:rPr lang="fr-FR" dirty="0"/>
-              <a:t>, pour comprendre votre démarche).</a:t>
-            </a:r>
-          </a:p>
-          <a:p>
-            <a:r>
-              <a:rPr lang="fr-FR" dirty="0"/>
-              <a:t>Un support de présentation pour la soutenance.</a:t>
-            </a:r>
-          </a:p>
-          <a:p>
-            <a:pPr marL="0" indent="0">
-              <a:buNone/>
-            </a:pPr>
-            <a:endParaRPr lang="fr-FR" dirty="0"/>
-          </a:p>
-        </p:txBody>
-      </p:sp>
+            <a:fld id="{22EBEF4F-4056-4A7E-9612-F3E8B502E28B}" type="slidenum">
+              <a:rPr lang="fr-FR" smtClean="0"/>
+              <a:t>9</a:t>
+            </a:fld>
+            <a:endParaRPr lang="fr-FR"/>
+          </a:p>
+        </p:txBody>
+      </p:sp>
+      <p:sp>
+        <p:nvSpPr>
+          <p:cNvPr id="6" name="TextBox 5">
+            <a:extLst>
+              <a:ext uri="{FF2B5EF4-FFF2-40B4-BE49-F238E27FC236}">
+                <a16:creationId xmlns:a16="http://schemas.microsoft.com/office/drawing/2014/main" id="{C808FD2A-C693-43FD-9A04-0DAFAA8600D0}"/>
+              </a:ext>
+            </a:extLst>
+          </p:cNvPr>
+          <p:cNvSpPr txBox="1"/>
+          <p:nvPr/>
+        </p:nvSpPr>
+        <p:spPr>
+          <a:xfrm>
+            <a:off x="2044699" y="5462267"/>
+            <a:ext cx="8102601" cy="1200329"/>
+          </a:xfrm>
+          <a:prstGeom prst="rect">
+            <a:avLst/>
+          </a:prstGeom>
+          <a:noFill/>
+          <a:ln>
+            <a:solidFill>
+              <a:schemeClr val="accent1"/>
+            </a:solidFill>
+          </a:ln>
+        </p:spPr>
+        <p:txBody>
+          <a:bodyPr wrap="square" rtlCol="0">
+            <a:spAutoFit/>
+          </a:bodyPr>
+          <a:lstStyle/>
+          <a:p>
+            <a:pPr algn="ctr"/>
+            <a:r>
+              <a:rPr lang="fr-FR" sz="2400" dirty="0"/>
+              <a:t>Un total de… 242 x 3’665 x 65 = </a:t>
+            </a:r>
+            <a:r>
+              <a:rPr lang="fr-FR" sz="2400" b="1" dirty="0"/>
+              <a:t>57’650’450 valeurs</a:t>
+            </a:r>
+            <a:r>
+              <a:rPr lang="fr-FR" sz="2400" dirty="0"/>
+              <a:t> !</a:t>
+            </a:r>
+          </a:p>
+          <a:p>
+            <a:pPr algn="ctr"/>
+            <a:r>
+              <a:rPr lang="fr-FR" sz="2400" b="1" dirty="0"/>
+              <a:t>Mais… </a:t>
+            </a:r>
+          </a:p>
+          <a:p>
+            <a:pPr algn="ctr"/>
+            <a:r>
+              <a:rPr lang="fr-FR" sz="2400" b="1" dirty="0"/>
+              <a:t>…</a:t>
+            </a:r>
+            <a:r>
+              <a:rPr lang="fr-FR" sz="2400" dirty="0"/>
+              <a:t>un taux de remplissage global de seulement </a:t>
+            </a:r>
+            <a:r>
+              <a:rPr lang="fr-FR" sz="2400" b="1" dirty="0"/>
+              <a:t>0.8 %</a:t>
+            </a:r>
+            <a:r>
+              <a:rPr lang="fr-FR" sz="2400" dirty="0"/>
+              <a:t> !</a:t>
+            </a:r>
+          </a:p>
+        </p:txBody>
+      </p:sp>
+      <p:pic>
+        <p:nvPicPr>
+          <p:cNvPr id="7" name="Graphique 4">
+            <a:extLst>
+              <a:ext uri="{FF2B5EF4-FFF2-40B4-BE49-F238E27FC236}">
+                <a16:creationId xmlns:a16="http://schemas.microsoft.com/office/drawing/2014/main" id="{0C26C8AC-E8B6-44B7-8D1E-446463EED503}"/>
+              </a:ext>
+            </a:extLst>
+          </p:cNvPr>
+          <p:cNvPicPr>
+            <a:picLocks noChangeAspect="1"/>
+          </p:cNvPicPr>
+          <p:nvPr/>
+        </p:nvPicPr>
+        <p:blipFill>
+          <a:blip r:embed="rId2">
+            <a:extLst>
+              <a:ext uri="{28A0092B-C50C-407E-A947-70E740481C1C}">
+                <a14:useLocalDpi xmlns:a14="http://schemas.microsoft.com/office/drawing/2010/main" val="0"/>
+              </a:ext>
+              <a:ext uri="{96DAC541-7B7A-43D3-8B79-37D633B846F1}">
+                <asvg:svgBlip xmlns:asvg="http://schemas.microsoft.com/office/drawing/2016/SVG/main" r:embed="rId3"/>
+              </a:ext>
+            </a:extLst>
+          </a:blip>
+          <a:stretch>
+            <a:fillRect/>
+          </a:stretch>
+        </p:blipFill>
+        <p:spPr>
+          <a:xfrm>
+            <a:off x="4084982" y="440946"/>
+            <a:ext cx="4022035" cy="795568"/>
+          </a:xfrm>
+          <a:prstGeom prst="rect">
+            <a:avLst/>
+          </a:prstGeom>
+        </p:spPr>
+      </p:pic>
+      <p:graphicFrame>
+        <p:nvGraphicFramePr>
+          <p:cNvPr id="8" name="Table 7">
+            <a:extLst>
+              <a:ext uri="{FF2B5EF4-FFF2-40B4-BE49-F238E27FC236}">
+                <a16:creationId xmlns:a16="http://schemas.microsoft.com/office/drawing/2014/main" id="{81EA7E6B-F161-45E5-B980-A8975E455F53}"/>
+              </a:ext>
+            </a:extLst>
+          </p:cNvPr>
+          <p:cNvGraphicFramePr>
+            <a:graphicFrameLocks noGrp="1"/>
+          </p:cNvGraphicFramePr>
+          <p:nvPr>
+            <p:extLst>
+              <p:ext uri="{D42A27DB-BD31-4B8C-83A1-F6EECF244321}">
+                <p14:modId xmlns:p14="http://schemas.microsoft.com/office/powerpoint/2010/main" val="1959172799"/>
+              </p:ext>
+            </p:extLst>
+          </p:nvPr>
+        </p:nvGraphicFramePr>
+        <p:xfrm>
+          <a:off x="685800" y="1765842"/>
+          <a:ext cx="5112834" cy="3413760"/>
+        </p:xfrm>
+        <a:graphic>
+          <a:graphicData uri="http://schemas.openxmlformats.org/drawingml/2006/table">
+            <a:tbl>
+              <a:tblPr firstRow="1" bandRow="1">
+                <a:tableStyleId>{5C22544A-7EE6-4342-B048-85BDC9FD1C3A}</a:tableStyleId>
+              </a:tblPr>
+              <a:tblGrid>
+                <a:gridCol w="5112834">
+                  <a:extLst>
+                    <a:ext uri="{9D8B030D-6E8A-4147-A177-3AD203B41FA5}">
+                      <a16:colId xmlns:a16="http://schemas.microsoft.com/office/drawing/2014/main" val="1793643803"/>
+                    </a:ext>
+                  </a:extLst>
+                </a:gridCol>
+              </a:tblGrid>
+              <a:tr h="204334">
+                <a:tc>
+                  <a:txBody>
+                    <a:bodyPr/>
+                    <a:lstStyle/>
+                    <a:p>
+                      <a:pPr marL="0" marR="0" lvl="0" indent="0" algn="ctr" defTabSz="914400" rtl="0" eaLnBrk="1" fontAlgn="auto" latinLnBrk="0" hangingPunct="1">
+                        <a:lnSpc>
+                          <a:spcPct val="100000"/>
+                        </a:lnSpc>
+                        <a:spcBef>
+                          <a:spcPts val="0"/>
+                        </a:spcBef>
+                        <a:spcAft>
+                          <a:spcPts val="0"/>
+                        </a:spcAft>
+                        <a:buClrTx/>
+                        <a:buSzTx/>
+                        <a:buFontTx/>
+                        <a:buNone/>
+                        <a:tabLst/>
+                        <a:defRPr/>
+                      </a:pPr>
+                      <a:r>
+                        <a:rPr lang="fr-FR" sz="2000" b="1" dirty="0"/>
+                        <a:t>886’930 lignes</a:t>
+                      </a:r>
+                    </a:p>
+                    <a:p>
+                      <a:pPr marL="0" marR="0" lvl="0" indent="0" algn="ctr" defTabSz="914400" rtl="0" eaLnBrk="1" fontAlgn="auto" latinLnBrk="0" hangingPunct="1">
+                        <a:lnSpc>
+                          <a:spcPct val="100000"/>
+                        </a:lnSpc>
+                        <a:spcBef>
+                          <a:spcPts val="0"/>
+                        </a:spcBef>
+                        <a:spcAft>
+                          <a:spcPts val="0"/>
+                        </a:spcAft>
+                        <a:buClrTx/>
+                        <a:buSzTx/>
+                        <a:buFontTx/>
+                        <a:buNone/>
+                        <a:tabLst/>
+                        <a:defRPr/>
+                      </a:pPr>
+                      <a:r>
+                        <a:rPr lang="fr-FR" sz="2000" dirty="0"/>
+                        <a:t>1 ligne = une paire (pays / indicateur)</a:t>
+                      </a:r>
+                    </a:p>
+                  </a:txBody>
+                  <a:tcPr/>
+                </a:tc>
+                <a:extLst>
+                  <a:ext uri="{0D108BD9-81ED-4DB2-BD59-A6C34878D82A}">
+                    <a16:rowId xmlns:a16="http://schemas.microsoft.com/office/drawing/2014/main" val="1318655895"/>
+                  </a:ext>
+                </a:extLst>
+              </a:tr>
+              <a:tr h="417694">
+                <a:tc>
+                  <a:txBody>
+                    <a:bodyPr/>
+                    <a:lstStyle/>
+                    <a:p>
+                      <a:pPr marL="285750" lvl="0" indent="-285750">
+                        <a:buFont typeface="Arial" panose="020B0604020202020204" pitchFamily="34" charset="0"/>
+                        <a:buChar char="•"/>
+                      </a:pPr>
+                      <a:r>
+                        <a:rPr lang="fr-FR" sz="2000" dirty="0"/>
+                        <a:t>242 « codes pays »</a:t>
+                      </a:r>
+                    </a:p>
+                    <a:p>
+                      <a:pPr marL="742950" lvl="1" indent="-285750">
+                        <a:buFont typeface="Arial" panose="020B0604020202020204" pitchFamily="34" charset="0"/>
+                        <a:buChar char="•"/>
+                      </a:pPr>
+                      <a:r>
+                        <a:rPr lang="fr-FR" sz="2000" dirty="0"/>
+                        <a:t>217 pays</a:t>
+                      </a:r>
+                    </a:p>
+                    <a:p>
+                      <a:pPr marL="742950" lvl="1" indent="-285750">
+                        <a:buFont typeface="Arial" panose="020B0604020202020204" pitchFamily="34" charset="0"/>
+                        <a:buChar char="•"/>
+                      </a:pPr>
+                      <a:r>
+                        <a:rPr lang="fr-FR" sz="2000" dirty="0"/>
+                        <a:t>25 groupements</a:t>
+                      </a:r>
+                    </a:p>
+                    <a:p>
+                      <a:pPr marL="285750" lvl="0" indent="-285750">
+                        <a:buFont typeface="Arial" panose="020B0604020202020204" pitchFamily="34" charset="0"/>
+                        <a:buChar char="•"/>
+                      </a:pPr>
+                      <a:r>
+                        <a:rPr lang="fr-FR" sz="2000" dirty="0"/>
+                        <a:t>3’665 indicateurs</a:t>
+                      </a:r>
+                    </a:p>
+                  </a:txBody>
+                  <a:tcPr/>
+                </a:tc>
+                <a:extLst>
+                  <a:ext uri="{0D108BD9-81ED-4DB2-BD59-A6C34878D82A}">
+                    <a16:rowId xmlns:a16="http://schemas.microsoft.com/office/drawing/2014/main" val="867200555"/>
+                  </a:ext>
+                </a:extLst>
+              </a:tr>
+              <a:tr h="366894">
+                <a:tc>
+                  <a:txBody>
+                    <a:bodyPr/>
+                    <a:lstStyle/>
+                    <a:p>
+                      <a:pPr marL="0" marR="0" lvl="0" indent="0" algn="l" defTabSz="914400" rtl="0" eaLnBrk="1" fontAlgn="auto" latinLnBrk="0" hangingPunct="1">
+                        <a:lnSpc>
+                          <a:spcPct val="100000"/>
+                        </a:lnSpc>
+                        <a:spcBef>
+                          <a:spcPts val="0"/>
+                        </a:spcBef>
+                        <a:spcAft>
+                          <a:spcPts val="0"/>
+                        </a:spcAft>
+                        <a:buClrTx/>
+                        <a:buSzTx/>
+                        <a:buFont typeface="Arial" panose="020B0604020202020204" pitchFamily="34" charset="0"/>
+                        <a:buNone/>
+                        <a:tabLst/>
+                        <a:defRPr/>
+                      </a:pPr>
+                      <a:r>
+                        <a:rPr lang="en-GB" sz="2000" dirty="0"/>
+                        <a:t>Pas de </a:t>
+                      </a:r>
+                      <a:r>
+                        <a:rPr lang="en-GB" sz="2000" dirty="0" err="1"/>
+                        <a:t>doublons</a:t>
+                      </a:r>
+                      <a:r>
+                        <a:rPr lang="en-GB" sz="2000" dirty="0"/>
+                        <a:t> </a:t>
+                      </a:r>
+                      <a:r>
+                        <a:rPr lang="fr-FR" sz="2000" dirty="0"/>
+                        <a:t>(pays / indicateur)</a:t>
+                      </a:r>
+                    </a:p>
+                  </a:txBody>
+                  <a:tcPr/>
+                </a:tc>
+                <a:extLst>
+                  <a:ext uri="{0D108BD9-81ED-4DB2-BD59-A6C34878D82A}">
+                    <a16:rowId xmlns:a16="http://schemas.microsoft.com/office/drawing/2014/main" val="159784748"/>
+                  </a:ext>
+                </a:extLst>
+              </a:tr>
+              <a:tr h="0">
+                <a:tc>
+                  <a:txBody>
+                    <a:bodyPr/>
+                    <a:lstStyle/>
+                    <a:p>
+                      <a:pPr marL="0" indent="0">
+                        <a:buFont typeface="Arial" panose="020B0604020202020204" pitchFamily="34" charset="0"/>
+                        <a:buNone/>
+                      </a:pPr>
+                      <a:r>
+                        <a:rPr lang="fr-FR" sz="2000" dirty="0" err="1"/>
+                        <a:t>nb_pays</a:t>
+                      </a:r>
+                      <a:r>
+                        <a:rPr lang="fr-FR" sz="2000" dirty="0"/>
+                        <a:t> x </a:t>
+                      </a:r>
+                      <a:r>
+                        <a:rPr lang="fr-FR" sz="2000" dirty="0" err="1"/>
+                        <a:t>nb_indics</a:t>
+                      </a:r>
+                      <a:r>
+                        <a:rPr lang="fr-FR" sz="2000" dirty="0"/>
+                        <a:t> = 242 x 3’665 </a:t>
+                      </a:r>
+                    </a:p>
+                    <a:p>
+                      <a:pPr marL="0" indent="0">
+                        <a:buFont typeface="Arial" panose="020B0604020202020204" pitchFamily="34" charset="0"/>
+                        <a:buNone/>
+                      </a:pPr>
+                      <a:r>
+                        <a:rPr lang="fr-FR" sz="2000" dirty="0"/>
+                        <a:t>                                    = 886’930</a:t>
+                      </a:r>
+                    </a:p>
+                    <a:p>
+                      <a:pPr>
+                        <a:buFont typeface="Symbol" panose="05050102010706020507" pitchFamily="18" charset="2"/>
+                        <a:buChar char="Þ"/>
+                      </a:pPr>
+                      <a:r>
+                        <a:rPr lang="fr-FR" sz="2000" dirty="0"/>
+                        <a:t> pas de ligne manquante</a:t>
+                      </a:r>
+                    </a:p>
+                  </a:txBody>
+                  <a:tcPr/>
+                </a:tc>
+                <a:extLst>
+                  <a:ext uri="{0D108BD9-81ED-4DB2-BD59-A6C34878D82A}">
+                    <a16:rowId xmlns:a16="http://schemas.microsoft.com/office/drawing/2014/main" val="1496368110"/>
+                  </a:ext>
+                </a:extLst>
+              </a:tr>
+            </a:tbl>
+          </a:graphicData>
+        </a:graphic>
+      </p:graphicFrame>
+      <p:graphicFrame>
+        <p:nvGraphicFramePr>
+          <p:cNvPr id="11" name="Table 10">
+            <a:extLst>
+              <a:ext uri="{FF2B5EF4-FFF2-40B4-BE49-F238E27FC236}">
+                <a16:creationId xmlns:a16="http://schemas.microsoft.com/office/drawing/2014/main" id="{13CDBDF6-776D-437E-A845-2379E54E2D70}"/>
+              </a:ext>
+            </a:extLst>
+          </p:cNvPr>
+          <p:cNvGraphicFramePr>
+            <a:graphicFrameLocks noGrp="1"/>
+          </p:cNvGraphicFramePr>
+          <p:nvPr>
+            <p:extLst>
+              <p:ext uri="{D42A27DB-BD31-4B8C-83A1-F6EECF244321}">
+                <p14:modId xmlns:p14="http://schemas.microsoft.com/office/powerpoint/2010/main" val="577845241"/>
+              </p:ext>
+            </p:extLst>
+          </p:nvPr>
+        </p:nvGraphicFramePr>
+        <p:xfrm>
+          <a:off x="6393368" y="1765843"/>
+          <a:ext cx="5112831" cy="3413760"/>
+        </p:xfrm>
+        <a:graphic>
+          <a:graphicData uri="http://schemas.openxmlformats.org/drawingml/2006/table">
+            <a:tbl>
+              <a:tblPr firstRow="1" bandRow="1">
+                <a:tableStyleId>{21E4AEA4-8DFA-4A89-87EB-49C32662AFE0}</a:tableStyleId>
+              </a:tblPr>
+              <a:tblGrid>
+                <a:gridCol w="5112831">
+                  <a:extLst>
+                    <a:ext uri="{9D8B030D-6E8A-4147-A177-3AD203B41FA5}">
+                      <a16:colId xmlns:a16="http://schemas.microsoft.com/office/drawing/2014/main" val="106544223"/>
+                    </a:ext>
+                  </a:extLst>
+                </a:gridCol>
+              </a:tblGrid>
+              <a:tr h="701040">
+                <a:tc>
+                  <a:txBody>
+                    <a:bodyPr/>
+                    <a:lstStyle/>
+                    <a:p>
+                      <a:pPr marL="0" marR="0" lvl="0" indent="0" algn="ctr" defTabSz="914400" rtl="0" eaLnBrk="1" fontAlgn="auto" latinLnBrk="0" hangingPunct="1">
+                        <a:lnSpc>
+                          <a:spcPct val="100000"/>
+                        </a:lnSpc>
+                        <a:spcBef>
+                          <a:spcPts val="0"/>
+                        </a:spcBef>
+                        <a:spcAft>
+                          <a:spcPts val="0"/>
+                        </a:spcAft>
+                        <a:buClrTx/>
+                        <a:buSzTx/>
+                        <a:buFontTx/>
+                        <a:buNone/>
+                        <a:tabLst/>
+                        <a:defRPr/>
+                      </a:pPr>
+                      <a:r>
+                        <a:rPr lang="fr-FR" sz="2000" b="1" dirty="0"/>
+                        <a:t>70 colonnes</a:t>
+                      </a:r>
+                    </a:p>
+                    <a:p>
+                      <a:pPr marL="0" marR="0" lvl="0" indent="0" algn="ctr" defTabSz="914400" rtl="0" eaLnBrk="1" fontAlgn="auto" latinLnBrk="0" hangingPunct="1">
+                        <a:lnSpc>
+                          <a:spcPct val="100000"/>
+                        </a:lnSpc>
+                        <a:spcBef>
+                          <a:spcPts val="0"/>
+                        </a:spcBef>
+                        <a:spcAft>
+                          <a:spcPts val="0"/>
+                        </a:spcAft>
+                        <a:buClrTx/>
+                        <a:buSzTx/>
+                        <a:buFontTx/>
+                        <a:buNone/>
+                        <a:tabLst/>
+                        <a:defRPr/>
+                      </a:pPr>
+                      <a:r>
+                        <a:rPr lang="fr-FR" sz="2000" b="1" dirty="0"/>
+                        <a:t>1 colonne = 1 année</a:t>
+                      </a:r>
+                    </a:p>
+                  </a:txBody>
+                  <a:tcPr/>
+                </a:tc>
+                <a:extLst>
+                  <a:ext uri="{0D108BD9-81ED-4DB2-BD59-A6C34878D82A}">
+                    <a16:rowId xmlns:a16="http://schemas.microsoft.com/office/drawing/2014/main" val="3672973717"/>
+                  </a:ext>
+                </a:extLst>
+              </a:tr>
+              <a:tr h="1310640">
+                <a:tc>
+                  <a:txBody>
+                    <a:bodyPr/>
+                    <a:lstStyle/>
+                    <a:p>
+                      <a:pPr marL="285750" indent="-285750">
+                        <a:buFont typeface="Arial" panose="020B0604020202020204" pitchFamily="34" charset="0"/>
+                        <a:buChar char="•"/>
+                      </a:pPr>
+                      <a:r>
+                        <a:rPr lang="fr-FR" sz="2000" noProof="0" dirty="0"/>
+                        <a:t>1 colonne d’index</a:t>
+                      </a:r>
+                    </a:p>
+                    <a:p>
+                      <a:pPr marL="285750" indent="-285750">
+                        <a:buFont typeface="Arial" panose="020B0604020202020204" pitchFamily="34" charset="0"/>
+                        <a:buChar char="•"/>
+                      </a:pPr>
+                      <a:r>
+                        <a:rPr lang="fr-FR" sz="2000" noProof="0" dirty="0"/>
+                        <a:t>4 colonnes descriptives</a:t>
+                      </a:r>
+                    </a:p>
+                    <a:p>
+                      <a:pPr marL="742950" marR="0" lvl="1" indent="-285750" algn="l" defTabSz="914400" rtl="0" eaLnBrk="1" fontAlgn="auto" latinLnBrk="0" hangingPunct="1">
+                        <a:lnSpc>
+                          <a:spcPct val="100000"/>
+                        </a:lnSpc>
+                        <a:spcBef>
+                          <a:spcPts val="0"/>
+                        </a:spcBef>
+                        <a:spcAft>
+                          <a:spcPts val="0"/>
+                        </a:spcAft>
+                        <a:buClrTx/>
+                        <a:buSzTx/>
+                        <a:buFont typeface="Arial" panose="020B0604020202020204" pitchFamily="34" charset="0"/>
+                        <a:buChar char="•"/>
+                        <a:tabLst/>
+                        <a:defRPr/>
+                      </a:pPr>
+                      <a:r>
+                        <a:rPr lang="fr-FR" sz="2000" noProof="0" dirty="0"/>
+                        <a:t>nom et code pays</a:t>
+                      </a:r>
+                    </a:p>
+                    <a:p>
+                      <a:pPr marL="742950" lvl="1" indent="-285750">
+                        <a:buFont typeface="Arial" panose="020B0604020202020204" pitchFamily="34" charset="0"/>
+                        <a:buChar char="•"/>
+                      </a:pPr>
+                      <a:r>
+                        <a:rPr lang="fr-FR" sz="2000" noProof="0" dirty="0"/>
+                        <a:t>nom et code indicateur</a:t>
+                      </a:r>
+                    </a:p>
+                  </a:txBody>
+                  <a:tcPr/>
+                </a:tc>
+                <a:extLst>
+                  <a:ext uri="{0D108BD9-81ED-4DB2-BD59-A6C34878D82A}">
+                    <a16:rowId xmlns:a16="http://schemas.microsoft.com/office/drawing/2014/main" val="1698088475"/>
+                  </a:ext>
+                </a:extLst>
+              </a:tr>
+              <a:tr h="701040">
+                <a:tc>
+                  <a:txBody>
+                    <a:bodyPr/>
+                    <a:lstStyle/>
+                    <a:p>
+                      <a:pPr marL="285750" lvl="0" indent="-285750">
+                        <a:buFont typeface="Arial" panose="020B0604020202020204" pitchFamily="34" charset="0"/>
+                        <a:buChar char="•"/>
+                      </a:pPr>
+                      <a:r>
+                        <a:rPr lang="fr-FR" sz="2000" noProof="0" dirty="0"/>
+                        <a:t>48 colonnes temporelles passées</a:t>
+                      </a:r>
+                    </a:p>
+                    <a:p>
+                      <a:pPr marL="742950" marR="0" lvl="1" indent="-285750" algn="l" defTabSz="914400" rtl="0" eaLnBrk="1" fontAlgn="auto" latinLnBrk="0" hangingPunct="1">
+                        <a:lnSpc>
+                          <a:spcPct val="100000"/>
+                        </a:lnSpc>
+                        <a:spcBef>
+                          <a:spcPts val="0"/>
+                        </a:spcBef>
+                        <a:spcAft>
+                          <a:spcPts val="0"/>
+                        </a:spcAft>
+                        <a:buClrTx/>
+                        <a:buSzTx/>
+                        <a:buFont typeface="Arial" panose="020B0604020202020204" pitchFamily="34" charset="0"/>
+                        <a:buChar char="•"/>
+                        <a:tabLst/>
+                        <a:defRPr/>
+                      </a:pPr>
+                      <a:r>
+                        <a:rPr lang="fr-FR" sz="2000" noProof="0" dirty="0"/>
+                        <a:t>chaque année de 1970 à 2017</a:t>
+                      </a:r>
+                    </a:p>
+                  </a:txBody>
+                  <a:tcPr/>
+                </a:tc>
+                <a:extLst>
+                  <a:ext uri="{0D108BD9-81ED-4DB2-BD59-A6C34878D82A}">
+                    <a16:rowId xmlns:a16="http://schemas.microsoft.com/office/drawing/2014/main" val="271590916"/>
+                  </a:ext>
+                </a:extLst>
+              </a:tr>
+              <a:tr h="701040">
+                <a:tc>
+                  <a:txBody>
+                    <a:bodyPr/>
+                    <a:lstStyle/>
+                    <a:p>
+                      <a:pPr marL="285750" lvl="0" indent="-285750">
+                        <a:buFont typeface="Arial" panose="020B0604020202020204" pitchFamily="34" charset="0"/>
+                        <a:buChar char="•"/>
+                      </a:pPr>
+                      <a:r>
+                        <a:rPr lang="fr-FR" sz="2000" noProof="0" dirty="0"/>
+                        <a:t>17 colonnes temporelles futures</a:t>
+                      </a:r>
+                    </a:p>
+                    <a:p>
+                      <a:pPr marL="742950" lvl="1" indent="-285750">
+                        <a:buFont typeface="Arial" panose="020B0604020202020204" pitchFamily="34" charset="0"/>
+                        <a:buChar char="•"/>
+                      </a:pPr>
+                      <a:r>
+                        <a:rPr lang="fr-FR" sz="2000" noProof="0" dirty="0"/>
+                        <a:t>tous les 5 ans de 2020 à 2100</a:t>
+                      </a:r>
+                    </a:p>
+                  </a:txBody>
+                  <a:tcPr/>
+                </a:tc>
+                <a:extLst>
+                  <a:ext uri="{0D108BD9-81ED-4DB2-BD59-A6C34878D82A}">
+                    <a16:rowId xmlns:a16="http://schemas.microsoft.com/office/drawing/2014/main" val="3342338571"/>
+                  </a:ext>
+                </a:extLst>
+              </a:tr>
+            </a:tbl>
+          </a:graphicData>
+        </a:graphic>
+      </p:graphicFrame>
     </p:spTree>
     <p:extLst>
       <p:ext uri="{BB962C8B-B14F-4D97-AF65-F5344CB8AC3E}">
-        <p14:creationId xmlns:p14="http://schemas.microsoft.com/office/powerpoint/2010/main" val="1324194616"/>
+        <p14:creationId xmlns:p14="http://schemas.microsoft.com/office/powerpoint/2010/main" val="568591842"/>
       </p:ext>
     </p:extLst>
   </p:cSld>
   <p:clrMapOvr>
     <a:masterClrMapping/>
   </p:clrMapOvr>
+  <p:timing>
+    <p:tnLst>
+      <p:par>
+        <p:cTn id="1" dur="indefinite" restart="never" nodeType="tmRoot">
+          <p:childTnLst>
+            <p:seq concurrent="1" nextAc="seek">
+              <p:cTn id="2" dur="indefinite" nodeType="mainSeq">
+                <p:childTnLst>
+                  <p:par>
+                    <p:cTn id="3" fill="hold">
+                      <p:stCondLst>
+                        <p:cond delay="indefinite"/>
+                      </p:stCondLst>
+                      <p:childTnLst>
+                        <p:par>
+                          <p:cTn id="4" fill="hold">
+                            <p:stCondLst>
+                              <p:cond delay="0"/>
+                            </p:stCondLst>
+                            <p:childTnLst>
+                              <p:par>
+                                <p:cTn id="5" presetID="1" presetClass="entr" presetSubtype="0" fill="hold" nodeType="clickEffect">
+                                  <p:stCondLst>
+                                    <p:cond delay="0"/>
+                                  </p:stCondLst>
+                                  <p:childTnLst>
+                                    <p:set>
+                                      <p:cBhvr>
+                                        <p:cTn id="6" dur="1" fill="hold">
+                                          <p:stCondLst>
+                                            <p:cond delay="0"/>
+                                          </p:stCondLst>
+                                        </p:cTn>
+                                        <p:tgtEl>
+                                          <p:spTgt spid="6">
+                                            <p:txEl>
+                                              <p:pRg st="2" end="2"/>
+                                            </p:txEl>
+                                          </p:spTgt>
+                                        </p:tgtEl>
+                                        <p:attrNameLst>
+                                          <p:attrName>style.visibility</p:attrName>
+                                        </p:attrNameLst>
+                                      </p:cBhvr>
+                                      <p:to>
+                                        <p:strVal val="visible"/>
+                                      </p:to>
+                                    </p:set>
+                                  </p:childTnLst>
+                                </p:cTn>
+                              </p:par>
+                            </p:childTnLst>
+                          </p:cTn>
+                        </p:par>
+                      </p:childTnLst>
+                    </p:cTn>
+                  </p:par>
+                </p:childTnLst>
+              </p:cTn>
+              <p:prevCondLst>
+                <p:cond evt="onPrev" delay="0">
+                  <p:tgtEl>
+                    <p:sldTgt/>
+                  </p:tgtEl>
+                </p:cond>
+              </p:prevCondLst>
+              <p:nextCondLst>
+                <p:cond evt="onNext" delay="0">
+                  <p:tgtEl>
+                    <p:sldTgt/>
+                  </p:tgtEl>
+                </p:cond>
+              </p:nextCondLst>
+            </p:seq>
+          </p:childTnLst>
+        </p:cTn>
+      </p:par>
+    </p:tnLst>
+  </p:timing>
 </p:sld>
 </file>
 
@@ -9063,4 +12682,299 @@
     </a:ext>
   </a:extLst>
 </a:theme>
+</file>
+
+<file path=ppt/theme/theme2.xml><?xml version="1.0" encoding="utf-8"?>
+<a:theme xmlns:a="http://schemas.openxmlformats.org/drawingml/2006/main" name="Office Theme">
+  <a:themeElements>
+    <a:clrScheme name="Office">
+      <a:dk1>
+        <a:sysClr val="windowText" lastClr="000000"/>
+      </a:dk1>
+      <a:lt1>
+        <a:sysClr val="window" lastClr="FFFFFF"/>
+      </a:lt1>
+      <a:dk2>
+        <a:srgbClr val="44546A"/>
+      </a:dk2>
+      <a:lt2>
+        <a:srgbClr val="E7E6E6"/>
+      </a:lt2>
+      <a:accent1>
+        <a:srgbClr val="4472C4"/>
+      </a:accent1>
+      <a:accent2>
+        <a:srgbClr val="ED7D31"/>
+      </a:accent2>
+      <a:accent3>
+        <a:srgbClr val="A5A5A5"/>
+      </a:accent3>
+      <a:accent4>
+        <a:srgbClr val="FFC000"/>
+      </a:accent4>
+      <a:accent5>
+        <a:srgbClr val="5B9BD5"/>
+      </a:accent5>
+      <a:accent6>
+        <a:srgbClr val="70AD47"/>
+      </a:accent6>
+      <a:hlink>
+        <a:srgbClr val="0563C1"/>
+      </a:hlink>
+      <a:folHlink>
+        <a:srgbClr val="954F72"/>
+      </a:folHlink>
+    </a:clrScheme>
+    <a:fontScheme name="Office">
+      <a:majorFont>
+        <a:latin typeface="Calibri Light" panose="020F0302020204030204"/>
+        <a:ea typeface=""/>
+        <a:cs typeface=""/>
+        <a:font script="Jpan" typeface="游ゴシック Light"/>
+        <a:font script="Hang" typeface="맑은 고딕"/>
+        <a:font script="Hans" typeface="等线 Light"/>
+        <a:font script="Hant" typeface="新細明體"/>
+        <a:font script="Arab" typeface="Times New Roman"/>
+        <a:font script="Hebr" typeface="Times New Roman"/>
+        <a:font script="Thai" typeface="Angsana New"/>
+        <a:font script="Ethi" typeface="Nyala"/>
+        <a:font script="Beng" typeface="Vrinda"/>
+        <a:font script="Gujr" typeface="Shruti"/>
+        <a:font script="Khmr" typeface="MoolBoran"/>
+        <a:font script="Knda" typeface="Tunga"/>
+        <a:font script="Guru" typeface="Raavi"/>
+        <a:font script="Cans" typeface="Euphemia"/>
+        <a:font script="Cher" typeface="Plantagenet Cherokee"/>
+        <a:font script="Yiii" typeface="Microsoft Yi Baiti"/>
+        <a:font script="Tibt" typeface="Microsoft Himalaya"/>
+        <a:font script="Thaa" typeface="MV Boli"/>
+        <a:font script="Deva" typeface="Mangal"/>
+        <a:font script="Telu" typeface="Gautami"/>
+        <a:font script="Taml" typeface="Latha"/>
+        <a:font script="Syrc" typeface="Estrangelo Edessa"/>
+        <a:font script="Orya" typeface="Kalinga"/>
+        <a:font script="Mlym" typeface="Kartika"/>
+        <a:font script="Laoo" typeface="DokChampa"/>
+        <a:font script="Sinh" typeface="Iskoola Pota"/>
+        <a:font script="Mong" typeface="Mongolian Baiti"/>
+        <a:font script="Viet" typeface="Times New Roman"/>
+        <a:font script="Uigh" typeface="Microsoft Uighur"/>
+        <a:font script="Geor" typeface="Sylfaen"/>
+        <a:font script="Armn" typeface="Arial"/>
+        <a:font script="Bugi" typeface="Leelawadee UI"/>
+        <a:font script="Bopo" typeface="Microsoft JhengHei"/>
+        <a:font script="Java" typeface="Javanese Text"/>
+        <a:font script="Lisu" typeface="Segoe UI"/>
+        <a:font script="Mymr" typeface="Myanmar Text"/>
+        <a:font script="Nkoo" typeface="Ebrima"/>
+        <a:font script="Olck" typeface="Nirmala UI"/>
+        <a:font script="Osma" typeface="Ebrima"/>
+        <a:font script="Phag" typeface="Phagspa"/>
+        <a:font script="Syrn" typeface="Estrangelo Edessa"/>
+        <a:font script="Syrj" typeface="Estrangelo Edessa"/>
+        <a:font script="Syre" typeface="Estrangelo Edessa"/>
+        <a:font script="Sora" typeface="Nirmala UI"/>
+        <a:font script="Tale" typeface="Microsoft Tai Le"/>
+        <a:font script="Talu" typeface="Microsoft New Tai Lue"/>
+        <a:font script="Tfng" typeface="Ebrima"/>
+      </a:majorFont>
+      <a:minorFont>
+        <a:latin typeface="Calibri" panose="020F0502020204030204"/>
+        <a:ea typeface=""/>
+        <a:cs typeface=""/>
+        <a:font script="Jpan" typeface="游ゴシック"/>
+        <a:font script="Hang" typeface="맑은 고딕"/>
+        <a:font script="Hans" typeface="等线"/>
+        <a:font script="Hant" typeface="新細明體"/>
+        <a:font script="Arab" typeface="Arial"/>
+        <a:font script="Hebr" typeface="Arial"/>
+        <a:font script="Thai" typeface="Cordia New"/>
+        <a:font script="Ethi" typeface="Nyala"/>
+        <a:font script="Beng" typeface="Vrinda"/>
+        <a:font script="Gujr" typeface="Shruti"/>
+        <a:font script="Khmr" typeface="DaunPenh"/>
+        <a:font script="Knda" typeface="Tunga"/>
+        <a:font script="Guru" typeface="Raavi"/>
+        <a:font script="Cans" typeface="Euphemia"/>
+        <a:font script="Cher" typeface="Plantagenet Cherokee"/>
+        <a:font script="Yiii" typeface="Microsoft Yi Baiti"/>
+        <a:font script="Tibt" typeface="Microsoft Himalaya"/>
+        <a:font script="Thaa" typeface="MV Boli"/>
+        <a:font script="Deva" typeface="Mangal"/>
+        <a:font script="Telu" typeface="Gautami"/>
+        <a:font script="Taml" typeface="Latha"/>
+        <a:font script="Syrc" typeface="Estrangelo Edessa"/>
+        <a:font script="Orya" typeface="Kalinga"/>
+        <a:font script="Mlym" typeface="Kartika"/>
+        <a:font script="Laoo" typeface="DokChampa"/>
+        <a:font script="Sinh" typeface="Iskoola Pota"/>
+        <a:font script="Mong" typeface="Mongolian Baiti"/>
+        <a:font script="Viet" typeface="Arial"/>
+        <a:font script="Uigh" typeface="Microsoft Uighur"/>
+        <a:font script="Geor" typeface="Sylfaen"/>
+        <a:font script="Armn" typeface="Arial"/>
+        <a:font script="Bugi" typeface="Leelawadee UI"/>
+        <a:font script="Bopo" typeface="Microsoft JhengHei"/>
+        <a:font script="Java" typeface="Javanese Text"/>
+        <a:font script="Lisu" typeface="Segoe UI"/>
+        <a:font script="Mymr" typeface="Myanmar Text"/>
+        <a:font script="Nkoo" typeface="Ebrima"/>
+        <a:font script="Olck" typeface="Nirmala UI"/>
+        <a:font script="Osma" typeface="Ebrima"/>
+        <a:font script="Phag" typeface="Phagspa"/>
+        <a:font script="Syrn" typeface="Estrangelo Edessa"/>
+        <a:font script="Syrj" typeface="Estrangelo Edessa"/>
+        <a:font script="Syre" typeface="Estrangelo Edessa"/>
+        <a:font script="Sora" typeface="Nirmala UI"/>
+        <a:font script="Tale" typeface="Microsoft Tai Le"/>
+        <a:font script="Talu" typeface="Microsoft New Tai Lue"/>
+        <a:font script="Tfng" typeface="Ebrima"/>
+      </a:minorFont>
+    </a:fontScheme>
+    <a:fmtScheme name="Office">
+      <a:fillStyleLst>
+        <a:solidFill>
+          <a:schemeClr val="phClr"/>
+        </a:solidFill>
+        <a:gradFill rotWithShape="1">
+          <a:gsLst>
+            <a:gs pos="0">
+              <a:schemeClr val="phClr">
+                <a:lumMod val="110000"/>
+                <a:satMod val="105000"/>
+                <a:tint val="67000"/>
+              </a:schemeClr>
+            </a:gs>
+            <a:gs pos="50000">
+              <a:schemeClr val="phClr">
+                <a:lumMod val="105000"/>
+                <a:satMod val="103000"/>
+                <a:tint val="73000"/>
+              </a:schemeClr>
+            </a:gs>
+            <a:gs pos="100000">
+              <a:schemeClr val="phClr">
+                <a:lumMod val="105000"/>
+                <a:satMod val="109000"/>
+                <a:tint val="81000"/>
+              </a:schemeClr>
+            </a:gs>
+          </a:gsLst>
+          <a:lin ang="5400000" scaled="0"/>
+        </a:gradFill>
+        <a:gradFill rotWithShape="1">
+          <a:gsLst>
+            <a:gs pos="0">
+              <a:schemeClr val="phClr">
+                <a:satMod val="103000"/>
+                <a:lumMod val="102000"/>
+                <a:tint val="94000"/>
+              </a:schemeClr>
+            </a:gs>
+            <a:gs pos="50000">
+              <a:schemeClr val="phClr">
+                <a:satMod val="110000"/>
+                <a:lumMod val="100000"/>
+                <a:shade val="100000"/>
+              </a:schemeClr>
+            </a:gs>
+            <a:gs pos="100000">
+              <a:schemeClr val="phClr">
+                <a:lumMod val="99000"/>
+                <a:satMod val="120000"/>
+                <a:shade val="78000"/>
+              </a:schemeClr>
+            </a:gs>
+          </a:gsLst>
+          <a:lin ang="5400000" scaled="0"/>
+        </a:gradFill>
+      </a:fillStyleLst>
+      <a:lnStyleLst>
+        <a:ln w="6350" cap="flat" cmpd="sng" algn="ctr">
+          <a:solidFill>
+            <a:schemeClr val="phClr"/>
+          </a:solidFill>
+          <a:prstDash val="solid"/>
+          <a:miter lim="800000"/>
+        </a:ln>
+        <a:ln w="12700" cap="flat" cmpd="sng" algn="ctr">
+          <a:solidFill>
+            <a:schemeClr val="phClr"/>
+          </a:solidFill>
+          <a:prstDash val="solid"/>
+          <a:miter lim="800000"/>
+        </a:ln>
+        <a:ln w="19050" cap="flat" cmpd="sng" algn="ctr">
+          <a:solidFill>
+            <a:schemeClr val="phClr"/>
+          </a:solidFill>
+          <a:prstDash val="solid"/>
+          <a:miter lim="800000"/>
+        </a:ln>
+      </a:lnStyleLst>
+      <a:effectStyleLst>
+        <a:effectStyle>
+          <a:effectLst/>
+        </a:effectStyle>
+        <a:effectStyle>
+          <a:effectLst/>
+        </a:effectStyle>
+        <a:effectStyle>
+          <a:effectLst>
+            <a:outerShdw blurRad="57150" dist="19050" dir="5400000" algn="ctr" rotWithShape="0">
+              <a:srgbClr val="000000">
+                <a:alpha val="63000"/>
+              </a:srgbClr>
+            </a:outerShdw>
+          </a:effectLst>
+        </a:effectStyle>
+      </a:effectStyleLst>
+      <a:bgFillStyleLst>
+        <a:solidFill>
+          <a:schemeClr val="phClr"/>
+        </a:solidFill>
+        <a:solidFill>
+          <a:schemeClr val="phClr">
+            <a:tint val="95000"/>
+            <a:satMod val="170000"/>
+          </a:schemeClr>
+        </a:solidFill>
+        <a:gradFill rotWithShape="1">
+          <a:gsLst>
+            <a:gs pos="0">
+              <a:schemeClr val="phClr">
+                <a:tint val="93000"/>
+                <a:satMod val="150000"/>
+                <a:shade val="98000"/>
+                <a:lumMod val="102000"/>
+              </a:schemeClr>
+            </a:gs>
+            <a:gs pos="50000">
+              <a:schemeClr val="phClr">
+                <a:tint val="98000"/>
+                <a:satMod val="130000"/>
+                <a:shade val="90000"/>
+                <a:lumMod val="103000"/>
+              </a:schemeClr>
+            </a:gs>
+            <a:gs pos="100000">
+              <a:schemeClr val="phClr">
+                <a:shade val="63000"/>
+                <a:satMod val="120000"/>
+              </a:schemeClr>
+            </a:gs>
+          </a:gsLst>
+          <a:lin ang="5400000" scaled="0"/>
+        </a:gradFill>
+      </a:bgFillStyleLst>
+    </a:fmtScheme>
+  </a:themeElements>
+  <a:objectDefaults/>
+  <a:extraClrSchemeLst/>
+  <a:extLst>
+    <a:ext uri="{05A4C25C-085E-4340-85A3-A5531E510DB2}">
+      <thm15:themeFamily xmlns:thm15="http://schemas.microsoft.com/office/thememl/2012/main" name="Office Theme" id="{62F939B6-93AF-4DB8-9C6B-D6C7DFDC589F}" vid="{4A3C46E8-61CC-4603-A589-7422A47A8E4A}"/>
+    </a:ext>
+  </a:extLst>
+</a:theme>
 </file>